--- a/ipsa/slides/lists.pptx
+++ b/ipsa/slides/lists.pptx
@@ -143,8 +143,99 @@
 </p:presentation>
 </file>
 
+<file path=ppt/revisionInfo.xml><?xml version="1.0" encoding="utf-8"?>
+<p1510:revInfo xmlns:a="http://schemas.openxmlformats.org/drawingml/2006/main" xmlns:r="http://schemas.openxmlformats.org/officeDocument/2006/relationships" xmlns:p1510="http://schemas.microsoft.com/office/powerpoint/2015/10/main">
+  <p1510:revLst>
+    <p1510:client id="{DB78D39E-575E-45E5-B6C0-876F5A9D7068}" v="4" dt="2023-02-08T10:56:14.972"/>
+  </p1510:revLst>
+</p1510:revInfo>
+</file>
+
 <file path=ppt/changesInfos/changesInfo1.xml><?xml version="1.0" encoding="utf-8"?>
 <pc:chgInfo xmlns:a="http://schemas.openxmlformats.org/drawingml/2006/main" xmlns:r="http://schemas.openxmlformats.org/officeDocument/2006/relationships" xmlns:ac="http://schemas.microsoft.com/office/drawing/2013/main/command" xmlns:pc="http://schemas.microsoft.com/office/powerpoint/2013/main/command">
+  <pc:docChgLst>
+    <pc:chgData name="Gerth Stølting Brodal" userId="04ef4784-6591-4f86-a140-f5c3b108582a" providerId="ADAL" clId="{DB78D39E-575E-45E5-B6C0-876F5A9D7068}"/>
+    <pc:docChg chg="undo redo custSel modSld">
+      <pc:chgData name="Gerth Stølting Brodal" userId="04ef4784-6591-4f86-a140-f5c3b108582a" providerId="ADAL" clId="{DB78D39E-575E-45E5-B6C0-876F5A9D7068}" dt="2023-02-08T11:31:38.112" v="321" actId="20577"/>
+      <pc:docMkLst>
+        <pc:docMk/>
+      </pc:docMkLst>
+      <pc:sldChg chg="modNotesTx">
+        <pc:chgData name="Gerth Stølting Brodal" userId="04ef4784-6591-4f86-a140-f5c3b108582a" providerId="ADAL" clId="{DB78D39E-575E-45E5-B6C0-876F5A9D7068}" dt="2023-02-08T11:16:08.551" v="265" actId="20577"/>
+        <pc:sldMkLst>
+          <pc:docMk/>
+          <pc:sldMk cId="597623407" sldId="459"/>
+        </pc:sldMkLst>
+      </pc:sldChg>
+      <pc:sldChg chg="modSp mod">
+        <pc:chgData name="Gerth Stølting Brodal" userId="04ef4784-6591-4f86-a140-f5c3b108582a" providerId="ADAL" clId="{DB78D39E-575E-45E5-B6C0-876F5A9D7068}" dt="2023-02-08T10:43:16.881" v="103" actId="20577"/>
+        <pc:sldMkLst>
+          <pc:docMk/>
+          <pc:sldMk cId="1841815763" sldId="485"/>
+        </pc:sldMkLst>
+        <pc:spChg chg="mod">
+          <ac:chgData name="Gerth Stølting Brodal" userId="04ef4784-6591-4f86-a140-f5c3b108582a" providerId="ADAL" clId="{DB78D39E-575E-45E5-B6C0-876F5A9D7068}" dt="2023-02-08T10:43:16.881" v="103" actId="20577"/>
+          <ac:spMkLst>
+            <pc:docMk/>
+            <pc:sldMk cId="1841815763" sldId="485"/>
+            <ac:spMk id="3" creationId="{00000000-0000-0000-0000-000000000000}"/>
+          </ac:spMkLst>
+        </pc:spChg>
+      </pc:sldChg>
+      <pc:sldChg chg="modSp mod">
+        <pc:chgData name="Gerth Stølting Brodal" userId="04ef4784-6591-4f86-a140-f5c3b108582a" providerId="ADAL" clId="{DB78D39E-575E-45E5-B6C0-876F5A9D7068}" dt="2023-02-08T08:47:52.638" v="10" actId="20577"/>
+        <pc:sldMkLst>
+          <pc:docMk/>
+          <pc:sldMk cId="3580155105" sldId="487"/>
+        </pc:sldMkLst>
+        <pc:spChg chg="mod">
+          <ac:chgData name="Gerth Stølting Brodal" userId="04ef4784-6591-4f86-a140-f5c3b108582a" providerId="ADAL" clId="{DB78D39E-575E-45E5-B6C0-876F5A9D7068}" dt="2023-02-08T08:47:52.638" v="10" actId="20577"/>
+          <ac:spMkLst>
+            <pc:docMk/>
+            <pc:sldMk cId="3580155105" sldId="487"/>
+            <ac:spMk id="3" creationId="{00000000-0000-0000-0000-000000000000}"/>
+          </ac:spMkLst>
+        </pc:spChg>
+      </pc:sldChg>
+      <pc:sldChg chg="addSp modSp mod modAnim modNotesTx">
+        <pc:chgData name="Gerth Stølting Brodal" userId="04ef4784-6591-4f86-a140-f5c3b108582a" providerId="ADAL" clId="{DB78D39E-575E-45E5-B6C0-876F5A9D7068}" dt="2023-02-08T10:57:01.602" v="208" actId="20577"/>
+        <pc:sldMkLst>
+          <pc:docMk/>
+          <pc:sldMk cId="2231878254" sldId="505"/>
+        </pc:sldMkLst>
+        <pc:spChg chg="add mod">
+          <ac:chgData name="Gerth Stølting Brodal" userId="04ef4784-6591-4f86-a140-f5c3b108582a" providerId="ADAL" clId="{DB78D39E-575E-45E5-B6C0-876F5A9D7068}" dt="2023-02-08T10:55:57.028" v="167" actId="14100"/>
+          <ac:spMkLst>
+            <pc:docMk/>
+            <pc:sldMk cId="2231878254" sldId="505"/>
+            <ac:spMk id="5" creationId="{7CADA278-923D-143B-3BB6-1FEE8AB4BB03}"/>
+          </ac:spMkLst>
+        </pc:spChg>
+      </pc:sldChg>
+      <pc:sldChg chg="modNotesTx">
+        <pc:chgData name="Gerth Stølting Brodal" userId="04ef4784-6591-4f86-a140-f5c3b108582a" providerId="ADAL" clId="{DB78D39E-575E-45E5-B6C0-876F5A9D7068}" dt="2023-02-08T11:17:10.610" v="316" actId="20577"/>
+        <pc:sldMkLst>
+          <pc:docMk/>
+          <pc:sldMk cId="144530098" sldId="507"/>
+        </pc:sldMkLst>
+      </pc:sldChg>
+      <pc:sldChg chg="modSp mod">
+        <pc:chgData name="Gerth Stølting Brodal" userId="04ef4784-6591-4f86-a140-f5c3b108582a" providerId="ADAL" clId="{DB78D39E-575E-45E5-B6C0-876F5A9D7068}" dt="2023-02-08T11:31:38.112" v="321" actId="20577"/>
+        <pc:sldMkLst>
+          <pc:docMk/>
+          <pc:sldMk cId="3794473685" sldId="515"/>
+        </pc:sldMkLst>
+        <pc:graphicFrameChg chg="modGraphic">
+          <ac:chgData name="Gerth Stølting Brodal" userId="04ef4784-6591-4f86-a140-f5c3b108582a" providerId="ADAL" clId="{DB78D39E-575E-45E5-B6C0-876F5A9D7068}" dt="2023-02-08T11:31:38.112" v="321" actId="20577"/>
+          <ac:graphicFrameMkLst>
+            <pc:docMk/>
+            <pc:sldMk cId="3794473685" sldId="515"/>
+            <ac:graphicFrameMk id="4" creationId="{00000000-0000-0000-0000-000000000000}"/>
+          </ac:graphicFrameMkLst>
+        </pc:graphicFrameChg>
+      </pc:sldChg>
+    </pc:docChg>
+  </pc:docChgLst>
   <pc:docChgLst>
     <pc:chgData name="Gerth Stølting Brodal" userId="04ef4784-6591-4f86-a140-f5c3b108582a" providerId="ADAL" clId="{DBC7B104-988F-491C-9F36-B33E053AAD93}"/>
     <pc:docChg chg="custSel modSld">
@@ -277,7 +368,7 @@
           <a:p>
             <a:fld id="{FB1A172F-81D4-4DC4-9113-1DBD56EC3646}" type="datetimeFigureOut">
               <a:rPr lang="en-US" smtClean="0"/>
-              <a:t>2/9/2022</a:t>
+              <a:t>2/8/2023</a:t>
             </a:fld>
             <a:endParaRPr lang="en-US"/>
           </a:p>
@@ -1397,7 +1488,10 @@
           <a:bodyPr/>
           <a:lstStyle/>
           <a:p>
-            <a:endParaRPr lang="en-US" dirty="0"/>
+            <a:r>
+              <a:rPr lang="en-US" dirty="0"/>
+              <a:t>Pythontutor.com only uses Python 3.6</a:t>
+            </a:r>
           </a:p>
         </p:txBody>
       </p:sp>
@@ -1692,6 +1786,12 @@
           </a:p>
           <a:p>
             <a:r>
+              <a:rPr lang="en-US" baseline="0" dirty="0"/>
+              <a:t>Needs keyword NEXT to indicate where the FOR loop ends</a:t>
+            </a:r>
+          </a:p>
+          <a:p>
+            <a:r>
               <a:rPr lang="en-US" dirty="0"/>
               <a:t>https://vice.pokefinder.org/ run x64.exe</a:t>
             </a:r>
@@ -1898,6 +1998,16 @@
             <a:r>
               <a:rPr lang="en-US" baseline="0" dirty="0"/>
               <a:t> of tested loops</a:t>
+            </a:r>
+          </a:p>
+          <a:p>
+            <a:r>
+              <a:rPr lang="en-US" baseline="0" dirty="0" err="1"/>
+              <a:t>Handin</a:t>
+            </a:r>
+            <a:r>
+              <a:rPr lang="en-US" baseline="0" dirty="0"/>
+              <a:t>: make a more efficient algorithm</a:t>
             </a:r>
             <a:endParaRPr lang="en-US" dirty="0"/>
           </a:p>
@@ -2076,7 +2186,7 @@
           <a:p>
             <a:fld id="{0560A9CD-0304-4E0B-9E82-E7E0115DE05B}" type="datetimeFigureOut">
               <a:rPr lang="en-US" smtClean="0"/>
-              <a:t>2/9/2022</a:t>
+              <a:t>2/8/2023</a:t>
             </a:fld>
             <a:endParaRPr lang="en-US"/>
           </a:p>
@@ -2244,7 +2354,7 @@
           <a:p>
             <a:fld id="{0560A9CD-0304-4E0B-9E82-E7E0115DE05B}" type="datetimeFigureOut">
               <a:rPr lang="en-US" smtClean="0"/>
-              <a:t>2/9/2022</a:t>
+              <a:t>2/8/2023</a:t>
             </a:fld>
             <a:endParaRPr lang="en-US"/>
           </a:p>
@@ -2422,7 +2532,7 @@
           <a:p>
             <a:fld id="{0560A9CD-0304-4E0B-9E82-E7E0115DE05B}" type="datetimeFigureOut">
               <a:rPr lang="en-US" smtClean="0"/>
-              <a:t>2/9/2022</a:t>
+              <a:t>2/8/2023</a:t>
             </a:fld>
             <a:endParaRPr lang="en-US"/>
           </a:p>
@@ -2599,7 +2709,7 @@
           <a:p>
             <a:fld id="{0560A9CD-0304-4E0B-9E82-E7E0115DE05B}" type="datetimeFigureOut">
               <a:rPr lang="en-US" smtClean="0"/>
-              <a:t>2/9/2022</a:t>
+              <a:t>2/8/2023</a:t>
             </a:fld>
             <a:endParaRPr lang="en-US"/>
           </a:p>
@@ -2844,7 +2954,7 @@
           <a:p>
             <a:fld id="{0560A9CD-0304-4E0B-9E82-E7E0115DE05B}" type="datetimeFigureOut">
               <a:rPr lang="en-US" smtClean="0"/>
-              <a:t>2/9/2022</a:t>
+              <a:t>2/8/2023</a:t>
             </a:fld>
             <a:endParaRPr lang="en-US"/>
           </a:p>
@@ -3073,7 +3183,7 @@
           <a:p>
             <a:fld id="{0560A9CD-0304-4E0B-9E82-E7E0115DE05B}" type="datetimeFigureOut">
               <a:rPr lang="en-US" smtClean="0"/>
-              <a:t>2/9/2022</a:t>
+              <a:t>2/8/2023</a:t>
             </a:fld>
             <a:endParaRPr lang="en-US"/>
           </a:p>
@@ -3437,7 +3547,7 @@
           <a:p>
             <a:fld id="{0560A9CD-0304-4E0B-9E82-E7E0115DE05B}" type="datetimeFigureOut">
               <a:rPr lang="en-US" smtClean="0"/>
-              <a:t>2/9/2022</a:t>
+              <a:t>2/8/2023</a:t>
             </a:fld>
             <a:endParaRPr lang="en-US"/>
           </a:p>
@@ -3554,7 +3664,7 @@
           <a:p>
             <a:fld id="{0560A9CD-0304-4E0B-9E82-E7E0115DE05B}" type="datetimeFigureOut">
               <a:rPr lang="en-US" smtClean="0"/>
-              <a:t>2/9/2022</a:t>
+              <a:t>2/8/2023</a:t>
             </a:fld>
             <a:endParaRPr lang="en-US"/>
           </a:p>
@@ -3649,7 +3759,7 @@
           <a:p>
             <a:fld id="{0560A9CD-0304-4E0B-9E82-E7E0115DE05B}" type="datetimeFigureOut">
               <a:rPr lang="en-US" smtClean="0"/>
-              <a:t>2/9/2022</a:t>
+              <a:t>2/8/2023</a:t>
             </a:fld>
             <a:endParaRPr lang="en-US"/>
           </a:p>
@@ -3924,7 +4034,7 @@
           <a:p>
             <a:fld id="{0560A9CD-0304-4E0B-9E82-E7E0115DE05B}" type="datetimeFigureOut">
               <a:rPr lang="en-US" smtClean="0"/>
-              <a:t>2/9/2022</a:t>
+              <a:t>2/8/2023</a:t>
             </a:fld>
             <a:endParaRPr lang="en-US"/>
           </a:p>
@@ -4176,7 +4286,7 @@
           <a:p>
             <a:fld id="{0560A9CD-0304-4E0B-9E82-E7E0115DE05B}" type="datetimeFigureOut">
               <a:rPr lang="en-US" smtClean="0"/>
-              <a:t>2/9/2022</a:t>
+              <a:t>2/8/2023</a:t>
             </a:fld>
             <a:endParaRPr lang="en-US"/>
           </a:p>
@@ -4387,7 +4497,7 @@
           <a:p>
             <a:fld id="{0560A9CD-0304-4E0B-9E82-E7E0115DE05B}" type="datetimeFigureOut">
               <a:rPr lang="en-US" smtClean="0"/>
-              <a:t>2/9/2022</a:t>
+              <a:t>2/8/2023</a:t>
             </a:fld>
             <a:endParaRPr lang="en-US"/>
           </a:p>
@@ -8170,6 +8280,49 @@
           </a:p>
         </p:txBody>
       </p:sp>
+      <p:sp>
+        <p:nvSpPr>
+          <p:cNvPr id="5" name="TextBox 4">
+            <a:extLst>
+              <a:ext uri="{FF2B5EF4-FFF2-40B4-BE49-F238E27FC236}">
+                <a16:creationId xmlns:a16="http://schemas.microsoft.com/office/drawing/2014/main" id="{7CADA278-923D-143B-3BB6-1FEE8AB4BB03}"/>
+              </a:ext>
+            </a:extLst>
+          </p:cNvPr>
+          <p:cNvSpPr txBox="1"/>
+          <p:nvPr/>
+        </p:nvSpPr>
+        <p:spPr>
+          <a:xfrm>
+            <a:off x="9833595" y="6440056"/>
+            <a:ext cx="2241635" cy="369332"/>
+          </a:xfrm>
+          <a:prstGeom prst="rect">
+            <a:avLst/>
+          </a:prstGeom>
+          <a:noFill/>
+        </p:spPr>
+        <p:txBody>
+          <a:bodyPr wrap="square">
+            <a:spAutoFit/>
+          </a:bodyPr>
+          <a:lstStyle/>
+          <a:p>
+            <a:pPr algn="r"/>
+            <a:r>
+              <a:rPr lang="da-DK" dirty="0"/>
+              <a:t>Try </a:t>
+            </a:r>
+            <a:r>
+              <a:rPr lang="da-DK" dirty="0">
+                <a:hlinkClick r:id="rId3"/>
+              </a:rPr>
+              <a:t>pythontutor.com</a:t>
+            </a:r>
+            <a:endParaRPr lang="da-DK" dirty="0"/>
+          </a:p>
+        </p:txBody>
+      </p:sp>
     </p:spTree>
     <p:extLst>
       <p:ext uri="{BB962C8B-B14F-4D97-AF65-F5344CB8AC3E}">
@@ -8241,6 +8394,59 @@
                       </p:childTnLst>
                     </p:cTn>
                   </p:par>
+                  <p:par>
+                    <p:cTn id="8" fill="hold">
+                      <p:stCondLst>
+                        <p:cond delay="indefinite"/>
+                      </p:stCondLst>
+                      <p:childTnLst>
+                        <p:par>
+                          <p:cTn id="9" fill="hold">
+                            <p:stCondLst>
+                              <p:cond delay="0"/>
+                            </p:stCondLst>
+                            <p:childTnLst>
+                              <p:par>
+                                <p:cTn id="10" presetID="10" presetClass="entr" presetSubtype="0" fill="hold" grpId="0" nodeType="clickEffect">
+                                  <p:stCondLst>
+                                    <p:cond delay="0"/>
+                                  </p:stCondLst>
+                                  <p:childTnLst>
+                                    <p:set>
+                                      <p:cBhvr>
+                                        <p:cTn id="11" dur="1" fill="hold">
+                                          <p:stCondLst>
+                                            <p:cond delay="0"/>
+                                          </p:stCondLst>
+                                        </p:cTn>
+                                        <p:tgtEl>
+                                          <p:spTgt spid="5"/>
+                                        </p:tgtEl>
+                                        <p:attrNameLst>
+                                          <p:attrName>style.visibility</p:attrName>
+                                        </p:attrNameLst>
+                                      </p:cBhvr>
+                                      <p:to>
+                                        <p:strVal val="visible"/>
+                                      </p:to>
+                                    </p:set>
+                                    <p:animEffect transition="in" filter="fade">
+                                      <p:cBhvr>
+                                        <p:cTn id="12" dur="500"/>
+                                        <p:tgtEl>
+                                          <p:spTgt spid="5"/>
+                                        </p:tgtEl>
+                                      </p:cBhvr>
+                                    </p:animEffect>
+                                  </p:childTnLst>
+                                </p:cTn>
+                              </p:par>
+                            </p:childTnLst>
+                          </p:cTn>
+                        </p:par>
+                      </p:childTnLst>
+                    </p:cTn>
+                  </p:par>
                 </p:childTnLst>
               </p:cTn>
               <p:prevCondLst>
@@ -8264,6 +8470,7 @@
     </p:tnLst>
     <p:bldLst>
       <p:bldP spid="32" grpId="0" animBg="1"/>
+      <p:bldP spid="5" grpId="0"/>
     </p:bldLst>
   </p:timing>
 </p:sld>
@@ -16237,8 +16444,36 @@
                 <a:latin typeface="Courier New" panose="02070309020205020404" pitchFamily="49" charset="0"/>
                 <a:cs typeface="Courier New" panose="02070309020205020404" pitchFamily="49" charset="0"/>
               </a:rPr>
-              <a:t> e in L</a:t>
-            </a:r>
+              <a:t> e in L </a:t>
+            </a:r>
+            <a:r>
+              <a:rPr lang="en-US" dirty="0"/>
+              <a:t>(returns </a:t>
+            </a:r>
+            <a:r>
+              <a:rPr lang="en-US" dirty="0">
+                <a:latin typeface="Courier"/>
+              </a:rPr>
+              <a:t>True</a:t>
+            </a:r>
+            <a:r>
+              <a:rPr lang="en-US" dirty="0"/>
+              <a:t> or </a:t>
+            </a:r>
+            <a:r>
+              <a:rPr lang="en-US" dirty="0">
+                <a:latin typeface="Courier"/>
+              </a:rPr>
+              <a:t>False</a:t>
+            </a:r>
+            <a:r>
+              <a:rPr lang="en-US" dirty="0"/>
+              <a:t>)</a:t>
+            </a:r>
+            <a:endParaRPr lang="en-US" dirty="0">
+              <a:latin typeface="Courier"/>
+              <a:cs typeface="Courier New" panose="02070309020205020404" pitchFamily="49" charset="0"/>
+            </a:endParaRPr>
           </a:p>
           <a:p>
             <a:r>
@@ -16291,8 +16526,27 @@
                 <a:latin typeface="Courier New" panose="02070309020205020404" pitchFamily="49" charset="0"/>
                 <a:cs typeface="Courier New" panose="02070309020205020404" pitchFamily="49" charset="0"/>
               </a:rPr>
-              <a:t> e not in L</a:t>
-            </a:r>
+              <a:t> e not in L </a:t>
+            </a:r>
+            <a:r>
+              <a:rPr lang="en-US" dirty="0"/>
+              <a:t>(same as</a:t>
+            </a:r>
+            <a:r>
+              <a:rPr lang="en-US" dirty="0">
+                <a:latin typeface="Courier New" panose="02070309020205020404" pitchFamily="49" charset="0"/>
+                <a:cs typeface="Courier New" panose="02070309020205020404" pitchFamily="49" charset="0"/>
+              </a:rPr>
+              <a:t> not e in L</a:t>
+            </a:r>
+            <a:r>
+              <a:rPr lang="en-US" dirty="0"/>
+              <a:t>)</a:t>
+            </a:r>
+            <a:endParaRPr lang="en-US" dirty="0">
+              <a:latin typeface="Courier New" panose="02070309020205020404" pitchFamily="49" charset="0"/>
+              <a:cs typeface="Courier New" panose="02070309020205020404" pitchFamily="49" charset="0"/>
+            </a:endParaRPr>
           </a:p>
           <a:p>
             <a:r>
@@ -25634,7 +25888,7 @@
           <p:nvPr>
             <p:extLst>
               <p:ext uri="{D42A27DB-BD31-4B8C-83A1-F6EECF244321}">
-                <p14:modId xmlns:p14="http://schemas.microsoft.com/office/powerpoint/2010/main" val="1764404197"/>
+                <p14:modId xmlns:p14="http://schemas.microsoft.com/office/powerpoint/2010/main" val="1105276637"/>
               </p:ext>
             </p:extLst>
           </p:nvPr>
@@ -25961,7 +26215,29 @@
                           <a:latin typeface="Courier New" panose="02070309020205020404" pitchFamily="49" charset="0"/>
                           <a:cs typeface="Courier New" panose="02070309020205020404" pitchFamily="49" charset="0"/>
                         </a:rPr>
-                        <a:t>del L[i]  </a:t>
+                        <a:t>del L[i</a:t>
+                      </a:r>
+                      <a:r>
+                        <a:rPr lang="en-US" sz="1400" b="1">
+                          <a:solidFill>
+                            <a:srgbClr val="C00000"/>
+                          </a:solidFill>
+                          <a:latin typeface="Courier New" panose="02070309020205020404" pitchFamily="49" charset="0"/>
+                          <a:cs typeface="Courier New" panose="02070309020205020404" pitchFamily="49" charset="0"/>
+                        </a:rPr>
+                        <a:t>]       </a:t>
+                      </a:r>
+                      <a:r>
+                        <a:rPr lang="en-US" sz="1400" b="1">
+                          <a:solidFill>
+                            <a:schemeClr val="bg1">
+                              <a:lumMod val="50000"/>
+                            </a:schemeClr>
+                          </a:solidFill>
+                          <a:latin typeface="Courier New" panose="02070309020205020404" pitchFamily="49" charset="0"/>
+                          <a:cs typeface="Courier New" panose="02070309020205020404" pitchFamily="49" charset="0"/>
+                        </a:rPr>
+                        <a:t># </a:t>
                       </a:r>
                       <a:r>
                         <a:rPr lang="en-US" sz="1400" b="1" dirty="0">
@@ -25973,7 +26249,7 @@
                           <a:latin typeface="Courier New" panose="02070309020205020404" pitchFamily="49" charset="0"/>
                           <a:cs typeface="Courier New" panose="02070309020205020404" pitchFamily="49" charset="0"/>
                         </a:rPr>
-                        <a:t># remove L[i] from L</a:t>
+                        <a:t>remove L[i] from L</a:t>
                       </a:r>
                     </a:p>
                     <a:p>

--- a/ipsa/slides/lists.pptx
+++ b/ipsa/slides/lists.pptx
@@ -156,7 +156,7 @@
   <pc:docChgLst>
     <pc:chgData name="Gerth Stølting Brodal" userId="04ef4784-6591-4f86-a140-f5c3b108582a" providerId="ADAL" clId="{DB78D39E-575E-45E5-B6C0-876F5A9D7068}"/>
     <pc:docChg chg="undo redo custSel modSld">
-      <pc:chgData name="Gerth Stølting Brodal" userId="04ef4784-6591-4f86-a140-f5c3b108582a" providerId="ADAL" clId="{DB78D39E-575E-45E5-B6C0-876F5A9D7068}" dt="2023-02-08T11:31:38.112" v="321" actId="20577"/>
+      <pc:chgData name="Gerth Stølting Brodal" userId="04ef4784-6591-4f86-a140-f5c3b108582a" providerId="ADAL" clId="{DB78D39E-575E-45E5-B6C0-876F5A9D7068}" dt="2023-02-12T11:41:36.212" v="328" actId="20577"/>
       <pc:docMkLst>
         <pc:docMk/>
       </pc:docMkLst>
@@ -218,6 +218,36 @@
           <pc:docMk/>
           <pc:sldMk cId="144530098" sldId="507"/>
         </pc:sldMkLst>
+      </pc:sldChg>
+      <pc:sldChg chg="modSp mod">
+        <pc:chgData name="Gerth Stølting Brodal" userId="04ef4784-6591-4f86-a140-f5c3b108582a" providerId="ADAL" clId="{DB78D39E-575E-45E5-B6C0-876F5A9D7068}" dt="2023-02-12T11:41:36.212" v="328" actId="20577"/>
+        <pc:sldMkLst>
+          <pc:docMk/>
+          <pc:sldMk cId="637895129" sldId="513"/>
+        </pc:sldMkLst>
+        <pc:spChg chg="mod">
+          <ac:chgData name="Gerth Stølting Brodal" userId="04ef4784-6591-4f86-a140-f5c3b108582a" providerId="ADAL" clId="{DB78D39E-575E-45E5-B6C0-876F5A9D7068}" dt="2023-02-12T11:41:36.212" v="328" actId="20577"/>
+          <ac:spMkLst>
+            <pc:docMk/>
+            <pc:sldMk cId="637895129" sldId="513"/>
+            <ac:spMk id="6" creationId="{00000000-0000-0000-0000-000000000000}"/>
+          </ac:spMkLst>
+        </pc:spChg>
+      </pc:sldChg>
+      <pc:sldChg chg="modSp mod">
+        <pc:chgData name="Gerth Stølting Brodal" userId="04ef4784-6591-4f86-a140-f5c3b108582a" providerId="ADAL" clId="{DB78D39E-575E-45E5-B6C0-876F5A9D7068}" dt="2023-02-12T10:52:44.938" v="323" actId="20577"/>
+        <pc:sldMkLst>
+          <pc:docMk/>
+          <pc:sldMk cId="2400466622" sldId="514"/>
+        </pc:sldMkLst>
+        <pc:spChg chg="mod">
+          <ac:chgData name="Gerth Stølting Brodal" userId="04ef4784-6591-4f86-a140-f5c3b108582a" providerId="ADAL" clId="{DB78D39E-575E-45E5-B6C0-876F5A9D7068}" dt="2023-02-12T10:52:44.938" v="323" actId="20577"/>
+          <ac:spMkLst>
+            <pc:docMk/>
+            <pc:sldMk cId="2400466622" sldId="514"/>
+            <ac:spMk id="3" creationId="{00000000-0000-0000-0000-000000000000}"/>
+          </ac:spMkLst>
+        </pc:spChg>
       </pc:sldChg>
       <pc:sldChg chg="modSp mod">
         <pc:chgData name="Gerth Stølting Brodal" userId="04ef4784-6591-4f86-a140-f5c3b108582a" providerId="ADAL" clId="{DB78D39E-575E-45E5-B6C0-876F5A9D7068}" dt="2023-02-08T11:31:38.112" v="321" actId="20577"/>
@@ -368,7 +398,7 @@
           <a:p>
             <a:fld id="{FB1A172F-81D4-4DC4-9113-1DBD56EC3646}" type="datetimeFigureOut">
               <a:rPr lang="en-US" smtClean="0"/>
-              <a:t>2/8/2023</a:t>
+              <a:t>2/12/2023</a:t>
             </a:fld>
             <a:endParaRPr lang="en-US"/>
           </a:p>
@@ -2186,7 +2216,7 @@
           <a:p>
             <a:fld id="{0560A9CD-0304-4E0B-9E82-E7E0115DE05B}" type="datetimeFigureOut">
               <a:rPr lang="en-US" smtClean="0"/>
-              <a:t>2/8/2023</a:t>
+              <a:t>2/12/2023</a:t>
             </a:fld>
             <a:endParaRPr lang="en-US"/>
           </a:p>
@@ -2354,7 +2384,7 @@
           <a:p>
             <a:fld id="{0560A9CD-0304-4E0B-9E82-E7E0115DE05B}" type="datetimeFigureOut">
               <a:rPr lang="en-US" smtClean="0"/>
-              <a:t>2/8/2023</a:t>
+              <a:t>2/12/2023</a:t>
             </a:fld>
             <a:endParaRPr lang="en-US"/>
           </a:p>
@@ -2532,7 +2562,7 @@
           <a:p>
             <a:fld id="{0560A9CD-0304-4E0B-9E82-E7E0115DE05B}" type="datetimeFigureOut">
               <a:rPr lang="en-US" smtClean="0"/>
-              <a:t>2/8/2023</a:t>
+              <a:t>2/12/2023</a:t>
             </a:fld>
             <a:endParaRPr lang="en-US"/>
           </a:p>
@@ -2709,7 +2739,7 @@
           <a:p>
             <a:fld id="{0560A9CD-0304-4E0B-9E82-E7E0115DE05B}" type="datetimeFigureOut">
               <a:rPr lang="en-US" smtClean="0"/>
-              <a:t>2/8/2023</a:t>
+              <a:t>2/12/2023</a:t>
             </a:fld>
             <a:endParaRPr lang="en-US"/>
           </a:p>
@@ -2954,7 +2984,7 @@
           <a:p>
             <a:fld id="{0560A9CD-0304-4E0B-9E82-E7E0115DE05B}" type="datetimeFigureOut">
               <a:rPr lang="en-US" smtClean="0"/>
-              <a:t>2/8/2023</a:t>
+              <a:t>2/12/2023</a:t>
             </a:fld>
             <a:endParaRPr lang="en-US"/>
           </a:p>
@@ -3183,7 +3213,7 @@
           <a:p>
             <a:fld id="{0560A9CD-0304-4E0B-9E82-E7E0115DE05B}" type="datetimeFigureOut">
               <a:rPr lang="en-US" smtClean="0"/>
-              <a:t>2/8/2023</a:t>
+              <a:t>2/12/2023</a:t>
             </a:fld>
             <a:endParaRPr lang="en-US"/>
           </a:p>
@@ -3547,7 +3577,7 @@
           <a:p>
             <a:fld id="{0560A9CD-0304-4E0B-9E82-E7E0115DE05B}" type="datetimeFigureOut">
               <a:rPr lang="en-US" smtClean="0"/>
-              <a:t>2/8/2023</a:t>
+              <a:t>2/12/2023</a:t>
             </a:fld>
             <a:endParaRPr lang="en-US"/>
           </a:p>
@@ -3664,7 +3694,7 @@
           <a:p>
             <a:fld id="{0560A9CD-0304-4E0B-9E82-E7E0115DE05B}" type="datetimeFigureOut">
               <a:rPr lang="en-US" smtClean="0"/>
-              <a:t>2/8/2023</a:t>
+              <a:t>2/12/2023</a:t>
             </a:fld>
             <a:endParaRPr lang="en-US"/>
           </a:p>
@@ -3759,7 +3789,7 @@
           <a:p>
             <a:fld id="{0560A9CD-0304-4E0B-9E82-E7E0115DE05B}" type="datetimeFigureOut">
               <a:rPr lang="en-US" smtClean="0"/>
-              <a:t>2/8/2023</a:t>
+              <a:t>2/12/2023</a:t>
             </a:fld>
             <a:endParaRPr lang="en-US"/>
           </a:p>
@@ -4034,7 +4064,7 @@
           <a:p>
             <a:fld id="{0560A9CD-0304-4E0B-9E82-E7E0115DE05B}" type="datetimeFigureOut">
               <a:rPr lang="en-US" smtClean="0"/>
-              <a:t>2/8/2023</a:t>
+              <a:t>2/12/2023</a:t>
             </a:fld>
             <a:endParaRPr lang="en-US"/>
           </a:p>
@@ -4286,7 +4316,7 @@
           <a:p>
             <a:fld id="{0560A9CD-0304-4E0B-9E82-E7E0115DE05B}" type="datetimeFigureOut">
               <a:rPr lang="en-US" smtClean="0"/>
-              <a:t>2/8/2023</a:t>
+              <a:t>2/12/2023</a:t>
             </a:fld>
             <a:endParaRPr lang="en-US"/>
           </a:p>
@@ -4497,7 +4527,7 @@
           <a:p>
             <a:fld id="{0560A9CD-0304-4E0B-9E82-E7E0115DE05B}" type="datetimeFigureOut">
               <a:rPr lang="en-US" smtClean="0"/>
-              <a:t>2/8/2023</a:t>
+              <a:t>2/12/2023</a:t>
             </a:fld>
             <a:endParaRPr lang="en-US"/>
           </a:p>
@@ -23299,7 +23329,14 @@
           <a:p>
             <a:r>
               <a:rPr lang="en-US" sz="2400" dirty="0"/>
-              <a:t>Creating new / deleting entries in a list depends on position, Python optimizes towards updates at the end</a:t>
+              <a:t>Creating new / deleting entries in a list depends on position, </a:t>
+            </a:r>
+            <a:br>
+              <a:rPr lang="en-US" sz="2400" dirty="0"/>
+            </a:br>
+            <a:r>
+              <a:rPr lang="en-US" sz="2400" dirty="0"/>
+              <a:t>Python optimizes towards updates at the end</a:t>
             </a:r>
           </a:p>
           <a:p>
@@ -23372,14 +23409,11 @@
               </a:rPr>
               <a:t>()</a:t>
             </a:r>
-            <a:r>
-              <a:rPr lang="en-US" sz="2400" dirty="0">
-                <a:solidFill>
-                  <a:srgbClr val="C00000"/>
-                </a:solidFill>
-              </a:rPr>
-              <a:t>.</a:t>
-            </a:r>
+            <a:endParaRPr lang="en-US" sz="2400" dirty="0">
+              <a:solidFill>
+                <a:srgbClr val="C00000"/>
+              </a:solidFill>
+            </a:endParaRPr>
           </a:p>
           <a:p>
             <a:r>
@@ -25131,7 +25165,15 @@
           <a:p>
             <a:r>
               <a:rPr lang="en-US" dirty="0"/>
-              <a:t>List insertions at begin vs end</a:t>
+              <a:t>List insertions </a:t>
+            </a:r>
+            <a:r>
+              <a:rPr lang="en-US"/>
+              <a:t>at front </a:t>
+            </a:r>
+            <a:r>
+              <a:rPr lang="en-US" dirty="0"/>
+              <a:t>vs end</a:t>
             </a:r>
           </a:p>
         </p:txBody>

--- a/ipsa/slides/lists.pptx
+++ b/ipsa/slides/lists.pptx
@@ -146,7 +146,7 @@
 <file path=ppt/revisionInfo.xml><?xml version="1.0" encoding="utf-8"?>
 <p1510:revInfo xmlns:a="http://schemas.openxmlformats.org/drawingml/2006/main" xmlns:r="http://schemas.openxmlformats.org/officeDocument/2006/relationships" xmlns:p1510="http://schemas.microsoft.com/office/powerpoint/2015/10/main">
   <p1510:revLst>
-    <p1510:client id="{DB78D39E-575E-45E5-B6C0-876F5A9D7068}" v="4" dt="2023-02-08T10:56:14.972"/>
+    <p1510:client id="{48BD50EB-D70C-4B82-BF38-DF8E8FD7B8E8}" v="4" dt="2023-07-15T11:46:33.218"/>
   </p1510:revLst>
 </p1510:revInfo>
 </file>
@@ -267,6 +267,131 @@
     </pc:docChg>
   </pc:docChgLst>
   <pc:docChgLst>
+    <pc:chgData name="Gerth Stølting Brodal" userId="04ef4784-6591-4f86-a140-f5c3b108582a" providerId="ADAL" clId="{48BD50EB-D70C-4B82-BF38-DF8E8FD7B8E8}"/>
+    <pc:docChg chg="undo redo custSel modSld">
+      <pc:chgData name="Gerth Stølting Brodal" userId="04ef4784-6591-4f86-a140-f5c3b108582a" providerId="ADAL" clId="{48BD50EB-D70C-4B82-BF38-DF8E8FD7B8E8}" dt="2023-07-15T11:46:31.435" v="61" actId="313"/>
+      <pc:docMkLst>
+        <pc:docMk/>
+      </pc:docMkLst>
+      <pc:sldChg chg="modSp mod addAnim delAnim">
+        <pc:chgData name="Gerth Stølting Brodal" userId="04ef4784-6591-4f86-a140-f5c3b108582a" providerId="ADAL" clId="{48BD50EB-D70C-4B82-BF38-DF8E8FD7B8E8}" dt="2023-07-15T11:46:31.435" v="61" actId="313"/>
+        <pc:sldMkLst>
+          <pc:docMk/>
+          <pc:sldMk cId="317541545" sldId="490"/>
+        </pc:sldMkLst>
+        <pc:graphicFrameChg chg="modGraphic">
+          <ac:chgData name="Gerth Stølting Brodal" userId="04ef4784-6591-4f86-a140-f5c3b108582a" providerId="ADAL" clId="{48BD50EB-D70C-4B82-BF38-DF8E8FD7B8E8}" dt="2023-07-15T11:38:49.443" v="32" actId="313"/>
+          <ac:graphicFrameMkLst>
+            <pc:docMk/>
+            <pc:sldMk cId="317541545" sldId="490"/>
+            <ac:graphicFrameMk id="4" creationId="{00000000-0000-0000-0000-000000000000}"/>
+          </ac:graphicFrameMkLst>
+        </pc:graphicFrameChg>
+        <pc:graphicFrameChg chg="modGraphic">
+          <ac:chgData name="Gerth Stølting Brodal" userId="04ef4784-6591-4f86-a140-f5c3b108582a" providerId="ADAL" clId="{48BD50EB-D70C-4B82-BF38-DF8E8FD7B8E8}" dt="2023-07-15T11:38:53.104" v="38" actId="313"/>
+          <ac:graphicFrameMkLst>
+            <pc:docMk/>
+            <pc:sldMk cId="317541545" sldId="490"/>
+            <ac:graphicFrameMk id="5" creationId="{00000000-0000-0000-0000-000000000000}"/>
+          </ac:graphicFrameMkLst>
+        </pc:graphicFrameChg>
+        <pc:graphicFrameChg chg="modGraphic">
+          <ac:chgData name="Gerth Stølting Brodal" userId="04ef4784-6591-4f86-a140-f5c3b108582a" providerId="ADAL" clId="{48BD50EB-D70C-4B82-BF38-DF8E8FD7B8E8}" dt="2023-07-15T11:39:00.475" v="44" actId="313"/>
+          <ac:graphicFrameMkLst>
+            <pc:docMk/>
+            <pc:sldMk cId="317541545" sldId="490"/>
+            <ac:graphicFrameMk id="6" creationId="{00000000-0000-0000-0000-000000000000}"/>
+          </ac:graphicFrameMkLst>
+        </pc:graphicFrameChg>
+        <pc:graphicFrameChg chg="modGraphic">
+          <ac:chgData name="Gerth Stølting Brodal" userId="04ef4784-6591-4f86-a140-f5c3b108582a" providerId="ADAL" clId="{48BD50EB-D70C-4B82-BF38-DF8E8FD7B8E8}" dt="2023-07-15T11:39:04.230" v="50" actId="313"/>
+          <ac:graphicFrameMkLst>
+            <pc:docMk/>
+            <pc:sldMk cId="317541545" sldId="490"/>
+            <ac:graphicFrameMk id="7" creationId="{00000000-0000-0000-0000-000000000000}"/>
+          </ac:graphicFrameMkLst>
+        </pc:graphicFrameChg>
+        <pc:graphicFrameChg chg="modGraphic">
+          <ac:chgData name="Gerth Stølting Brodal" userId="04ef4784-6591-4f86-a140-f5c3b108582a" providerId="ADAL" clId="{48BD50EB-D70C-4B82-BF38-DF8E8FD7B8E8}" dt="2023-07-15T11:46:31.435" v="61" actId="313"/>
+          <ac:graphicFrameMkLst>
+            <pc:docMk/>
+            <pc:sldMk cId="317541545" sldId="490"/>
+            <ac:graphicFrameMk id="8" creationId="{00000000-0000-0000-0000-000000000000}"/>
+          </ac:graphicFrameMkLst>
+        </pc:graphicFrameChg>
+      </pc:sldChg>
+      <pc:sldChg chg="modSp mod addAnim delAnim">
+        <pc:chgData name="Gerth Stølting Brodal" userId="04ef4784-6591-4f86-a140-f5c3b108582a" providerId="ADAL" clId="{48BD50EB-D70C-4B82-BF38-DF8E8FD7B8E8}" dt="2023-07-15T11:37:48.770" v="14" actId="313"/>
+        <pc:sldMkLst>
+          <pc:docMk/>
+          <pc:sldMk cId="3433855882" sldId="491"/>
+        </pc:sldMkLst>
+        <pc:graphicFrameChg chg="modGraphic">
+          <ac:chgData name="Gerth Stølting Brodal" userId="04ef4784-6591-4f86-a140-f5c3b108582a" providerId="ADAL" clId="{48BD50EB-D70C-4B82-BF38-DF8E8FD7B8E8}" dt="2023-07-15T11:37:48.770" v="14" actId="313"/>
+          <ac:graphicFrameMkLst>
+            <pc:docMk/>
+            <pc:sldMk cId="3433855882" sldId="491"/>
+            <ac:graphicFrameMk id="4" creationId="{00000000-0000-0000-0000-000000000000}"/>
+          </ac:graphicFrameMkLst>
+        </pc:graphicFrameChg>
+      </pc:sldChg>
+      <pc:sldChg chg="modSp mod">
+        <pc:chgData name="Gerth Stølting Brodal" userId="04ef4784-6591-4f86-a140-f5c3b108582a" providerId="ADAL" clId="{48BD50EB-D70C-4B82-BF38-DF8E8FD7B8E8}" dt="2023-07-15T11:38:03.015" v="21" actId="313"/>
+        <pc:sldMkLst>
+          <pc:docMk/>
+          <pc:sldMk cId="144530098" sldId="507"/>
+        </pc:sldMkLst>
+        <pc:graphicFrameChg chg="modGraphic">
+          <ac:chgData name="Gerth Stølting Brodal" userId="04ef4784-6591-4f86-a140-f5c3b108582a" providerId="ADAL" clId="{48BD50EB-D70C-4B82-BF38-DF8E8FD7B8E8}" dt="2023-07-15T11:38:03.015" v="21" actId="313"/>
+          <ac:graphicFrameMkLst>
+            <pc:docMk/>
+            <pc:sldMk cId="144530098" sldId="507"/>
+            <ac:graphicFrameMk id="4" creationId="{00000000-0000-0000-0000-000000000000}"/>
+          </ac:graphicFrameMkLst>
+        </pc:graphicFrameChg>
+      </pc:sldChg>
+      <pc:sldChg chg="addSp delSp modSp mod">
+        <pc:chgData name="Gerth Stølting Brodal" userId="04ef4784-6591-4f86-a140-f5c3b108582a" providerId="ADAL" clId="{48BD50EB-D70C-4B82-BF38-DF8E8FD7B8E8}" dt="2023-07-15T11:46:25.812" v="59" actId="478"/>
+        <pc:sldMkLst>
+          <pc:docMk/>
+          <pc:sldMk cId="637895129" sldId="513"/>
+        </pc:sldMkLst>
+        <pc:grpChg chg="add del">
+          <ac:chgData name="Gerth Stølting Brodal" userId="04ef4784-6591-4f86-a140-f5c3b108582a" providerId="ADAL" clId="{48BD50EB-D70C-4B82-BF38-DF8E8FD7B8E8}" dt="2023-07-15T11:46:25.812" v="59" actId="478"/>
+          <ac:grpSpMkLst>
+            <pc:docMk/>
+            <pc:sldMk cId="637895129" sldId="513"/>
+            <ac:grpSpMk id="14" creationId="{00000000-0000-0000-0000-000000000000}"/>
+          </ac:grpSpMkLst>
+        </pc:grpChg>
+        <pc:grpChg chg="add del">
+          <ac:chgData name="Gerth Stølting Brodal" userId="04ef4784-6591-4f86-a140-f5c3b108582a" providerId="ADAL" clId="{48BD50EB-D70C-4B82-BF38-DF8E8FD7B8E8}" dt="2023-07-15T11:46:25.812" v="59" actId="478"/>
+          <ac:grpSpMkLst>
+            <pc:docMk/>
+            <pc:sldMk cId="637895129" sldId="513"/>
+            <ac:grpSpMk id="18" creationId="{00000000-0000-0000-0000-000000000000}"/>
+          </ac:grpSpMkLst>
+        </pc:grpChg>
+        <pc:grpChg chg="add del">
+          <ac:chgData name="Gerth Stølting Brodal" userId="04ef4784-6591-4f86-a140-f5c3b108582a" providerId="ADAL" clId="{48BD50EB-D70C-4B82-BF38-DF8E8FD7B8E8}" dt="2023-07-15T11:46:25.812" v="59" actId="478"/>
+          <ac:grpSpMkLst>
+            <pc:docMk/>
+            <pc:sldMk cId="637895129" sldId="513"/>
+            <ac:grpSpMk id="22" creationId="{00000000-0000-0000-0000-000000000000}"/>
+          </ac:grpSpMkLst>
+        </pc:grpChg>
+        <pc:graphicFrameChg chg="mod">
+          <ac:chgData name="Gerth Stølting Brodal" userId="04ef4784-6591-4f86-a140-f5c3b108582a" providerId="ADAL" clId="{48BD50EB-D70C-4B82-BF38-DF8E8FD7B8E8}" dt="2023-07-15T11:45:37.172" v="57"/>
+          <ac:graphicFrameMkLst>
+            <pc:docMk/>
+            <pc:sldMk cId="637895129" sldId="513"/>
+            <ac:graphicFrameMk id="4" creationId="{00000000-0000-0000-0000-000000000000}"/>
+          </ac:graphicFrameMkLst>
+        </pc:graphicFrameChg>
+      </pc:sldChg>
+    </pc:docChg>
+  </pc:docChgLst>
+  <pc:docChgLst>
     <pc:chgData name="Gerth Stølting Brodal" userId="04ef4784-6591-4f86-a140-f5c3b108582a" providerId="ADAL" clId="{DBC7B104-988F-491C-9F36-B33E053AAD93}"/>
     <pc:docChg chg="custSel modSld">
       <pc:chgData name="Gerth Stølting Brodal" userId="04ef4784-6591-4f86-a140-f5c3b108582a" providerId="ADAL" clId="{DBC7B104-988F-491C-9F36-B33E053AAD93}" dt="2022-02-09T11:25:47.588" v="10" actId="20577"/>
@@ -398,7 +523,7 @@
           <a:p>
             <a:fld id="{FB1A172F-81D4-4DC4-9113-1DBD56EC3646}" type="datetimeFigureOut">
               <a:rPr lang="en-US" smtClean="0"/>
-              <a:t>2/12/2023</a:t>
+              <a:t>7/15/2023</a:t>
             </a:fld>
             <a:endParaRPr lang="en-US"/>
           </a:p>
@@ -2216,7 +2341,7 @@
           <a:p>
             <a:fld id="{0560A9CD-0304-4E0B-9E82-E7E0115DE05B}" type="datetimeFigureOut">
               <a:rPr lang="en-US" smtClean="0"/>
-              <a:t>2/12/2023</a:t>
+              <a:t>7/15/2023</a:t>
             </a:fld>
             <a:endParaRPr lang="en-US"/>
           </a:p>
@@ -2384,7 +2509,7 @@
           <a:p>
             <a:fld id="{0560A9CD-0304-4E0B-9E82-E7E0115DE05B}" type="datetimeFigureOut">
               <a:rPr lang="en-US" smtClean="0"/>
-              <a:t>2/12/2023</a:t>
+              <a:t>7/15/2023</a:t>
             </a:fld>
             <a:endParaRPr lang="en-US"/>
           </a:p>
@@ -2562,7 +2687,7 @@
           <a:p>
             <a:fld id="{0560A9CD-0304-4E0B-9E82-E7E0115DE05B}" type="datetimeFigureOut">
               <a:rPr lang="en-US" smtClean="0"/>
-              <a:t>2/12/2023</a:t>
+              <a:t>7/15/2023</a:t>
             </a:fld>
             <a:endParaRPr lang="en-US"/>
           </a:p>
@@ -2739,7 +2864,7 @@
           <a:p>
             <a:fld id="{0560A9CD-0304-4E0B-9E82-E7E0115DE05B}" type="datetimeFigureOut">
               <a:rPr lang="en-US" smtClean="0"/>
-              <a:t>2/12/2023</a:t>
+              <a:t>7/15/2023</a:t>
             </a:fld>
             <a:endParaRPr lang="en-US"/>
           </a:p>
@@ -2984,7 +3109,7 @@
           <a:p>
             <a:fld id="{0560A9CD-0304-4E0B-9E82-E7E0115DE05B}" type="datetimeFigureOut">
               <a:rPr lang="en-US" smtClean="0"/>
-              <a:t>2/12/2023</a:t>
+              <a:t>7/15/2023</a:t>
             </a:fld>
             <a:endParaRPr lang="en-US"/>
           </a:p>
@@ -3213,7 +3338,7 @@
           <a:p>
             <a:fld id="{0560A9CD-0304-4E0B-9E82-E7E0115DE05B}" type="datetimeFigureOut">
               <a:rPr lang="en-US" smtClean="0"/>
-              <a:t>2/12/2023</a:t>
+              <a:t>7/15/2023</a:t>
             </a:fld>
             <a:endParaRPr lang="en-US"/>
           </a:p>
@@ -3577,7 +3702,7 @@
           <a:p>
             <a:fld id="{0560A9CD-0304-4E0B-9E82-E7E0115DE05B}" type="datetimeFigureOut">
               <a:rPr lang="en-US" smtClean="0"/>
-              <a:t>2/12/2023</a:t>
+              <a:t>7/15/2023</a:t>
             </a:fld>
             <a:endParaRPr lang="en-US"/>
           </a:p>
@@ -3694,7 +3819,7 @@
           <a:p>
             <a:fld id="{0560A9CD-0304-4E0B-9E82-E7E0115DE05B}" type="datetimeFigureOut">
               <a:rPr lang="en-US" smtClean="0"/>
-              <a:t>2/12/2023</a:t>
+              <a:t>7/15/2023</a:t>
             </a:fld>
             <a:endParaRPr lang="en-US"/>
           </a:p>
@@ -3789,7 +3914,7 @@
           <a:p>
             <a:fld id="{0560A9CD-0304-4E0B-9E82-E7E0115DE05B}" type="datetimeFigureOut">
               <a:rPr lang="en-US" smtClean="0"/>
-              <a:t>2/12/2023</a:t>
+              <a:t>7/15/2023</a:t>
             </a:fld>
             <a:endParaRPr lang="en-US"/>
           </a:p>
@@ -4064,7 +4189,7 @@
           <a:p>
             <a:fld id="{0560A9CD-0304-4E0B-9E82-E7E0115DE05B}" type="datetimeFigureOut">
               <a:rPr lang="en-US" smtClean="0"/>
-              <a:t>2/12/2023</a:t>
+              <a:t>7/15/2023</a:t>
             </a:fld>
             <a:endParaRPr lang="en-US"/>
           </a:p>
@@ -4316,7 +4441,7 @@
           <a:p>
             <a:fld id="{0560A9CD-0304-4E0B-9E82-E7E0115DE05B}" type="datetimeFigureOut">
               <a:rPr lang="en-US" smtClean="0"/>
-              <a:t>2/12/2023</a:t>
+              <a:t>7/15/2023</a:t>
             </a:fld>
             <a:endParaRPr lang="en-US"/>
           </a:p>
@@ -4527,7 +4652,7 @@
           <a:p>
             <a:fld id="{0560A9CD-0304-4E0B-9E82-E7E0115DE05B}" type="datetimeFigureOut">
               <a:rPr lang="en-US" smtClean="0"/>
-              <a:t>2/12/2023</a:t>
+              <a:t>7/15/2023</a:t>
             </a:fld>
             <a:endParaRPr lang="en-US"/>
           </a:p>
@@ -13354,7 +13479,7 @@
           <p:nvPr>
             <p:extLst>
               <p:ext uri="{D42A27DB-BD31-4B8C-83A1-F6EECF244321}">
-                <p14:modId xmlns:p14="http://schemas.microsoft.com/office/powerpoint/2010/main" val="2902296515"/>
+                <p14:modId xmlns:p14="http://schemas.microsoft.com/office/powerpoint/2010/main" val="3745830200"/>
               </p:ext>
             </p:extLst>
           </p:nvPr>
@@ -13486,7 +13611,7 @@
                           <a:latin typeface="Courier New" panose="02070309020205020404" pitchFamily="49" charset="0"/>
                           <a:cs typeface="Courier New" panose="02070309020205020404" pitchFamily="49" charset="0"/>
                         </a:rPr>
-                        <a:t>for x in [1, "</a:t>
+                        <a:t>for x in [1, '</a:t>
                       </a:r>
                       <a:r>
                         <a:rPr lang="en-US" sz="1800" b="1" baseline="0" dirty="0" err="1">
@@ -13500,7 +13625,7 @@
                           <a:latin typeface="Courier New" panose="02070309020205020404" pitchFamily="49" charset="0"/>
                           <a:cs typeface="Courier New" panose="02070309020205020404" pitchFamily="49" charset="0"/>
                         </a:rPr>
-                        <a:t>", [2, 3], 5.0]:</a:t>
+                        <a:t>', [2, 3], 5.0]:</a:t>
                       </a:r>
                     </a:p>
                     <a:p>
@@ -13614,7 +13739,7 @@
                           <a:latin typeface="Courier New" panose="02070309020205020404" pitchFamily="49" charset="0"/>
                           <a:cs typeface="Courier New" panose="02070309020205020404" pitchFamily="49" charset="0"/>
                         </a:rPr>
-                        <a:t>for x in "</a:t>
+                        <a:t>for x in '</a:t>
                       </a:r>
                       <a:r>
                         <a:rPr lang="en-US" sz="1800" b="1" baseline="0" dirty="0" err="1">
@@ -13628,7 +13753,7 @@
                           <a:latin typeface="Courier New" panose="02070309020205020404" pitchFamily="49" charset="0"/>
                           <a:cs typeface="Courier New" panose="02070309020205020404" pitchFamily="49" charset="0"/>
                         </a:rPr>
-                        <a:t>":</a:t>
+                        <a:t>':</a:t>
                       </a:r>
                     </a:p>
                     <a:p>
@@ -16887,7 +17012,7 @@
           <p:nvPr>
             <p:extLst>
               <p:ext uri="{D42A27DB-BD31-4B8C-83A1-F6EECF244321}">
-                <p14:modId xmlns:p14="http://schemas.microsoft.com/office/powerpoint/2010/main" val="766597178"/>
+                <p14:modId xmlns:p14="http://schemas.microsoft.com/office/powerpoint/2010/main" val="1283627548"/>
               </p:ext>
             </p:extLst>
           </p:nvPr>
@@ -16993,7 +17118,7 @@
                           <a:latin typeface="Courier New" panose="02070309020205020404" pitchFamily="49" charset="0"/>
                           <a:cs typeface="Courier New" panose="02070309020205020404" pitchFamily="49" charset="0"/>
                         </a:rPr>
-                        <a:t>s = "</a:t>
+                        <a:t>s = '</a:t>
                       </a:r>
                       <a:r>
                         <a:rPr lang="en-US" sz="1800" b="1" dirty="0" err="1">
@@ -17007,7 +17132,7 @@
                           <a:latin typeface="Courier New" panose="02070309020205020404" pitchFamily="49" charset="0"/>
                           <a:cs typeface="Courier New" panose="02070309020205020404" pitchFamily="49" charset="0"/>
                         </a:rPr>
-                        <a:t>"</a:t>
+                        <a:t>'</a:t>
                       </a:r>
                     </a:p>
                     <a:p>
@@ -19313,7 +19438,7 @@
           <p:nvPr>
             <p:extLst>
               <p:ext uri="{D42A27DB-BD31-4B8C-83A1-F6EECF244321}">
-                <p14:modId xmlns:p14="http://schemas.microsoft.com/office/powerpoint/2010/main" val="3751036709"/>
+                <p14:modId xmlns:p14="http://schemas.microsoft.com/office/powerpoint/2010/main" val="1775904340"/>
               </p:ext>
             </p:extLst>
           </p:nvPr>
@@ -19484,7 +19609,7 @@
                           <a:latin typeface="Courier New" panose="02070309020205020404" pitchFamily="49" charset="0"/>
                           <a:cs typeface="Courier New" panose="02070309020205020404" pitchFamily="49" charset="0"/>
                         </a:rPr>
-                        <a:t>        print(x, "at position", i, "in", L)</a:t>
+                        <a:t>        print(x, 'at position', i, 'in', L)</a:t>
                       </a:r>
                     </a:p>
                     <a:p>
@@ -19573,7 +19698,7 @@
                           <a:latin typeface="Courier New" panose="02070309020205020404" pitchFamily="49" charset="0"/>
                           <a:cs typeface="Courier New" panose="02070309020205020404" pitchFamily="49" charset="0"/>
                         </a:rPr>
-                        <a:t>    print(x, "not in", L)</a:t>
+                        <a:t>    print(x, 'not in', L)</a:t>
                       </a:r>
                     </a:p>
                   </a:txBody>
@@ -19649,7 +19774,7 @@
           <p:nvPr>
             <p:extLst>
               <p:ext uri="{D42A27DB-BD31-4B8C-83A1-F6EECF244321}">
-                <p14:modId xmlns:p14="http://schemas.microsoft.com/office/powerpoint/2010/main" val="1402862349"/>
+                <p14:modId xmlns:p14="http://schemas.microsoft.com/office/powerpoint/2010/main" val="176035674"/>
               </p:ext>
             </p:extLst>
           </p:nvPr>
@@ -19796,7 +19921,7 @@
                           <a:latin typeface="Courier New" panose="02070309020205020404" pitchFamily="49" charset="0"/>
                           <a:cs typeface="Courier New" panose="02070309020205020404" pitchFamily="49" charset="0"/>
                         </a:rPr>
-                        <a:t>        print(x, "at position", i, "in", L)</a:t>
+                        <a:t>        print(x, 'at position', i, 'in', L)</a:t>
                       </a:r>
                     </a:p>
                     <a:p>
@@ -19852,7 +19977,7 @@
                           <a:latin typeface="Courier New" panose="02070309020205020404" pitchFamily="49" charset="0"/>
                           <a:cs typeface="Courier New" panose="02070309020205020404" pitchFamily="49" charset="0"/>
                         </a:rPr>
-                        <a:t>    print(x, "not in", L)</a:t>
+                        <a:t>    print(x, 'not in', L)</a:t>
                       </a:r>
                     </a:p>
                   </a:txBody>
@@ -19928,7 +20053,7 @@
           <p:nvPr>
             <p:extLst>
               <p:ext uri="{D42A27DB-BD31-4B8C-83A1-F6EECF244321}">
-                <p14:modId xmlns:p14="http://schemas.microsoft.com/office/powerpoint/2010/main" val="838583227"/>
+                <p14:modId xmlns:p14="http://schemas.microsoft.com/office/powerpoint/2010/main" val="1135463753"/>
               </p:ext>
             </p:extLst>
           </p:nvPr>
@@ -20078,7 +20203,7 @@
                           <a:latin typeface="Courier New" panose="02070309020205020404" pitchFamily="49" charset="0"/>
                           <a:cs typeface="Courier New" panose="02070309020205020404" pitchFamily="49" charset="0"/>
                         </a:rPr>
-                        <a:t>        print(x, "at position", i, "in", L)</a:t>
+                        <a:t>        print(x, 'at position', i, 'in', L)</a:t>
                       </a:r>
                     </a:p>
                     <a:p>
@@ -20150,7 +20275,7 @@
                           <a:latin typeface="Courier New" panose="02070309020205020404" pitchFamily="49" charset="0"/>
                           <a:cs typeface="Courier New" panose="02070309020205020404" pitchFamily="49" charset="0"/>
                         </a:rPr>
-                        <a:t>    print(x, "not in", L)</a:t>
+                        <a:t>    print(x, 'not in', L)</a:t>
                       </a:r>
                     </a:p>
                   </a:txBody>
@@ -20226,7 +20351,7 @@
           <p:nvPr>
             <p:extLst>
               <p:ext uri="{D42A27DB-BD31-4B8C-83A1-F6EECF244321}">
-                <p14:modId xmlns:p14="http://schemas.microsoft.com/office/powerpoint/2010/main" val="3765127254"/>
+                <p14:modId xmlns:p14="http://schemas.microsoft.com/office/powerpoint/2010/main" val="1667660532"/>
               </p:ext>
             </p:extLst>
           </p:nvPr>
@@ -20364,7 +20489,7 @@
                           <a:latin typeface="Courier New" panose="02070309020205020404" pitchFamily="49" charset="0"/>
                           <a:cs typeface="Courier New" panose="02070309020205020404" pitchFamily="49" charset="0"/>
                         </a:rPr>
-                        <a:t>        print(x, "at position", i, "in", L)</a:t>
+                        <a:t>        print(x, 'at position', i, 'in', L)</a:t>
                       </a:r>
                     </a:p>
                     <a:p>
@@ -20401,7 +20526,7 @@
                           <a:latin typeface="Courier New" panose="02070309020205020404" pitchFamily="49" charset="0"/>
                           <a:cs typeface="Courier New" panose="02070309020205020404" pitchFamily="49" charset="0"/>
                         </a:rPr>
-                        <a:t>    print(x, "not in", L)</a:t>
+                        <a:t>    print(x, 'not in', L)</a:t>
                       </a:r>
                     </a:p>
                   </a:txBody>
@@ -20477,7 +20602,7 @@
           <p:nvPr>
             <p:extLst>
               <p:ext uri="{D42A27DB-BD31-4B8C-83A1-F6EECF244321}">
-                <p14:modId xmlns:p14="http://schemas.microsoft.com/office/powerpoint/2010/main" val="40893938"/>
+                <p14:modId xmlns:p14="http://schemas.microsoft.com/office/powerpoint/2010/main" val="811471611"/>
               </p:ext>
             </p:extLst>
           </p:nvPr>
@@ -20609,7 +20734,7 @@
                           <a:latin typeface="Courier New" panose="02070309020205020404" pitchFamily="49" charset="0"/>
                           <a:cs typeface="Courier New" panose="02070309020205020404" pitchFamily="49" charset="0"/>
                         </a:rPr>
-                        <a:t>    print(x, "at position", </a:t>
+                        <a:t>    print(x, 'at position', </a:t>
                       </a:r>
                       <a:r>
                         <a:rPr lang="en-US" sz="1400" b="1" dirty="0" err="1">
@@ -20636,7 +20761,7 @@
                           <a:latin typeface="Courier New" panose="02070309020205020404" pitchFamily="49" charset="0"/>
                           <a:cs typeface="Courier New" panose="02070309020205020404" pitchFamily="49" charset="0"/>
                         </a:rPr>
-                        <a:t>, "in", L)</a:t>
+                        <a:t>, 'in', L)</a:t>
                       </a:r>
                     </a:p>
                     <a:p>
@@ -20664,7 +20789,7 @@
                           <a:latin typeface="Courier New" panose="02070309020205020404" pitchFamily="49" charset="0"/>
                           <a:cs typeface="Courier New" panose="02070309020205020404" pitchFamily="49" charset="0"/>
                         </a:rPr>
-                        <a:t>    print(x, "not in", L)</a:t>
+                        <a:t>    print(x, 'not in', L)</a:t>
                       </a:r>
                     </a:p>
                   </a:txBody>
@@ -24399,12 +24524,16 @@
                     <a:lstStyle/>
                     <a:p>
                       <a:r>
-                        <a:rPr lang="da-DK" sz="1200" b="1" dirty="0">
+                        <a:rPr lang="da-DK" sz="1200" b="1">
                           <a:latin typeface="Courier New" panose="02070309020205020404" pitchFamily="49" charset="0"/>
                           <a:cs typeface="Courier New" panose="02070309020205020404" pitchFamily="49" charset="0"/>
                         </a:rPr>
                         <a:t>list-insertions.py</a:t>
                       </a:r>
+                      <a:endParaRPr lang="da-DK" sz="1200" b="1" dirty="0">
+                        <a:latin typeface="Courier New" panose="02070309020205020404" pitchFamily="49" charset="0"/>
+                        <a:cs typeface="Courier New" panose="02070309020205020404" pitchFamily="49" charset="0"/>
+                      </a:endParaRPr>
                     </a:p>
                   </a:txBody>
                   <a:tcPr anchor="ctr">
@@ -24488,21 +24617,7 @@
                           <a:latin typeface="Courier New" panose="02070309020205020404" pitchFamily="49" charset="0"/>
                           <a:cs typeface="Courier New" panose="02070309020205020404" pitchFamily="49" charset="0"/>
                         </a:rPr>
-                        <a:t>from </a:t>
-                      </a:r>
-                      <a:r>
-                        <a:rPr lang="en-US" sz="1200" b="1" dirty="0" err="1">
-                          <a:latin typeface="Courier New" panose="02070309020205020404" pitchFamily="49" charset="0"/>
-                          <a:cs typeface="Courier New" panose="02070309020205020404" pitchFamily="49" charset="0"/>
-                        </a:rPr>
-                        <a:t>matplotlib</a:t>
-                      </a:r>
-                      <a:r>
-                        <a:rPr lang="en-US" sz="1200" b="1" dirty="0">
-                          <a:latin typeface="Courier New" panose="02070309020205020404" pitchFamily="49" charset="0"/>
-                          <a:cs typeface="Courier New" panose="02070309020205020404" pitchFamily="49" charset="0"/>
-                        </a:rPr>
-                        <a:t> import </a:t>
+                        <a:t>from matplotlib import </a:t>
                       </a:r>
                       <a:r>
                         <a:rPr lang="en-US" sz="1200" b="1" dirty="0" err="1">
@@ -24620,7 +24735,21 @@
                           <a:latin typeface="Courier New" panose="02070309020205020404" pitchFamily="49" charset="0"/>
                           <a:cs typeface="Courier New" panose="02070309020205020404" pitchFamily="49" charset="0"/>
                         </a:rPr>
-                        <a:t>    for i in range(n):</a:t>
+                        <a:t>    for </a:t>
+                      </a:r>
+                      <a:r>
+                        <a:rPr lang="en-US" sz="1200" b="1" dirty="0" err="1">
+                          <a:latin typeface="Courier New" panose="02070309020205020404" pitchFamily="49" charset="0"/>
+                          <a:cs typeface="Courier New" panose="02070309020205020404" pitchFamily="49" charset="0"/>
+                        </a:rPr>
+                        <a:t>i</a:t>
+                      </a:r>
+                      <a:r>
+                        <a:rPr lang="en-US" sz="1200" b="1" dirty="0">
+                          <a:latin typeface="Courier New" panose="02070309020205020404" pitchFamily="49" charset="0"/>
+                          <a:cs typeface="Courier New" panose="02070309020205020404" pitchFamily="49" charset="0"/>
+                        </a:rPr>
+                        <a:t> in range(n):</a:t>
                       </a:r>
                     </a:p>
                     <a:p>
@@ -24652,7 +24781,27 @@
                           <a:latin typeface="Courier New" panose="02070309020205020404" pitchFamily="49" charset="0"/>
                           <a:cs typeface="Courier New" panose="02070309020205020404" pitchFamily="49" charset="0"/>
                         </a:rPr>
-                        <a:t>] = [i]  </a:t>
+                        <a:t>] = [</a:t>
+                      </a:r>
+                      <a:r>
+                        <a:rPr lang="en-US" sz="1200" b="1" dirty="0" err="1">
+                          <a:solidFill>
+                            <a:srgbClr val="C00000"/>
+                          </a:solidFill>
+                          <a:latin typeface="Courier New" panose="02070309020205020404" pitchFamily="49" charset="0"/>
+                          <a:cs typeface="Courier New" panose="02070309020205020404" pitchFamily="49" charset="0"/>
+                        </a:rPr>
+                        <a:t>i</a:t>
+                      </a:r>
+                      <a:r>
+                        <a:rPr lang="en-US" sz="1200" b="1" dirty="0">
+                          <a:solidFill>
+                            <a:srgbClr val="C00000"/>
+                          </a:solidFill>
+                          <a:latin typeface="Courier New" panose="02070309020205020404" pitchFamily="49" charset="0"/>
+                          <a:cs typeface="Courier New" panose="02070309020205020404" pitchFamily="49" charset="0"/>
+                        </a:rPr>
+                        <a:t>]  </a:t>
                       </a:r>
                       <a:r>
                         <a:rPr lang="en-US" sz="1200" b="1" dirty="0">
@@ -24728,7 +24877,21 @@
                           <a:latin typeface="Courier New" panose="02070309020205020404" pitchFamily="49" charset="0"/>
                           <a:cs typeface="Courier New" panose="02070309020205020404" pitchFamily="49" charset="0"/>
                         </a:rPr>
-                        <a:t>    for i in range(n):</a:t>
+                        <a:t>    for </a:t>
+                      </a:r>
+                      <a:r>
+                        <a:rPr lang="en-US" sz="1200" b="1" dirty="0" err="1">
+                          <a:latin typeface="Courier New" panose="02070309020205020404" pitchFamily="49" charset="0"/>
+                          <a:cs typeface="Courier New" panose="02070309020205020404" pitchFamily="49" charset="0"/>
+                        </a:rPr>
+                        <a:t>i</a:t>
+                      </a:r>
+                      <a:r>
+                        <a:rPr lang="en-US" sz="1200" b="1" dirty="0">
+                          <a:latin typeface="Courier New" panose="02070309020205020404" pitchFamily="49" charset="0"/>
+                          <a:cs typeface="Courier New" panose="02070309020205020404" pitchFamily="49" charset="0"/>
+                        </a:rPr>
+                        <a:t> in range(n):</a:t>
                       </a:r>
                     </a:p>
                     <a:p>
@@ -24757,7 +24920,27 @@
                           <a:latin typeface="Courier New" panose="02070309020205020404" pitchFamily="49" charset="0"/>
                           <a:cs typeface="Courier New" panose="02070309020205020404" pitchFamily="49" charset="0"/>
                         </a:rPr>
-                        <a:t>(i)  </a:t>
+                        <a:t>(</a:t>
+                      </a:r>
+                      <a:r>
+                        <a:rPr lang="en-US" sz="1200" b="1" dirty="0" err="1">
+                          <a:solidFill>
+                            <a:srgbClr val="C00000"/>
+                          </a:solidFill>
+                          <a:latin typeface="Courier New" panose="02070309020205020404" pitchFamily="49" charset="0"/>
+                          <a:cs typeface="Courier New" panose="02070309020205020404" pitchFamily="49" charset="0"/>
+                        </a:rPr>
+                        <a:t>i</a:t>
+                      </a:r>
+                      <a:r>
+                        <a:rPr lang="en-US" sz="1200" b="1" dirty="0">
+                          <a:solidFill>
+                            <a:srgbClr val="C00000"/>
+                          </a:solidFill>
+                          <a:latin typeface="Courier New" panose="02070309020205020404" pitchFamily="49" charset="0"/>
+                          <a:cs typeface="Courier New" panose="02070309020205020404" pitchFamily="49" charset="0"/>
+                        </a:rPr>
+                        <a:t>)  </a:t>
                       </a:r>
                       <a:r>
                         <a:rPr lang="en-US" sz="1200" b="1" dirty="0">
@@ -24854,7 +25037,21 @@
                           <a:latin typeface="Courier New" panose="02070309020205020404" pitchFamily="49" charset="0"/>
                           <a:cs typeface="Courier New" panose="02070309020205020404" pitchFamily="49" charset="0"/>
                         </a:rPr>
-                        <a:t>    for i in range(n):</a:t>
+                        <a:t>    for </a:t>
+                      </a:r>
+                      <a:r>
+                        <a:rPr lang="en-US" sz="1200" b="1" dirty="0" err="1">
+                          <a:latin typeface="Courier New" panose="02070309020205020404" pitchFamily="49" charset="0"/>
+                          <a:cs typeface="Courier New" panose="02070309020205020404" pitchFamily="49" charset="0"/>
+                        </a:rPr>
+                        <a:t>i</a:t>
+                      </a:r>
+                      <a:r>
+                        <a:rPr lang="en-US" sz="1200" b="1" dirty="0">
+                          <a:latin typeface="Courier New" panose="02070309020205020404" pitchFamily="49" charset="0"/>
+                          <a:cs typeface="Courier New" panose="02070309020205020404" pitchFamily="49" charset="0"/>
+                        </a:rPr>
+                        <a:t> in range(n):</a:t>
                       </a:r>
                     </a:p>
                     <a:p>
@@ -24873,7 +25070,27 @@
                           <a:latin typeface="Courier New" panose="02070309020205020404" pitchFamily="49" charset="0"/>
                           <a:cs typeface="Courier New" panose="02070309020205020404" pitchFamily="49" charset="0"/>
                         </a:rPr>
-                        <a:t>L[0:0] = [i]  </a:t>
+                        <a:t>L[0:0] = [</a:t>
+                      </a:r>
+                      <a:r>
+                        <a:rPr lang="en-US" sz="1200" b="1" dirty="0" err="1">
+                          <a:solidFill>
+                            <a:srgbClr val="C00000"/>
+                          </a:solidFill>
+                          <a:latin typeface="Courier New" panose="02070309020205020404" pitchFamily="49" charset="0"/>
+                          <a:cs typeface="Courier New" panose="02070309020205020404" pitchFamily="49" charset="0"/>
+                        </a:rPr>
+                        <a:t>i</a:t>
+                      </a:r>
+                      <a:r>
+                        <a:rPr lang="en-US" sz="1200" b="1" dirty="0">
+                          <a:solidFill>
+                            <a:srgbClr val="C00000"/>
+                          </a:solidFill>
+                          <a:latin typeface="Courier New" panose="02070309020205020404" pitchFamily="49" charset="0"/>
+                          <a:cs typeface="Courier New" panose="02070309020205020404" pitchFamily="49" charset="0"/>
+                        </a:rPr>
+                        <a:t>]  </a:t>
                       </a:r>
                       <a:r>
                         <a:rPr lang="en-US" sz="1200" b="1" dirty="0">

--- a/ipsa/slides/lists.pptx
+++ b/ipsa/slides/lists.pptx
@@ -5,38 +5,39 @@
     <p:sldMasterId id="2147483648" r:id="rId1"/>
   </p:sldMasterIdLst>
   <p:notesMasterIdLst>
-    <p:notesMasterId r:id="rId31"/>
+    <p:notesMasterId r:id="rId32"/>
   </p:notesMasterIdLst>
   <p:sldIdLst>
     <p:sldId id="429" r:id="rId2"/>
     <p:sldId id="485" r:id="rId3"/>
-    <p:sldId id="487" r:id="rId4"/>
-    <p:sldId id="497" r:id="rId5"/>
-    <p:sldId id="498" r:id="rId6"/>
-    <p:sldId id="488" r:id="rId7"/>
-    <p:sldId id="501" r:id="rId8"/>
-    <p:sldId id="503" r:id="rId9"/>
-    <p:sldId id="504" r:id="rId10"/>
-    <p:sldId id="505" r:id="rId11"/>
-    <p:sldId id="502" r:id="rId12"/>
-    <p:sldId id="495" r:id="rId13"/>
-    <p:sldId id="486" r:id="rId14"/>
-    <p:sldId id="506" r:id="rId15"/>
-    <p:sldId id="491" r:id="rId16"/>
-    <p:sldId id="508" r:id="rId17"/>
-    <p:sldId id="516" r:id="rId18"/>
-    <p:sldId id="459" r:id="rId19"/>
-    <p:sldId id="509" r:id="rId20"/>
-    <p:sldId id="507" r:id="rId21"/>
-    <p:sldId id="492" r:id="rId22"/>
-    <p:sldId id="399" r:id="rId23"/>
-    <p:sldId id="490" r:id="rId24"/>
-    <p:sldId id="512" r:id="rId25"/>
-    <p:sldId id="510" r:id="rId26"/>
-    <p:sldId id="511" r:id="rId27"/>
-    <p:sldId id="514" r:id="rId28"/>
-    <p:sldId id="513" r:id="rId29"/>
-    <p:sldId id="515" r:id="rId30"/>
+    <p:sldId id="517" r:id="rId4"/>
+    <p:sldId id="487" r:id="rId5"/>
+    <p:sldId id="497" r:id="rId6"/>
+    <p:sldId id="498" r:id="rId7"/>
+    <p:sldId id="488" r:id="rId8"/>
+    <p:sldId id="501" r:id="rId9"/>
+    <p:sldId id="503" r:id="rId10"/>
+    <p:sldId id="504" r:id="rId11"/>
+    <p:sldId id="505" r:id="rId12"/>
+    <p:sldId id="502" r:id="rId13"/>
+    <p:sldId id="495" r:id="rId14"/>
+    <p:sldId id="486" r:id="rId15"/>
+    <p:sldId id="506" r:id="rId16"/>
+    <p:sldId id="491" r:id="rId17"/>
+    <p:sldId id="508" r:id="rId18"/>
+    <p:sldId id="516" r:id="rId19"/>
+    <p:sldId id="459" r:id="rId20"/>
+    <p:sldId id="509" r:id="rId21"/>
+    <p:sldId id="507" r:id="rId22"/>
+    <p:sldId id="492" r:id="rId23"/>
+    <p:sldId id="399" r:id="rId24"/>
+    <p:sldId id="490" r:id="rId25"/>
+    <p:sldId id="512" r:id="rId26"/>
+    <p:sldId id="510" r:id="rId27"/>
+    <p:sldId id="511" r:id="rId28"/>
+    <p:sldId id="514" r:id="rId29"/>
+    <p:sldId id="513" r:id="rId30"/>
+    <p:sldId id="515" r:id="rId31"/>
   </p:sldIdLst>
   <p:sldSz cx="12192000" cy="6858000"/>
   <p:notesSz cx="6858000" cy="9144000"/>
@@ -146,7 +147,7 @@
 <file path=ppt/revisionInfo.xml><?xml version="1.0" encoding="utf-8"?>
 <p1510:revInfo xmlns:a="http://schemas.openxmlformats.org/drawingml/2006/main" xmlns:r="http://schemas.openxmlformats.org/officeDocument/2006/relationships" xmlns:p1510="http://schemas.microsoft.com/office/powerpoint/2015/10/main">
   <p1510:revLst>
-    <p1510:client id="{48BD50EB-D70C-4B82-BF38-DF8E8FD7B8E8}" v="4" dt="2023-07-15T11:46:33.218"/>
+    <p1510:client id="{CF9158FC-193B-4602-9DF7-E8D8B4ED0BA3}" v="29" dt="2023-10-23T20:22:35.272"/>
   </p1510:revLst>
 </p1510:revInfo>
 </file>
@@ -438,6 +439,78 @@
       </pc:sldChg>
     </pc:docChg>
   </pc:docChgLst>
+  <pc:docChgLst>
+    <pc:chgData name="Gerth Stølting Brodal" userId="04ef4784-6591-4f86-a140-f5c3b108582a" providerId="ADAL" clId="{CF9158FC-193B-4602-9DF7-E8D8B4ED0BA3}"/>
+    <pc:docChg chg="undo redo custSel addSld modSld">
+      <pc:chgData name="Gerth Stølting Brodal" userId="04ef4784-6591-4f86-a140-f5c3b108582a" providerId="ADAL" clId="{CF9158FC-193B-4602-9DF7-E8D8B4ED0BA3}" dt="2023-10-31T11:50:02.173" v="713" actId="1076"/>
+      <pc:docMkLst>
+        <pc:docMk/>
+      </pc:docMkLst>
+      <pc:sldChg chg="addSp delSp modSp new mod modNotesTx">
+        <pc:chgData name="Gerth Stølting Brodal" userId="04ef4784-6591-4f86-a140-f5c3b108582a" providerId="ADAL" clId="{CF9158FC-193B-4602-9DF7-E8D8B4ED0BA3}" dt="2023-10-31T11:50:02.173" v="713" actId="1076"/>
+        <pc:sldMkLst>
+          <pc:docMk/>
+          <pc:sldMk cId="1292498751" sldId="517"/>
+        </pc:sldMkLst>
+        <pc:spChg chg="mod">
+          <ac:chgData name="Gerth Stølting Brodal" userId="04ef4784-6591-4f86-a140-f5c3b108582a" providerId="ADAL" clId="{CF9158FC-193B-4602-9DF7-E8D8B4ED0BA3}" dt="2023-10-23T19:10:33.198" v="16" actId="20577"/>
+          <ac:spMkLst>
+            <pc:docMk/>
+            <pc:sldMk cId="1292498751" sldId="517"/>
+            <ac:spMk id="2" creationId="{AFA20F19-C8FD-DDEA-BCA6-8C1F8460F61E}"/>
+          </ac:spMkLst>
+        </pc:spChg>
+        <pc:spChg chg="del">
+          <ac:chgData name="Gerth Stølting Brodal" userId="04ef4784-6591-4f86-a140-f5c3b108582a" providerId="ADAL" clId="{CF9158FC-193B-4602-9DF7-E8D8B4ED0BA3}" dt="2023-10-23T19:10:46.927" v="17" actId="478"/>
+          <ac:spMkLst>
+            <pc:docMk/>
+            <pc:sldMk cId="1292498751" sldId="517"/>
+            <ac:spMk id="3" creationId="{80F0C41F-636B-152A-F3E8-5A876B76FC2A}"/>
+          </ac:spMkLst>
+        </pc:spChg>
+        <pc:spChg chg="add mod">
+          <ac:chgData name="Gerth Stølting Brodal" userId="04ef4784-6591-4f86-a140-f5c3b108582a" providerId="ADAL" clId="{CF9158FC-193B-4602-9DF7-E8D8B4ED0BA3}" dt="2023-10-31T11:50:02.173" v="713" actId="1076"/>
+          <ac:spMkLst>
+            <pc:docMk/>
+            <pc:sldMk cId="1292498751" sldId="517"/>
+            <ac:spMk id="3" creationId="{B64D2BE1-6836-D0C7-61BF-2C574E33EDC7}"/>
+          </ac:spMkLst>
+        </pc:spChg>
+        <pc:graphicFrameChg chg="add mod modGraphic">
+          <ac:chgData name="Gerth Stølting Brodal" userId="04ef4784-6591-4f86-a140-f5c3b108582a" providerId="ADAL" clId="{CF9158FC-193B-4602-9DF7-E8D8B4ED0BA3}" dt="2023-10-23T19:36:04.141" v="539" actId="1076"/>
+          <ac:graphicFrameMkLst>
+            <pc:docMk/>
+            <pc:sldMk cId="1292498751" sldId="517"/>
+            <ac:graphicFrameMk id="4" creationId="{BB38F82D-7DDE-BF97-A17E-6B6FF8E2C388}"/>
+          </ac:graphicFrameMkLst>
+        </pc:graphicFrameChg>
+        <pc:picChg chg="add mod">
+          <ac:chgData name="Gerth Stølting Brodal" userId="04ef4784-6591-4f86-a140-f5c3b108582a" providerId="ADAL" clId="{CF9158FC-193B-4602-9DF7-E8D8B4ED0BA3}" dt="2023-10-23T19:36:27.625" v="543" actId="1038"/>
+          <ac:picMkLst>
+            <pc:docMk/>
+            <pc:sldMk cId="1292498751" sldId="517"/>
+            <ac:picMk id="5" creationId="{7DF8A1D1-4174-CABE-7ABE-225B90743252}"/>
+          </ac:picMkLst>
+        </pc:picChg>
+        <pc:picChg chg="add mod">
+          <ac:chgData name="Gerth Stølting Brodal" userId="04ef4784-6591-4f86-a140-f5c3b108582a" providerId="ADAL" clId="{CF9158FC-193B-4602-9DF7-E8D8B4ED0BA3}" dt="2023-10-23T19:36:42.938" v="584" actId="1076"/>
+          <ac:picMkLst>
+            <pc:docMk/>
+            <pc:sldMk cId="1292498751" sldId="517"/>
+            <ac:picMk id="6" creationId="{EA09DE5D-49B3-95A8-0758-03AE97249DBA}"/>
+          </ac:picMkLst>
+        </pc:picChg>
+        <pc:picChg chg="add mod">
+          <ac:chgData name="Gerth Stølting Brodal" userId="04ef4784-6591-4f86-a140-f5c3b108582a" providerId="ADAL" clId="{CF9158FC-193B-4602-9DF7-E8D8B4ED0BA3}" dt="2023-10-23T19:37:02.479" v="586" actId="1076"/>
+          <ac:picMkLst>
+            <pc:docMk/>
+            <pc:sldMk cId="1292498751" sldId="517"/>
+            <ac:picMk id="7" creationId="{7FF79C85-DF1B-098F-0B68-2D13BFB33089}"/>
+          </ac:picMkLst>
+        </pc:picChg>
+      </pc:sldChg>
+    </pc:docChg>
+  </pc:docChgLst>
 </pc:chgInfo>
 </file>
 
@@ -523,7 +596,7 @@
           <a:p>
             <a:fld id="{FB1A172F-81D4-4DC4-9113-1DBD56EC3646}" type="datetimeFigureOut">
               <a:rPr lang="en-US" smtClean="0"/>
-              <a:t>7/15/2023</a:t>
+              <a:t>10/31/2023</a:t>
             </a:fld>
             <a:endParaRPr lang="en-US"/>
           </a:p>
@@ -835,21 +908,46 @@
           <a:lstStyle/>
           <a:p>
             <a:r>
-              <a:rPr lang="en-US" dirty="0" err="1"/>
-              <a:t>L.pop</a:t>
-            </a:r>
-            <a:r>
-              <a:rPr lang="en-US" dirty="0"/>
-              <a:t>() = </a:t>
-            </a:r>
-            <a:r>
-              <a:rPr lang="en-US" dirty="0" err="1"/>
-              <a:t>L.pop</a:t>
-            </a:r>
-            <a:r>
-              <a:rPr lang="en-US" dirty="0"/>
-              <a:t>(-1), i.e. removes the last element from the list</a:t>
-            </a:r>
+              <a:rPr lang="da-DK" dirty="0"/>
+              <a:t>Python 3.12 </a:t>
+            </a:r>
+            <a:r>
+              <a:rPr lang="da-DK" dirty="0" err="1"/>
+              <a:t>gets</a:t>
+            </a:r>
+            <a:r>
+              <a:rPr lang="da-DK" dirty="0"/>
+              <a:t> </a:t>
+            </a:r>
+            <a:r>
+              <a:rPr lang="da-DK" dirty="0" err="1"/>
+              <a:t>confused</a:t>
+            </a:r>
+            <a:r>
+              <a:rPr lang="da-DK" dirty="0"/>
+              <a:t> </a:t>
+            </a:r>
+            <a:r>
+              <a:rPr lang="da-DK" dirty="0" err="1"/>
+              <a:t>when</a:t>
+            </a:r>
+            <a:r>
+              <a:rPr lang="da-DK" dirty="0"/>
+              <a:t> the </a:t>
+            </a:r>
+            <a:r>
+              <a:rPr lang="da-DK" dirty="0" err="1"/>
+              <a:t>first</a:t>
+            </a:r>
+            <a:r>
+              <a:rPr lang="da-DK" dirty="0"/>
+              <a:t> element in the list is an </a:t>
+            </a:r>
+            <a:r>
+              <a:rPr lang="da-DK" dirty="0" err="1"/>
+              <a:t>integer</a:t>
+            </a:r>
+            <a:endParaRPr lang="da-DK" dirty="0"/>
           </a:p>
         </p:txBody>
       </p:sp>
@@ -860,7 +958,7 @@
             <a:spLocks noGrp="1"/>
           </p:cNvSpPr>
           <p:nvPr>
-            <p:ph type="sldNum" sz="quarter" idx="10"/>
+            <p:ph type="sldNum" sz="quarter" idx="5"/>
           </p:nvPr>
         </p:nvSpPr>
         <p:spPr/>
@@ -879,7 +977,7 @@
     </p:spTree>
     <p:extLst>
       <p:ext uri="{BB962C8B-B14F-4D97-AF65-F5344CB8AC3E}">
-        <p14:creationId xmlns:p14="http://schemas.microsoft.com/office/powerpoint/2010/main" val="721539255"/>
+        <p14:creationId xmlns:p14="http://schemas.microsoft.com/office/powerpoint/2010/main" val="279335196"/>
       </p:ext>
     </p:extLst>
   </p:cSld>
@@ -934,100 +1032,22 @@
           <a:lstStyle/>
           <a:p>
             <a:r>
-              <a:rPr lang="en-US" dirty="0" err="1"/>
-              <a:t>Mulige</a:t>
+              <a:rPr lang="en-US" dirty="0"/>
+              <a:t>example</a:t>
             </a:r>
             <a:r>
               <a:rPr lang="en-US" baseline="0" dirty="0"/>
-              <a:t> </a:t>
-            </a:r>
+              <a:t> of tested loops</a:t>
+            </a:r>
+          </a:p>
+          <a:p>
             <a:r>
               <a:rPr lang="en-US" baseline="0" dirty="0" err="1"/>
-              <a:t>optimeringer</a:t>
+              <a:t>Handin</a:t>
             </a:r>
             <a:r>
               <a:rPr lang="en-US" baseline="0" dirty="0"/>
-              <a:t>:</a:t>
-            </a:r>
-          </a:p>
-          <a:p>
-            <a:pPr marL="228600" indent="-228600">
-              <a:buAutoNum type="arabicParenR"/>
-            </a:pPr>
-            <a:r>
-              <a:rPr lang="en-US" baseline="0" dirty="0"/>
-              <a:t>Spring j over </a:t>
-            </a:r>
-            <a:r>
-              <a:rPr lang="en-US" baseline="0" dirty="0" err="1"/>
-              <a:t>hvis</a:t>
-            </a:r>
-            <a:r>
-              <a:rPr lang="en-US" baseline="0" dirty="0"/>
-              <a:t> </a:t>
-            </a:r>
-            <a:r>
-              <a:rPr lang="en-US" b="1" baseline="0" dirty="0"/>
-              <a:t>prime[j] == False</a:t>
-            </a:r>
-          </a:p>
-          <a:p>
-            <a:pPr marL="228600" indent="-228600">
-              <a:buAutoNum type="arabicParenR"/>
-            </a:pPr>
-            <a:r>
-              <a:rPr lang="en-US" baseline="0" dirty="0"/>
-              <a:t>for i in range(2, </a:t>
-            </a:r>
-            <a:r>
-              <a:rPr lang="en-US" b="1" baseline="0" dirty="0" err="1"/>
-              <a:t>sqrt</a:t>
-            </a:r>
-            <a:r>
-              <a:rPr lang="en-US" b="1" baseline="0" dirty="0"/>
-              <a:t>(n)</a:t>
-            </a:r>
-            <a:r>
-              <a:rPr lang="en-US" baseline="0" dirty="0"/>
-              <a:t>)</a:t>
-            </a:r>
-          </a:p>
-          <a:p>
-            <a:pPr marL="228600" indent="-228600">
-              <a:buAutoNum type="arabicParenR"/>
-            </a:pPr>
-            <a:r>
-              <a:rPr lang="en-US" dirty="0"/>
-              <a:t>for</a:t>
-            </a:r>
-            <a:r>
-              <a:rPr lang="en-US" baseline="0" dirty="0"/>
-              <a:t> j in range(</a:t>
-            </a:r>
-            <a:r>
-              <a:rPr lang="en-US" b="1" baseline="0" dirty="0"/>
-              <a:t>i * i</a:t>
-            </a:r>
-            <a:r>
-              <a:rPr lang="en-US" baseline="0" dirty="0"/>
-              <a:t>, n + 1, </a:t>
-            </a:r>
-            <a:r>
-              <a:rPr lang="en-US" baseline="0" dirty="0" err="1"/>
-              <a:t>i</a:t>
-            </a:r>
-            <a:r>
-              <a:rPr lang="en-US" baseline="0" dirty="0"/>
-              <a:t>)</a:t>
-            </a:r>
-          </a:p>
-          <a:p>
-            <a:pPr marL="0" indent="0">
-              <a:buNone/>
-            </a:pPr>
-            <a:r>
-              <a:rPr lang="en-US" baseline="0"/>
-              <a:t>Run code</a:t>
+              <a:t>: make a more efficient algorithm</a:t>
             </a:r>
             <a:endParaRPr lang="en-US" dirty="0"/>
           </a:p>
@@ -1059,7 +1079,7 @@
     </p:spTree>
     <p:extLst>
       <p:ext uri="{BB962C8B-B14F-4D97-AF65-F5344CB8AC3E}">
-        <p14:creationId xmlns:p14="http://schemas.microsoft.com/office/powerpoint/2010/main" val="817983497"/>
+        <p14:creationId xmlns:p14="http://schemas.microsoft.com/office/powerpoint/2010/main" val="1218980682"/>
       </p:ext>
     </p:extLst>
   </p:cSld>
@@ -1115,12 +1135,101 @@
           <a:p>
             <a:r>
               <a:rPr lang="en-US" dirty="0" err="1"/>
-              <a:t>L.index</a:t>
-            </a:r>
+              <a:t>Mulige</a:t>
+            </a:r>
+            <a:r>
+              <a:rPr lang="en-US" baseline="0" dirty="0"/>
+              <a:t> </a:t>
+            </a:r>
+            <a:r>
+              <a:rPr lang="en-US" baseline="0" dirty="0" err="1"/>
+              <a:t>optimeringer</a:t>
+            </a:r>
+            <a:r>
+              <a:rPr lang="en-US" baseline="0" dirty="0"/>
+              <a:t>:</a:t>
+            </a:r>
+          </a:p>
+          <a:p>
+            <a:pPr marL="228600" indent="-228600">
+              <a:buAutoNum type="arabicParenR"/>
+            </a:pPr>
+            <a:r>
+              <a:rPr lang="en-US" baseline="0" dirty="0"/>
+              <a:t>Spring j over </a:t>
+            </a:r>
+            <a:r>
+              <a:rPr lang="en-US" baseline="0" dirty="0" err="1"/>
+              <a:t>hvis</a:t>
+            </a:r>
+            <a:r>
+              <a:rPr lang="en-US" baseline="0" dirty="0"/>
+              <a:t> </a:t>
+            </a:r>
+            <a:r>
+              <a:rPr lang="en-US" b="1" baseline="0" dirty="0"/>
+              <a:t>prime[j] == False</a:t>
+            </a:r>
+          </a:p>
+          <a:p>
+            <a:pPr marL="228600" indent="-228600">
+              <a:buAutoNum type="arabicParenR"/>
+            </a:pPr>
+            <a:r>
+              <a:rPr lang="en-US" baseline="0" dirty="0"/>
+              <a:t>for i in range(2, </a:t>
+            </a:r>
+            <a:r>
+              <a:rPr lang="en-US" b="1" baseline="0" dirty="0" err="1"/>
+              <a:t>sqrt</a:t>
+            </a:r>
+            <a:r>
+              <a:rPr lang="en-US" b="1" baseline="0" dirty="0"/>
+              <a:t>(n)</a:t>
+            </a:r>
+            <a:r>
+              <a:rPr lang="en-US" baseline="0" dirty="0"/>
+              <a:t>)</a:t>
+            </a:r>
+          </a:p>
+          <a:p>
+            <a:pPr marL="228600" indent="-228600">
+              <a:buAutoNum type="arabicParenR"/>
+            </a:pPr>
             <a:r>
               <a:rPr lang="en-US" dirty="0"/>
-              <a:t>(x) can only be called if x in L, otherwise an exception is raised</a:t>
-            </a:r>
+              <a:t>for</a:t>
+            </a:r>
+            <a:r>
+              <a:rPr lang="en-US" baseline="0" dirty="0"/>
+              <a:t> j in range(</a:t>
+            </a:r>
+            <a:r>
+              <a:rPr lang="en-US" b="1" baseline="0" dirty="0"/>
+              <a:t>i * i</a:t>
+            </a:r>
+            <a:r>
+              <a:rPr lang="en-US" baseline="0" dirty="0"/>
+              <a:t>, n + 1, </a:t>
+            </a:r>
+            <a:r>
+              <a:rPr lang="en-US" baseline="0" dirty="0" err="1"/>
+              <a:t>i</a:t>
+            </a:r>
+            <a:r>
+              <a:rPr lang="en-US" baseline="0" dirty="0"/>
+              <a:t>)</a:t>
+            </a:r>
+          </a:p>
+          <a:p>
+            <a:pPr marL="0" indent="0">
+              <a:buNone/>
+            </a:pPr>
+            <a:r>
+              <a:rPr lang="en-US" baseline="0"/>
+              <a:t>Run code</a:t>
+            </a:r>
+            <a:endParaRPr lang="en-US" dirty="0"/>
           </a:p>
         </p:txBody>
       </p:sp>
@@ -1141,7 +1250,7 @@
           <a:p>
             <a:fld id="{CD563DD8-32AB-41BE-B1C6-8EAC45222ACE}" type="slidenum">
               <a:rPr lang="en-US" smtClean="0"/>
-              <a:t>23</a:t>
+              <a:t>22</a:t>
             </a:fld>
             <a:endParaRPr lang="en-US"/>
           </a:p>
@@ -1150,7 +1259,7 @@
     </p:spTree>
     <p:extLst>
       <p:ext uri="{BB962C8B-B14F-4D97-AF65-F5344CB8AC3E}">
-        <p14:creationId xmlns:p14="http://schemas.microsoft.com/office/powerpoint/2010/main" val="160988225"/>
+        <p14:creationId xmlns:p14="http://schemas.microsoft.com/office/powerpoint/2010/main" val="817983497"/>
       </p:ext>
     </p:extLst>
   </p:cSld>
@@ -1205,8 +1314,12 @@
           <a:lstStyle/>
           <a:p>
             <a:r>
+              <a:rPr lang="en-US" dirty="0" err="1"/>
+              <a:t>L.index</a:t>
+            </a:r>
+            <a:r>
               <a:rPr lang="en-US" dirty="0"/>
-              <a:t>Recall strings are immutable</a:t>
+              <a:t>(x) can only be called if x in L, otherwise an exception is raised</a:t>
             </a:r>
           </a:p>
         </p:txBody>
@@ -1228,7 +1341,7 @@
           <a:p>
             <a:fld id="{CD563DD8-32AB-41BE-B1C6-8EAC45222ACE}" type="slidenum">
               <a:rPr lang="en-US" smtClean="0"/>
-              <a:t>25</a:t>
+              <a:t>24</a:t>
             </a:fld>
             <a:endParaRPr lang="en-US"/>
           </a:p>
@@ -1237,7 +1350,7 @@
     </p:spTree>
     <p:extLst>
       <p:ext uri="{BB962C8B-B14F-4D97-AF65-F5344CB8AC3E}">
-        <p14:creationId xmlns:p14="http://schemas.microsoft.com/office/powerpoint/2010/main" val="1129669421"/>
+        <p14:creationId xmlns:p14="http://schemas.microsoft.com/office/powerpoint/2010/main" val="160988225"/>
       </p:ext>
     </p:extLst>
   </p:cSld>
@@ -1293,13 +1406,8 @@
           <a:p>
             <a:r>
               <a:rPr lang="en-US" dirty="0"/>
-              <a:t>In source code</a:t>
-            </a:r>
-            <a:r>
-              <a:rPr lang="en-US" baseline="0" dirty="0"/>
-              <a:t> search for “&gt;&gt; 3”</a:t>
-            </a:r>
-            <a:endParaRPr lang="en-US" dirty="0"/>
+              <a:t>Recall strings are immutable</a:t>
+            </a:r>
           </a:p>
         </p:txBody>
       </p:sp>
@@ -1320,7 +1428,7 @@
           <a:p>
             <a:fld id="{CD563DD8-32AB-41BE-B1C6-8EAC45222ACE}" type="slidenum">
               <a:rPr lang="en-US" smtClean="0"/>
-              <a:t>27</a:t>
+              <a:t>26</a:t>
             </a:fld>
             <a:endParaRPr lang="en-US"/>
           </a:p>
@@ -1329,7 +1437,7 @@
     </p:spTree>
     <p:extLst>
       <p:ext uri="{BB962C8B-B14F-4D97-AF65-F5344CB8AC3E}">
-        <p14:creationId xmlns:p14="http://schemas.microsoft.com/office/powerpoint/2010/main" val="3607756988"/>
+        <p14:creationId xmlns:p14="http://schemas.microsoft.com/office/powerpoint/2010/main" val="1129669421"/>
       </p:ext>
     </p:extLst>
   </p:cSld>
@@ -1385,11 +1493,11 @@
           <a:p>
             <a:r>
               <a:rPr lang="en-US" dirty="0"/>
-              <a:t>data from single run =&gt;</a:t>
+              <a:t>In source code</a:t>
             </a:r>
             <a:r>
               <a:rPr lang="en-US" baseline="0" dirty="0"/>
-              <a:t> lot of noise</a:t>
+              <a:t> search for “&gt;&gt; 3”</a:t>
             </a:r>
             <a:endParaRPr lang="en-US" dirty="0"/>
           </a:p>
@@ -1412,7 +1520,99 @@
           <a:p>
             <a:fld id="{CD563DD8-32AB-41BE-B1C6-8EAC45222ACE}" type="slidenum">
               <a:rPr lang="en-US" smtClean="0"/>
-              <a:t>29</a:t>
+              <a:t>28</a:t>
+            </a:fld>
+            <a:endParaRPr lang="en-US"/>
+          </a:p>
+        </p:txBody>
+      </p:sp>
+    </p:spTree>
+    <p:extLst>
+      <p:ext uri="{BB962C8B-B14F-4D97-AF65-F5344CB8AC3E}">
+        <p14:creationId xmlns:p14="http://schemas.microsoft.com/office/powerpoint/2010/main" val="3607756988"/>
+      </p:ext>
+    </p:extLst>
+  </p:cSld>
+  <p:clrMapOvr>
+    <a:masterClrMapping/>
+  </p:clrMapOvr>
+</p:notes>
+</file>
+
+<file path=ppt/notesSlides/notesSlide15.xml><?xml version="1.0" encoding="utf-8"?>
+<p:notes xmlns:a="http://schemas.openxmlformats.org/drawingml/2006/main" xmlns:r="http://schemas.openxmlformats.org/officeDocument/2006/relationships" xmlns:p="http://schemas.openxmlformats.org/presentationml/2006/main">
+  <p:cSld>
+    <p:spTree>
+      <p:nvGrpSpPr>
+        <p:cNvPr id="1" name=""/>
+        <p:cNvGrpSpPr/>
+        <p:nvPr/>
+      </p:nvGrpSpPr>
+      <p:grpSpPr>
+        <a:xfrm>
+          <a:off x="0" y="0"/>
+          <a:ext cx="0" cy="0"/>
+          <a:chOff x="0" y="0"/>
+          <a:chExt cx="0" cy="0"/>
+        </a:xfrm>
+      </p:grpSpPr>
+      <p:sp>
+        <p:nvSpPr>
+          <p:cNvPr id="2" name="Slide Image Placeholder 1"/>
+          <p:cNvSpPr>
+            <a:spLocks noGrp="1" noRot="1" noChangeAspect="1"/>
+          </p:cNvSpPr>
+          <p:nvPr>
+            <p:ph type="sldImg"/>
+          </p:nvPr>
+        </p:nvSpPr>
+        <p:spPr/>
+      </p:sp>
+      <p:sp>
+        <p:nvSpPr>
+          <p:cNvPr id="3" name="Notes Placeholder 2"/>
+          <p:cNvSpPr>
+            <a:spLocks noGrp="1"/>
+          </p:cNvSpPr>
+          <p:nvPr>
+            <p:ph type="body" idx="1"/>
+          </p:nvPr>
+        </p:nvSpPr>
+        <p:spPr/>
+        <p:txBody>
+          <a:bodyPr/>
+          <a:lstStyle/>
+          <a:p>
+            <a:r>
+              <a:rPr lang="en-US" dirty="0"/>
+              <a:t>data from single run =&gt;</a:t>
+            </a:r>
+            <a:r>
+              <a:rPr lang="en-US" baseline="0" dirty="0"/>
+              <a:t> lot of noise</a:t>
+            </a:r>
+            <a:endParaRPr lang="en-US" dirty="0"/>
+          </a:p>
+        </p:txBody>
+      </p:sp>
+      <p:sp>
+        <p:nvSpPr>
+          <p:cNvPr id="4" name="Slide Number Placeholder 3"/>
+          <p:cNvSpPr>
+            <a:spLocks noGrp="1"/>
+          </p:cNvSpPr>
+          <p:nvPr>
+            <p:ph type="sldNum" sz="quarter" idx="10"/>
+          </p:nvPr>
+        </p:nvSpPr>
+        <p:spPr/>
+        <p:txBody>
+          <a:bodyPr/>
+          <a:lstStyle/>
+          <a:p>
+            <a:fld id="{CD563DD8-32AB-41BE-B1C6-8EAC45222ACE}" type="slidenum">
+              <a:rPr lang="en-US" smtClean="0"/>
+              <a:t>30</a:t>
             </a:fld>
             <a:endParaRPr lang="en-US"/>
           </a:p>
@@ -1475,7 +1675,22 @@
           <a:bodyPr/>
           <a:lstStyle/>
           <a:p>
-            <a:endParaRPr lang="en-US" dirty="0"/>
+            <a:r>
+              <a:rPr lang="en-US" dirty="0" err="1"/>
+              <a:t>L.pop</a:t>
+            </a:r>
+            <a:r>
+              <a:rPr lang="en-US" dirty="0"/>
+              <a:t>() = </a:t>
+            </a:r>
+            <a:r>
+              <a:rPr lang="en-US" dirty="0" err="1"/>
+              <a:t>L.pop</a:t>
+            </a:r>
+            <a:r>
+              <a:rPr lang="en-US" dirty="0"/>
+              <a:t>(-1), i.e. removes the last element from the list</a:t>
+            </a:r>
           </a:p>
         </p:txBody>
       </p:sp>
@@ -1496,7 +1711,7 @@
           <a:p>
             <a:fld id="{CD563DD8-32AB-41BE-B1C6-8EAC45222ACE}" type="slidenum">
               <a:rPr lang="en-US" smtClean="0"/>
-              <a:t>8</a:t>
+              <a:t>4</a:t>
             </a:fld>
             <a:endParaRPr lang="en-US"/>
           </a:p>
@@ -1505,7 +1720,7 @@
     </p:spTree>
     <p:extLst>
       <p:ext uri="{BB962C8B-B14F-4D97-AF65-F5344CB8AC3E}">
-        <p14:creationId xmlns:p14="http://schemas.microsoft.com/office/powerpoint/2010/main" val="2840038013"/>
+        <p14:creationId xmlns:p14="http://schemas.microsoft.com/office/powerpoint/2010/main" val="721539255"/>
       </p:ext>
     </p:extLst>
   </p:cSld>
@@ -1589,7 +1804,7 @@
     </p:spTree>
     <p:extLst>
       <p:ext uri="{BB962C8B-B14F-4D97-AF65-F5344CB8AC3E}">
-        <p14:creationId xmlns:p14="http://schemas.microsoft.com/office/powerpoint/2010/main" val="558361570"/>
+        <p14:creationId xmlns:p14="http://schemas.microsoft.com/office/powerpoint/2010/main" val="2840038013"/>
       </p:ext>
     </p:extLst>
   </p:cSld>
@@ -1643,10 +1858,7 @@
           <a:bodyPr/>
           <a:lstStyle/>
           <a:p>
-            <a:r>
-              <a:rPr lang="en-US" dirty="0"/>
-              <a:t>Pythontutor.com only uses Python 3.6</a:t>
-            </a:r>
+            <a:endParaRPr lang="en-US" dirty="0"/>
           </a:p>
         </p:txBody>
       </p:sp>
@@ -1676,7 +1888,7 @@
     </p:spTree>
     <p:extLst>
       <p:ext uri="{BB962C8B-B14F-4D97-AF65-F5344CB8AC3E}">
-        <p14:creationId xmlns:p14="http://schemas.microsoft.com/office/powerpoint/2010/main" val="3499136583"/>
+        <p14:creationId xmlns:p14="http://schemas.microsoft.com/office/powerpoint/2010/main" val="558361570"/>
       </p:ext>
     </p:extLst>
   </p:cSld>
@@ -1732,21 +1944,8 @@
           <a:p>
             <a:r>
               <a:rPr lang="en-US" dirty="0"/>
-              <a:t>NOTE i in </a:t>
-            </a:r>
-            <a:r>
-              <a:rPr lang="en-US"/>
-              <a:t>2</a:t>
-            </a:r>
-            <a:r>
-              <a:rPr lang="en-US" baseline="30000"/>
-              <a:t>nd</a:t>
-            </a:r>
-            <a:r>
-              <a:rPr lang="en-US"/>
-              <a:t> for-loop</a:t>
-            </a:r>
-            <a:endParaRPr lang="en-US" dirty="0"/>
+              <a:t>Pythontutor.com only uses Python 3.6</a:t>
+            </a:r>
           </a:p>
         </p:txBody>
       </p:sp>
@@ -1767,7 +1966,7 @@
           <a:p>
             <a:fld id="{CD563DD8-32AB-41BE-B1C6-8EAC45222ACE}" type="slidenum">
               <a:rPr lang="en-US" smtClean="0"/>
-              <a:t>16</a:t>
+              <a:t>11</a:t>
             </a:fld>
             <a:endParaRPr lang="en-US"/>
           </a:p>
@@ -1776,7 +1975,7 @@
     </p:spTree>
     <p:extLst>
       <p:ext uri="{BB962C8B-B14F-4D97-AF65-F5344CB8AC3E}">
-        <p14:creationId xmlns:p14="http://schemas.microsoft.com/office/powerpoint/2010/main" val="4184457804"/>
+        <p14:creationId xmlns:p14="http://schemas.microsoft.com/office/powerpoint/2010/main" val="3499136583"/>
       </p:ext>
     </p:extLst>
   </p:cSld>
@@ -1876,7 +2075,7 @@
     </p:spTree>
     <p:extLst>
       <p:ext uri="{BB962C8B-B14F-4D97-AF65-F5344CB8AC3E}">
-        <p14:creationId xmlns:p14="http://schemas.microsoft.com/office/powerpoint/2010/main" val="3366940037"/>
+        <p14:creationId xmlns:p14="http://schemas.microsoft.com/office/powerpoint/2010/main" val="4184457804"/>
       </p:ext>
     </p:extLst>
   </p:cSld>
@@ -1932,51 +2131,19 @@
           <a:p>
             <a:r>
               <a:rPr lang="en-US" dirty="0"/>
-              <a:t>Note BASIC</a:t>
-            </a:r>
-            <a:r>
-              <a:rPr lang="en-US" baseline="0" dirty="0"/>
-              <a:t> includes the last index in the range for the for-loop</a:t>
-            </a:r>
-          </a:p>
-          <a:p>
-            <a:r>
-              <a:rPr lang="en-US" baseline="0" dirty="0"/>
-              <a:t>Needs keyword NEXT to indicate where the FOR loop ends</a:t>
-            </a:r>
-          </a:p>
-          <a:p>
-            <a:r>
-              <a:rPr lang="en-US" dirty="0"/>
-              <a:t>https://vice.pokefinder.org/ run x64.exe</a:t>
-            </a:r>
-          </a:p>
-          <a:p>
-            <a:r>
-              <a:rPr lang="en-US" dirty="0"/>
-              <a:t>Alt-D toggle full</a:t>
-            </a:r>
-            <a:r>
-              <a:rPr lang="en-US" baseline="0" dirty="0"/>
-              <a:t> screen</a:t>
-            </a:r>
-          </a:p>
-          <a:p>
-            <a:r>
-              <a:rPr lang="en-US" baseline="0" dirty="0"/>
-              <a:t>LIST : show program</a:t>
-            </a:r>
-          </a:p>
-          <a:p>
-            <a:r>
-              <a:rPr lang="en-US" baseline="0" dirty="0"/>
-              <a:t>RUN : run program</a:t>
-            </a:r>
-          </a:p>
-          <a:p>
-            <a:r>
-              <a:rPr lang="en-US" baseline="0" dirty="0"/>
-              <a:t>Alt-F12 : Hardware reset</a:t>
+              <a:t>NOTE i in </a:t>
+            </a:r>
+            <a:r>
+              <a:rPr lang="en-US"/>
+              <a:t>2</a:t>
+            </a:r>
+            <a:r>
+              <a:rPr lang="en-US" baseline="30000"/>
+              <a:t>nd</a:t>
+            </a:r>
+            <a:r>
+              <a:rPr lang="en-US"/>
+              <a:t> for-loop</a:t>
             </a:r>
             <a:endParaRPr lang="en-US" dirty="0"/>
           </a:p>
@@ -2008,7 +2175,7 @@
     </p:spTree>
     <p:extLst>
       <p:ext uri="{BB962C8B-B14F-4D97-AF65-F5344CB8AC3E}">
-        <p14:creationId xmlns:p14="http://schemas.microsoft.com/office/powerpoint/2010/main" val="3621744206"/>
+        <p14:creationId xmlns:p14="http://schemas.microsoft.com/office/powerpoint/2010/main" val="3366940037"/>
       </p:ext>
     </p:extLst>
   </p:cSld>
@@ -2062,6 +2229,54 @@
           <a:bodyPr/>
           <a:lstStyle/>
           <a:p>
+            <a:r>
+              <a:rPr lang="en-US" dirty="0"/>
+              <a:t>Note BASIC</a:t>
+            </a:r>
+            <a:r>
+              <a:rPr lang="en-US" baseline="0" dirty="0"/>
+              <a:t> includes the last index in the range for the for-loop</a:t>
+            </a:r>
+          </a:p>
+          <a:p>
+            <a:r>
+              <a:rPr lang="en-US" baseline="0" dirty="0"/>
+              <a:t>Needs keyword NEXT to indicate where the FOR loop ends</a:t>
+            </a:r>
+          </a:p>
+          <a:p>
+            <a:r>
+              <a:rPr lang="en-US" dirty="0"/>
+              <a:t>https://vice.pokefinder.org/ run x64.exe</a:t>
+            </a:r>
+          </a:p>
+          <a:p>
+            <a:r>
+              <a:rPr lang="en-US" dirty="0"/>
+              <a:t>Alt-D toggle full</a:t>
+            </a:r>
+            <a:r>
+              <a:rPr lang="en-US" baseline="0" dirty="0"/>
+              <a:t> screen</a:t>
+            </a:r>
+          </a:p>
+          <a:p>
+            <a:r>
+              <a:rPr lang="en-US" baseline="0" dirty="0"/>
+              <a:t>LIST : show program</a:t>
+            </a:r>
+          </a:p>
+          <a:p>
+            <a:r>
+              <a:rPr lang="en-US" baseline="0" dirty="0"/>
+              <a:t>RUN : run program</a:t>
+            </a:r>
+          </a:p>
+          <a:p>
+            <a:r>
+              <a:rPr lang="en-US" baseline="0" dirty="0"/>
+              <a:t>Alt-F12 : Hardware reset</a:t>
+            </a:r>
             <a:endParaRPr lang="en-US" dirty="0"/>
           </a:p>
         </p:txBody>
@@ -2092,7 +2307,7 @@
     </p:spTree>
     <p:extLst>
       <p:ext uri="{BB962C8B-B14F-4D97-AF65-F5344CB8AC3E}">
-        <p14:creationId xmlns:p14="http://schemas.microsoft.com/office/powerpoint/2010/main" val="2911469987"/>
+        <p14:creationId xmlns:p14="http://schemas.microsoft.com/office/powerpoint/2010/main" val="3621744206"/>
       </p:ext>
     </p:extLst>
   </p:cSld>
@@ -2146,24 +2361,6 @@
           <a:bodyPr/>
           <a:lstStyle/>
           <a:p>
-            <a:r>
-              <a:rPr lang="en-US" dirty="0"/>
-              <a:t>example</a:t>
-            </a:r>
-            <a:r>
-              <a:rPr lang="en-US" baseline="0" dirty="0"/>
-              <a:t> of tested loops</a:t>
-            </a:r>
-          </a:p>
-          <a:p>
-            <a:r>
-              <a:rPr lang="en-US" baseline="0" dirty="0" err="1"/>
-              <a:t>Handin</a:t>
-            </a:r>
-            <a:r>
-              <a:rPr lang="en-US" baseline="0" dirty="0"/>
-              <a:t>: make a more efficient algorithm</a:t>
-            </a:r>
             <a:endParaRPr lang="en-US" dirty="0"/>
           </a:p>
         </p:txBody>
@@ -2194,7 +2391,7 @@
     </p:spTree>
     <p:extLst>
       <p:ext uri="{BB962C8B-B14F-4D97-AF65-F5344CB8AC3E}">
-        <p14:creationId xmlns:p14="http://schemas.microsoft.com/office/powerpoint/2010/main" val="1218980682"/>
+        <p14:creationId xmlns:p14="http://schemas.microsoft.com/office/powerpoint/2010/main" val="2911469987"/>
       </p:ext>
     </p:extLst>
   </p:cSld>
@@ -2341,7 +2538,7 @@
           <a:p>
             <a:fld id="{0560A9CD-0304-4E0B-9E82-E7E0115DE05B}" type="datetimeFigureOut">
               <a:rPr lang="en-US" smtClean="0"/>
-              <a:t>7/15/2023</a:t>
+              <a:t>10/31/2023</a:t>
             </a:fld>
             <a:endParaRPr lang="en-US"/>
           </a:p>
@@ -2509,7 +2706,7 @@
           <a:p>
             <a:fld id="{0560A9CD-0304-4E0B-9E82-E7E0115DE05B}" type="datetimeFigureOut">
               <a:rPr lang="en-US" smtClean="0"/>
-              <a:t>7/15/2023</a:t>
+              <a:t>10/31/2023</a:t>
             </a:fld>
             <a:endParaRPr lang="en-US"/>
           </a:p>
@@ -2687,7 +2884,7 @@
           <a:p>
             <a:fld id="{0560A9CD-0304-4E0B-9E82-E7E0115DE05B}" type="datetimeFigureOut">
               <a:rPr lang="en-US" smtClean="0"/>
-              <a:t>7/15/2023</a:t>
+              <a:t>10/31/2023</a:t>
             </a:fld>
             <a:endParaRPr lang="en-US"/>
           </a:p>
@@ -2864,7 +3061,7 @@
           <a:p>
             <a:fld id="{0560A9CD-0304-4E0B-9E82-E7E0115DE05B}" type="datetimeFigureOut">
               <a:rPr lang="en-US" smtClean="0"/>
-              <a:t>7/15/2023</a:t>
+              <a:t>10/31/2023</a:t>
             </a:fld>
             <a:endParaRPr lang="en-US"/>
           </a:p>
@@ -3109,7 +3306,7 @@
           <a:p>
             <a:fld id="{0560A9CD-0304-4E0B-9E82-E7E0115DE05B}" type="datetimeFigureOut">
               <a:rPr lang="en-US" smtClean="0"/>
-              <a:t>7/15/2023</a:t>
+              <a:t>10/31/2023</a:t>
             </a:fld>
             <a:endParaRPr lang="en-US"/>
           </a:p>
@@ -3338,7 +3535,7 @@
           <a:p>
             <a:fld id="{0560A9CD-0304-4E0B-9E82-E7E0115DE05B}" type="datetimeFigureOut">
               <a:rPr lang="en-US" smtClean="0"/>
-              <a:t>7/15/2023</a:t>
+              <a:t>10/31/2023</a:t>
             </a:fld>
             <a:endParaRPr lang="en-US"/>
           </a:p>
@@ -3702,7 +3899,7 @@
           <a:p>
             <a:fld id="{0560A9CD-0304-4E0B-9E82-E7E0115DE05B}" type="datetimeFigureOut">
               <a:rPr lang="en-US" smtClean="0"/>
-              <a:t>7/15/2023</a:t>
+              <a:t>10/31/2023</a:t>
             </a:fld>
             <a:endParaRPr lang="en-US"/>
           </a:p>
@@ -3819,7 +4016,7 @@
           <a:p>
             <a:fld id="{0560A9CD-0304-4E0B-9E82-E7E0115DE05B}" type="datetimeFigureOut">
               <a:rPr lang="en-US" smtClean="0"/>
-              <a:t>7/15/2023</a:t>
+              <a:t>10/31/2023</a:t>
             </a:fld>
             <a:endParaRPr lang="en-US"/>
           </a:p>
@@ -3914,7 +4111,7 @@
           <a:p>
             <a:fld id="{0560A9CD-0304-4E0B-9E82-E7E0115DE05B}" type="datetimeFigureOut">
               <a:rPr lang="en-US" smtClean="0"/>
-              <a:t>7/15/2023</a:t>
+              <a:t>10/31/2023</a:t>
             </a:fld>
             <a:endParaRPr lang="en-US"/>
           </a:p>
@@ -4189,7 +4386,7 @@
           <a:p>
             <a:fld id="{0560A9CD-0304-4E0B-9E82-E7E0115DE05B}" type="datetimeFigureOut">
               <a:rPr lang="en-US" smtClean="0"/>
-              <a:t>7/15/2023</a:t>
+              <a:t>10/31/2023</a:t>
             </a:fld>
             <a:endParaRPr lang="en-US"/>
           </a:p>
@@ -4441,7 +4638,7 @@
           <a:p>
             <a:fld id="{0560A9CD-0304-4E0B-9E82-E7E0115DE05B}" type="datetimeFigureOut">
               <a:rPr lang="en-US" smtClean="0"/>
-              <a:t>7/15/2023</a:t>
+              <a:t>10/31/2023</a:t>
             </a:fld>
             <a:endParaRPr lang="en-US"/>
           </a:p>
@@ -4652,7 +4849,7 @@
           <a:p>
             <a:fld id="{0560A9CD-0304-4E0B-9E82-E7E0115DE05B}" type="datetimeFigureOut">
               <a:rPr lang="en-US" smtClean="0"/>
-              <a:t>7/15/2023</a:t>
+              <a:t>10/31/2023</a:t>
             </a:fld>
             <a:endParaRPr lang="en-US"/>
           </a:p>
@@ -5171,17 +5368,6 @@
 <file path=ppt/slides/slide10.xml><?xml version="1.0" encoding="utf-8"?>
 <p:sld xmlns:a="http://schemas.openxmlformats.org/drawingml/2006/main" xmlns:r="http://schemas.openxmlformats.org/officeDocument/2006/relationships" xmlns:p="http://schemas.openxmlformats.org/presentationml/2006/main">
   <p:cSld>
-    <p:bg>
-      <p:bgPr>
-        <a:solidFill>
-          <a:schemeClr val="accent6">
-            <a:lumMod val="20000"/>
-            <a:lumOff val="80000"/>
-          </a:schemeClr>
-        </a:solidFill>
-        <a:effectLst/>
-      </p:bgPr>
-    </p:bg>
     <p:spTree>
       <p:nvGrpSpPr>
         <p:cNvPr id="1" name=""/>
@@ -5213,21 +5399,15 @@
           <a:p>
             <a:r>
               <a:rPr lang="en-US" b="0" dirty="0">
-                <a:latin typeface="+mn-lt"/>
-              </a:rPr>
-              <a:t>Question – what is </a:t>
-            </a:r>
-            <a:r>
-              <a:rPr lang="en-US" b="0" dirty="0">
                 <a:latin typeface="Courier"/>
               </a:rPr>
-              <a:t>c</a:t>
+              <a:t>x[:]</a:t>
             </a:r>
             <a:r>
               <a:rPr lang="en-US" b="0" dirty="0">
                 <a:latin typeface="+mn-lt"/>
               </a:rPr>
-              <a:t> ?</a:t>
+              <a:t> vs nested structures</a:t>
             </a:r>
           </a:p>
         </p:txBody>
@@ -5340,7 +5520,7 @@
           <p:nvPr>
             <p:extLst>
               <p:ext uri="{D42A27DB-BD31-4B8C-83A1-F6EECF244321}">
-                <p14:modId xmlns:p14="http://schemas.microsoft.com/office/powerpoint/2010/main" val="4165433210"/>
+                <p14:modId xmlns:p14="http://schemas.microsoft.com/office/powerpoint/2010/main" val="2682594680"/>
               </p:ext>
             </p:extLst>
           </p:nvPr>
@@ -8113,6 +8293,3212 @@
           </a:p>
         </p:txBody>
       </p:sp>
+    </p:spTree>
+    <p:extLst>
+      <p:ext uri="{BB962C8B-B14F-4D97-AF65-F5344CB8AC3E}">
+        <p14:creationId xmlns:p14="http://schemas.microsoft.com/office/powerpoint/2010/main" val="3738210069"/>
+      </p:ext>
+    </p:extLst>
+  </p:cSld>
+  <p:clrMapOvr>
+    <a:masterClrMapping/>
+  </p:clrMapOvr>
+  <p:timing>
+    <p:tnLst>
+      <p:par>
+        <p:cTn id="1" dur="indefinite" restart="never" nodeType="tmRoot">
+          <p:childTnLst>
+            <p:seq concurrent="1" nextAc="seek">
+              <p:cTn id="2" dur="indefinite" nodeType="mainSeq">
+                <p:childTnLst>
+                  <p:par>
+                    <p:cTn id="3" fill="hold">
+                      <p:stCondLst>
+                        <p:cond delay="indefinite"/>
+                      </p:stCondLst>
+                      <p:childTnLst>
+                        <p:par>
+                          <p:cTn id="4" fill="hold">
+                            <p:stCondLst>
+                              <p:cond delay="0"/>
+                            </p:stCondLst>
+                            <p:childTnLst>
+                              <p:par>
+                                <p:cTn id="5" presetID="10" presetClass="entr" presetSubtype="0" fill="hold" grpId="0" nodeType="clickEffect">
+                                  <p:stCondLst>
+                                    <p:cond delay="0"/>
+                                  </p:stCondLst>
+                                  <p:childTnLst>
+                                    <p:set>
+                                      <p:cBhvr>
+                                        <p:cTn id="6" dur="1" fill="hold">
+                                          <p:stCondLst>
+                                            <p:cond delay="0"/>
+                                          </p:stCondLst>
+                                        </p:cTn>
+                                        <p:tgtEl>
+                                          <p:spTgt spid="27"/>
+                                        </p:tgtEl>
+                                        <p:attrNameLst>
+                                          <p:attrName>style.visibility</p:attrName>
+                                        </p:attrNameLst>
+                                      </p:cBhvr>
+                                      <p:to>
+                                        <p:strVal val="visible"/>
+                                      </p:to>
+                                    </p:set>
+                                    <p:animEffect transition="in" filter="fade">
+                                      <p:cBhvr>
+                                        <p:cTn id="7" dur="500"/>
+                                        <p:tgtEl>
+                                          <p:spTgt spid="27"/>
+                                        </p:tgtEl>
+                                      </p:cBhvr>
+                                    </p:animEffect>
+                                  </p:childTnLst>
+                                </p:cTn>
+                              </p:par>
+                            </p:childTnLst>
+                          </p:cTn>
+                        </p:par>
+                      </p:childTnLst>
+                    </p:cTn>
+                  </p:par>
+                  <p:par>
+                    <p:cTn id="8" fill="hold">
+                      <p:stCondLst>
+                        <p:cond delay="indefinite"/>
+                      </p:stCondLst>
+                      <p:childTnLst>
+                        <p:par>
+                          <p:cTn id="9" fill="hold">
+                            <p:stCondLst>
+                              <p:cond delay="0"/>
+                            </p:stCondLst>
+                            <p:childTnLst>
+                              <p:par>
+                                <p:cTn id="10" presetID="10" presetClass="entr" presetSubtype="0" fill="hold" grpId="0" nodeType="clickEffect">
+                                  <p:stCondLst>
+                                    <p:cond delay="0"/>
+                                  </p:stCondLst>
+                                  <p:childTnLst>
+                                    <p:set>
+                                      <p:cBhvr>
+                                        <p:cTn id="11" dur="1" fill="hold">
+                                          <p:stCondLst>
+                                            <p:cond delay="0"/>
+                                          </p:stCondLst>
+                                        </p:cTn>
+                                        <p:tgtEl>
+                                          <p:spTgt spid="26"/>
+                                        </p:tgtEl>
+                                        <p:attrNameLst>
+                                          <p:attrName>style.visibility</p:attrName>
+                                        </p:attrNameLst>
+                                      </p:cBhvr>
+                                      <p:to>
+                                        <p:strVal val="visible"/>
+                                      </p:to>
+                                    </p:set>
+                                    <p:animEffect transition="in" filter="fade">
+                                      <p:cBhvr>
+                                        <p:cTn id="12" dur="500"/>
+                                        <p:tgtEl>
+                                          <p:spTgt spid="26"/>
+                                        </p:tgtEl>
+                                      </p:cBhvr>
+                                    </p:animEffect>
+                                  </p:childTnLst>
+                                </p:cTn>
+                              </p:par>
+                              <p:par>
+                                <p:cTn id="13" presetID="10" presetClass="entr" presetSubtype="0" fill="hold" grpId="0" nodeType="withEffect">
+                                  <p:stCondLst>
+                                    <p:cond delay="0"/>
+                                  </p:stCondLst>
+                                  <p:childTnLst>
+                                    <p:set>
+                                      <p:cBhvr>
+                                        <p:cTn id="14" dur="1" fill="hold">
+                                          <p:stCondLst>
+                                            <p:cond delay="0"/>
+                                          </p:stCondLst>
+                                        </p:cTn>
+                                        <p:tgtEl>
+                                          <p:spTgt spid="29"/>
+                                        </p:tgtEl>
+                                        <p:attrNameLst>
+                                          <p:attrName>style.visibility</p:attrName>
+                                        </p:attrNameLst>
+                                      </p:cBhvr>
+                                      <p:to>
+                                        <p:strVal val="visible"/>
+                                      </p:to>
+                                    </p:set>
+                                    <p:animEffect transition="in" filter="fade">
+                                      <p:cBhvr>
+                                        <p:cTn id="15" dur="500"/>
+                                        <p:tgtEl>
+                                          <p:spTgt spid="29"/>
+                                        </p:tgtEl>
+                                      </p:cBhvr>
+                                    </p:animEffect>
+                                  </p:childTnLst>
+                                </p:cTn>
+                              </p:par>
+                              <p:par>
+                                <p:cTn id="16" presetID="10" presetClass="entr" presetSubtype="0" fill="hold" grpId="0" nodeType="withEffect">
+                                  <p:stCondLst>
+                                    <p:cond delay="0"/>
+                                  </p:stCondLst>
+                                  <p:childTnLst>
+                                    <p:set>
+                                      <p:cBhvr>
+                                        <p:cTn id="17" dur="1" fill="hold">
+                                          <p:stCondLst>
+                                            <p:cond delay="0"/>
+                                          </p:stCondLst>
+                                        </p:cTn>
+                                        <p:tgtEl>
+                                          <p:spTgt spid="30"/>
+                                        </p:tgtEl>
+                                        <p:attrNameLst>
+                                          <p:attrName>style.visibility</p:attrName>
+                                        </p:attrNameLst>
+                                      </p:cBhvr>
+                                      <p:to>
+                                        <p:strVal val="visible"/>
+                                      </p:to>
+                                    </p:set>
+                                    <p:animEffect transition="in" filter="fade">
+                                      <p:cBhvr>
+                                        <p:cTn id="18" dur="500"/>
+                                        <p:tgtEl>
+                                          <p:spTgt spid="30"/>
+                                        </p:tgtEl>
+                                      </p:cBhvr>
+                                    </p:animEffect>
+                                  </p:childTnLst>
+                                </p:cTn>
+                              </p:par>
+                              <p:par>
+                                <p:cTn id="19" presetID="10" presetClass="entr" presetSubtype="0" fill="hold" grpId="0" nodeType="withEffect">
+                                  <p:stCondLst>
+                                    <p:cond delay="0"/>
+                                  </p:stCondLst>
+                                  <p:childTnLst>
+                                    <p:set>
+                                      <p:cBhvr>
+                                        <p:cTn id="20" dur="1" fill="hold">
+                                          <p:stCondLst>
+                                            <p:cond delay="0"/>
+                                          </p:stCondLst>
+                                        </p:cTn>
+                                        <p:tgtEl>
+                                          <p:spTgt spid="31"/>
+                                        </p:tgtEl>
+                                        <p:attrNameLst>
+                                          <p:attrName>style.visibility</p:attrName>
+                                        </p:attrNameLst>
+                                      </p:cBhvr>
+                                      <p:to>
+                                        <p:strVal val="visible"/>
+                                      </p:to>
+                                    </p:set>
+                                    <p:animEffect transition="in" filter="fade">
+                                      <p:cBhvr>
+                                        <p:cTn id="21" dur="500"/>
+                                        <p:tgtEl>
+                                          <p:spTgt spid="31"/>
+                                        </p:tgtEl>
+                                      </p:cBhvr>
+                                    </p:animEffect>
+                                  </p:childTnLst>
+                                </p:cTn>
+                              </p:par>
+                            </p:childTnLst>
+                          </p:cTn>
+                        </p:par>
+                      </p:childTnLst>
+                    </p:cTn>
+                  </p:par>
+                </p:childTnLst>
+              </p:cTn>
+              <p:prevCondLst>
+                <p:cond evt="onPrev" delay="0">
+                  <p:tgtEl>
+                    <p:sldTgt/>
+                  </p:tgtEl>
+                </p:cond>
+              </p:prevCondLst>
+              <p:nextCondLst>
+                <p:cond evt="onNext" delay="0">
+                  <p:tgtEl>
+                    <p:sldTgt/>
+                  </p:tgtEl>
+                </p:cond>
+              </p:nextCondLst>
+            </p:seq>
+          </p:childTnLst>
+        </p:cTn>
+      </p:par>
+    </p:tnLst>
+    <p:bldLst>
+      <p:bldP spid="26" grpId="0" animBg="1"/>
+      <p:bldP spid="27" grpId="0"/>
+      <p:bldP spid="29" grpId="0"/>
+      <p:bldP spid="30" grpId="0"/>
+      <p:bldP spid="31" grpId="0"/>
+    </p:bldLst>
+  </p:timing>
+</p:sld>
+</file>
+
+<file path=ppt/slides/slide11.xml><?xml version="1.0" encoding="utf-8"?>
+<p:sld xmlns:a="http://schemas.openxmlformats.org/drawingml/2006/main" xmlns:r="http://schemas.openxmlformats.org/officeDocument/2006/relationships" xmlns:p="http://schemas.openxmlformats.org/presentationml/2006/main">
+  <p:cSld>
+    <p:bg>
+      <p:bgPr>
+        <a:solidFill>
+          <a:schemeClr val="accent6">
+            <a:lumMod val="20000"/>
+            <a:lumOff val="80000"/>
+          </a:schemeClr>
+        </a:solidFill>
+        <a:effectLst/>
+      </p:bgPr>
+    </p:bg>
+    <p:spTree>
+      <p:nvGrpSpPr>
+        <p:cNvPr id="1" name=""/>
+        <p:cNvGrpSpPr/>
+        <p:nvPr/>
+      </p:nvGrpSpPr>
+      <p:grpSpPr>
+        <a:xfrm>
+          <a:off x="0" y="0"/>
+          <a:ext cx="0" cy="0"/>
+          <a:chOff x="0" y="0"/>
+          <a:chExt cx="0" cy="0"/>
+        </a:xfrm>
+      </p:grpSpPr>
+      <p:sp>
+        <p:nvSpPr>
+          <p:cNvPr id="2" name="Title 1"/>
+          <p:cNvSpPr>
+            <a:spLocks noGrp="1"/>
+          </p:cNvSpPr>
+          <p:nvPr>
+            <p:ph type="title"/>
+          </p:nvPr>
+        </p:nvSpPr>
+        <p:spPr/>
+        <p:txBody>
+          <a:bodyPr/>
+          <a:lstStyle/>
+          <a:p>
+            <a:r>
+              <a:rPr lang="en-US" b="0" dirty="0">
+                <a:latin typeface="+mn-lt"/>
+              </a:rPr>
+              <a:t>Question – what is </a:t>
+            </a:r>
+            <a:r>
+              <a:rPr lang="en-US" b="0" dirty="0">
+                <a:latin typeface="Courier"/>
+              </a:rPr>
+              <a:t>c</a:t>
+            </a:r>
+            <a:r>
+              <a:rPr lang="en-US" b="0" dirty="0">
+                <a:latin typeface="+mn-lt"/>
+              </a:rPr>
+              <a:t> ?</a:t>
+            </a:r>
+          </a:p>
+        </p:txBody>
+      </p:sp>
+      <p:sp>
+        <p:nvSpPr>
+          <p:cNvPr id="6" name="Content Placeholder 5"/>
+          <p:cNvSpPr>
+            <a:spLocks noGrp="1"/>
+          </p:cNvSpPr>
+          <p:nvPr>
+            <p:ph idx="1"/>
+          </p:nvPr>
+        </p:nvSpPr>
+        <p:spPr>
+          <a:xfrm>
+            <a:off x="5714150" y="2494155"/>
+            <a:ext cx="3771506" cy="2928035"/>
+          </a:xfrm>
+        </p:spPr>
+        <p:txBody>
+          <a:bodyPr>
+            <a:normAutofit/>
+          </a:bodyPr>
+          <a:lstStyle/>
+          <a:p>
+            <a:pPr marL="0" indent="0">
+              <a:buNone/>
+            </a:pPr>
+            <a:r>
+              <a:rPr lang="en-US" sz="2400" dirty="0">
+                <a:latin typeface="Courier"/>
+              </a:rPr>
+              <a:t>a = [[3,5],[7,11]]</a:t>
+            </a:r>
+          </a:p>
+          <a:p>
+            <a:pPr marL="0" indent="0">
+              <a:buNone/>
+            </a:pPr>
+            <a:r>
+              <a:rPr lang="en-US" sz="2400" dirty="0">
+                <a:latin typeface="Courier"/>
+              </a:rPr>
+              <a:t>b = a</a:t>
+            </a:r>
+          </a:p>
+          <a:p>
+            <a:pPr marL="0" indent="0">
+              <a:buNone/>
+            </a:pPr>
+            <a:r>
+              <a:rPr lang="en-US" sz="2400" dirty="0">
+                <a:latin typeface="Courier"/>
+              </a:rPr>
+              <a:t>c = a[:]</a:t>
+            </a:r>
+          </a:p>
+          <a:p>
+            <a:pPr marL="0" indent="0">
+              <a:buNone/>
+            </a:pPr>
+            <a:r>
+              <a:rPr lang="en-US" sz="2400" dirty="0">
+                <a:solidFill>
+                  <a:srgbClr val="C00000"/>
+                </a:solidFill>
+                <a:latin typeface="Courier"/>
+              </a:rPr>
+              <a:t>a[0][1] = 4</a:t>
+            </a:r>
+            <a:br>
+              <a:rPr lang="en-US" sz="2400" dirty="0">
+                <a:solidFill>
+                  <a:srgbClr val="C00000"/>
+                </a:solidFill>
+                <a:latin typeface="Courier"/>
+              </a:rPr>
+            </a:br>
+            <a:r>
+              <a:rPr lang="en-US" sz="2400" dirty="0">
+                <a:solidFill>
+                  <a:srgbClr val="C00000"/>
+                </a:solidFill>
+                <a:latin typeface="Courier"/>
+              </a:rPr>
+              <a:t>c[1] = b[0]</a:t>
+            </a:r>
+            <a:r>
+              <a:rPr lang="en-US" sz="2400" dirty="0">
+                <a:latin typeface="Courier"/>
+              </a:rPr>
+              <a:t>  </a:t>
+            </a:r>
+          </a:p>
+          <a:p>
+            <a:pPr marL="0" indent="0">
+              <a:buNone/>
+            </a:pPr>
+            <a:endParaRPr lang="en-US" sz="2400" dirty="0"/>
+          </a:p>
+        </p:txBody>
+      </p:sp>
+      <p:graphicFrame>
+        <p:nvGraphicFramePr>
+          <p:cNvPr id="11" name="Table 10"/>
+          <p:cNvGraphicFramePr>
+            <a:graphicFrameLocks noGrp="1"/>
+          </p:cNvGraphicFramePr>
+          <p:nvPr>
+            <p:extLst>
+              <p:ext uri="{D42A27DB-BD31-4B8C-83A1-F6EECF244321}">
+                <p14:modId xmlns:p14="http://schemas.microsoft.com/office/powerpoint/2010/main" val="4165433210"/>
+              </p:ext>
+            </p:extLst>
+          </p:nvPr>
+        </p:nvGraphicFramePr>
+        <p:xfrm>
+          <a:off x="9468116" y="892504"/>
+          <a:ext cx="2327050" cy="5213237"/>
+        </p:xfrm>
+        <a:graphic>
+          <a:graphicData uri="http://schemas.openxmlformats.org/drawingml/2006/table">
+            <a:tbl>
+              <a:tblPr firstRow="1" bandRow="1">
+                <a:tableStyleId>{2D5ABB26-0587-4C30-8999-92F81FD0307C}</a:tableStyleId>
+              </a:tblPr>
+              <a:tblGrid>
+                <a:gridCol w="900000">
+                  <a:extLst>
+                    <a:ext uri="{9D8B030D-6E8A-4147-A177-3AD203B41FA5}">
+                      <a16:colId xmlns:a16="http://schemas.microsoft.com/office/drawing/2014/main" val="2667371781"/>
+                    </a:ext>
+                  </a:extLst>
+                </a:gridCol>
+                <a:gridCol w="527050">
+                  <a:extLst>
+                    <a:ext uri="{9D8B030D-6E8A-4147-A177-3AD203B41FA5}">
+                      <a16:colId xmlns:a16="http://schemas.microsoft.com/office/drawing/2014/main" val="3241505654"/>
+                    </a:ext>
+                  </a:extLst>
+                </a:gridCol>
+                <a:gridCol w="900000">
+                  <a:extLst>
+                    <a:ext uri="{9D8B030D-6E8A-4147-A177-3AD203B41FA5}">
+                      <a16:colId xmlns:a16="http://schemas.microsoft.com/office/drawing/2014/main" val="1073523339"/>
+                    </a:ext>
+                  </a:extLst>
+                </a:gridCol>
+              </a:tblGrid>
+              <a:tr h="238714">
+                <a:tc gridSpan="3">
+                  <a:txBody>
+                    <a:bodyPr/>
+                    <a:lstStyle/>
+                    <a:p>
+                      <a:pPr algn="ctr"/>
+                      <a:r>
+                        <a:rPr lang="en-US" b="1" dirty="0"/>
+                        <a:t>Memory</a:t>
+                      </a:r>
+                    </a:p>
+                  </a:txBody>
+                  <a:tcPr/>
+                </a:tc>
+                <a:tc hMerge="1">
+                  <a:txBody>
+                    <a:bodyPr/>
+                    <a:lstStyle/>
+                    <a:p>
+                      <a:endParaRPr lang="en-US" dirty="0"/>
+                    </a:p>
+                  </a:txBody>
+                  <a:tcPr/>
+                </a:tc>
+                <a:tc hMerge="1">
+                  <a:txBody>
+                    <a:bodyPr/>
+                    <a:lstStyle/>
+                    <a:p>
+                      <a:pPr algn="l"/>
+                      <a:endParaRPr lang="en-US" dirty="0"/>
+                    </a:p>
+                  </a:txBody>
+                  <a:tcPr/>
+                </a:tc>
+                <a:extLst>
+                  <a:ext uri="{0D108BD9-81ED-4DB2-BD59-A6C34878D82A}">
+                    <a16:rowId xmlns:a16="http://schemas.microsoft.com/office/drawing/2014/main" val="114003275"/>
+                  </a:ext>
+                </a:extLst>
+              </a:tr>
+              <a:tr h="443275">
+                <a:tc>
+                  <a:txBody>
+                    <a:bodyPr/>
+                    <a:lstStyle/>
+                    <a:p>
+                      <a:pPr algn="l"/>
+                      <a:endParaRPr lang="en-US" dirty="0">
+                        <a:latin typeface="Courier"/>
+                      </a:endParaRPr>
+                    </a:p>
+                  </a:txBody>
+                  <a:tcPr anchor="b">
+                    <a:lnR w="12700" cap="flat" cmpd="sng" algn="ctr">
+                      <a:solidFill>
+                        <a:schemeClr val="tx1"/>
+                      </a:solidFill>
+                      <a:prstDash val="solid"/>
+                      <a:round/>
+                      <a:headEnd type="none" w="med" len="med"/>
+                      <a:tailEnd type="none" w="med" len="med"/>
+                    </a:lnR>
+                  </a:tcPr>
+                </a:tc>
+                <a:tc>
+                  <a:txBody>
+                    <a:bodyPr/>
+                    <a:lstStyle/>
+                    <a:p>
+                      <a:pPr algn="ctr"/>
+                      <a:endParaRPr lang="en-US" dirty="0"/>
+                    </a:p>
+                  </a:txBody>
+                  <a:tcPr>
+                    <a:lnL w="12700" cap="flat" cmpd="sng" algn="ctr">
+                      <a:solidFill>
+                        <a:schemeClr val="tx1"/>
+                      </a:solidFill>
+                      <a:prstDash val="solid"/>
+                      <a:round/>
+                      <a:headEnd type="none" w="med" len="med"/>
+                      <a:tailEnd type="none" w="med" len="med"/>
+                    </a:lnL>
+                    <a:lnR w="12700" cap="flat" cmpd="sng" algn="ctr">
+                      <a:solidFill>
+                        <a:schemeClr val="tx1"/>
+                      </a:solidFill>
+                      <a:prstDash val="solid"/>
+                      <a:round/>
+                      <a:headEnd type="none" w="med" len="med"/>
+                      <a:tailEnd type="none" w="med" len="med"/>
+                    </a:lnR>
+                    <a:lnT w="12700" cap="flat" cmpd="sng" algn="ctr">
+                      <a:solidFill>
+                        <a:schemeClr val="tx1"/>
+                      </a:solidFill>
+                      <a:prstDash val="solid"/>
+                      <a:round/>
+                      <a:headEnd type="none" w="med" len="med"/>
+                      <a:tailEnd type="none" w="med" len="med"/>
+                    </a:lnT>
+                    <a:lnB w="12700" cap="flat" cmpd="sng" algn="ctr">
+                      <a:solidFill>
+                        <a:schemeClr val="tx1"/>
+                      </a:solidFill>
+                      <a:prstDash val="solid"/>
+                      <a:round/>
+                      <a:headEnd type="none" w="med" len="med"/>
+                      <a:tailEnd type="none" w="med" len="med"/>
+                    </a:lnB>
+                    <a:solidFill>
+                      <a:schemeClr val="accent6">
+                        <a:lumMod val="60000"/>
+                        <a:lumOff val="40000"/>
+                      </a:schemeClr>
+                    </a:solidFill>
+                  </a:tcPr>
+                </a:tc>
+                <a:tc>
+                  <a:txBody>
+                    <a:bodyPr/>
+                    <a:lstStyle/>
+                    <a:p>
+                      <a:pPr algn="l"/>
+                      <a:endParaRPr lang="en-US" dirty="0"/>
+                    </a:p>
+                  </a:txBody>
+                  <a:tcPr>
+                    <a:lnL w="12700" cap="flat" cmpd="sng" algn="ctr">
+                      <a:solidFill>
+                        <a:schemeClr val="tx1"/>
+                      </a:solidFill>
+                      <a:prstDash val="solid"/>
+                      <a:round/>
+                      <a:headEnd type="none" w="med" len="med"/>
+                      <a:tailEnd type="none" w="med" len="med"/>
+                    </a:lnL>
+                  </a:tcPr>
+                </a:tc>
+                <a:extLst>
+                  <a:ext uri="{0D108BD9-81ED-4DB2-BD59-A6C34878D82A}">
+                    <a16:rowId xmlns:a16="http://schemas.microsoft.com/office/drawing/2014/main" val="2501294450"/>
+                  </a:ext>
+                </a:extLst>
+              </a:tr>
+              <a:tr h="324000">
+                <a:tc>
+                  <a:txBody>
+                    <a:bodyPr/>
+                    <a:lstStyle/>
+                    <a:p>
+                      <a:pPr marL="0" marR="0" lvl="0" indent="0" algn="l" defTabSz="914400" rtl="0" eaLnBrk="1" fontAlgn="auto" latinLnBrk="0" hangingPunct="1">
+                        <a:lnSpc>
+                          <a:spcPct val="100000"/>
+                        </a:lnSpc>
+                        <a:spcBef>
+                          <a:spcPts val="0"/>
+                        </a:spcBef>
+                        <a:spcAft>
+                          <a:spcPts val="0"/>
+                        </a:spcAft>
+                        <a:buClrTx/>
+                        <a:buSzTx/>
+                        <a:buFontTx/>
+                        <a:buNone/>
+                        <a:tabLst/>
+                        <a:defRPr/>
+                      </a:pPr>
+                      <a:r>
+                        <a:rPr lang="en-US" dirty="0">
+                          <a:latin typeface="Courier New" panose="02070309020205020404" pitchFamily="49" charset="0"/>
+                          <a:cs typeface="Courier New" panose="02070309020205020404" pitchFamily="49" charset="0"/>
+                        </a:rPr>
+                        <a:t>a</a:t>
+                      </a:r>
+                    </a:p>
+                  </a:txBody>
+                  <a:tcPr anchor="b">
+                    <a:lnR w="12700" cap="flat" cmpd="sng" algn="ctr">
+                      <a:solidFill>
+                        <a:schemeClr val="tx1"/>
+                      </a:solidFill>
+                      <a:prstDash val="solid"/>
+                      <a:round/>
+                      <a:headEnd type="none" w="med" len="med"/>
+                      <a:tailEnd type="none" w="med" len="med"/>
+                    </a:lnR>
+                  </a:tcPr>
+                </a:tc>
+                <a:tc>
+                  <a:txBody>
+                    <a:bodyPr/>
+                    <a:lstStyle/>
+                    <a:p>
+                      <a:pPr algn="ctr"/>
+                      <a:endParaRPr lang="en-US" dirty="0">
+                        <a:latin typeface="Courier New" panose="02070309020205020404" pitchFamily="49" charset="0"/>
+                        <a:cs typeface="Courier New" panose="02070309020205020404" pitchFamily="49" charset="0"/>
+                      </a:endParaRPr>
+                    </a:p>
+                  </a:txBody>
+                  <a:tcPr>
+                    <a:lnL w="12700" cap="flat" cmpd="sng" algn="ctr">
+                      <a:solidFill>
+                        <a:schemeClr val="tx1"/>
+                      </a:solidFill>
+                      <a:prstDash val="solid"/>
+                      <a:round/>
+                      <a:headEnd type="none" w="med" len="med"/>
+                      <a:tailEnd type="none" w="med" len="med"/>
+                    </a:lnL>
+                    <a:lnR w="12700" cap="flat" cmpd="sng" algn="ctr">
+                      <a:solidFill>
+                        <a:schemeClr val="tx1"/>
+                      </a:solidFill>
+                      <a:prstDash val="solid"/>
+                      <a:round/>
+                      <a:headEnd type="none" w="med" len="med"/>
+                      <a:tailEnd type="none" w="med" len="med"/>
+                    </a:lnR>
+                    <a:lnT w="12700" cap="flat" cmpd="sng" algn="ctr">
+                      <a:solidFill>
+                        <a:schemeClr val="tx1"/>
+                      </a:solidFill>
+                      <a:prstDash val="solid"/>
+                      <a:round/>
+                      <a:headEnd type="none" w="med" len="med"/>
+                      <a:tailEnd type="none" w="med" len="med"/>
+                    </a:lnT>
+                    <a:lnB w="12700" cap="flat" cmpd="sng" algn="ctr">
+                      <a:solidFill>
+                        <a:schemeClr val="tx1"/>
+                      </a:solidFill>
+                      <a:prstDash val="solid"/>
+                      <a:round/>
+                      <a:headEnd type="none" w="med" len="med"/>
+                      <a:tailEnd type="none" w="med" len="med"/>
+                    </a:lnB>
+                    <a:solidFill>
+                      <a:srgbClr val="FFFF00"/>
+                    </a:solidFill>
+                  </a:tcPr>
+                </a:tc>
+                <a:tc>
+                  <a:txBody>
+                    <a:bodyPr/>
+                    <a:lstStyle/>
+                    <a:p>
+                      <a:pPr algn="l"/>
+                      <a:r>
+                        <a:rPr lang="en-US" dirty="0">
+                          <a:latin typeface="Courier New" panose="02070309020205020404" pitchFamily="49" charset="0"/>
+                          <a:cs typeface="Courier New" panose="02070309020205020404" pitchFamily="49" charset="0"/>
+                        </a:rPr>
+                        <a:t>a[0]</a:t>
+                      </a:r>
+                    </a:p>
+                  </a:txBody>
+                  <a:tcPr>
+                    <a:lnL w="12700" cap="flat" cmpd="sng" algn="ctr">
+                      <a:solidFill>
+                        <a:schemeClr val="tx1"/>
+                      </a:solidFill>
+                      <a:prstDash val="solid"/>
+                      <a:round/>
+                      <a:headEnd type="none" w="med" len="med"/>
+                      <a:tailEnd type="none" w="med" len="med"/>
+                    </a:lnL>
+                  </a:tcPr>
+                </a:tc>
+                <a:extLst>
+                  <a:ext uri="{0D108BD9-81ED-4DB2-BD59-A6C34878D82A}">
+                    <a16:rowId xmlns:a16="http://schemas.microsoft.com/office/drawing/2014/main" val="2156961668"/>
+                  </a:ext>
+                </a:extLst>
+              </a:tr>
+              <a:tr h="324000">
+                <a:tc>
+                  <a:txBody>
+                    <a:bodyPr/>
+                    <a:lstStyle/>
+                    <a:p>
+                      <a:pPr algn="l"/>
+                      <a:endParaRPr lang="en-US" dirty="0">
+                        <a:latin typeface="Courier"/>
+                      </a:endParaRPr>
+                    </a:p>
+                  </a:txBody>
+                  <a:tcPr anchor="b">
+                    <a:lnR w="12700" cap="flat" cmpd="sng" algn="ctr">
+                      <a:solidFill>
+                        <a:schemeClr val="tx1"/>
+                      </a:solidFill>
+                      <a:prstDash val="solid"/>
+                      <a:round/>
+                      <a:headEnd type="none" w="med" len="med"/>
+                      <a:tailEnd type="none" w="med" len="med"/>
+                    </a:lnR>
+                  </a:tcPr>
+                </a:tc>
+                <a:tc>
+                  <a:txBody>
+                    <a:bodyPr/>
+                    <a:lstStyle/>
+                    <a:p>
+                      <a:pPr algn="ctr"/>
+                      <a:endParaRPr lang="en-US" dirty="0">
+                        <a:latin typeface="Courier New" panose="02070309020205020404" pitchFamily="49" charset="0"/>
+                        <a:cs typeface="Courier New" panose="02070309020205020404" pitchFamily="49" charset="0"/>
+                      </a:endParaRPr>
+                    </a:p>
+                  </a:txBody>
+                  <a:tcPr>
+                    <a:lnL w="12700" cap="flat" cmpd="sng" algn="ctr">
+                      <a:solidFill>
+                        <a:schemeClr val="tx1"/>
+                      </a:solidFill>
+                      <a:prstDash val="solid"/>
+                      <a:round/>
+                      <a:headEnd type="none" w="med" len="med"/>
+                      <a:tailEnd type="none" w="med" len="med"/>
+                    </a:lnL>
+                    <a:lnR w="12700" cap="flat" cmpd="sng" algn="ctr">
+                      <a:solidFill>
+                        <a:schemeClr val="tx1"/>
+                      </a:solidFill>
+                      <a:prstDash val="solid"/>
+                      <a:round/>
+                      <a:headEnd type="none" w="med" len="med"/>
+                      <a:tailEnd type="none" w="med" len="med"/>
+                    </a:lnR>
+                    <a:lnT w="12700" cap="flat" cmpd="sng" algn="ctr">
+                      <a:solidFill>
+                        <a:schemeClr val="tx1"/>
+                      </a:solidFill>
+                      <a:prstDash val="solid"/>
+                      <a:round/>
+                      <a:headEnd type="none" w="med" len="med"/>
+                      <a:tailEnd type="none" w="med" len="med"/>
+                    </a:lnT>
+                    <a:lnB w="12700" cap="flat" cmpd="sng" algn="ctr">
+                      <a:solidFill>
+                        <a:schemeClr val="tx1"/>
+                      </a:solidFill>
+                      <a:prstDash val="solid"/>
+                      <a:round/>
+                      <a:headEnd type="none" w="med" len="med"/>
+                      <a:tailEnd type="none" w="med" len="med"/>
+                    </a:lnB>
+                    <a:solidFill>
+                      <a:srgbClr val="FFFF00"/>
+                    </a:solidFill>
+                  </a:tcPr>
+                </a:tc>
+                <a:tc>
+                  <a:txBody>
+                    <a:bodyPr/>
+                    <a:lstStyle/>
+                    <a:p>
+                      <a:pPr algn="l"/>
+                      <a:r>
+                        <a:rPr lang="en-US" dirty="0">
+                          <a:latin typeface="Courier New" panose="02070309020205020404" pitchFamily="49" charset="0"/>
+                          <a:cs typeface="Courier New" panose="02070309020205020404" pitchFamily="49" charset="0"/>
+                        </a:rPr>
+                        <a:t>a[1]</a:t>
+                      </a:r>
+                    </a:p>
+                  </a:txBody>
+                  <a:tcPr>
+                    <a:lnL w="12700" cap="flat" cmpd="sng" algn="ctr">
+                      <a:solidFill>
+                        <a:schemeClr val="tx1"/>
+                      </a:solidFill>
+                      <a:prstDash val="solid"/>
+                      <a:round/>
+                      <a:headEnd type="none" w="med" len="med"/>
+                      <a:tailEnd type="none" w="med" len="med"/>
+                    </a:lnL>
+                  </a:tcPr>
+                </a:tc>
+                <a:extLst>
+                  <a:ext uri="{0D108BD9-81ED-4DB2-BD59-A6C34878D82A}">
+                    <a16:rowId xmlns:a16="http://schemas.microsoft.com/office/drawing/2014/main" val="1645603393"/>
+                  </a:ext>
+                </a:extLst>
+              </a:tr>
+              <a:tr h="380842">
+                <a:tc>
+                  <a:txBody>
+                    <a:bodyPr/>
+                    <a:lstStyle/>
+                    <a:p>
+                      <a:pPr algn="l"/>
+                      <a:endParaRPr lang="en-US" dirty="0">
+                        <a:latin typeface="Courier"/>
+                      </a:endParaRPr>
+                    </a:p>
+                  </a:txBody>
+                  <a:tcPr anchor="b">
+                    <a:lnR w="12700" cap="flat" cmpd="sng" algn="ctr">
+                      <a:solidFill>
+                        <a:schemeClr val="tx1"/>
+                      </a:solidFill>
+                      <a:prstDash val="solid"/>
+                      <a:round/>
+                      <a:headEnd type="none" w="med" len="med"/>
+                      <a:tailEnd type="none" w="med" len="med"/>
+                    </a:lnR>
+                  </a:tcPr>
+                </a:tc>
+                <a:tc>
+                  <a:txBody>
+                    <a:bodyPr/>
+                    <a:lstStyle/>
+                    <a:p>
+                      <a:pPr algn="ctr"/>
+                      <a:endParaRPr lang="en-US" dirty="0"/>
+                    </a:p>
+                  </a:txBody>
+                  <a:tcPr>
+                    <a:lnL w="12700" cap="flat" cmpd="sng" algn="ctr">
+                      <a:solidFill>
+                        <a:schemeClr val="tx1"/>
+                      </a:solidFill>
+                      <a:prstDash val="solid"/>
+                      <a:round/>
+                      <a:headEnd type="none" w="med" len="med"/>
+                      <a:tailEnd type="none" w="med" len="med"/>
+                    </a:lnL>
+                    <a:lnR w="12700" cap="flat" cmpd="sng" algn="ctr">
+                      <a:solidFill>
+                        <a:schemeClr val="tx1"/>
+                      </a:solidFill>
+                      <a:prstDash val="solid"/>
+                      <a:round/>
+                      <a:headEnd type="none" w="med" len="med"/>
+                      <a:tailEnd type="none" w="med" len="med"/>
+                    </a:lnR>
+                    <a:lnT w="12700" cap="flat" cmpd="sng" algn="ctr">
+                      <a:solidFill>
+                        <a:schemeClr val="tx1"/>
+                      </a:solidFill>
+                      <a:prstDash val="solid"/>
+                      <a:round/>
+                      <a:headEnd type="none" w="med" len="med"/>
+                      <a:tailEnd type="none" w="med" len="med"/>
+                    </a:lnT>
+                    <a:lnB w="12700" cap="flat" cmpd="sng" algn="ctr">
+                      <a:solidFill>
+                        <a:schemeClr val="tx1"/>
+                      </a:solidFill>
+                      <a:prstDash val="solid"/>
+                      <a:round/>
+                      <a:headEnd type="none" w="med" len="med"/>
+                      <a:tailEnd type="none" w="med" len="med"/>
+                    </a:lnB>
+                    <a:solidFill>
+                      <a:schemeClr val="accent6">
+                        <a:lumMod val="60000"/>
+                        <a:lumOff val="40000"/>
+                      </a:schemeClr>
+                    </a:solidFill>
+                  </a:tcPr>
+                </a:tc>
+                <a:tc>
+                  <a:txBody>
+                    <a:bodyPr/>
+                    <a:lstStyle/>
+                    <a:p>
+                      <a:pPr algn="l"/>
+                      <a:endParaRPr lang="en-US" dirty="0"/>
+                    </a:p>
+                  </a:txBody>
+                  <a:tcPr>
+                    <a:lnL w="12700" cap="flat" cmpd="sng" algn="ctr">
+                      <a:solidFill>
+                        <a:schemeClr val="tx1"/>
+                      </a:solidFill>
+                      <a:prstDash val="solid"/>
+                      <a:round/>
+                      <a:headEnd type="none" w="med" len="med"/>
+                      <a:tailEnd type="none" w="med" len="med"/>
+                    </a:lnL>
+                  </a:tcPr>
+                </a:tc>
+                <a:extLst>
+                  <a:ext uri="{0D108BD9-81ED-4DB2-BD59-A6C34878D82A}">
+                    <a16:rowId xmlns:a16="http://schemas.microsoft.com/office/drawing/2014/main" val="3182255387"/>
+                  </a:ext>
+                </a:extLst>
+              </a:tr>
+              <a:tr h="359404">
+                <a:tc rowSpan="5">
+                  <a:txBody>
+                    <a:bodyPr/>
+                    <a:lstStyle/>
+                    <a:p>
+                      <a:pPr marL="0" marR="0" lvl="0" indent="0" algn="l" defTabSz="914400" rtl="0" eaLnBrk="1" fontAlgn="auto" latinLnBrk="0" hangingPunct="1">
+                        <a:lnSpc>
+                          <a:spcPct val="100000"/>
+                        </a:lnSpc>
+                        <a:spcBef>
+                          <a:spcPts val="0"/>
+                        </a:spcBef>
+                        <a:spcAft>
+                          <a:spcPts val="0"/>
+                        </a:spcAft>
+                        <a:buClrTx/>
+                        <a:buSzTx/>
+                        <a:buFontTx/>
+                        <a:buNone/>
+                        <a:tabLst/>
+                        <a:defRPr/>
+                      </a:pPr>
+                      <a:endParaRPr lang="en-US" dirty="0">
+                        <a:latin typeface="Courier New" panose="02070309020205020404" pitchFamily="49" charset="0"/>
+                        <a:cs typeface="Courier New" panose="02070309020205020404" pitchFamily="49" charset="0"/>
+                      </a:endParaRPr>
+                    </a:p>
+                  </a:txBody>
+                  <a:tcPr>
+                    <a:lnR w="12700" cap="flat" cmpd="sng" algn="ctr">
+                      <a:solidFill>
+                        <a:schemeClr val="tx1"/>
+                      </a:solidFill>
+                      <a:prstDash val="solid"/>
+                      <a:round/>
+                      <a:headEnd type="none" w="med" len="med"/>
+                      <a:tailEnd type="none" w="med" len="med"/>
+                    </a:lnR>
+                  </a:tcPr>
+                </a:tc>
+                <a:tc>
+                  <a:txBody>
+                    <a:bodyPr/>
+                    <a:lstStyle/>
+                    <a:p>
+                      <a:pPr algn="ctr"/>
+                      <a:r>
+                        <a:rPr lang="en-US" dirty="0">
+                          <a:latin typeface="Courier New" panose="02070309020205020404" pitchFamily="49" charset="0"/>
+                          <a:cs typeface="Courier New" panose="02070309020205020404" pitchFamily="49" charset="0"/>
+                        </a:rPr>
+                        <a:t>3</a:t>
+                      </a:r>
+                    </a:p>
+                  </a:txBody>
+                  <a:tcPr>
+                    <a:lnL w="12700" cap="flat" cmpd="sng" algn="ctr">
+                      <a:solidFill>
+                        <a:schemeClr val="tx1"/>
+                      </a:solidFill>
+                      <a:prstDash val="solid"/>
+                      <a:round/>
+                      <a:headEnd type="none" w="med" len="med"/>
+                      <a:tailEnd type="none" w="med" len="med"/>
+                    </a:lnL>
+                    <a:lnR w="12700" cap="flat" cmpd="sng" algn="ctr">
+                      <a:solidFill>
+                        <a:schemeClr val="tx1"/>
+                      </a:solidFill>
+                      <a:prstDash val="solid"/>
+                      <a:round/>
+                      <a:headEnd type="none" w="med" len="med"/>
+                      <a:tailEnd type="none" w="med" len="med"/>
+                    </a:lnR>
+                    <a:lnT w="12700" cap="flat" cmpd="sng" algn="ctr">
+                      <a:solidFill>
+                        <a:schemeClr val="tx1"/>
+                      </a:solidFill>
+                      <a:prstDash val="solid"/>
+                      <a:round/>
+                      <a:headEnd type="none" w="med" len="med"/>
+                      <a:tailEnd type="none" w="med" len="med"/>
+                    </a:lnT>
+                    <a:lnB w="12700" cap="flat" cmpd="sng" algn="ctr">
+                      <a:solidFill>
+                        <a:schemeClr val="tx1"/>
+                      </a:solidFill>
+                      <a:prstDash val="solid"/>
+                      <a:round/>
+                      <a:headEnd type="none" w="med" len="med"/>
+                      <a:tailEnd type="none" w="med" len="med"/>
+                    </a:lnB>
+                    <a:solidFill>
+                      <a:srgbClr val="FFFF00"/>
+                    </a:solidFill>
+                  </a:tcPr>
+                </a:tc>
+                <a:tc>
+                  <a:txBody>
+                    <a:bodyPr/>
+                    <a:lstStyle/>
+                    <a:p>
+                      <a:pPr algn="l"/>
+                      <a:endParaRPr lang="en-US" dirty="0">
+                        <a:latin typeface="Courier New" panose="02070309020205020404" pitchFamily="49" charset="0"/>
+                        <a:cs typeface="Courier New" panose="02070309020205020404" pitchFamily="49" charset="0"/>
+                      </a:endParaRPr>
+                    </a:p>
+                  </a:txBody>
+                  <a:tcPr>
+                    <a:lnL w="12700" cap="flat" cmpd="sng" algn="ctr">
+                      <a:solidFill>
+                        <a:schemeClr val="tx1"/>
+                      </a:solidFill>
+                      <a:prstDash val="solid"/>
+                      <a:round/>
+                      <a:headEnd type="none" w="med" len="med"/>
+                      <a:tailEnd type="none" w="med" len="med"/>
+                    </a:lnL>
+                  </a:tcPr>
+                </a:tc>
+                <a:extLst>
+                  <a:ext uri="{0D108BD9-81ED-4DB2-BD59-A6C34878D82A}">
+                    <a16:rowId xmlns:a16="http://schemas.microsoft.com/office/drawing/2014/main" val="642075908"/>
+                  </a:ext>
+                </a:extLst>
+              </a:tr>
+              <a:tr h="359404">
+                <a:tc vMerge="1">
+                  <a:txBody>
+                    <a:bodyPr/>
+                    <a:lstStyle/>
+                    <a:p>
+                      <a:pPr algn="r"/>
+                      <a:endParaRPr lang="en-US" dirty="0">
+                        <a:latin typeface="Courier New" panose="02070309020205020404" pitchFamily="49" charset="0"/>
+                        <a:cs typeface="Courier New" panose="02070309020205020404" pitchFamily="49" charset="0"/>
+                      </a:endParaRPr>
+                    </a:p>
+                  </a:txBody>
+                  <a:tcPr>
+                    <a:lnR w="12700" cap="flat" cmpd="sng" algn="ctr">
+                      <a:solidFill>
+                        <a:schemeClr val="tx1"/>
+                      </a:solidFill>
+                      <a:prstDash val="solid"/>
+                      <a:round/>
+                      <a:headEnd type="none" w="med" len="med"/>
+                      <a:tailEnd type="none" w="med" len="med"/>
+                    </a:lnR>
+                  </a:tcPr>
+                </a:tc>
+                <a:tc>
+                  <a:txBody>
+                    <a:bodyPr/>
+                    <a:lstStyle/>
+                    <a:p>
+                      <a:pPr algn="ctr"/>
+                      <a:r>
+                        <a:rPr lang="en-US" dirty="0">
+                          <a:latin typeface="Courier New" panose="02070309020205020404" pitchFamily="49" charset="0"/>
+                          <a:cs typeface="Courier New" panose="02070309020205020404" pitchFamily="49" charset="0"/>
+                        </a:rPr>
+                        <a:t>5</a:t>
+                      </a:r>
+                    </a:p>
+                  </a:txBody>
+                  <a:tcPr>
+                    <a:lnL w="12700" cap="flat" cmpd="sng" algn="ctr">
+                      <a:solidFill>
+                        <a:schemeClr val="tx1"/>
+                      </a:solidFill>
+                      <a:prstDash val="solid"/>
+                      <a:round/>
+                      <a:headEnd type="none" w="med" len="med"/>
+                      <a:tailEnd type="none" w="med" len="med"/>
+                    </a:lnL>
+                    <a:lnR w="12700" cap="flat" cmpd="sng" algn="ctr">
+                      <a:solidFill>
+                        <a:schemeClr val="tx1"/>
+                      </a:solidFill>
+                      <a:prstDash val="solid"/>
+                      <a:round/>
+                      <a:headEnd type="none" w="med" len="med"/>
+                      <a:tailEnd type="none" w="med" len="med"/>
+                    </a:lnR>
+                    <a:lnT w="12700" cap="flat" cmpd="sng" algn="ctr">
+                      <a:solidFill>
+                        <a:schemeClr val="tx1"/>
+                      </a:solidFill>
+                      <a:prstDash val="solid"/>
+                      <a:round/>
+                      <a:headEnd type="none" w="med" len="med"/>
+                      <a:tailEnd type="none" w="med" len="med"/>
+                    </a:lnT>
+                    <a:lnB w="12700" cap="flat" cmpd="sng" algn="ctr">
+                      <a:solidFill>
+                        <a:schemeClr val="tx1"/>
+                      </a:solidFill>
+                      <a:prstDash val="solid"/>
+                      <a:round/>
+                      <a:headEnd type="none" w="med" len="med"/>
+                      <a:tailEnd type="none" w="med" len="med"/>
+                    </a:lnB>
+                    <a:solidFill>
+                      <a:srgbClr val="FFFF00"/>
+                    </a:solidFill>
+                  </a:tcPr>
+                </a:tc>
+                <a:tc>
+                  <a:txBody>
+                    <a:bodyPr/>
+                    <a:lstStyle/>
+                    <a:p>
+                      <a:pPr algn="l"/>
+                      <a:endParaRPr lang="en-US" dirty="0">
+                        <a:latin typeface="Courier New" panose="02070309020205020404" pitchFamily="49" charset="0"/>
+                        <a:cs typeface="Courier New" panose="02070309020205020404" pitchFamily="49" charset="0"/>
+                      </a:endParaRPr>
+                    </a:p>
+                  </a:txBody>
+                  <a:tcPr>
+                    <a:lnL w="12700" cap="flat" cmpd="sng" algn="ctr">
+                      <a:solidFill>
+                        <a:schemeClr val="tx1"/>
+                      </a:solidFill>
+                      <a:prstDash val="solid"/>
+                      <a:round/>
+                      <a:headEnd type="none" w="med" len="med"/>
+                      <a:tailEnd type="none" w="med" len="med"/>
+                    </a:lnL>
+                  </a:tcPr>
+                </a:tc>
+                <a:extLst>
+                  <a:ext uri="{0D108BD9-81ED-4DB2-BD59-A6C34878D82A}">
+                    <a16:rowId xmlns:a16="http://schemas.microsoft.com/office/drawing/2014/main" val="1351627685"/>
+                  </a:ext>
+                </a:extLst>
+              </a:tr>
+              <a:tr h="359404">
+                <a:tc vMerge="1">
+                  <a:txBody>
+                    <a:bodyPr/>
+                    <a:lstStyle/>
+                    <a:p>
+                      <a:endParaRPr lang="en-US"/>
+                    </a:p>
+                  </a:txBody>
+                  <a:tcPr/>
+                </a:tc>
+                <a:tc>
+                  <a:txBody>
+                    <a:bodyPr/>
+                    <a:lstStyle/>
+                    <a:p>
+                      <a:pPr algn="ctr"/>
+                      <a:endParaRPr lang="en-US" dirty="0">
+                        <a:latin typeface="Courier New" panose="02070309020205020404" pitchFamily="49" charset="0"/>
+                        <a:cs typeface="Courier New" panose="02070309020205020404" pitchFamily="49" charset="0"/>
+                      </a:endParaRPr>
+                    </a:p>
+                  </a:txBody>
+                  <a:tcPr>
+                    <a:lnL w="12700" cap="flat" cmpd="sng" algn="ctr">
+                      <a:solidFill>
+                        <a:schemeClr val="tx1"/>
+                      </a:solidFill>
+                      <a:prstDash val="solid"/>
+                      <a:round/>
+                      <a:headEnd type="none" w="med" len="med"/>
+                      <a:tailEnd type="none" w="med" len="med"/>
+                    </a:lnL>
+                    <a:lnR w="12700" cap="flat" cmpd="sng" algn="ctr">
+                      <a:solidFill>
+                        <a:schemeClr val="tx1"/>
+                      </a:solidFill>
+                      <a:prstDash val="solid"/>
+                      <a:round/>
+                      <a:headEnd type="none" w="med" len="med"/>
+                      <a:tailEnd type="none" w="med" len="med"/>
+                    </a:lnR>
+                    <a:lnT w="12700" cap="flat" cmpd="sng" algn="ctr">
+                      <a:solidFill>
+                        <a:schemeClr val="tx1"/>
+                      </a:solidFill>
+                      <a:prstDash val="solid"/>
+                      <a:round/>
+                      <a:headEnd type="none" w="med" len="med"/>
+                      <a:tailEnd type="none" w="med" len="med"/>
+                    </a:lnT>
+                    <a:lnB w="12700" cap="flat" cmpd="sng" algn="ctr">
+                      <a:solidFill>
+                        <a:schemeClr val="tx1"/>
+                      </a:solidFill>
+                      <a:prstDash val="solid"/>
+                      <a:round/>
+                      <a:headEnd type="none" w="med" len="med"/>
+                      <a:tailEnd type="none" w="med" len="med"/>
+                    </a:lnB>
+                    <a:solidFill>
+                      <a:schemeClr val="accent6">
+                        <a:lumMod val="60000"/>
+                        <a:lumOff val="40000"/>
+                      </a:schemeClr>
+                    </a:solidFill>
+                  </a:tcPr>
+                </a:tc>
+                <a:tc>
+                  <a:txBody>
+                    <a:bodyPr/>
+                    <a:lstStyle/>
+                    <a:p>
+                      <a:pPr algn="l"/>
+                      <a:endParaRPr lang="en-US" dirty="0">
+                        <a:latin typeface="Courier New" panose="02070309020205020404" pitchFamily="49" charset="0"/>
+                        <a:cs typeface="Courier New" panose="02070309020205020404" pitchFamily="49" charset="0"/>
+                      </a:endParaRPr>
+                    </a:p>
+                  </a:txBody>
+                  <a:tcPr>
+                    <a:lnL w="12700" cap="flat" cmpd="sng" algn="ctr">
+                      <a:solidFill>
+                        <a:schemeClr val="tx1"/>
+                      </a:solidFill>
+                      <a:prstDash val="solid"/>
+                      <a:round/>
+                      <a:headEnd type="none" w="med" len="med"/>
+                      <a:tailEnd type="none" w="med" len="med"/>
+                    </a:lnL>
+                  </a:tcPr>
+                </a:tc>
+                <a:extLst>
+                  <a:ext uri="{0D108BD9-81ED-4DB2-BD59-A6C34878D82A}">
+                    <a16:rowId xmlns:a16="http://schemas.microsoft.com/office/drawing/2014/main" val="4254694988"/>
+                  </a:ext>
+                </a:extLst>
+              </a:tr>
+              <a:tr h="359404">
+                <a:tc vMerge="1">
+                  <a:txBody>
+                    <a:bodyPr/>
+                    <a:lstStyle/>
+                    <a:p>
+                      <a:pPr algn="r"/>
+                      <a:endParaRPr lang="en-US" dirty="0">
+                        <a:latin typeface="Courier New" panose="02070309020205020404" pitchFamily="49" charset="0"/>
+                        <a:cs typeface="Courier New" panose="02070309020205020404" pitchFamily="49" charset="0"/>
+                      </a:endParaRPr>
+                    </a:p>
+                  </a:txBody>
+                  <a:tcPr>
+                    <a:lnR w="12700" cap="flat" cmpd="sng" algn="ctr">
+                      <a:solidFill>
+                        <a:schemeClr val="tx1"/>
+                      </a:solidFill>
+                      <a:prstDash val="solid"/>
+                      <a:round/>
+                      <a:headEnd type="none" w="med" len="med"/>
+                      <a:tailEnd type="none" w="med" len="med"/>
+                    </a:lnR>
+                  </a:tcPr>
+                </a:tc>
+                <a:tc>
+                  <a:txBody>
+                    <a:bodyPr/>
+                    <a:lstStyle/>
+                    <a:p>
+                      <a:pPr algn="ctr"/>
+                      <a:r>
+                        <a:rPr lang="en-US" dirty="0">
+                          <a:latin typeface="Courier New" panose="02070309020205020404" pitchFamily="49" charset="0"/>
+                          <a:cs typeface="Courier New" panose="02070309020205020404" pitchFamily="49" charset="0"/>
+                        </a:rPr>
+                        <a:t>7</a:t>
+                      </a:r>
+                    </a:p>
+                  </a:txBody>
+                  <a:tcPr>
+                    <a:lnL w="12700" cap="flat" cmpd="sng" algn="ctr">
+                      <a:solidFill>
+                        <a:schemeClr val="tx1"/>
+                      </a:solidFill>
+                      <a:prstDash val="solid"/>
+                      <a:round/>
+                      <a:headEnd type="none" w="med" len="med"/>
+                      <a:tailEnd type="none" w="med" len="med"/>
+                    </a:lnL>
+                    <a:lnR w="12700" cap="flat" cmpd="sng" algn="ctr">
+                      <a:solidFill>
+                        <a:schemeClr val="tx1"/>
+                      </a:solidFill>
+                      <a:prstDash val="solid"/>
+                      <a:round/>
+                      <a:headEnd type="none" w="med" len="med"/>
+                      <a:tailEnd type="none" w="med" len="med"/>
+                    </a:lnR>
+                    <a:lnT w="12700" cap="flat" cmpd="sng" algn="ctr">
+                      <a:solidFill>
+                        <a:schemeClr val="tx1"/>
+                      </a:solidFill>
+                      <a:prstDash val="solid"/>
+                      <a:round/>
+                      <a:headEnd type="none" w="med" len="med"/>
+                      <a:tailEnd type="none" w="med" len="med"/>
+                    </a:lnT>
+                    <a:lnB w="12700" cap="flat" cmpd="sng" algn="ctr">
+                      <a:solidFill>
+                        <a:schemeClr val="tx1"/>
+                      </a:solidFill>
+                      <a:prstDash val="solid"/>
+                      <a:round/>
+                      <a:headEnd type="none" w="med" len="med"/>
+                      <a:tailEnd type="none" w="med" len="med"/>
+                    </a:lnB>
+                    <a:solidFill>
+                      <a:srgbClr val="FFFF00"/>
+                    </a:solidFill>
+                  </a:tcPr>
+                </a:tc>
+                <a:tc>
+                  <a:txBody>
+                    <a:bodyPr/>
+                    <a:lstStyle/>
+                    <a:p>
+                      <a:pPr algn="l"/>
+                      <a:endParaRPr lang="en-US" dirty="0">
+                        <a:latin typeface="Courier New" panose="02070309020205020404" pitchFamily="49" charset="0"/>
+                        <a:cs typeface="Courier New" panose="02070309020205020404" pitchFamily="49" charset="0"/>
+                      </a:endParaRPr>
+                    </a:p>
+                  </a:txBody>
+                  <a:tcPr>
+                    <a:lnL w="12700" cap="flat" cmpd="sng" algn="ctr">
+                      <a:solidFill>
+                        <a:schemeClr val="tx1"/>
+                      </a:solidFill>
+                      <a:prstDash val="solid"/>
+                      <a:round/>
+                      <a:headEnd type="none" w="med" len="med"/>
+                      <a:tailEnd type="none" w="med" len="med"/>
+                    </a:lnL>
+                  </a:tcPr>
+                </a:tc>
+                <a:extLst>
+                  <a:ext uri="{0D108BD9-81ED-4DB2-BD59-A6C34878D82A}">
+                    <a16:rowId xmlns:a16="http://schemas.microsoft.com/office/drawing/2014/main" val="94860847"/>
+                  </a:ext>
+                </a:extLst>
+              </a:tr>
+              <a:tr h="359404">
+                <a:tc vMerge="1">
+                  <a:txBody>
+                    <a:bodyPr/>
+                    <a:lstStyle/>
+                    <a:p>
+                      <a:pPr algn="r"/>
+                      <a:endParaRPr lang="en-US" dirty="0">
+                        <a:latin typeface="Courier New" panose="02070309020205020404" pitchFamily="49" charset="0"/>
+                        <a:cs typeface="Courier New" panose="02070309020205020404" pitchFamily="49" charset="0"/>
+                      </a:endParaRPr>
+                    </a:p>
+                  </a:txBody>
+                  <a:tcPr>
+                    <a:lnR w="12700" cap="flat" cmpd="sng" algn="ctr">
+                      <a:solidFill>
+                        <a:schemeClr val="tx1"/>
+                      </a:solidFill>
+                      <a:prstDash val="solid"/>
+                      <a:round/>
+                      <a:headEnd type="none" w="med" len="med"/>
+                      <a:tailEnd type="none" w="med" len="med"/>
+                    </a:lnR>
+                  </a:tcPr>
+                </a:tc>
+                <a:tc>
+                  <a:txBody>
+                    <a:bodyPr/>
+                    <a:lstStyle/>
+                    <a:p>
+                      <a:pPr algn="ctr"/>
+                      <a:r>
+                        <a:rPr lang="en-US" dirty="0">
+                          <a:latin typeface="Courier New" panose="02070309020205020404" pitchFamily="49" charset="0"/>
+                          <a:cs typeface="Courier New" panose="02070309020205020404" pitchFamily="49" charset="0"/>
+                        </a:rPr>
+                        <a:t>11</a:t>
+                      </a:r>
+                    </a:p>
+                  </a:txBody>
+                  <a:tcPr>
+                    <a:lnL w="12700" cap="flat" cmpd="sng" algn="ctr">
+                      <a:solidFill>
+                        <a:schemeClr val="tx1"/>
+                      </a:solidFill>
+                      <a:prstDash val="solid"/>
+                      <a:round/>
+                      <a:headEnd type="none" w="med" len="med"/>
+                      <a:tailEnd type="none" w="med" len="med"/>
+                    </a:lnL>
+                    <a:lnR w="12700" cap="flat" cmpd="sng" algn="ctr">
+                      <a:solidFill>
+                        <a:schemeClr val="tx1"/>
+                      </a:solidFill>
+                      <a:prstDash val="solid"/>
+                      <a:round/>
+                      <a:headEnd type="none" w="med" len="med"/>
+                      <a:tailEnd type="none" w="med" len="med"/>
+                    </a:lnR>
+                    <a:lnT w="12700" cap="flat" cmpd="sng" algn="ctr">
+                      <a:solidFill>
+                        <a:schemeClr val="tx1"/>
+                      </a:solidFill>
+                      <a:prstDash val="solid"/>
+                      <a:round/>
+                      <a:headEnd type="none" w="med" len="med"/>
+                      <a:tailEnd type="none" w="med" len="med"/>
+                    </a:lnT>
+                    <a:lnB w="12700" cap="flat" cmpd="sng" algn="ctr">
+                      <a:solidFill>
+                        <a:schemeClr val="tx1"/>
+                      </a:solidFill>
+                      <a:prstDash val="solid"/>
+                      <a:round/>
+                      <a:headEnd type="none" w="med" len="med"/>
+                      <a:tailEnd type="none" w="med" len="med"/>
+                    </a:lnB>
+                    <a:solidFill>
+                      <a:srgbClr val="FFFF00"/>
+                    </a:solidFill>
+                  </a:tcPr>
+                </a:tc>
+                <a:tc>
+                  <a:txBody>
+                    <a:bodyPr/>
+                    <a:lstStyle/>
+                    <a:p>
+                      <a:pPr algn="l"/>
+                      <a:endParaRPr lang="en-US" dirty="0">
+                        <a:latin typeface="Courier New" panose="02070309020205020404" pitchFamily="49" charset="0"/>
+                        <a:cs typeface="Courier New" panose="02070309020205020404" pitchFamily="49" charset="0"/>
+                      </a:endParaRPr>
+                    </a:p>
+                  </a:txBody>
+                  <a:tcPr>
+                    <a:lnL w="12700" cap="flat" cmpd="sng" algn="ctr">
+                      <a:solidFill>
+                        <a:schemeClr val="tx1"/>
+                      </a:solidFill>
+                      <a:prstDash val="solid"/>
+                      <a:round/>
+                      <a:headEnd type="none" w="med" len="med"/>
+                      <a:tailEnd type="none" w="med" len="med"/>
+                    </a:lnL>
+                  </a:tcPr>
+                </a:tc>
+                <a:extLst>
+                  <a:ext uri="{0D108BD9-81ED-4DB2-BD59-A6C34878D82A}">
+                    <a16:rowId xmlns:a16="http://schemas.microsoft.com/office/drawing/2014/main" val="3381186927"/>
+                  </a:ext>
+                </a:extLst>
+              </a:tr>
+              <a:tr h="361046">
+                <a:tc>
+                  <a:txBody>
+                    <a:bodyPr/>
+                    <a:lstStyle/>
+                    <a:p>
+                      <a:pPr algn="r"/>
+                      <a:endParaRPr lang="en-US" dirty="0"/>
+                    </a:p>
+                  </a:txBody>
+                  <a:tcPr>
+                    <a:lnR w="12700" cap="flat" cmpd="sng" algn="ctr">
+                      <a:solidFill>
+                        <a:schemeClr val="tx1"/>
+                      </a:solidFill>
+                      <a:prstDash val="solid"/>
+                      <a:round/>
+                      <a:headEnd type="none" w="med" len="med"/>
+                      <a:tailEnd type="none" w="med" len="med"/>
+                    </a:lnR>
+                  </a:tcPr>
+                </a:tc>
+                <a:tc>
+                  <a:txBody>
+                    <a:bodyPr/>
+                    <a:lstStyle/>
+                    <a:p>
+                      <a:pPr algn="ctr"/>
+                      <a:endParaRPr lang="en-US" dirty="0">
+                        <a:latin typeface="Courier New" panose="02070309020205020404" pitchFamily="49" charset="0"/>
+                        <a:cs typeface="Courier New" panose="02070309020205020404" pitchFamily="49" charset="0"/>
+                      </a:endParaRPr>
+                    </a:p>
+                  </a:txBody>
+                  <a:tcPr>
+                    <a:lnL w="12700" cap="flat" cmpd="sng" algn="ctr">
+                      <a:solidFill>
+                        <a:schemeClr val="tx1"/>
+                      </a:solidFill>
+                      <a:prstDash val="solid"/>
+                      <a:round/>
+                      <a:headEnd type="none" w="med" len="med"/>
+                      <a:tailEnd type="none" w="med" len="med"/>
+                    </a:lnL>
+                    <a:lnR w="12700" cap="flat" cmpd="sng" algn="ctr">
+                      <a:solidFill>
+                        <a:schemeClr val="tx1"/>
+                      </a:solidFill>
+                      <a:prstDash val="solid"/>
+                      <a:round/>
+                      <a:headEnd type="none" w="med" len="med"/>
+                      <a:tailEnd type="none" w="med" len="med"/>
+                    </a:lnR>
+                    <a:lnT w="12700" cap="flat" cmpd="sng" algn="ctr">
+                      <a:solidFill>
+                        <a:schemeClr val="tx1"/>
+                      </a:solidFill>
+                      <a:prstDash val="solid"/>
+                      <a:round/>
+                      <a:headEnd type="none" w="med" len="med"/>
+                      <a:tailEnd type="none" w="med" len="med"/>
+                    </a:lnT>
+                    <a:lnB w="12700" cap="flat" cmpd="sng" algn="ctr">
+                      <a:solidFill>
+                        <a:schemeClr val="tx1"/>
+                      </a:solidFill>
+                      <a:prstDash val="solid"/>
+                      <a:round/>
+                      <a:headEnd type="none" w="med" len="med"/>
+                      <a:tailEnd type="none" w="med" len="med"/>
+                    </a:lnB>
+                    <a:solidFill>
+                      <a:schemeClr val="accent6">
+                        <a:lumMod val="60000"/>
+                        <a:lumOff val="40000"/>
+                      </a:schemeClr>
+                    </a:solidFill>
+                  </a:tcPr>
+                </a:tc>
+                <a:tc>
+                  <a:txBody>
+                    <a:bodyPr/>
+                    <a:lstStyle/>
+                    <a:p>
+                      <a:pPr algn="l"/>
+                      <a:endParaRPr lang="en-US" dirty="0"/>
+                    </a:p>
+                  </a:txBody>
+                  <a:tcPr>
+                    <a:lnL w="12700" cap="flat" cmpd="sng" algn="ctr">
+                      <a:solidFill>
+                        <a:schemeClr val="tx1"/>
+                      </a:solidFill>
+                      <a:prstDash val="solid"/>
+                      <a:round/>
+                      <a:headEnd type="none" w="med" len="med"/>
+                      <a:tailEnd type="none" w="med" len="med"/>
+                    </a:lnL>
+                  </a:tcPr>
+                </a:tc>
+                <a:extLst>
+                  <a:ext uri="{0D108BD9-81ED-4DB2-BD59-A6C34878D82A}">
+                    <a16:rowId xmlns:a16="http://schemas.microsoft.com/office/drawing/2014/main" val="184451536"/>
+                  </a:ext>
+                </a:extLst>
+              </a:tr>
+              <a:tr h="359366">
+                <a:tc>
+                  <a:txBody>
+                    <a:bodyPr/>
+                    <a:lstStyle/>
+                    <a:p>
+                      <a:pPr algn="l"/>
+                      <a:r>
+                        <a:rPr lang="en-US" dirty="0">
+                          <a:latin typeface="Courier New" panose="02070309020205020404" pitchFamily="49" charset="0"/>
+                          <a:cs typeface="Courier New" panose="02070309020205020404" pitchFamily="49" charset="0"/>
+                        </a:rPr>
+                        <a:t>c</a:t>
+                      </a:r>
+                      <a:endParaRPr lang="en-US" dirty="0"/>
+                    </a:p>
+                  </a:txBody>
+                  <a:tcPr>
+                    <a:lnR w="12700" cap="flat" cmpd="sng" algn="ctr">
+                      <a:solidFill>
+                        <a:schemeClr val="tx1"/>
+                      </a:solidFill>
+                      <a:prstDash val="solid"/>
+                      <a:round/>
+                      <a:headEnd type="none" w="med" len="med"/>
+                      <a:tailEnd type="none" w="med" len="med"/>
+                    </a:lnR>
+                  </a:tcPr>
+                </a:tc>
+                <a:tc>
+                  <a:txBody>
+                    <a:bodyPr/>
+                    <a:lstStyle/>
+                    <a:p>
+                      <a:pPr algn="ctr"/>
+                      <a:endParaRPr lang="en-US" dirty="0">
+                        <a:latin typeface="Courier New" panose="02070309020205020404" pitchFamily="49" charset="0"/>
+                        <a:cs typeface="Courier New" panose="02070309020205020404" pitchFamily="49" charset="0"/>
+                      </a:endParaRPr>
+                    </a:p>
+                  </a:txBody>
+                  <a:tcPr>
+                    <a:lnL w="12700" cap="flat" cmpd="sng" algn="ctr">
+                      <a:solidFill>
+                        <a:schemeClr val="tx1"/>
+                      </a:solidFill>
+                      <a:prstDash val="solid"/>
+                      <a:round/>
+                      <a:headEnd type="none" w="med" len="med"/>
+                      <a:tailEnd type="none" w="med" len="med"/>
+                    </a:lnL>
+                    <a:lnR w="12700" cap="flat" cmpd="sng" algn="ctr">
+                      <a:solidFill>
+                        <a:schemeClr val="tx1"/>
+                      </a:solidFill>
+                      <a:prstDash val="solid"/>
+                      <a:round/>
+                      <a:headEnd type="none" w="med" len="med"/>
+                      <a:tailEnd type="none" w="med" len="med"/>
+                    </a:lnR>
+                    <a:lnT w="12700" cap="flat" cmpd="sng" algn="ctr">
+                      <a:solidFill>
+                        <a:schemeClr val="tx1"/>
+                      </a:solidFill>
+                      <a:prstDash val="solid"/>
+                      <a:round/>
+                      <a:headEnd type="none" w="med" len="med"/>
+                      <a:tailEnd type="none" w="med" len="med"/>
+                    </a:lnT>
+                    <a:lnB w="12700" cap="flat" cmpd="sng" algn="ctr">
+                      <a:solidFill>
+                        <a:schemeClr val="tx1"/>
+                      </a:solidFill>
+                      <a:prstDash val="solid"/>
+                      <a:round/>
+                      <a:headEnd type="none" w="med" len="med"/>
+                      <a:tailEnd type="none" w="med" len="med"/>
+                    </a:lnB>
+                    <a:solidFill>
+                      <a:srgbClr val="FFFF00"/>
+                    </a:solidFill>
+                  </a:tcPr>
+                </a:tc>
+                <a:tc>
+                  <a:txBody>
+                    <a:bodyPr/>
+                    <a:lstStyle/>
+                    <a:p>
+                      <a:pPr algn="l"/>
+                      <a:r>
+                        <a:rPr lang="en-US" dirty="0">
+                          <a:latin typeface="Courier New" panose="02070309020205020404" pitchFamily="49" charset="0"/>
+                          <a:cs typeface="Courier New" panose="02070309020205020404" pitchFamily="49" charset="0"/>
+                        </a:rPr>
+                        <a:t>c[0]</a:t>
+                      </a:r>
+                    </a:p>
+                  </a:txBody>
+                  <a:tcPr>
+                    <a:lnL w="12700" cap="flat" cmpd="sng" algn="ctr">
+                      <a:solidFill>
+                        <a:schemeClr val="tx1"/>
+                      </a:solidFill>
+                      <a:prstDash val="solid"/>
+                      <a:round/>
+                      <a:headEnd type="none" w="med" len="med"/>
+                      <a:tailEnd type="none" w="med" len="med"/>
+                    </a:lnL>
+                  </a:tcPr>
+                </a:tc>
+                <a:extLst>
+                  <a:ext uri="{0D108BD9-81ED-4DB2-BD59-A6C34878D82A}">
+                    <a16:rowId xmlns:a16="http://schemas.microsoft.com/office/drawing/2014/main" val="2794040525"/>
+                  </a:ext>
+                </a:extLst>
+              </a:tr>
+              <a:tr h="359366">
+                <a:tc>
+                  <a:txBody>
+                    <a:bodyPr/>
+                    <a:lstStyle/>
+                    <a:p>
+                      <a:pPr algn="r"/>
+                      <a:endParaRPr lang="en-US" dirty="0"/>
+                    </a:p>
+                  </a:txBody>
+                  <a:tcPr>
+                    <a:lnR w="12700" cap="flat" cmpd="sng" algn="ctr">
+                      <a:solidFill>
+                        <a:schemeClr val="tx1"/>
+                      </a:solidFill>
+                      <a:prstDash val="solid"/>
+                      <a:round/>
+                      <a:headEnd type="none" w="med" len="med"/>
+                      <a:tailEnd type="none" w="med" len="med"/>
+                    </a:lnR>
+                  </a:tcPr>
+                </a:tc>
+                <a:tc>
+                  <a:txBody>
+                    <a:bodyPr/>
+                    <a:lstStyle/>
+                    <a:p>
+                      <a:pPr algn="ctr"/>
+                      <a:endParaRPr lang="en-US" dirty="0">
+                        <a:latin typeface="Courier New" panose="02070309020205020404" pitchFamily="49" charset="0"/>
+                        <a:cs typeface="Courier New" panose="02070309020205020404" pitchFamily="49" charset="0"/>
+                      </a:endParaRPr>
+                    </a:p>
+                  </a:txBody>
+                  <a:tcPr>
+                    <a:lnL w="12700" cap="flat" cmpd="sng" algn="ctr">
+                      <a:solidFill>
+                        <a:schemeClr val="tx1"/>
+                      </a:solidFill>
+                      <a:prstDash val="solid"/>
+                      <a:round/>
+                      <a:headEnd type="none" w="med" len="med"/>
+                      <a:tailEnd type="none" w="med" len="med"/>
+                    </a:lnL>
+                    <a:lnR w="12700" cap="flat" cmpd="sng" algn="ctr">
+                      <a:solidFill>
+                        <a:schemeClr val="tx1"/>
+                      </a:solidFill>
+                      <a:prstDash val="solid"/>
+                      <a:round/>
+                      <a:headEnd type="none" w="med" len="med"/>
+                      <a:tailEnd type="none" w="med" len="med"/>
+                    </a:lnR>
+                    <a:lnT w="12700" cap="flat" cmpd="sng" algn="ctr">
+                      <a:solidFill>
+                        <a:schemeClr val="tx1"/>
+                      </a:solidFill>
+                      <a:prstDash val="solid"/>
+                      <a:round/>
+                      <a:headEnd type="none" w="med" len="med"/>
+                      <a:tailEnd type="none" w="med" len="med"/>
+                    </a:lnT>
+                    <a:lnB w="12700" cap="flat" cmpd="sng" algn="ctr">
+                      <a:solidFill>
+                        <a:schemeClr val="tx1"/>
+                      </a:solidFill>
+                      <a:prstDash val="solid"/>
+                      <a:round/>
+                      <a:headEnd type="none" w="med" len="med"/>
+                      <a:tailEnd type="none" w="med" len="med"/>
+                    </a:lnB>
+                    <a:solidFill>
+                      <a:srgbClr val="FFFF00"/>
+                    </a:solidFill>
+                  </a:tcPr>
+                </a:tc>
+                <a:tc>
+                  <a:txBody>
+                    <a:bodyPr/>
+                    <a:lstStyle/>
+                    <a:p>
+                      <a:pPr algn="l"/>
+                      <a:r>
+                        <a:rPr lang="en-US" dirty="0">
+                          <a:latin typeface="Courier New" panose="02070309020205020404" pitchFamily="49" charset="0"/>
+                          <a:cs typeface="Courier New" panose="02070309020205020404" pitchFamily="49" charset="0"/>
+                        </a:rPr>
+                        <a:t>c[1]</a:t>
+                      </a:r>
+                    </a:p>
+                  </a:txBody>
+                  <a:tcPr>
+                    <a:lnL w="12700" cap="flat" cmpd="sng" algn="ctr">
+                      <a:solidFill>
+                        <a:schemeClr val="tx1"/>
+                      </a:solidFill>
+                      <a:prstDash val="solid"/>
+                      <a:round/>
+                      <a:headEnd type="none" w="med" len="med"/>
+                      <a:tailEnd type="none" w="med" len="med"/>
+                    </a:lnL>
+                  </a:tcPr>
+                </a:tc>
+                <a:extLst>
+                  <a:ext uri="{0D108BD9-81ED-4DB2-BD59-A6C34878D82A}">
+                    <a16:rowId xmlns:a16="http://schemas.microsoft.com/office/drawing/2014/main" val="3226451873"/>
+                  </a:ext>
+                </a:extLst>
+              </a:tr>
+              <a:tr h="354481">
+                <a:tc>
+                  <a:txBody>
+                    <a:bodyPr/>
+                    <a:lstStyle/>
+                    <a:p>
+                      <a:pPr algn="r"/>
+                      <a:endParaRPr lang="en-US" dirty="0"/>
+                    </a:p>
+                  </a:txBody>
+                  <a:tcPr>
+                    <a:lnR w="12700" cap="flat" cmpd="sng" algn="ctr">
+                      <a:solidFill>
+                        <a:schemeClr val="tx1"/>
+                      </a:solidFill>
+                      <a:prstDash val="solid"/>
+                      <a:round/>
+                      <a:headEnd type="none" w="med" len="med"/>
+                      <a:tailEnd type="none" w="med" len="med"/>
+                    </a:lnR>
+                  </a:tcPr>
+                </a:tc>
+                <a:tc>
+                  <a:txBody>
+                    <a:bodyPr/>
+                    <a:lstStyle/>
+                    <a:p>
+                      <a:pPr algn="ctr"/>
+                      <a:endParaRPr lang="en-US" dirty="0"/>
+                    </a:p>
+                  </a:txBody>
+                  <a:tcPr>
+                    <a:lnL w="12700" cap="flat" cmpd="sng" algn="ctr">
+                      <a:solidFill>
+                        <a:schemeClr val="tx1"/>
+                      </a:solidFill>
+                      <a:prstDash val="solid"/>
+                      <a:round/>
+                      <a:headEnd type="none" w="med" len="med"/>
+                      <a:tailEnd type="none" w="med" len="med"/>
+                    </a:lnL>
+                    <a:lnR w="12700" cap="flat" cmpd="sng" algn="ctr">
+                      <a:solidFill>
+                        <a:schemeClr val="tx1"/>
+                      </a:solidFill>
+                      <a:prstDash val="solid"/>
+                      <a:round/>
+                      <a:headEnd type="none" w="med" len="med"/>
+                      <a:tailEnd type="none" w="med" len="med"/>
+                    </a:lnR>
+                    <a:lnT w="12700" cap="flat" cmpd="sng" algn="ctr">
+                      <a:solidFill>
+                        <a:schemeClr val="tx1"/>
+                      </a:solidFill>
+                      <a:prstDash val="solid"/>
+                      <a:round/>
+                      <a:headEnd type="none" w="med" len="med"/>
+                      <a:tailEnd type="none" w="med" len="med"/>
+                    </a:lnT>
+                    <a:lnB w="12700" cap="flat" cmpd="sng" algn="ctr">
+                      <a:solidFill>
+                        <a:schemeClr val="tx1"/>
+                      </a:solidFill>
+                      <a:prstDash val="solid"/>
+                      <a:round/>
+                      <a:headEnd type="none" w="med" len="med"/>
+                      <a:tailEnd type="none" w="med" len="med"/>
+                    </a:lnB>
+                    <a:solidFill>
+                      <a:schemeClr val="accent6">
+                        <a:lumMod val="60000"/>
+                        <a:lumOff val="40000"/>
+                      </a:schemeClr>
+                    </a:solidFill>
+                  </a:tcPr>
+                </a:tc>
+                <a:tc>
+                  <a:txBody>
+                    <a:bodyPr/>
+                    <a:lstStyle/>
+                    <a:p>
+                      <a:pPr algn="l"/>
+                      <a:endParaRPr lang="en-US" dirty="0"/>
+                    </a:p>
+                  </a:txBody>
+                  <a:tcPr>
+                    <a:lnL w="12700" cap="flat" cmpd="sng" algn="ctr">
+                      <a:solidFill>
+                        <a:schemeClr val="tx1"/>
+                      </a:solidFill>
+                      <a:prstDash val="solid"/>
+                      <a:round/>
+                      <a:headEnd type="none" w="med" len="med"/>
+                      <a:tailEnd type="none" w="med" len="med"/>
+                    </a:lnL>
+                  </a:tcPr>
+                </a:tc>
+                <a:extLst>
+                  <a:ext uri="{0D108BD9-81ED-4DB2-BD59-A6C34878D82A}">
+                    <a16:rowId xmlns:a16="http://schemas.microsoft.com/office/drawing/2014/main" val="2753562273"/>
+                  </a:ext>
+                </a:extLst>
+              </a:tr>
+            </a:tbl>
+          </a:graphicData>
+        </a:graphic>
+      </p:graphicFrame>
+      <p:cxnSp>
+        <p:nvCxnSpPr>
+          <p:cNvPr id="14" name="Straight Arrow Connector 13"/>
+          <p:cNvCxnSpPr/>
+          <p:nvPr/>
+        </p:nvCxnSpPr>
+        <p:spPr>
+          <a:xfrm flipV="1">
+            <a:off x="9731307" y="2011859"/>
+            <a:ext cx="574766" cy="241148"/>
+          </a:xfrm>
+          <a:prstGeom prst="straightConnector1">
+            <a:avLst/>
+          </a:prstGeom>
+          <a:ln>
+            <a:solidFill>
+              <a:schemeClr val="tx1"/>
+            </a:solidFill>
+            <a:tailEnd type="triangle"/>
+          </a:ln>
+        </p:spPr>
+        <p:style>
+          <a:lnRef idx="1">
+            <a:schemeClr val="accent1"/>
+          </a:lnRef>
+          <a:fillRef idx="0">
+            <a:schemeClr val="accent1"/>
+          </a:fillRef>
+          <a:effectRef idx="0">
+            <a:schemeClr val="accent1"/>
+          </a:effectRef>
+          <a:fontRef idx="minor">
+            <a:schemeClr val="tx1"/>
+          </a:fontRef>
+        </p:style>
+      </p:cxnSp>
+      <p:cxnSp>
+        <p:nvCxnSpPr>
+          <p:cNvPr id="15" name="Straight Arrow Connector 14"/>
+          <p:cNvCxnSpPr/>
+          <p:nvPr/>
+        </p:nvCxnSpPr>
+        <p:spPr>
+          <a:xfrm>
+            <a:off x="9731307" y="1909221"/>
+            <a:ext cx="574766" cy="0"/>
+          </a:xfrm>
+          <a:prstGeom prst="straightConnector1">
+            <a:avLst/>
+          </a:prstGeom>
+          <a:ln>
+            <a:solidFill>
+              <a:schemeClr val="tx1"/>
+            </a:solidFill>
+            <a:tailEnd type="triangle"/>
+          </a:ln>
+        </p:spPr>
+        <p:style>
+          <a:lnRef idx="1">
+            <a:schemeClr val="accent1"/>
+          </a:lnRef>
+          <a:fillRef idx="0">
+            <a:schemeClr val="accent1"/>
+          </a:fillRef>
+          <a:effectRef idx="0">
+            <a:schemeClr val="accent1"/>
+          </a:effectRef>
+          <a:fontRef idx="minor">
+            <a:schemeClr val="tx1"/>
+          </a:fontRef>
+        </p:style>
+      </p:cxnSp>
+      <p:sp>
+        <p:nvSpPr>
+          <p:cNvPr id="17" name="Rectangle 16"/>
+          <p:cNvSpPr/>
+          <p:nvPr/>
+        </p:nvSpPr>
+        <p:spPr>
+          <a:xfrm>
+            <a:off x="9468116" y="2068341"/>
+            <a:ext cx="322524" cy="369332"/>
+          </a:xfrm>
+          <a:prstGeom prst="rect">
+            <a:avLst/>
+          </a:prstGeom>
+        </p:spPr>
+        <p:txBody>
+          <a:bodyPr wrap="none">
+            <a:spAutoFit/>
+          </a:bodyPr>
+          <a:lstStyle/>
+          <a:p>
+            <a:r>
+              <a:rPr lang="en-US" dirty="0">
+                <a:latin typeface="Courier"/>
+              </a:rPr>
+              <a:t>b</a:t>
+            </a:r>
+          </a:p>
+        </p:txBody>
+      </p:sp>
+      <p:sp>
+        <p:nvSpPr>
+          <p:cNvPr id="4" name="Freeform 3"/>
+          <p:cNvSpPr/>
+          <p:nvPr/>
+        </p:nvSpPr>
+        <p:spPr>
+          <a:xfrm flipV="1">
+            <a:off x="10637570" y="1903373"/>
+            <a:ext cx="614039" cy="1084925"/>
+          </a:xfrm>
+          <a:custGeom>
+            <a:avLst/>
+            <a:gdLst>
+              <a:gd name="connsiteX0" fmla="*/ 0 w 423793"/>
+              <a:gd name="connsiteY0" fmla="*/ 0 h 678729"/>
+              <a:gd name="connsiteX1" fmla="*/ 414780 w 423793"/>
+              <a:gd name="connsiteY1" fmla="*/ 325224 h 678729"/>
+              <a:gd name="connsiteX2" fmla="*/ 245097 w 423793"/>
+              <a:gd name="connsiteY2" fmla="*/ 678729 h 678729"/>
+              <a:gd name="connsiteX0" fmla="*/ 490194 w 918425"/>
+              <a:gd name="connsiteY0" fmla="*/ 0 h 499007"/>
+              <a:gd name="connsiteX1" fmla="*/ 904974 w 918425"/>
+              <a:gd name="connsiteY1" fmla="*/ 325224 h 499007"/>
+              <a:gd name="connsiteX2" fmla="*/ 0 w 918425"/>
+              <a:gd name="connsiteY2" fmla="*/ 499007 h 499007"/>
+              <a:gd name="connsiteX0" fmla="*/ 240384 w 907175"/>
+              <a:gd name="connsiteY0" fmla="*/ 0 h 822507"/>
+              <a:gd name="connsiteX1" fmla="*/ 904974 w 907175"/>
+              <a:gd name="connsiteY1" fmla="*/ 648724 h 822507"/>
+              <a:gd name="connsiteX2" fmla="*/ 0 w 907175"/>
+              <a:gd name="connsiteY2" fmla="*/ 822507 h 822507"/>
+              <a:gd name="connsiteX0" fmla="*/ 240384 w 603541"/>
+              <a:gd name="connsiteY0" fmla="*/ 0 h 822507"/>
+              <a:gd name="connsiteX1" fmla="*/ 598603 w 603541"/>
+              <a:gd name="connsiteY1" fmla="*/ 309818 h 822507"/>
+              <a:gd name="connsiteX2" fmla="*/ 0 w 603541"/>
+              <a:gd name="connsiteY2" fmla="*/ 822507 h 822507"/>
+              <a:gd name="connsiteX0" fmla="*/ 240384 w 598611"/>
+              <a:gd name="connsiteY0" fmla="*/ 0 h 822507"/>
+              <a:gd name="connsiteX1" fmla="*/ 598603 w 598611"/>
+              <a:gd name="connsiteY1" fmla="*/ 309818 h 822507"/>
+              <a:gd name="connsiteX2" fmla="*/ 0 w 598611"/>
+              <a:gd name="connsiteY2" fmla="*/ 822507 h 822507"/>
+              <a:gd name="connsiteX0" fmla="*/ 240384 w 598626"/>
+              <a:gd name="connsiteY0" fmla="*/ 0 h 822507"/>
+              <a:gd name="connsiteX1" fmla="*/ 598603 w 598626"/>
+              <a:gd name="connsiteY1" fmla="*/ 309818 h 822507"/>
+              <a:gd name="connsiteX2" fmla="*/ 0 w 598626"/>
+              <a:gd name="connsiteY2" fmla="*/ 822507 h 822507"/>
+              <a:gd name="connsiteX0" fmla="*/ 240384 w 598626"/>
+              <a:gd name="connsiteY0" fmla="*/ 0 h 822507"/>
+              <a:gd name="connsiteX1" fmla="*/ 598603 w 598626"/>
+              <a:gd name="connsiteY1" fmla="*/ 535755 h 822507"/>
+              <a:gd name="connsiteX2" fmla="*/ 0 w 598626"/>
+              <a:gd name="connsiteY2" fmla="*/ 822507 h 822507"/>
+              <a:gd name="connsiteX0" fmla="*/ 240384 w 598626"/>
+              <a:gd name="connsiteY0" fmla="*/ 0 h 822507"/>
+              <a:gd name="connsiteX1" fmla="*/ 598603 w 598626"/>
+              <a:gd name="connsiteY1" fmla="*/ 535755 h 822507"/>
+              <a:gd name="connsiteX2" fmla="*/ 0 w 598626"/>
+              <a:gd name="connsiteY2" fmla="*/ 822507 h 822507"/>
+              <a:gd name="connsiteX0" fmla="*/ 254524 w 618185"/>
+              <a:gd name="connsiteY0" fmla="*/ 0 h 1181952"/>
+              <a:gd name="connsiteX1" fmla="*/ 612743 w 618185"/>
+              <a:gd name="connsiteY1" fmla="*/ 535755 h 1181952"/>
+              <a:gd name="connsiteX2" fmla="*/ 0 w 618185"/>
+              <a:gd name="connsiteY2" fmla="*/ 1181952 h 1181952"/>
+              <a:gd name="connsiteX0" fmla="*/ 254524 w 618185"/>
+              <a:gd name="connsiteY0" fmla="*/ 0 h 1181952"/>
+              <a:gd name="connsiteX1" fmla="*/ 612743 w 618185"/>
+              <a:gd name="connsiteY1" fmla="*/ 746288 h 1181952"/>
+              <a:gd name="connsiteX2" fmla="*/ 0 w 618185"/>
+              <a:gd name="connsiteY2" fmla="*/ 1181952 h 1181952"/>
+              <a:gd name="connsiteX0" fmla="*/ 254524 w 618185"/>
+              <a:gd name="connsiteY0" fmla="*/ 0 h 1181952"/>
+              <a:gd name="connsiteX1" fmla="*/ 612743 w 618185"/>
+              <a:gd name="connsiteY1" fmla="*/ 746288 h 1181952"/>
+              <a:gd name="connsiteX2" fmla="*/ 0 w 618185"/>
+              <a:gd name="connsiteY2" fmla="*/ 1181952 h 1181952"/>
+              <a:gd name="connsiteX0" fmla="*/ 254524 w 614039"/>
+              <a:gd name="connsiteY0" fmla="*/ 0 h 1181952"/>
+              <a:gd name="connsiteX1" fmla="*/ 612743 w 614039"/>
+              <a:gd name="connsiteY1" fmla="*/ 746288 h 1181952"/>
+              <a:gd name="connsiteX2" fmla="*/ 0 w 614039"/>
+              <a:gd name="connsiteY2" fmla="*/ 1181952 h 1181952"/>
+            </a:gdLst>
+            <a:ahLst/>
+            <a:cxnLst>
+              <a:cxn ang="0">
+                <a:pos x="connsiteX0" y="connsiteY0"/>
+              </a:cxn>
+              <a:cxn ang="0">
+                <a:pos x="connsiteX1" y="connsiteY1"/>
+              </a:cxn>
+              <a:cxn ang="0">
+                <a:pos x="connsiteX2" y="connsiteY2"/>
+              </a:cxn>
+            </a:cxnLst>
+            <a:rect l="l" t="t" r="r" b="b"/>
+            <a:pathLst>
+              <a:path w="614039" h="1181952">
+                <a:moveTo>
+                  <a:pt x="254524" y="0"/>
+                </a:moveTo>
+                <a:cubicBezTo>
+                  <a:pt x="441489" y="106051"/>
+                  <a:pt x="631597" y="426057"/>
+                  <a:pt x="612743" y="746288"/>
+                </a:cubicBezTo>
+                <a:cubicBezTo>
+                  <a:pt x="593889" y="1066519"/>
+                  <a:pt x="270235" y="1169593"/>
+                  <a:pt x="0" y="1181952"/>
+                </a:cubicBezTo>
+              </a:path>
+            </a:pathLst>
+          </a:custGeom>
+          <a:noFill/>
+          <a:ln>
+            <a:solidFill>
+              <a:schemeClr val="tx1"/>
+            </a:solidFill>
+            <a:headEnd type="triangle" w="lg" len="lg"/>
+          </a:ln>
+        </p:spPr>
+        <p:style>
+          <a:lnRef idx="2">
+            <a:schemeClr val="accent1">
+              <a:shade val="50000"/>
+            </a:schemeClr>
+          </a:lnRef>
+          <a:fillRef idx="1">
+            <a:schemeClr val="accent1"/>
+          </a:fillRef>
+          <a:effectRef idx="0">
+            <a:schemeClr val="accent1"/>
+          </a:effectRef>
+          <a:fontRef idx="minor">
+            <a:schemeClr val="lt1"/>
+          </a:fontRef>
+        </p:style>
+        <p:txBody>
+          <a:bodyPr rtlCol="0" anchor="ctr"/>
+          <a:lstStyle/>
+          <a:p>
+            <a:pPr algn="ctr"/>
+            <a:endParaRPr lang="en-US"/>
+          </a:p>
+        </p:txBody>
+      </p:sp>
+      <p:sp>
+        <p:nvSpPr>
+          <p:cNvPr id="7" name="Oval 6"/>
+          <p:cNvSpPr/>
+          <p:nvPr/>
+        </p:nvSpPr>
+        <p:spPr>
+          <a:xfrm>
+            <a:off x="10595641" y="1867373"/>
+            <a:ext cx="72000" cy="72000"/>
+          </a:xfrm>
+          <a:prstGeom prst="ellipse">
+            <a:avLst/>
+          </a:prstGeom>
+          <a:solidFill>
+            <a:schemeClr val="tx1"/>
+          </a:solidFill>
+          <a:ln>
+            <a:noFill/>
+          </a:ln>
+        </p:spPr>
+        <p:style>
+          <a:lnRef idx="2">
+            <a:schemeClr val="accent1">
+              <a:shade val="50000"/>
+            </a:schemeClr>
+          </a:lnRef>
+          <a:fillRef idx="1">
+            <a:schemeClr val="accent1"/>
+          </a:fillRef>
+          <a:effectRef idx="0">
+            <a:schemeClr val="accent1"/>
+          </a:effectRef>
+          <a:fontRef idx="minor">
+            <a:schemeClr val="lt1"/>
+          </a:fontRef>
+        </p:style>
+        <p:txBody>
+          <a:bodyPr rtlCol="0" anchor="ctr"/>
+          <a:lstStyle/>
+          <a:p>
+            <a:pPr algn="ctr"/>
+            <a:endParaRPr lang="en-US"/>
+          </a:p>
+        </p:txBody>
+      </p:sp>
+      <p:sp>
+        <p:nvSpPr>
+          <p:cNvPr id="19" name="Oval 18"/>
+          <p:cNvSpPr/>
+          <p:nvPr/>
+        </p:nvSpPr>
+        <p:spPr>
+          <a:xfrm>
+            <a:off x="10592816" y="2218067"/>
+            <a:ext cx="72000" cy="72000"/>
+          </a:xfrm>
+          <a:prstGeom prst="ellipse">
+            <a:avLst/>
+          </a:prstGeom>
+          <a:solidFill>
+            <a:schemeClr val="tx1"/>
+          </a:solidFill>
+          <a:ln>
+            <a:noFill/>
+          </a:ln>
+        </p:spPr>
+        <p:style>
+          <a:lnRef idx="2">
+            <a:schemeClr val="accent1">
+              <a:shade val="50000"/>
+            </a:schemeClr>
+          </a:lnRef>
+          <a:fillRef idx="1">
+            <a:schemeClr val="accent1"/>
+          </a:fillRef>
+          <a:effectRef idx="0">
+            <a:schemeClr val="accent1"/>
+          </a:effectRef>
+          <a:fontRef idx="minor">
+            <a:schemeClr val="lt1"/>
+          </a:fontRef>
+        </p:style>
+        <p:txBody>
+          <a:bodyPr rtlCol="0" anchor="ctr"/>
+          <a:lstStyle/>
+          <a:p>
+            <a:pPr algn="ctr"/>
+            <a:endParaRPr lang="en-US"/>
+          </a:p>
+        </p:txBody>
+      </p:sp>
+      <p:sp>
+        <p:nvSpPr>
+          <p:cNvPr id="20" name="Oval 19"/>
+          <p:cNvSpPr/>
+          <p:nvPr/>
+        </p:nvSpPr>
+        <p:spPr>
+          <a:xfrm>
+            <a:off x="10592816" y="5198509"/>
+            <a:ext cx="72000" cy="72000"/>
+          </a:xfrm>
+          <a:prstGeom prst="ellipse">
+            <a:avLst/>
+          </a:prstGeom>
+          <a:solidFill>
+            <a:schemeClr val="tx1"/>
+          </a:solidFill>
+          <a:ln>
+            <a:noFill/>
+          </a:ln>
+        </p:spPr>
+        <p:style>
+          <a:lnRef idx="2">
+            <a:schemeClr val="accent1">
+              <a:shade val="50000"/>
+            </a:schemeClr>
+          </a:lnRef>
+          <a:fillRef idx="1">
+            <a:schemeClr val="accent1"/>
+          </a:fillRef>
+          <a:effectRef idx="0">
+            <a:schemeClr val="accent1"/>
+          </a:effectRef>
+          <a:fontRef idx="minor">
+            <a:schemeClr val="lt1"/>
+          </a:fontRef>
+        </p:style>
+        <p:txBody>
+          <a:bodyPr rtlCol="0" anchor="ctr"/>
+          <a:lstStyle/>
+          <a:p>
+            <a:pPr algn="ctr"/>
+            <a:endParaRPr lang="en-US"/>
+          </a:p>
+        </p:txBody>
+      </p:sp>
+      <p:sp>
+        <p:nvSpPr>
+          <p:cNvPr id="22" name="Freeform 21"/>
+          <p:cNvSpPr/>
+          <p:nvPr/>
+        </p:nvSpPr>
+        <p:spPr>
+          <a:xfrm>
+            <a:off x="10637570" y="3066800"/>
+            <a:ext cx="614039" cy="2171249"/>
+          </a:xfrm>
+          <a:custGeom>
+            <a:avLst/>
+            <a:gdLst>
+              <a:gd name="connsiteX0" fmla="*/ 0 w 423793"/>
+              <a:gd name="connsiteY0" fmla="*/ 0 h 678729"/>
+              <a:gd name="connsiteX1" fmla="*/ 414780 w 423793"/>
+              <a:gd name="connsiteY1" fmla="*/ 325224 h 678729"/>
+              <a:gd name="connsiteX2" fmla="*/ 245097 w 423793"/>
+              <a:gd name="connsiteY2" fmla="*/ 678729 h 678729"/>
+              <a:gd name="connsiteX0" fmla="*/ 490194 w 918425"/>
+              <a:gd name="connsiteY0" fmla="*/ 0 h 499007"/>
+              <a:gd name="connsiteX1" fmla="*/ 904974 w 918425"/>
+              <a:gd name="connsiteY1" fmla="*/ 325224 h 499007"/>
+              <a:gd name="connsiteX2" fmla="*/ 0 w 918425"/>
+              <a:gd name="connsiteY2" fmla="*/ 499007 h 499007"/>
+              <a:gd name="connsiteX0" fmla="*/ 240384 w 907175"/>
+              <a:gd name="connsiteY0" fmla="*/ 0 h 822507"/>
+              <a:gd name="connsiteX1" fmla="*/ 904974 w 907175"/>
+              <a:gd name="connsiteY1" fmla="*/ 648724 h 822507"/>
+              <a:gd name="connsiteX2" fmla="*/ 0 w 907175"/>
+              <a:gd name="connsiteY2" fmla="*/ 822507 h 822507"/>
+              <a:gd name="connsiteX0" fmla="*/ 240384 w 603541"/>
+              <a:gd name="connsiteY0" fmla="*/ 0 h 822507"/>
+              <a:gd name="connsiteX1" fmla="*/ 598603 w 603541"/>
+              <a:gd name="connsiteY1" fmla="*/ 309818 h 822507"/>
+              <a:gd name="connsiteX2" fmla="*/ 0 w 603541"/>
+              <a:gd name="connsiteY2" fmla="*/ 822507 h 822507"/>
+              <a:gd name="connsiteX0" fmla="*/ 240384 w 598611"/>
+              <a:gd name="connsiteY0" fmla="*/ 0 h 822507"/>
+              <a:gd name="connsiteX1" fmla="*/ 598603 w 598611"/>
+              <a:gd name="connsiteY1" fmla="*/ 309818 h 822507"/>
+              <a:gd name="connsiteX2" fmla="*/ 0 w 598611"/>
+              <a:gd name="connsiteY2" fmla="*/ 822507 h 822507"/>
+              <a:gd name="connsiteX0" fmla="*/ 240384 w 598626"/>
+              <a:gd name="connsiteY0" fmla="*/ 0 h 822507"/>
+              <a:gd name="connsiteX1" fmla="*/ 598603 w 598626"/>
+              <a:gd name="connsiteY1" fmla="*/ 309818 h 822507"/>
+              <a:gd name="connsiteX2" fmla="*/ 0 w 598626"/>
+              <a:gd name="connsiteY2" fmla="*/ 822507 h 822507"/>
+              <a:gd name="connsiteX0" fmla="*/ 240384 w 598626"/>
+              <a:gd name="connsiteY0" fmla="*/ 0 h 822507"/>
+              <a:gd name="connsiteX1" fmla="*/ 598603 w 598626"/>
+              <a:gd name="connsiteY1" fmla="*/ 535755 h 822507"/>
+              <a:gd name="connsiteX2" fmla="*/ 0 w 598626"/>
+              <a:gd name="connsiteY2" fmla="*/ 822507 h 822507"/>
+              <a:gd name="connsiteX0" fmla="*/ 240384 w 598626"/>
+              <a:gd name="connsiteY0" fmla="*/ 0 h 822507"/>
+              <a:gd name="connsiteX1" fmla="*/ 598603 w 598626"/>
+              <a:gd name="connsiteY1" fmla="*/ 535755 h 822507"/>
+              <a:gd name="connsiteX2" fmla="*/ 0 w 598626"/>
+              <a:gd name="connsiteY2" fmla="*/ 822507 h 822507"/>
+              <a:gd name="connsiteX0" fmla="*/ 254524 w 618185"/>
+              <a:gd name="connsiteY0" fmla="*/ 0 h 1181952"/>
+              <a:gd name="connsiteX1" fmla="*/ 612743 w 618185"/>
+              <a:gd name="connsiteY1" fmla="*/ 535755 h 1181952"/>
+              <a:gd name="connsiteX2" fmla="*/ 0 w 618185"/>
+              <a:gd name="connsiteY2" fmla="*/ 1181952 h 1181952"/>
+              <a:gd name="connsiteX0" fmla="*/ 254524 w 618185"/>
+              <a:gd name="connsiteY0" fmla="*/ 0 h 1181952"/>
+              <a:gd name="connsiteX1" fmla="*/ 612743 w 618185"/>
+              <a:gd name="connsiteY1" fmla="*/ 746288 h 1181952"/>
+              <a:gd name="connsiteX2" fmla="*/ 0 w 618185"/>
+              <a:gd name="connsiteY2" fmla="*/ 1181952 h 1181952"/>
+              <a:gd name="connsiteX0" fmla="*/ 254524 w 618185"/>
+              <a:gd name="connsiteY0" fmla="*/ 0 h 1181952"/>
+              <a:gd name="connsiteX1" fmla="*/ 612743 w 618185"/>
+              <a:gd name="connsiteY1" fmla="*/ 746288 h 1181952"/>
+              <a:gd name="connsiteX2" fmla="*/ 0 w 618185"/>
+              <a:gd name="connsiteY2" fmla="*/ 1181952 h 1181952"/>
+              <a:gd name="connsiteX0" fmla="*/ 254524 w 614039"/>
+              <a:gd name="connsiteY0" fmla="*/ 0 h 1181952"/>
+              <a:gd name="connsiteX1" fmla="*/ 612743 w 614039"/>
+              <a:gd name="connsiteY1" fmla="*/ 746288 h 1181952"/>
+              <a:gd name="connsiteX2" fmla="*/ 0 w 614039"/>
+              <a:gd name="connsiteY2" fmla="*/ 1181952 h 1181952"/>
+            </a:gdLst>
+            <a:ahLst/>
+            <a:cxnLst>
+              <a:cxn ang="0">
+                <a:pos x="connsiteX0" y="connsiteY0"/>
+              </a:cxn>
+              <a:cxn ang="0">
+                <a:pos x="connsiteX1" y="connsiteY1"/>
+              </a:cxn>
+              <a:cxn ang="0">
+                <a:pos x="connsiteX2" y="connsiteY2"/>
+              </a:cxn>
+            </a:cxnLst>
+            <a:rect l="l" t="t" r="r" b="b"/>
+            <a:pathLst>
+              <a:path w="614039" h="1181952">
+                <a:moveTo>
+                  <a:pt x="254524" y="0"/>
+                </a:moveTo>
+                <a:cubicBezTo>
+                  <a:pt x="441489" y="106051"/>
+                  <a:pt x="631597" y="426057"/>
+                  <a:pt x="612743" y="746288"/>
+                </a:cubicBezTo>
+                <a:cubicBezTo>
+                  <a:pt x="593889" y="1066519"/>
+                  <a:pt x="270235" y="1169593"/>
+                  <a:pt x="0" y="1181952"/>
+                </a:cubicBezTo>
+              </a:path>
+            </a:pathLst>
+          </a:custGeom>
+          <a:noFill/>
+          <a:ln>
+            <a:solidFill>
+              <a:schemeClr val="tx1"/>
+            </a:solidFill>
+            <a:headEnd type="triangle" w="lg" len="lg"/>
+          </a:ln>
+        </p:spPr>
+        <p:style>
+          <a:lnRef idx="2">
+            <a:schemeClr val="accent1">
+              <a:shade val="50000"/>
+            </a:schemeClr>
+          </a:lnRef>
+          <a:fillRef idx="1">
+            <a:schemeClr val="accent1"/>
+          </a:fillRef>
+          <a:effectRef idx="0">
+            <a:schemeClr val="accent1"/>
+          </a:effectRef>
+          <a:fontRef idx="minor">
+            <a:schemeClr val="lt1"/>
+          </a:fontRef>
+        </p:style>
+        <p:txBody>
+          <a:bodyPr rtlCol="0" anchor="ctr"/>
+          <a:lstStyle/>
+          <a:p>
+            <a:pPr algn="ctr"/>
+            <a:endParaRPr lang="en-US"/>
+          </a:p>
+        </p:txBody>
+      </p:sp>
+      <p:sp>
+        <p:nvSpPr>
+          <p:cNvPr id="23" name="Freeform 22"/>
+          <p:cNvSpPr/>
+          <p:nvPr/>
+        </p:nvSpPr>
+        <p:spPr>
+          <a:xfrm flipH="1" flipV="1">
+            <a:off x="10006023" y="2253006"/>
+            <a:ext cx="609170" cy="1830426"/>
+          </a:xfrm>
+          <a:custGeom>
+            <a:avLst/>
+            <a:gdLst>
+              <a:gd name="connsiteX0" fmla="*/ 0 w 423793"/>
+              <a:gd name="connsiteY0" fmla="*/ 0 h 678729"/>
+              <a:gd name="connsiteX1" fmla="*/ 414780 w 423793"/>
+              <a:gd name="connsiteY1" fmla="*/ 325224 h 678729"/>
+              <a:gd name="connsiteX2" fmla="*/ 245097 w 423793"/>
+              <a:gd name="connsiteY2" fmla="*/ 678729 h 678729"/>
+              <a:gd name="connsiteX0" fmla="*/ 490194 w 918425"/>
+              <a:gd name="connsiteY0" fmla="*/ 0 h 499007"/>
+              <a:gd name="connsiteX1" fmla="*/ 904974 w 918425"/>
+              <a:gd name="connsiteY1" fmla="*/ 325224 h 499007"/>
+              <a:gd name="connsiteX2" fmla="*/ 0 w 918425"/>
+              <a:gd name="connsiteY2" fmla="*/ 499007 h 499007"/>
+              <a:gd name="connsiteX0" fmla="*/ 240384 w 907175"/>
+              <a:gd name="connsiteY0" fmla="*/ 0 h 822507"/>
+              <a:gd name="connsiteX1" fmla="*/ 904974 w 907175"/>
+              <a:gd name="connsiteY1" fmla="*/ 648724 h 822507"/>
+              <a:gd name="connsiteX2" fmla="*/ 0 w 907175"/>
+              <a:gd name="connsiteY2" fmla="*/ 822507 h 822507"/>
+              <a:gd name="connsiteX0" fmla="*/ 240384 w 603541"/>
+              <a:gd name="connsiteY0" fmla="*/ 0 h 822507"/>
+              <a:gd name="connsiteX1" fmla="*/ 598603 w 603541"/>
+              <a:gd name="connsiteY1" fmla="*/ 309818 h 822507"/>
+              <a:gd name="connsiteX2" fmla="*/ 0 w 603541"/>
+              <a:gd name="connsiteY2" fmla="*/ 822507 h 822507"/>
+              <a:gd name="connsiteX0" fmla="*/ 240384 w 598611"/>
+              <a:gd name="connsiteY0" fmla="*/ 0 h 822507"/>
+              <a:gd name="connsiteX1" fmla="*/ 598603 w 598611"/>
+              <a:gd name="connsiteY1" fmla="*/ 309818 h 822507"/>
+              <a:gd name="connsiteX2" fmla="*/ 0 w 598611"/>
+              <a:gd name="connsiteY2" fmla="*/ 822507 h 822507"/>
+              <a:gd name="connsiteX0" fmla="*/ 240384 w 598626"/>
+              <a:gd name="connsiteY0" fmla="*/ 0 h 822507"/>
+              <a:gd name="connsiteX1" fmla="*/ 598603 w 598626"/>
+              <a:gd name="connsiteY1" fmla="*/ 309818 h 822507"/>
+              <a:gd name="connsiteX2" fmla="*/ 0 w 598626"/>
+              <a:gd name="connsiteY2" fmla="*/ 822507 h 822507"/>
+              <a:gd name="connsiteX0" fmla="*/ 240384 w 598626"/>
+              <a:gd name="connsiteY0" fmla="*/ 0 h 822507"/>
+              <a:gd name="connsiteX1" fmla="*/ 598603 w 598626"/>
+              <a:gd name="connsiteY1" fmla="*/ 535755 h 822507"/>
+              <a:gd name="connsiteX2" fmla="*/ 0 w 598626"/>
+              <a:gd name="connsiteY2" fmla="*/ 822507 h 822507"/>
+              <a:gd name="connsiteX0" fmla="*/ 240384 w 598626"/>
+              <a:gd name="connsiteY0" fmla="*/ 0 h 822507"/>
+              <a:gd name="connsiteX1" fmla="*/ 598603 w 598626"/>
+              <a:gd name="connsiteY1" fmla="*/ 535755 h 822507"/>
+              <a:gd name="connsiteX2" fmla="*/ 0 w 598626"/>
+              <a:gd name="connsiteY2" fmla="*/ 822507 h 822507"/>
+              <a:gd name="connsiteX0" fmla="*/ 254524 w 618185"/>
+              <a:gd name="connsiteY0" fmla="*/ 0 h 1181952"/>
+              <a:gd name="connsiteX1" fmla="*/ 612743 w 618185"/>
+              <a:gd name="connsiteY1" fmla="*/ 535755 h 1181952"/>
+              <a:gd name="connsiteX2" fmla="*/ 0 w 618185"/>
+              <a:gd name="connsiteY2" fmla="*/ 1181952 h 1181952"/>
+              <a:gd name="connsiteX0" fmla="*/ 254524 w 618185"/>
+              <a:gd name="connsiteY0" fmla="*/ 0 h 1181952"/>
+              <a:gd name="connsiteX1" fmla="*/ 612743 w 618185"/>
+              <a:gd name="connsiteY1" fmla="*/ 746288 h 1181952"/>
+              <a:gd name="connsiteX2" fmla="*/ 0 w 618185"/>
+              <a:gd name="connsiteY2" fmla="*/ 1181952 h 1181952"/>
+              <a:gd name="connsiteX0" fmla="*/ 254524 w 618185"/>
+              <a:gd name="connsiteY0" fmla="*/ 0 h 1181952"/>
+              <a:gd name="connsiteX1" fmla="*/ 612743 w 618185"/>
+              <a:gd name="connsiteY1" fmla="*/ 746288 h 1181952"/>
+              <a:gd name="connsiteX2" fmla="*/ 0 w 618185"/>
+              <a:gd name="connsiteY2" fmla="*/ 1181952 h 1181952"/>
+              <a:gd name="connsiteX0" fmla="*/ 254524 w 614039"/>
+              <a:gd name="connsiteY0" fmla="*/ 0 h 1181952"/>
+              <a:gd name="connsiteX1" fmla="*/ 612743 w 614039"/>
+              <a:gd name="connsiteY1" fmla="*/ 746288 h 1181952"/>
+              <a:gd name="connsiteX2" fmla="*/ 0 w 614039"/>
+              <a:gd name="connsiteY2" fmla="*/ 1181952 h 1181952"/>
+            </a:gdLst>
+            <a:ahLst/>
+            <a:cxnLst>
+              <a:cxn ang="0">
+                <a:pos x="connsiteX0" y="connsiteY0"/>
+              </a:cxn>
+              <a:cxn ang="0">
+                <a:pos x="connsiteX1" y="connsiteY1"/>
+              </a:cxn>
+              <a:cxn ang="0">
+                <a:pos x="connsiteX2" y="connsiteY2"/>
+              </a:cxn>
+            </a:cxnLst>
+            <a:rect l="l" t="t" r="r" b="b"/>
+            <a:pathLst>
+              <a:path w="614039" h="1181952">
+                <a:moveTo>
+                  <a:pt x="254524" y="0"/>
+                </a:moveTo>
+                <a:cubicBezTo>
+                  <a:pt x="441489" y="106051"/>
+                  <a:pt x="631597" y="426057"/>
+                  <a:pt x="612743" y="746288"/>
+                </a:cubicBezTo>
+                <a:cubicBezTo>
+                  <a:pt x="593889" y="1066519"/>
+                  <a:pt x="270235" y="1169593"/>
+                  <a:pt x="0" y="1181952"/>
+                </a:cubicBezTo>
+              </a:path>
+            </a:pathLst>
+          </a:custGeom>
+          <a:noFill/>
+          <a:ln>
+            <a:solidFill>
+              <a:schemeClr val="tx1"/>
+            </a:solidFill>
+            <a:headEnd type="triangle" w="lg" len="lg"/>
+          </a:ln>
+        </p:spPr>
+        <p:style>
+          <a:lnRef idx="2">
+            <a:schemeClr val="accent1">
+              <a:shade val="50000"/>
+            </a:schemeClr>
+          </a:lnRef>
+          <a:fillRef idx="1">
+            <a:schemeClr val="accent1"/>
+          </a:fillRef>
+          <a:effectRef idx="0">
+            <a:schemeClr val="accent1"/>
+          </a:effectRef>
+          <a:fontRef idx="minor">
+            <a:schemeClr val="lt1"/>
+          </a:fontRef>
+        </p:style>
+        <p:txBody>
+          <a:bodyPr rtlCol="0" anchor="ctr"/>
+          <a:lstStyle/>
+          <a:p>
+            <a:pPr algn="ctr"/>
+            <a:endParaRPr lang="en-US"/>
+          </a:p>
+        </p:txBody>
+      </p:sp>
+      <p:sp>
+        <p:nvSpPr>
+          <p:cNvPr id="24" name="Freeform 23"/>
+          <p:cNvSpPr/>
+          <p:nvPr/>
+        </p:nvSpPr>
+        <p:spPr>
+          <a:xfrm flipH="1">
+            <a:off x="9959418" y="4161934"/>
+            <a:ext cx="678150" cy="1372265"/>
+          </a:xfrm>
+          <a:custGeom>
+            <a:avLst/>
+            <a:gdLst>
+              <a:gd name="connsiteX0" fmla="*/ 0 w 423793"/>
+              <a:gd name="connsiteY0" fmla="*/ 0 h 678729"/>
+              <a:gd name="connsiteX1" fmla="*/ 414780 w 423793"/>
+              <a:gd name="connsiteY1" fmla="*/ 325224 h 678729"/>
+              <a:gd name="connsiteX2" fmla="*/ 245097 w 423793"/>
+              <a:gd name="connsiteY2" fmla="*/ 678729 h 678729"/>
+              <a:gd name="connsiteX0" fmla="*/ 490194 w 918425"/>
+              <a:gd name="connsiteY0" fmla="*/ 0 h 499007"/>
+              <a:gd name="connsiteX1" fmla="*/ 904974 w 918425"/>
+              <a:gd name="connsiteY1" fmla="*/ 325224 h 499007"/>
+              <a:gd name="connsiteX2" fmla="*/ 0 w 918425"/>
+              <a:gd name="connsiteY2" fmla="*/ 499007 h 499007"/>
+              <a:gd name="connsiteX0" fmla="*/ 240384 w 907175"/>
+              <a:gd name="connsiteY0" fmla="*/ 0 h 822507"/>
+              <a:gd name="connsiteX1" fmla="*/ 904974 w 907175"/>
+              <a:gd name="connsiteY1" fmla="*/ 648724 h 822507"/>
+              <a:gd name="connsiteX2" fmla="*/ 0 w 907175"/>
+              <a:gd name="connsiteY2" fmla="*/ 822507 h 822507"/>
+              <a:gd name="connsiteX0" fmla="*/ 240384 w 603541"/>
+              <a:gd name="connsiteY0" fmla="*/ 0 h 822507"/>
+              <a:gd name="connsiteX1" fmla="*/ 598603 w 603541"/>
+              <a:gd name="connsiteY1" fmla="*/ 309818 h 822507"/>
+              <a:gd name="connsiteX2" fmla="*/ 0 w 603541"/>
+              <a:gd name="connsiteY2" fmla="*/ 822507 h 822507"/>
+              <a:gd name="connsiteX0" fmla="*/ 240384 w 598611"/>
+              <a:gd name="connsiteY0" fmla="*/ 0 h 822507"/>
+              <a:gd name="connsiteX1" fmla="*/ 598603 w 598611"/>
+              <a:gd name="connsiteY1" fmla="*/ 309818 h 822507"/>
+              <a:gd name="connsiteX2" fmla="*/ 0 w 598611"/>
+              <a:gd name="connsiteY2" fmla="*/ 822507 h 822507"/>
+              <a:gd name="connsiteX0" fmla="*/ 240384 w 598626"/>
+              <a:gd name="connsiteY0" fmla="*/ 0 h 822507"/>
+              <a:gd name="connsiteX1" fmla="*/ 598603 w 598626"/>
+              <a:gd name="connsiteY1" fmla="*/ 309818 h 822507"/>
+              <a:gd name="connsiteX2" fmla="*/ 0 w 598626"/>
+              <a:gd name="connsiteY2" fmla="*/ 822507 h 822507"/>
+              <a:gd name="connsiteX0" fmla="*/ 240384 w 598626"/>
+              <a:gd name="connsiteY0" fmla="*/ 0 h 822507"/>
+              <a:gd name="connsiteX1" fmla="*/ 598603 w 598626"/>
+              <a:gd name="connsiteY1" fmla="*/ 535755 h 822507"/>
+              <a:gd name="connsiteX2" fmla="*/ 0 w 598626"/>
+              <a:gd name="connsiteY2" fmla="*/ 822507 h 822507"/>
+              <a:gd name="connsiteX0" fmla="*/ 240384 w 598626"/>
+              <a:gd name="connsiteY0" fmla="*/ 0 h 822507"/>
+              <a:gd name="connsiteX1" fmla="*/ 598603 w 598626"/>
+              <a:gd name="connsiteY1" fmla="*/ 535755 h 822507"/>
+              <a:gd name="connsiteX2" fmla="*/ 0 w 598626"/>
+              <a:gd name="connsiteY2" fmla="*/ 822507 h 822507"/>
+              <a:gd name="connsiteX0" fmla="*/ 254524 w 618185"/>
+              <a:gd name="connsiteY0" fmla="*/ 0 h 1181952"/>
+              <a:gd name="connsiteX1" fmla="*/ 612743 w 618185"/>
+              <a:gd name="connsiteY1" fmla="*/ 535755 h 1181952"/>
+              <a:gd name="connsiteX2" fmla="*/ 0 w 618185"/>
+              <a:gd name="connsiteY2" fmla="*/ 1181952 h 1181952"/>
+              <a:gd name="connsiteX0" fmla="*/ 254524 w 618185"/>
+              <a:gd name="connsiteY0" fmla="*/ 0 h 1181952"/>
+              <a:gd name="connsiteX1" fmla="*/ 612743 w 618185"/>
+              <a:gd name="connsiteY1" fmla="*/ 746288 h 1181952"/>
+              <a:gd name="connsiteX2" fmla="*/ 0 w 618185"/>
+              <a:gd name="connsiteY2" fmla="*/ 1181952 h 1181952"/>
+              <a:gd name="connsiteX0" fmla="*/ 254524 w 618185"/>
+              <a:gd name="connsiteY0" fmla="*/ 0 h 1181952"/>
+              <a:gd name="connsiteX1" fmla="*/ 612743 w 618185"/>
+              <a:gd name="connsiteY1" fmla="*/ 746288 h 1181952"/>
+              <a:gd name="connsiteX2" fmla="*/ 0 w 618185"/>
+              <a:gd name="connsiteY2" fmla="*/ 1181952 h 1181952"/>
+              <a:gd name="connsiteX0" fmla="*/ 254524 w 614039"/>
+              <a:gd name="connsiteY0" fmla="*/ 0 h 1181952"/>
+              <a:gd name="connsiteX1" fmla="*/ 612743 w 614039"/>
+              <a:gd name="connsiteY1" fmla="*/ 746288 h 1181952"/>
+              <a:gd name="connsiteX2" fmla="*/ 0 w 614039"/>
+              <a:gd name="connsiteY2" fmla="*/ 1181952 h 1181952"/>
+            </a:gdLst>
+            <a:ahLst/>
+            <a:cxnLst>
+              <a:cxn ang="0">
+                <a:pos x="connsiteX0" y="connsiteY0"/>
+              </a:cxn>
+              <a:cxn ang="0">
+                <a:pos x="connsiteX1" y="connsiteY1"/>
+              </a:cxn>
+              <a:cxn ang="0">
+                <a:pos x="connsiteX2" y="connsiteY2"/>
+              </a:cxn>
+            </a:cxnLst>
+            <a:rect l="l" t="t" r="r" b="b"/>
+            <a:pathLst>
+              <a:path w="614039" h="1181952">
+                <a:moveTo>
+                  <a:pt x="254524" y="0"/>
+                </a:moveTo>
+                <a:cubicBezTo>
+                  <a:pt x="441489" y="106051"/>
+                  <a:pt x="631597" y="426057"/>
+                  <a:pt x="612743" y="746288"/>
+                </a:cubicBezTo>
+                <a:cubicBezTo>
+                  <a:pt x="593889" y="1066519"/>
+                  <a:pt x="270235" y="1169593"/>
+                  <a:pt x="0" y="1181952"/>
+                </a:cubicBezTo>
+              </a:path>
+            </a:pathLst>
+          </a:custGeom>
+          <a:noFill/>
+          <a:ln>
+            <a:solidFill>
+              <a:schemeClr val="tx1"/>
+            </a:solidFill>
+            <a:headEnd type="triangle" w="lg" len="lg"/>
+          </a:ln>
+        </p:spPr>
+        <p:style>
+          <a:lnRef idx="2">
+            <a:schemeClr val="accent1">
+              <a:shade val="50000"/>
+            </a:schemeClr>
+          </a:lnRef>
+          <a:fillRef idx="1">
+            <a:schemeClr val="accent1"/>
+          </a:fillRef>
+          <a:effectRef idx="0">
+            <a:schemeClr val="accent1"/>
+          </a:effectRef>
+          <a:fontRef idx="minor">
+            <a:schemeClr val="lt1"/>
+          </a:fontRef>
+        </p:style>
+        <p:txBody>
+          <a:bodyPr rtlCol="0" anchor="ctr"/>
+          <a:lstStyle/>
+          <a:p>
+            <a:pPr algn="ctr"/>
+            <a:endParaRPr lang="en-US"/>
+          </a:p>
+        </p:txBody>
+      </p:sp>
+      <p:cxnSp>
+        <p:nvCxnSpPr>
+          <p:cNvPr id="25" name="Straight Arrow Connector 24"/>
+          <p:cNvCxnSpPr/>
+          <p:nvPr/>
+        </p:nvCxnSpPr>
+        <p:spPr>
+          <a:xfrm>
+            <a:off x="9731307" y="5198509"/>
+            <a:ext cx="574766" cy="0"/>
+          </a:xfrm>
+          <a:prstGeom prst="straightConnector1">
+            <a:avLst/>
+          </a:prstGeom>
+          <a:ln>
+            <a:solidFill>
+              <a:schemeClr val="tx1"/>
+            </a:solidFill>
+            <a:tailEnd type="triangle"/>
+          </a:ln>
+        </p:spPr>
+        <p:style>
+          <a:lnRef idx="1">
+            <a:schemeClr val="accent1"/>
+          </a:lnRef>
+          <a:fillRef idx="0">
+            <a:schemeClr val="accent1"/>
+          </a:fillRef>
+          <a:effectRef idx="0">
+            <a:schemeClr val="accent1"/>
+          </a:effectRef>
+          <a:fontRef idx="minor">
+            <a:schemeClr val="tx1"/>
+          </a:fontRef>
+        </p:style>
+      </p:cxnSp>
+      <p:sp>
+        <p:nvSpPr>
+          <p:cNvPr id="26" name="Freeform 25"/>
+          <p:cNvSpPr/>
+          <p:nvPr/>
+        </p:nvSpPr>
+        <p:spPr>
+          <a:xfrm>
+            <a:off x="10628816" y="3024298"/>
+            <a:ext cx="1166350" cy="2517622"/>
+          </a:xfrm>
+          <a:custGeom>
+            <a:avLst/>
+            <a:gdLst>
+              <a:gd name="connsiteX0" fmla="*/ 0 w 423793"/>
+              <a:gd name="connsiteY0" fmla="*/ 0 h 678729"/>
+              <a:gd name="connsiteX1" fmla="*/ 414780 w 423793"/>
+              <a:gd name="connsiteY1" fmla="*/ 325224 h 678729"/>
+              <a:gd name="connsiteX2" fmla="*/ 245097 w 423793"/>
+              <a:gd name="connsiteY2" fmla="*/ 678729 h 678729"/>
+              <a:gd name="connsiteX0" fmla="*/ 490194 w 918425"/>
+              <a:gd name="connsiteY0" fmla="*/ 0 h 499007"/>
+              <a:gd name="connsiteX1" fmla="*/ 904974 w 918425"/>
+              <a:gd name="connsiteY1" fmla="*/ 325224 h 499007"/>
+              <a:gd name="connsiteX2" fmla="*/ 0 w 918425"/>
+              <a:gd name="connsiteY2" fmla="*/ 499007 h 499007"/>
+              <a:gd name="connsiteX0" fmla="*/ 240384 w 907175"/>
+              <a:gd name="connsiteY0" fmla="*/ 0 h 822507"/>
+              <a:gd name="connsiteX1" fmla="*/ 904974 w 907175"/>
+              <a:gd name="connsiteY1" fmla="*/ 648724 h 822507"/>
+              <a:gd name="connsiteX2" fmla="*/ 0 w 907175"/>
+              <a:gd name="connsiteY2" fmla="*/ 822507 h 822507"/>
+              <a:gd name="connsiteX0" fmla="*/ 240384 w 603541"/>
+              <a:gd name="connsiteY0" fmla="*/ 0 h 822507"/>
+              <a:gd name="connsiteX1" fmla="*/ 598603 w 603541"/>
+              <a:gd name="connsiteY1" fmla="*/ 309818 h 822507"/>
+              <a:gd name="connsiteX2" fmla="*/ 0 w 603541"/>
+              <a:gd name="connsiteY2" fmla="*/ 822507 h 822507"/>
+              <a:gd name="connsiteX0" fmla="*/ 240384 w 598611"/>
+              <a:gd name="connsiteY0" fmla="*/ 0 h 822507"/>
+              <a:gd name="connsiteX1" fmla="*/ 598603 w 598611"/>
+              <a:gd name="connsiteY1" fmla="*/ 309818 h 822507"/>
+              <a:gd name="connsiteX2" fmla="*/ 0 w 598611"/>
+              <a:gd name="connsiteY2" fmla="*/ 822507 h 822507"/>
+              <a:gd name="connsiteX0" fmla="*/ 240384 w 598626"/>
+              <a:gd name="connsiteY0" fmla="*/ 0 h 822507"/>
+              <a:gd name="connsiteX1" fmla="*/ 598603 w 598626"/>
+              <a:gd name="connsiteY1" fmla="*/ 309818 h 822507"/>
+              <a:gd name="connsiteX2" fmla="*/ 0 w 598626"/>
+              <a:gd name="connsiteY2" fmla="*/ 822507 h 822507"/>
+              <a:gd name="connsiteX0" fmla="*/ 240384 w 598626"/>
+              <a:gd name="connsiteY0" fmla="*/ 0 h 822507"/>
+              <a:gd name="connsiteX1" fmla="*/ 598603 w 598626"/>
+              <a:gd name="connsiteY1" fmla="*/ 535755 h 822507"/>
+              <a:gd name="connsiteX2" fmla="*/ 0 w 598626"/>
+              <a:gd name="connsiteY2" fmla="*/ 822507 h 822507"/>
+              <a:gd name="connsiteX0" fmla="*/ 240384 w 598626"/>
+              <a:gd name="connsiteY0" fmla="*/ 0 h 822507"/>
+              <a:gd name="connsiteX1" fmla="*/ 598603 w 598626"/>
+              <a:gd name="connsiteY1" fmla="*/ 535755 h 822507"/>
+              <a:gd name="connsiteX2" fmla="*/ 0 w 598626"/>
+              <a:gd name="connsiteY2" fmla="*/ 822507 h 822507"/>
+              <a:gd name="connsiteX0" fmla="*/ 254524 w 618185"/>
+              <a:gd name="connsiteY0" fmla="*/ 0 h 1181952"/>
+              <a:gd name="connsiteX1" fmla="*/ 612743 w 618185"/>
+              <a:gd name="connsiteY1" fmla="*/ 535755 h 1181952"/>
+              <a:gd name="connsiteX2" fmla="*/ 0 w 618185"/>
+              <a:gd name="connsiteY2" fmla="*/ 1181952 h 1181952"/>
+              <a:gd name="connsiteX0" fmla="*/ 254524 w 618185"/>
+              <a:gd name="connsiteY0" fmla="*/ 0 h 1181952"/>
+              <a:gd name="connsiteX1" fmla="*/ 612743 w 618185"/>
+              <a:gd name="connsiteY1" fmla="*/ 746288 h 1181952"/>
+              <a:gd name="connsiteX2" fmla="*/ 0 w 618185"/>
+              <a:gd name="connsiteY2" fmla="*/ 1181952 h 1181952"/>
+              <a:gd name="connsiteX0" fmla="*/ 254524 w 618185"/>
+              <a:gd name="connsiteY0" fmla="*/ 0 h 1181952"/>
+              <a:gd name="connsiteX1" fmla="*/ 612743 w 618185"/>
+              <a:gd name="connsiteY1" fmla="*/ 746288 h 1181952"/>
+              <a:gd name="connsiteX2" fmla="*/ 0 w 618185"/>
+              <a:gd name="connsiteY2" fmla="*/ 1181952 h 1181952"/>
+              <a:gd name="connsiteX0" fmla="*/ 254524 w 614039"/>
+              <a:gd name="connsiteY0" fmla="*/ 0 h 1181952"/>
+              <a:gd name="connsiteX1" fmla="*/ 612743 w 614039"/>
+              <a:gd name="connsiteY1" fmla="*/ 746288 h 1181952"/>
+              <a:gd name="connsiteX2" fmla="*/ 0 w 614039"/>
+              <a:gd name="connsiteY2" fmla="*/ 1181952 h 1181952"/>
+              <a:gd name="connsiteX0" fmla="*/ 164157 w 614553"/>
+              <a:gd name="connsiteY0" fmla="*/ 0 h 1168822"/>
+              <a:gd name="connsiteX1" fmla="*/ 612743 w 614553"/>
+              <a:gd name="connsiteY1" fmla="*/ 733158 h 1168822"/>
+              <a:gd name="connsiteX2" fmla="*/ 0 w 614553"/>
+              <a:gd name="connsiteY2" fmla="*/ 1168822 h 1168822"/>
+              <a:gd name="connsiteX0" fmla="*/ 164157 w 614651"/>
+              <a:gd name="connsiteY0" fmla="*/ 0 h 1168822"/>
+              <a:gd name="connsiteX1" fmla="*/ 612743 w 614651"/>
+              <a:gd name="connsiteY1" fmla="*/ 733158 h 1168822"/>
+              <a:gd name="connsiteX2" fmla="*/ 0 w 614651"/>
+              <a:gd name="connsiteY2" fmla="*/ 1168822 h 1168822"/>
+              <a:gd name="connsiteX0" fmla="*/ 142250 w 614105"/>
+              <a:gd name="connsiteY0" fmla="*/ 0 h 1155839"/>
+              <a:gd name="connsiteX1" fmla="*/ 612743 w 614105"/>
+              <a:gd name="connsiteY1" fmla="*/ 720175 h 1155839"/>
+              <a:gd name="connsiteX2" fmla="*/ 0 w 614105"/>
+              <a:gd name="connsiteY2" fmla="*/ 1155839 h 1155839"/>
+              <a:gd name="connsiteX0" fmla="*/ 142250 w 615257"/>
+              <a:gd name="connsiteY0" fmla="*/ 0 h 1155839"/>
+              <a:gd name="connsiteX1" fmla="*/ 612743 w 615257"/>
+              <a:gd name="connsiteY1" fmla="*/ 720175 h 1155839"/>
+              <a:gd name="connsiteX2" fmla="*/ 0 w 615257"/>
+              <a:gd name="connsiteY2" fmla="*/ 1155839 h 1155839"/>
+            </a:gdLst>
+            <a:ahLst/>
+            <a:cxnLst>
+              <a:cxn ang="0">
+                <a:pos x="connsiteX0" y="connsiteY0"/>
+              </a:cxn>
+              <a:cxn ang="0">
+                <a:pos x="connsiteX1" y="connsiteY1"/>
+              </a:cxn>
+              <a:cxn ang="0">
+                <a:pos x="connsiteX2" y="connsiteY2"/>
+              </a:cxn>
+            </a:cxnLst>
+            <a:rect l="l" t="t" r="r" b="b"/>
+            <a:pathLst>
+              <a:path w="615257" h="1155839">
+                <a:moveTo>
+                  <a:pt x="142250" y="0"/>
+                </a:moveTo>
+                <a:cubicBezTo>
+                  <a:pt x="493519" y="66518"/>
+                  <a:pt x="636451" y="527535"/>
+                  <a:pt x="612743" y="720175"/>
+                </a:cubicBezTo>
+                <a:cubicBezTo>
+                  <a:pt x="589035" y="912815"/>
+                  <a:pt x="270235" y="1143480"/>
+                  <a:pt x="0" y="1155839"/>
+                </a:cubicBezTo>
+              </a:path>
+            </a:pathLst>
+          </a:custGeom>
+          <a:noFill/>
+          <a:ln>
+            <a:solidFill>
+              <a:srgbClr val="C00000"/>
+            </a:solidFill>
+            <a:headEnd type="triangle" w="lg" len="lg"/>
+          </a:ln>
+        </p:spPr>
+        <p:style>
+          <a:lnRef idx="2">
+            <a:schemeClr val="accent1">
+              <a:shade val="50000"/>
+            </a:schemeClr>
+          </a:lnRef>
+          <a:fillRef idx="1">
+            <a:schemeClr val="accent1"/>
+          </a:fillRef>
+          <a:effectRef idx="0">
+            <a:schemeClr val="accent1"/>
+          </a:effectRef>
+          <a:fontRef idx="minor">
+            <a:schemeClr val="lt1"/>
+          </a:fontRef>
+        </p:style>
+        <p:txBody>
+          <a:bodyPr rtlCol="0" anchor="ctr"/>
+          <a:lstStyle/>
+          <a:p>
+            <a:pPr algn="ctr"/>
+            <a:endParaRPr lang="en-US"/>
+          </a:p>
+        </p:txBody>
+      </p:sp>
+      <p:sp>
+        <p:nvSpPr>
+          <p:cNvPr id="21" name="Oval 20"/>
+          <p:cNvSpPr/>
+          <p:nvPr/>
+        </p:nvSpPr>
+        <p:spPr>
+          <a:xfrm>
+            <a:off x="10601570" y="5501738"/>
+            <a:ext cx="72000" cy="72000"/>
+          </a:xfrm>
+          <a:prstGeom prst="ellipse">
+            <a:avLst/>
+          </a:prstGeom>
+          <a:solidFill>
+            <a:schemeClr val="tx1"/>
+          </a:solidFill>
+          <a:ln>
+            <a:noFill/>
+          </a:ln>
+        </p:spPr>
+        <p:style>
+          <a:lnRef idx="2">
+            <a:schemeClr val="accent1">
+              <a:shade val="50000"/>
+            </a:schemeClr>
+          </a:lnRef>
+          <a:fillRef idx="1">
+            <a:schemeClr val="accent1"/>
+          </a:fillRef>
+          <a:effectRef idx="0">
+            <a:schemeClr val="accent1"/>
+          </a:effectRef>
+          <a:fontRef idx="minor">
+            <a:schemeClr val="lt1"/>
+          </a:fontRef>
+        </p:style>
+        <p:txBody>
+          <a:bodyPr rtlCol="0" anchor="ctr"/>
+          <a:lstStyle/>
+          <a:p>
+            <a:pPr algn="ctr"/>
+            <a:endParaRPr lang="en-US"/>
+          </a:p>
+        </p:txBody>
+      </p:sp>
+      <p:sp>
+        <p:nvSpPr>
+          <p:cNvPr id="27" name="TextBox 26"/>
+          <p:cNvSpPr txBox="1"/>
+          <p:nvPr/>
+        </p:nvSpPr>
+        <p:spPr>
+          <a:xfrm>
+            <a:off x="10344709" y="3168219"/>
+            <a:ext cx="472202" cy="369332"/>
+          </a:xfrm>
+          <a:prstGeom prst="rect">
+            <a:avLst/>
+          </a:prstGeom>
+          <a:noFill/>
+        </p:spPr>
+        <p:txBody>
+          <a:bodyPr wrap="square" rtlCol="0">
+            <a:spAutoFit/>
+          </a:bodyPr>
+          <a:lstStyle/>
+          <a:p>
+            <a:r>
+              <a:rPr lang="en-US" dirty="0">
+                <a:solidFill>
+                  <a:srgbClr val="C00000"/>
+                </a:solidFill>
+                <a:latin typeface="Courier New" panose="02070309020205020404" pitchFamily="49" charset="0"/>
+                <a:cs typeface="Courier New" panose="02070309020205020404" pitchFamily="49" charset="0"/>
+              </a:rPr>
+              <a:t>4-</a:t>
+            </a:r>
+          </a:p>
+        </p:txBody>
+      </p:sp>
+      <p:sp>
+        <p:nvSpPr>
+          <p:cNvPr id="29" name="TextBox 28"/>
+          <p:cNvSpPr txBox="1"/>
+          <p:nvPr/>
+        </p:nvSpPr>
+        <p:spPr>
+          <a:xfrm>
+            <a:off x="9810177" y="4750154"/>
+            <a:ext cx="472202" cy="369332"/>
+          </a:xfrm>
+          <a:prstGeom prst="rect">
+            <a:avLst/>
+          </a:prstGeom>
+          <a:noFill/>
+        </p:spPr>
+        <p:txBody>
+          <a:bodyPr wrap="square" rtlCol="0">
+            <a:spAutoFit/>
+          </a:bodyPr>
+          <a:lstStyle/>
+          <a:p>
+            <a:r>
+              <a:rPr lang="en-US" dirty="0">
+                <a:solidFill>
+                  <a:srgbClr val="C00000"/>
+                </a:solidFill>
+                <a:latin typeface="Courier New" panose="02070309020205020404" pitchFamily="49" charset="0"/>
+                <a:cs typeface="Courier New" panose="02070309020205020404" pitchFamily="49" charset="0"/>
+              </a:rPr>
+              <a:t>-</a:t>
+            </a:r>
+          </a:p>
+        </p:txBody>
+      </p:sp>
+      <p:sp>
+        <p:nvSpPr>
+          <p:cNvPr id="30" name="TextBox 29"/>
+          <p:cNvSpPr txBox="1"/>
+          <p:nvPr/>
+        </p:nvSpPr>
+        <p:spPr>
+          <a:xfrm rot="1028239">
+            <a:off x="9867032" y="4463733"/>
+            <a:ext cx="472202" cy="369332"/>
+          </a:xfrm>
+          <a:prstGeom prst="rect">
+            <a:avLst/>
+          </a:prstGeom>
+          <a:noFill/>
+        </p:spPr>
+        <p:txBody>
+          <a:bodyPr wrap="square" rtlCol="0">
+            <a:spAutoFit/>
+          </a:bodyPr>
+          <a:lstStyle/>
+          <a:p>
+            <a:r>
+              <a:rPr lang="en-US" dirty="0">
+                <a:solidFill>
+                  <a:srgbClr val="C00000"/>
+                </a:solidFill>
+                <a:latin typeface="Courier New" panose="02070309020205020404" pitchFamily="49" charset="0"/>
+                <a:cs typeface="Courier New" panose="02070309020205020404" pitchFamily="49" charset="0"/>
+              </a:rPr>
+              <a:t>-</a:t>
+            </a:r>
+          </a:p>
+        </p:txBody>
+      </p:sp>
+      <p:sp>
+        <p:nvSpPr>
+          <p:cNvPr id="31" name="TextBox 30"/>
+          <p:cNvSpPr txBox="1"/>
+          <p:nvPr/>
+        </p:nvSpPr>
+        <p:spPr>
+          <a:xfrm rot="18656753">
+            <a:off x="9891707" y="5079209"/>
+            <a:ext cx="472202" cy="369332"/>
+          </a:xfrm>
+          <a:prstGeom prst="rect">
+            <a:avLst/>
+          </a:prstGeom>
+          <a:noFill/>
+        </p:spPr>
+        <p:txBody>
+          <a:bodyPr wrap="square" rtlCol="0">
+            <a:spAutoFit/>
+          </a:bodyPr>
+          <a:lstStyle/>
+          <a:p>
+            <a:r>
+              <a:rPr lang="en-US" dirty="0">
+                <a:solidFill>
+                  <a:srgbClr val="C00000"/>
+                </a:solidFill>
+                <a:latin typeface="Courier New" panose="02070309020205020404" pitchFamily="49" charset="0"/>
+                <a:cs typeface="Courier New" panose="02070309020205020404" pitchFamily="49" charset="0"/>
+              </a:rPr>
+              <a:t>-</a:t>
+            </a:r>
+          </a:p>
+        </p:txBody>
+      </p:sp>
       <p:sp>
         <p:nvSpPr>
           <p:cNvPr id="28" name="Content Placeholder 2"/>
@@ -8631,7 +12017,7 @@
 </p:sld>
 </file>
 
-<file path=ppt/slides/slide11.xml><?xml version="1.0" encoding="utf-8"?>
+<file path=ppt/slides/slide12.xml><?xml version="1.0" encoding="utf-8"?>
 <p:sld xmlns:a="http://schemas.openxmlformats.org/drawingml/2006/main" xmlns:r="http://schemas.openxmlformats.org/officeDocument/2006/relationships" xmlns:p="http://schemas.openxmlformats.org/presentationml/2006/main">
   <p:cSld>
     <p:spTree>
@@ -11173,7 +14559,7 @@
 </p:sld>
 </file>
 
-<file path=ppt/slides/slide12.xml><?xml version="1.0" encoding="utf-8"?>
+<file path=ppt/slides/slide13.xml><?xml version="1.0" encoding="utf-8"?>
 <p:sld xmlns:a="http://schemas.openxmlformats.org/drawingml/2006/main" xmlns:r="http://schemas.openxmlformats.org/officeDocument/2006/relationships" xmlns:p="http://schemas.openxmlformats.org/presentationml/2006/main">
   <p:cSld>
     <p:spTree>
@@ -12089,7 +15475,7 @@
 </p:sld>
 </file>
 
-<file path=ppt/slides/slide13.xml><?xml version="1.0" encoding="utf-8"?>
+<file path=ppt/slides/slide14.xml><?xml version="1.0" encoding="utf-8"?>
 <p:sld xmlns:a="http://schemas.openxmlformats.org/drawingml/2006/main" xmlns:r="http://schemas.openxmlformats.org/officeDocument/2006/relationships" xmlns:p="http://schemas.openxmlformats.org/presentationml/2006/main">
   <p:cSld>
     <p:spTree>
@@ -13006,7 +16392,7 @@
 </p:sld>
 </file>
 
-<file path=ppt/slides/slide14.xml><?xml version="1.0" encoding="utf-8"?>
+<file path=ppt/slides/slide15.xml><?xml version="1.0" encoding="utf-8"?>
 <p:sld xmlns:a="http://schemas.openxmlformats.org/drawingml/2006/main" xmlns:r="http://schemas.openxmlformats.org/officeDocument/2006/relationships" xmlns:p="http://schemas.openxmlformats.org/presentationml/2006/main">
   <p:cSld>
     <p:bg>
@@ -13311,7 +16697,7 @@
 </p:sld>
 </file>
 
-<file path=ppt/slides/slide15.xml><?xml version="1.0" encoding="utf-8"?>
+<file path=ppt/slides/slide16.xml><?xml version="1.0" encoding="utf-8"?>
 <p:sld xmlns:a="http://schemas.openxmlformats.org/drawingml/2006/main" xmlns:r="http://schemas.openxmlformats.org/officeDocument/2006/relationships" xmlns:p="http://schemas.openxmlformats.org/presentationml/2006/main">
   <p:cSld>
     <p:spTree>
@@ -14118,7 +17504,7 @@
 </p:sld>
 </file>
 
-<file path=ppt/slides/slide16.xml><?xml version="1.0" encoding="utf-8"?>
+<file path=ppt/slides/slide17.xml><?xml version="1.0" encoding="utf-8"?>
 <p:sld xmlns:a="http://schemas.openxmlformats.org/drawingml/2006/main" xmlns:r="http://schemas.openxmlformats.org/officeDocument/2006/relationships" xmlns:p="http://schemas.openxmlformats.org/presentationml/2006/main">
   <p:cSld>
     <p:bg>
@@ -14929,7 +18315,7 @@
 </p:sld>
 </file>
 
-<file path=ppt/slides/slide17.xml><?xml version="1.0" encoding="utf-8"?>
+<file path=ppt/slides/slide18.xml><?xml version="1.0" encoding="utf-8"?>
 <p:sld xmlns:a="http://schemas.openxmlformats.org/drawingml/2006/main" xmlns:r="http://schemas.openxmlformats.org/officeDocument/2006/relationships" xmlns:p="http://schemas.openxmlformats.org/presentationml/2006/main">
   <p:cSld>
     <p:bg>
@@ -16017,7 +19403,7 @@
 </p:sld>
 </file>
 
-<file path=ppt/slides/slide18.xml><?xml version="1.0" encoding="utf-8"?>
+<file path=ppt/slides/slide19.xml><?xml version="1.0" encoding="utf-8"?>
 <p:sld xmlns:a="http://schemas.openxmlformats.org/drawingml/2006/main" xmlns:r="http://schemas.openxmlformats.org/officeDocument/2006/relationships" xmlns:p="http://schemas.openxmlformats.org/presentationml/2006/main">
   <p:cSld>
     <p:spTree>
@@ -16070,97 +19456,6 @@
 </p:sld>
 </file>
 
-<file path=ppt/slides/slide19.xml><?xml version="1.0" encoding="utf-8"?>
-<p:sld xmlns:a="http://schemas.openxmlformats.org/drawingml/2006/main" xmlns:r="http://schemas.openxmlformats.org/officeDocument/2006/relationships" xmlns:p="http://schemas.openxmlformats.org/presentationml/2006/main">
-  <p:cSld>
-    <p:spTree>
-      <p:nvGrpSpPr>
-        <p:cNvPr id="1" name=""/>
-        <p:cNvGrpSpPr/>
-        <p:nvPr/>
-      </p:nvGrpSpPr>
-      <p:grpSpPr>
-        <a:xfrm>
-          <a:off x="0" y="0"/>
-          <a:ext cx="0" cy="0"/>
-          <a:chOff x="0" y="0"/>
-          <a:chExt cx="0" cy="0"/>
-        </a:xfrm>
-      </p:grpSpPr>
-      <p:sp>
-        <p:nvSpPr>
-          <p:cNvPr id="2" name="Title 1"/>
-          <p:cNvSpPr>
-            <a:spLocks noGrp="1"/>
-          </p:cNvSpPr>
-          <p:nvPr>
-            <p:ph type="title"/>
-          </p:nvPr>
-        </p:nvSpPr>
-        <p:spPr/>
-        <p:txBody>
-          <a:bodyPr/>
-          <a:lstStyle/>
-          <a:p>
-            <a:endParaRPr lang="en-US"/>
-          </a:p>
-        </p:txBody>
-      </p:sp>
-      <p:sp>
-        <p:nvSpPr>
-          <p:cNvPr id="3" name="Content Placeholder 2"/>
-          <p:cNvSpPr>
-            <a:spLocks noGrp="1"/>
-          </p:cNvSpPr>
-          <p:nvPr>
-            <p:ph idx="1"/>
-          </p:nvPr>
-        </p:nvSpPr>
-        <p:spPr/>
-        <p:txBody>
-          <a:bodyPr/>
-          <a:lstStyle/>
-          <a:p>
-            <a:endParaRPr lang="en-US"/>
-          </a:p>
-        </p:txBody>
-      </p:sp>
-      <p:pic>
-        <p:nvPicPr>
-          <p:cNvPr id="7" name="Picture 6"/>
-          <p:cNvPicPr>
-            <a:picLocks noChangeAspect="1"/>
-          </p:cNvPicPr>
-          <p:nvPr/>
-        </p:nvPicPr>
-        <p:blipFill rotWithShape="1">
-          <a:blip r:embed="rId3"/>
-          <a:srcRect t="2245" b="41357"/>
-          <a:stretch/>
-        </p:blipFill>
-        <p:spPr>
-          <a:xfrm>
-            <a:off x="-2" y="-228600"/>
-            <a:ext cx="12240000" cy="7245642"/>
-          </a:xfrm>
-          <a:prstGeom prst="rect">
-            <a:avLst/>
-          </a:prstGeom>
-        </p:spPr>
-      </p:pic>
-    </p:spTree>
-    <p:extLst>
-      <p:ext uri="{BB962C8B-B14F-4D97-AF65-F5344CB8AC3E}">
-        <p14:creationId xmlns:p14="http://schemas.microsoft.com/office/powerpoint/2010/main" val="1553393585"/>
-      </p:ext>
-    </p:extLst>
-  </p:cSld>
-  <p:clrMapOvr>
-    <a:masterClrMapping/>
-  </p:clrMapOvr>
-</p:sld>
-</file>
-
 <file path=ppt/slides/slide2.xml><?xml version="1.0" encoding="utf-8"?>
 <p:sld xmlns:a="http://schemas.openxmlformats.org/drawingml/2006/main" xmlns:r="http://schemas.openxmlformats.org/officeDocument/2006/relationships" xmlns:p="http://schemas.openxmlformats.org/presentationml/2006/main">
   <p:cSld>
@@ -16808,6 +20103,97 @@
             <p:ph type="title"/>
           </p:nvPr>
         </p:nvSpPr>
+        <p:spPr/>
+        <p:txBody>
+          <a:bodyPr/>
+          <a:lstStyle/>
+          <a:p>
+            <a:endParaRPr lang="en-US"/>
+          </a:p>
+        </p:txBody>
+      </p:sp>
+      <p:sp>
+        <p:nvSpPr>
+          <p:cNvPr id="3" name="Content Placeholder 2"/>
+          <p:cNvSpPr>
+            <a:spLocks noGrp="1"/>
+          </p:cNvSpPr>
+          <p:nvPr>
+            <p:ph idx="1"/>
+          </p:nvPr>
+        </p:nvSpPr>
+        <p:spPr/>
+        <p:txBody>
+          <a:bodyPr/>
+          <a:lstStyle/>
+          <a:p>
+            <a:endParaRPr lang="en-US"/>
+          </a:p>
+        </p:txBody>
+      </p:sp>
+      <p:pic>
+        <p:nvPicPr>
+          <p:cNvPr id="7" name="Picture 6"/>
+          <p:cNvPicPr>
+            <a:picLocks noChangeAspect="1"/>
+          </p:cNvPicPr>
+          <p:nvPr/>
+        </p:nvPicPr>
+        <p:blipFill rotWithShape="1">
+          <a:blip r:embed="rId3"/>
+          <a:srcRect t="2245" b="41357"/>
+          <a:stretch/>
+        </p:blipFill>
+        <p:spPr>
+          <a:xfrm>
+            <a:off x="-2" y="-228600"/>
+            <a:ext cx="12240000" cy="7245642"/>
+          </a:xfrm>
+          <a:prstGeom prst="rect">
+            <a:avLst/>
+          </a:prstGeom>
+        </p:spPr>
+      </p:pic>
+    </p:spTree>
+    <p:extLst>
+      <p:ext uri="{BB962C8B-B14F-4D97-AF65-F5344CB8AC3E}">
+        <p14:creationId xmlns:p14="http://schemas.microsoft.com/office/powerpoint/2010/main" val="1553393585"/>
+      </p:ext>
+    </p:extLst>
+  </p:cSld>
+  <p:clrMapOvr>
+    <a:masterClrMapping/>
+  </p:clrMapOvr>
+</p:sld>
+</file>
+
+<file path=ppt/slides/slide21.xml><?xml version="1.0" encoding="utf-8"?>
+<p:sld xmlns:a="http://schemas.openxmlformats.org/drawingml/2006/main" xmlns:r="http://schemas.openxmlformats.org/officeDocument/2006/relationships" xmlns:p="http://schemas.openxmlformats.org/presentationml/2006/main">
+  <p:cSld>
+    <p:spTree>
+      <p:nvGrpSpPr>
+        <p:cNvPr id="1" name=""/>
+        <p:cNvGrpSpPr/>
+        <p:nvPr/>
+      </p:nvGrpSpPr>
+      <p:grpSpPr>
+        <a:xfrm>
+          <a:off x="0" y="0"/>
+          <a:ext cx="0" cy="0"/>
+          <a:chOff x="0" y="0"/>
+          <a:chExt cx="0" cy="0"/>
+        </a:xfrm>
+      </p:grpSpPr>
+      <p:sp>
+        <p:nvSpPr>
+          <p:cNvPr id="2" name="Title 1"/>
+          <p:cNvSpPr>
+            <a:spLocks noGrp="1"/>
+          </p:cNvSpPr>
+          <p:nvPr>
+            <p:ph type="title"/>
+          </p:nvPr>
+        </p:nvSpPr>
         <p:spPr>
           <a:xfrm>
             <a:off x="786357" y="365125"/>
@@ -17749,7 +21135,7 @@
 </p:sld>
 </file>
 
-<file path=ppt/slides/slide21.xml><?xml version="1.0" encoding="utf-8"?>
+<file path=ppt/slides/slide22.xml><?xml version="1.0" encoding="utf-8"?>
 <p:sld xmlns:a="http://schemas.openxmlformats.org/drawingml/2006/main" xmlns:r="http://schemas.openxmlformats.org/officeDocument/2006/relationships" xmlns:p="http://schemas.openxmlformats.org/presentationml/2006/main">
   <p:cSld>
     <p:bg>
@@ -19099,7 +22485,7 @@
 </p:sld>
 </file>
 
-<file path=ppt/slides/slide22.xml><?xml version="1.0" encoding="utf-8"?>
+<file path=ppt/slides/slide23.xml><?xml version="1.0" encoding="utf-8"?>
 <p:sld xmlns:a="http://schemas.openxmlformats.org/drawingml/2006/main" xmlns:r="http://schemas.openxmlformats.org/officeDocument/2006/relationships" xmlns:p="http://schemas.openxmlformats.org/presentationml/2006/main">
   <p:cSld>
     <p:spTree>
@@ -19385,7 +22771,7 @@
 </p:sld>
 </file>
 
-<file path=ppt/slides/slide23.xml><?xml version="1.0" encoding="utf-8"?>
+<file path=ppt/slides/slide24.xml><?xml version="1.0" encoding="utf-8"?>
 <p:sld xmlns:a="http://schemas.openxmlformats.org/drawingml/2006/main" xmlns:r="http://schemas.openxmlformats.org/officeDocument/2006/relationships" xmlns:p="http://schemas.openxmlformats.org/presentationml/2006/main">
   <p:cSld>
     <p:spTree>
@@ -21111,7 +24497,7 @@
 </p:sld>
 </file>
 
-<file path=ppt/slides/slide24.xml><?xml version="1.0" encoding="utf-8"?>
+<file path=ppt/slides/slide25.xml><?xml version="1.0" encoding="utf-8"?>
 <p:sld xmlns:a="http://schemas.openxmlformats.org/drawingml/2006/main" xmlns:r="http://schemas.openxmlformats.org/officeDocument/2006/relationships" xmlns:p="http://schemas.openxmlformats.org/presentationml/2006/main">
   <p:cSld>
     <p:spTree>
@@ -21178,7 +24564,7 @@
 </p:sld>
 </file>
 
-<file path=ppt/slides/slide25.xml><?xml version="1.0" encoding="utf-8"?>
+<file path=ppt/slides/slide26.xml><?xml version="1.0" encoding="utf-8"?>
 <p:sld xmlns:a="http://schemas.openxmlformats.org/drawingml/2006/main" xmlns:r="http://schemas.openxmlformats.org/officeDocument/2006/relationships" xmlns:p="http://schemas.openxmlformats.org/presentationml/2006/main">
   <p:cSld>
     <p:spTree>
@@ -22174,7 +25560,7 @@
 </p:sld>
 </file>
 
-<file path=ppt/slides/slide26.xml><?xml version="1.0" encoding="utf-8"?>
+<file path=ppt/slides/slide27.xml><?xml version="1.0" encoding="utf-8"?>
 <p:sld xmlns:a="http://schemas.openxmlformats.org/drawingml/2006/main" xmlns:r="http://schemas.openxmlformats.org/officeDocument/2006/relationships" xmlns:p="http://schemas.openxmlformats.org/presentationml/2006/main">
   <p:cSld>
     <p:spTree>
@@ -23334,7 +26720,7 @@
 </p:sld>
 </file>
 
-<file path=ppt/slides/slide27.xml><?xml version="1.0" encoding="utf-8"?>
+<file path=ppt/slides/slide28.xml><?xml version="1.0" encoding="utf-8"?>
 <p:sld xmlns:a="http://schemas.openxmlformats.org/drawingml/2006/main" xmlns:r="http://schemas.openxmlformats.org/officeDocument/2006/relationships" xmlns:p="http://schemas.openxmlformats.org/presentationml/2006/main">
   <p:cSld>
     <p:spTree>
@@ -24443,7 +27829,7 @@
 </p:sld>
 </file>
 
-<file path=ppt/slides/slide28.xml><?xml version="1.0" encoding="utf-8"?>
+<file path=ppt/slides/slide29.xml><?xml version="1.0" encoding="utf-8"?>
 <p:sld xmlns:a="http://schemas.openxmlformats.org/drawingml/2006/main" xmlns:r="http://schemas.openxmlformats.org/officeDocument/2006/relationships" xmlns:p="http://schemas.openxmlformats.org/presentationml/2006/main">
   <p:cSld>
     <p:spTree>
@@ -26067,7 +29453,998 @@
 </p:sld>
 </file>
 
-<file path=ppt/slides/slide29.xml><?xml version="1.0" encoding="utf-8"?>
+<file path=ppt/slides/slide3.xml><?xml version="1.0" encoding="utf-8"?>
+<p:sld xmlns:a="http://schemas.openxmlformats.org/drawingml/2006/main" xmlns:r="http://schemas.openxmlformats.org/officeDocument/2006/relationships" xmlns:p="http://schemas.openxmlformats.org/presentationml/2006/main">
+  <p:cSld>
+    <p:spTree>
+      <p:nvGrpSpPr>
+        <p:cNvPr id="1" name=""/>
+        <p:cNvGrpSpPr/>
+        <p:nvPr/>
+      </p:nvGrpSpPr>
+      <p:grpSpPr>
+        <a:xfrm>
+          <a:off x="0" y="0"/>
+          <a:ext cx="0" cy="0"/>
+          <a:chOff x="0" y="0"/>
+          <a:chExt cx="0" cy="0"/>
+        </a:xfrm>
+      </p:grpSpPr>
+      <p:sp>
+        <p:nvSpPr>
+          <p:cNvPr id="2" name="Title 1">
+            <a:extLst>
+              <a:ext uri="{FF2B5EF4-FFF2-40B4-BE49-F238E27FC236}">
+                <a16:creationId xmlns:a16="http://schemas.microsoft.com/office/drawing/2014/main" id="{AFA20F19-C8FD-DDEA-BCA6-8C1F8460F61E}"/>
+              </a:ext>
+            </a:extLst>
+          </p:cNvPr>
+          <p:cNvSpPr>
+            <a:spLocks noGrp="1"/>
+          </p:cNvSpPr>
+          <p:nvPr>
+            <p:ph type="title"/>
+          </p:nvPr>
+        </p:nvSpPr>
+        <p:spPr/>
+        <p:txBody>
+          <a:bodyPr/>
+          <a:lstStyle/>
+          <a:p>
+            <a:r>
+              <a:rPr lang="da-DK" dirty="0">
+                <a:latin typeface="Courier"/>
+              </a:rPr>
+              <a:t>sum(…)</a:t>
+            </a:r>
+          </a:p>
+        </p:txBody>
+      </p:sp>
+      <p:graphicFrame>
+        <p:nvGraphicFramePr>
+          <p:cNvPr id="4" name="Table 3">
+            <a:extLst>
+              <a:ext uri="{FF2B5EF4-FFF2-40B4-BE49-F238E27FC236}">
+                <a16:creationId xmlns:a16="http://schemas.microsoft.com/office/drawing/2014/main" id="{BB38F82D-7DDE-BF97-A17E-6B6FF8E2C388}"/>
+              </a:ext>
+            </a:extLst>
+          </p:cNvPr>
+          <p:cNvGraphicFramePr>
+            <a:graphicFrameLocks noGrp="1"/>
+          </p:cNvGraphicFramePr>
+          <p:nvPr>
+            <p:extLst>
+              <p:ext uri="{D42A27DB-BD31-4B8C-83A1-F6EECF244321}">
+                <p14:modId xmlns:p14="http://schemas.microsoft.com/office/powerpoint/2010/main" val="1111339607"/>
+              </p:ext>
+            </p:extLst>
+          </p:nvPr>
+        </p:nvGraphicFramePr>
+        <p:xfrm>
+          <a:off x="674414" y="1690688"/>
+          <a:ext cx="11235055" cy="4988404"/>
+        </p:xfrm>
+        <a:graphic>
+          <a:graphicData uri="http://schemas.openxmlformats.org/drawingml/2006/table">
+            <a:tbl>
+              <a:tblPr firstRow="1" bandRow="1">
+                <a:tableStyleId>{5C22544A-7EE6-4342-B048-85BDC9FD1C3A}</a:tableStyleId>
+              </a:tblPr>
+              <a:tblGrid>
+                <a:gridCol w="11235055">
+                  <a:extLst>
+                    <a:ext uri="{9D8B030D-6E8A-4147-A177-3AD203B41FA5}">
+                      <a16:colId xmlns:a16="http://schemas.microsoft.com/office/drawing/2014/main" val="1873682825"/>
+                    </a:ext>
+                  </a:extLst>
+                </a:gridCol>
+              </a:tblGrid>
+              <a:tr h="507844">
+                <a:tc>
+                  <a:txBody>
+                    <a:bodyPr/>
+                    <a:lstStyle/>
+                    <a:p>
+                      <a:r>
+                        <a:rPr lang="da-DK" sz="1800" b="1" dirty="0" err="1">
+                          <a:latin typeface="Courier New" panose="02070309020205020404" pitchFamily="49" charset="0"/>
+                          <a:cs typeface="Courier New" panose="02070309020205020404" pitchFamily="49" charset="0"/>
+                        </a:rPr>
+                        <a:t>Python</a:t>
+                      </a:r>
+                      <a:r>
+                        <a:rPr lang="da-DK" sz="1800" b="1" dirty="0">
+                          <a:latin typeface="Courier New" panose="02070309020205020404" pitchFamily="49" charset="0"/>
+                          <a:cs typeface="Courier New" panose="02070309020205020404" pitchFamily="49" charset="0"/>
+                        </a:rPr>
+                        <a:t> </a:t>
+                      </a:r>
+                      <a:r>
+                        <a:rPr lang="da-DK" sz="1800" b="1" dirty="0" err="1">
+                          <a:latin typeface="Courier New" panose="02070309020205020404" pitchFamily="49" charset="0"/>
+                          <a:cs typeface="Courier New" panose="02070309020205020404" pitchFamily="49" charset="0"/>
+                        </a:rPr>
+                        <a:t>shell</a:t>
+                      </a:r>
+                      <a:endParaRPr lang="da-DK" sz="1800" b="1" dirty="0">
+                        <a:latin typeface="Courier New" panose="02070309020205020404" pitchFamily="49" charset="0"/>
+                        <a:cs typeface="Courier New" panose="02070309020205020404" pitchFamily="49" charset="0"/>
+                      </a:endParaRPr>
+                    </a:p>
+                  </a:txBody>
+                  <a:tcPr anchor="ctr">
+                    <a:lnL w="6350" cap="flat" cmpd="sng" algn="ctr">
+                      <a:solidFill>
+                        <a:schemeClr val="tx1"/>
+                      </a:solidFill>
+                      <a:prstDash val="solid"/>
+                      <a:round/>
+                      <a:headEnd type="none" w="med" len="med"/>
+                      <a:tailEnd type="none" w="med" len="med"/>
+                    </a:lnL>
+                    <a:lnR w="6350" cap="flat" cmpd="sng" algn="ctr">
+                      <a:solidFill>
+                        <a:schemeClr val="tx1"/>
+                      </a:solidFill>
+                      <a:prstDash val="solid"/>
+                      <a:round/>
+                      <a:headEnd type="none" w="med" len="med"/>
+                      <a:tailEnd type="none" w="med" len="med"/>
+                    </a:lnR>
+                    <a:lnT w="6350" cap="flat" cmpd="sng" algn="ctr">
+                      <a:solidFill>
+                        <a:schemeClr val="tx1"/>
+                      </a:solidFill>
+                      <a:prstDash val="solid"/>
+                      <a:round/>
+                      <a:headEnd type="none" w="med" len="med"/>
+                      <a:tailEnd type="none" w="med" len="med"/>
+                    </a:lnT>
+                    <a:lnB w="6350" cap="flat" cmpd="sng" algn="ctr">
+                      <a:solidFill>
+                        <a:schemeClr val="tx1"/>
+                      </a:solidFill>
+                      <a:prstDash val="solid"/>
+                      <a:round/>
+                      <a:headEnd type="none" w="med" len="med"/>
+                      <a:tailEnd type="none" w="med" len="med"/>
+                    </a:lnB>
+                    <a:lnTlToBr w="12700" cmpd="sng">
+                      <a:noFill/>
+                      <a:prstDash val="solid"/>
+                    </a:lnTlToBr>
+                    <a:lnBlToTr w="12700" cmpd="sng">
+                      <a:noFill/>
+                      <a:prstDash val="solid"/>
+                    </a:lnBlToTr>
+                    <a:solidFill>
+                      <a:srgbClr val="C00000"/>
+                    </a:solidFill>
+                  </a:tcPr>
+                </a:tc>
+                <a:extLst>
+                  <a:ext uri="{0D108BD9-81ED-4DB2-BD59-A6C34878D82A}">
+                    <a16:rowId xmlns:a16="http://schemas.microsoft.com/office/drawing/2014/main" val="3330819881"/>
+                  </a:ext>
+                </a:extLst>
+              </a:tr>
+              <a:tr h="3813735">
+                <a:tc>
+                  <a:txBody>
+                    <a:bodyPr/>
+                    <a:lstStyle/>
+                    <a:p>
+                      <a:pPr marL="266700" indent="-266700">
+                        <a:buClr>
+                          <a:srgbClr val="C00000"/>
+                        </a:buClr>
+                        <a:buSzPct val="100000"/>
+                        <a:buFont typeface="Courier New" panose="02070309020205020404" pitchFamily="49" charset="0"/>
+                        <a:buChar char="&gt;"/>
+                      </a:pPr>
+                      <a:r>
+                        <a:rPr lang="pt-BR" sz="1800" b="1" baseline="0" dirty="0">
+                          <a:latin typeface="Courier New" panose="02070309020205020404" pitchFamily="49" charset="0"/>
+                          <a:cs typeface="Courier New" panose="02070309020205020404" pitchFamily="49" charset="0"/>
+                        </a:rPr>
+                        <a:t>1 - 1/3 - 1 + 1/3  </a:t>
+                      </a:r>
+                      <a:r>
+                        <a:rPr lang="pt-BR" sz="1800" b="1" baseline="0" dirty="0">
+                          <a:solidFill>
+                            <a:schemeClr val="bg1">
+                              <a:lumMod val="50000"/>
+                            </a:schemeClr>
+                          </a:solidFill>
+                          <a:latin typeface="Courier New" panose="02070309020205020404" pitchFamily="49" charset="0"/>
+                          <a:cs typeface="Courier New" panose="02070309020205020404" pitchFamily="49" charset="0"/>
+                        </a:rPr>
+                        <a:t># mathematically should be zero</a:t>
+                      </a:r>
+                    </a:p>
+                    <a:p>
+                      <a:pPr marL="266700" indent="-266700">
+                        <a:buClr>
+                          <a:schemeClr val="accent1">
+                            <a:lumMod val="50000"/>
+                          </a:schemeClr>
+                        </a:buClr>
+                        <a:buSzPct val="120000"/>
+                        <a:buFont typeface="Courier New" panose="02070309020205020404" pitchFamily="49" charset="0"/>
+                        <a:buChar char="|"/>
+                      </a:pPr>
+                      <a:r>
+                        <a:rPr lang="pt-BR" sz="1800" b="1" baseline="0" dirty="0">
+                          <a:latin typeface="Courier New" panose="02070309020205020404" pitchFamily="49" charset="0"/>
+                          <a:cs typeface="Courier New" panose="02070309020205020404" pitchFamily="49" charset="0"/>
+                        </a:rPr>
+                        <a:t>5.551115123125783e-17  </a:t>
+                      </a:r>
+                      <a:r>
+                        <a:rPr lang="pt-BR" sz="1800" b="1" baseline="0" dirty="0">
+                          <a:solidFill>
+                            <a:schemeClr val="bg1">
+                              <a:lumMod val="50000"/>
+                            </a:schemeClr>
+                          </a:solidFill>
+                          <a:latin typeface="Courier New" panose="02070309020205020404" pitchFamily="49" charset="0"/>
+                          <a:cs typeface="Courier New" panose="02070309020205020404" pitchFamily="49" charset="0"/>
+                        </a:rPr>
+                        <a:t># but floats are imprecise</a:t>
+                      </a:r>
+                    </a:p>
+                    <a:p>
+                      <a:pPr marL="266700" indent="-266700">
+                        <a:buClr>
+                          <a:srgbClr val="C00000"/>
+                        </a:buClr>
+                        <a:buSzPct val="100000"/>
+                        <a:buFont typeface="Courier New" panose="02070309020205020404" pitchFamily="49" charset="0"/>
+                        <a:buChar char="&gt;"/>
+                      </a:pPr>
+                      <a:r>
+                        <a:rPr lang="pt-BR" sz="1800" b="1" baseline="0" dirty="0">
+                          <a:latin typeface="Courier New" panose="02070309020205020404" pitchFamily="49" charset="0"/>
+                          <a:cs typeface="Courier New" panose="02070309020205020404" pitchFamily="49" charset="0"/>
+                        </a:rPr>
+                        <a:t>L = [1, -1/3, -1, 1/3] </a:t>
+                      </a:r>
+                    </a:p>
+                    <a:p>
+                      <a:pPr marL="266700" indent="-266700">
+                        <a:buClr>
+                          <a:srgbClr val="C00000"/>
+                        </a:buClr>
+                        <a:buSzPct val="100000"/>
+                        <a:buFont typeface="Courier New" panose="02070309020205020404" pitchFamily="49" charset="0"/>
+                        <a:buChar char="&gt;"/>
+                      </a:pPr>
+                      <a:r>
+                        <a:rPr lang="pt-BR" sz="1800" b="1" baseline="0" dirty="0">
+                          <a:latin typeface="Courier New" panose="02070309020205020404" pitchFamily="49" charset="0"/>
+                          <a:cs typeface="Courier New" panose="02070309020205020404" pitchFamily="49" charset="0"/>
+                        </a:rPr>
+                        <a:t>L</a:t>
+                      </a:r>
+                    </a:p>
+                    <a:p>
+                      <a:pPr marL="266700" indent="-266700">
+                        <a:buClr>
+                          <a:schemeClr val="accent1">
+                            <a:lumMod val="50000"/>
+                          </a:schemeClr>
+                        </a:buClr>
+                        <a:buSzPct val="120000"/>
+                        <a:buFont typeface="Courier New" panose="02070309020205020404" pitchFamily="49" charset="0"/>
+                        <a:buChar char="|"/>
+                      </a:pPr>
+                      <a:r>
+                        <a:rPr lang="pt-BR" sz="1800" b="1" baseline="0" dirty="0">
+                          <a:latin typeface="Courier New" panose="02070309020205020404" pitchFamily="49" charset="0"/>
+                          <a:cs typeface="Courier New" panose="02070309020205020404" pitchFamily="49" charset="0"/>
+                        </a:rPr>
+                        <a:t>[1, -0.3333333333333333, -1, 0.3333333333333333]  </a:t>
+                      </a:r>
+                      <a:r>
+                        <a:rPr lang="pt-BR" sz="1800" b="1" baseline="0" dirty="0">
+                          <a:solidFill>
+                            <a:schemeClr val="bg1">
+                              <a:lumMod val="50000"/>
+                            </a:schemeClr>
+                          </a:solidFill>
+                          <a:latin typeface="Courier New" panose="02070309020205020404" pitchFamily="49" charset="0"/>
+                          <a:cs typeface="Courier New" panose="02070309020205020404" pitchFamily="49" charset="0"/>
+                        </a:rPr>
+                        <a:t># mix of int and float</a:t>
+                      </a:r>
+                    </a:p>
+                    <a:p>
+                      <a:pPr marL="266700" indent="-266700">
+                        <a:buClr>
+                          <a:srgbClr val="C00000"/>
+                        </a:buClr>
+                        <a:buSzPct val="100000"/>
+                        <a:buFont typeface="Courier New" panose="02070309020205020404" pitchFamily="49" charset="0"/>
+                        <a:buChar char="&gt;"/>
+                      </a:pPr>
+                      <a:r>
+                        <a:rPr lang="pt-BR" sz="1800" b="1" baseline="0" dirty="0">
+                          <a:solidFill>
+                            <a:srgbClr val="C00000"/>
+                          </a:solidFill>
+                          <a:latin typeface="Courier New" panose="02070309020205020404" pitchFamily="49" charset="0"/>
+                          <a:cs typeface="Courier New" panose="02070309020205020404" pitchFamily="49" charset="0"/>
+                        </a:rPr>
+                        <a:t>sum</a:t>
+                      </a:r>
+                      <a:r>
+                        <a:rPr lang="pt-BR" sz="1800" b="1" baseline="0" dirty="0">
+                          <a:latin typeface="Courier New" panose="02070309020205020404" pitchFamily="49" charset="0"/>
+                          <a:cs typeface="Courier New" panose="02070309020205020404" pitchFamily="49" charset="0"/>
+                        </a:rPr>
+                        <a:t>(L)</a:t>
+                      </a:r>
+                    </a:p>
+                    <a:p>
+                      <a:pPr marL="266700" indent="-266700">
+                        <a:buClr>
+                          <a:schemeClr val="accent1">
+                            <a:lumMod val="50000"/>
+                          </a:schemeClr>
+                        </a:buClr>
+                        <a:buSzPct val="120000"/>
+                        <a:buFont typeface="Courier New" panose="02070309020205020404" pitchFamily="49" charset="0"/>
+                        <a:buChar char="|"/>
+                      </a:pPr>
+                      <a:r>
+                        <a:rPr lang="pt-BR" sz="1800" b="1" baseline="0" dirty="0">
+                          <a:latin typeface="Courier New" panose="02070309020205020404" pitchFamily="49" charset="0"/>
+                          <a:cs typeface="Courier New" panose="02070309020205020404" pitchFamily="49" charset="0"/>
+                        </a:rPr>
+                        <a:t>5.551115123125783e-17</a:t>
+                      </a:r>
+                    </a:p>
+                    <a:p>
+                      <a:pPr marL="266700" indent="-266700">
+                        <a:buClr>
+                          <a:srgbClr val="C00000"/>
+                        </a:buClr>
+                        <a:buSzPct val="100000"/>
+                        <a:buFont typeface="Courier New" panose="02070309020205020404" pitchFamily="49" charset="0"/>
+                        <a:buChar char="&gt;"/>
+                      </a:pPr>
+                      <a:r>
+                        <a:rPr lang="pt-BR" sz="1800" b="1" baseline="0" dirty="0">
+                          <a:solidFill>
+                            <a:srgbClr val="C00000"/>
+                          </a:solidFill>
+                          <a:latin typeface="Courier New" panose="02070309020205020404" pitchFamily="49" charset="0"/>
+                          <a:cs typeface="Courier New" panose="02070309020205020404" pitchFamily="49" charset="0"/>
+                        </a:rPr>
+                        <a:t>sum</a:t>
+                      </a:r>
+                      <a:r>
+                        <a:rPr lang="pt-BR" sz="1800" b="1" baseline="0" dirty="0">
+                          <a:latin typeface="Courier New" panose="02070309020205020404" pitchFamily="49" charset="0"/>
+                          <a:cs typeface="Courier New" panose="02070309020205020404" pitchFamily="49" charset="0"/>
+                        </a:rPr>
+                        <a:t>([1.0, -1/3, -1.0, 1/3])  </a:t>
+                      </a:r>
+                      <a:r>
+                        <a:rPr lang="pt-BR" sz="1800" b="1" baseline="0" dirty="0">
+                          <a:solidFill>
+                            <a:schemeClr val="bg1">
+                              <a:lumMod val="50000"/>
+                            </a:schemeClr>
+                          </a:solidFill>
+                          <a:latin typeface="Courier New" panose="02070309020205020404" pitchFamily="49" charset="0"/>
+                          <a:cs typeface="Courier New" panose="02070309020205020404" pitchFamily="49" charset="0"/>
+                        </a:rPr>
+                        <a:t># all floats</a:t>
+                      </a:r>
+                    </a:p>
+                    <a:p>
+                      <a:pPr marL="266700" indent="-266700">
+                        <a:buClr>
+                          <a:schemeClr val="accent1">
+                            <a:lumMod val="50000"/>
+                          </a:schemeClr>
+                        </a:buClr>
+                        <a:buSzPct val="120000"/>
+                        <a:buFont typeface="Courier New" panose="02070309020205020404" pitchFamily="49" charset="0"/>
+                        <a:buChar char="|"/>
+                      </a:pPr>
+                      <a:r>
+                        <a:rPr lang="pt-BR" sz="1800" b="1" baseline="0" dirty="0">
+                          <a:latin typeface="Courier New" panose="02070309020205020404" pitchFamily="49" charset="0"/>
+                          <a:cs typeface="Courier New" panose="02070309020205020404" pitchFamily="49" charset="0"/>
+                        </a:rPr>
+                        <a:t>5.551115123125783e-17  </a:t>
+                      </a:r>
+                      <a:r>
+                        <a:rPr lang="pt-BR" sz="1800" b="1" baseline="0" dirty="0">
+                          <a:solidFill>
+                            <a:schemeClr val="bg1">
+                              <a:lumMod val="50000"/>
+                            </a:schemeClr>
+                          </a:solidFill>
+                          <a:latin typeface="Courier New" panose="02070309020205020404" pitchFamily="49" charset="0"/>
+                          <a:cs typeface="Courier New" panose="02070309020205020404" pitchFamily="49" charset="0"/>
+                        </a:rPr>
+                        <a:t># </a:t>
+                      </a:r>
+                      <a:r>
+                        <a:rPr lang="pt-BR" sz="1800" b="1" baseline="0" dirty="0">
+                          <a:solidFill>
+                            <a:srgbClr val="0070C0"/>
+                          </a:solidFill>
+                          <a:latin typeface="Courier New" panose="02070309020205020404" pitchFamily="49" charset="0"/>
+                          <a:cs typeface="Courier New" panose="02070309020205020404" pitchFamily="49" charset="0"/>
+                        </a:rPr>
+                        <a:t>Python 3.11</a:t>
+                      </a:r>
+                    </a:p>
+                    <a:p>
+                      <a:pPr marL="266700" indent="-266700">
+                        <a:buClr>
+                          <a:srgbClr val="C00000"/>
+                        </a:buClr>
+                        <a:buSzPct val="100000"/>
+                        <a:buFont typeface="Courier New" panose="02070309020205020404" pitchFamily="49" charset="0"/>
+                        <a:buChar char="&gt;"/>
+                      </a:pPr>
+                      <a:r>
+                        <a:rPr lang="pt-BR" sz="1800" b="1" baseline="0" dirty="0">
+                          <a:solidFill>
+                            <a:srgbClr val="C00000"/>
+                          </a:solidFill>
+                          <a:latin typeface="Courier New" panose="02070309020205020404" pitchFamily="49" charset="0"/>
+                          <a:cs typeface="Courier New" panose="02070309020205020404" pitchFamily="49" charset="0"/>
+                        </a:rPr>
+                        <a:t>sum</a:t>
+                      </a:r>
+                      <a:r>
+                        <a:rPr lang="pt-BR" sz="1800" b="1" baseline="0" dirty="0">
+                          <a:latin typeface="Courier New" panose="02070309020205020404" pitchFamily="49" charset="0"/>
+                          <a:cs typeface="Courier New" panose="02070309020205020404" pitchFamily="49" charset="0"/>
+                        </a:rPr>
+                        <a:t>([1.0, -1/3, -1.0, 1/3])</a:t>
+                      </a:r>
+                    </a:p>
+                    <a:p>
+                      <a:pPr marL="266700" indent="-266700">
+                        <a:buClr>
+                          <a:schemeClr val="accent1">
+                            <a:lumMod val="50000"/>
+                          </a:schemeClr>
+                        </a:buClr>
+                        <a:buSzPct val="120000"/>
+                        <a:buFont typeface="Courier New" panose="02070309020205020404" pitchFamily="49" charset="0"/>
+                        <a:buChar char="|"/>
+                      </a:pPr>
+                      <a:r>
+                        <a:rPr lang="pt-BR" sz="1800" b="1" baseline="0" dirty="0">
+                          <a:latin typeface="Courier New" panose="02070309020205020404" pitchFamily="49" charset="0"/>
+                          <a:cs typeface="Courier New" panose="02070309020205020404" pitchFamily="49" charset="0"/>
+                        </a:rPr>
+                        <a:t>0.0  </a:t>
+                      </a:r>
+                      <a:r>
+                        <a:rPr lang="pt-BR" sz="1800" b="1" baseline="0" dirty="0">
+                          <a:solidFill>
+                            <a:schemeClr val="bg1">
+                              <a:lumMod val="50000"/>
+                            </a:schemeClr>
+                          </a:solidFill>
+                          <a:latin typeface="Courier New" panose="02070309020205020404" pitchFamily="49" charset="0"/>
+                          <a:cs typeface="Courier New" panose="02070309020205020404" pitchFamily="49" charset="0"/>
+                        </a:rPr>
+                        <a:t># </a:t>
+                      </a:r>
+                      <a:r>
+                        <a:rPr lang="pt-BR" sz="1800" b="1" baseline="0" dirty="0">
+                          <a:solidFill>
+                            <a:srgbClr val="0070C0"/>
+                          </a:solidFill>
+                          <a:latin typeface="Courier New" panose="02070309020205020404" pitchFamily="49" charset="0"/>
+                          <a:cs typeface="Courier New" panose="02070309020205020404" pitchFamily="49" charset="0"/>
+                        </a:rPr>
+                        <a:t>Python 3.12 </a:t>
+                      </a:r>
+                      <a:r>
+                        <a:rPr lang="en-US" sz="1800" b="1" baseline="0" dirty="0">
+                          <a:solidFill>
+                            <a:schemeClr val="bg1">
+                              <a:lumMod val="50000"/>
+                            </a:schemeClr>
+                          </a:solidFill>
+                          <a:latin typeface="Courier New" panose="02070309020205020404" pitchFamily="49" charset="0"/>
+                          <a:cs typeface="Courier New" panose="02070309020205020404" pitchFamily="49" charset="0"/>
+                        </a:rPr>
+                        <a:t>uses "</a:t>
+                      </a:r>
+                      <a:r>
+                        <a:rPr lang="en-US" sz="1800" b="1" baseline="0" dirty="0" err="1">
+                          <a:solidFill>
+                            <a:schemeClr val="bg1">
+                              <a:lumMod val="50000"/>
+                            </a:schemeClr>
+                          </a:solidFill>
+                          <a:latin typeface="Courier New" panose="02070309020205020404" pitchFamily="49" charset="0"/>
+                          <a:cs typeface="Courier New" panose="02070309020205020404" pitchFamily="49" charset="0"/>
+                          <a:hlinkClick r:id="rId3"/>
+                        </a:rPr>
+                        <a:t>Neumaier</a:t>
+                      </a:r>
+                      <a:r>
+                        <a:rPr lang="en-US" sz="1800" b="1" baseline="0" dirty="0">
+                          <a:solidFill>
+                            <a:schemeClr val="bg1">
+                              <a:lumMod val="50000"/>
+                            </a:schemeClr>
+                          </a:solidFill>
+                          <a:latin typeface="Courier New" panose="02070309020205020404" pitchFamily="49" charset="0"/>
+                          <a:cs typeface="Courier New" panose="02070309020205020404" pitchFamily="49" charset="0"/>
+                          <a:hlinkClick r:id="rId3"/>
+                        </a:rPr>
+                        <a:t> summation</a:t>
+                      </a:r>
+                      <a:r>
+                        <a:rPr lang="en-US" sz="1800" b="1" baseline="0" dirty="0">
+                          <a:solidFill>
+                            <a:schemeClr val="bg1">
+                              <a:lumMod val="50000"/>
+                            </a:schemeClr>
+                          </a:solidFill>
+                          <a:latin typeface="Courier New" panose="02070309020205020404" pitchFamily="49" charset="0"/>
+                          <a:cs typeface="Courier New" panose="02070309020205020404" pitchFamily="49" charset="0"/>
+                        </a:rPr>
+                        <a:t>" to improve accuracy for floats</a:t>
+                      </a:r>
+                      <a:endParaRPr lang="pt-BR" sz="1800" b="1" baseline="0" dirty="0">
+                        <a:solidFill>
+                          <a:schemeClr val="bg1">
+                            <a:lumMod val="50000"/>
+                          </a:schemeClr>
+                        </a:solidFill>
+                        <a:latin typeface="Courier New" panose="02070309020205020404" pitchFamily="49" charset="0"/>
+                        <a:cs typeface="Courier New" panose="02070309020205020404" pitchFamily="49" charset="0"/>
+                      </a:endParaRPr>
+                    </a:p>
+                    <a:p>
+                      <a:pPr marL="266700" indent="-266700">
+                        <a:buClr>
+                          <a:srgbClr val="C00000"/>
+                        </a:buClr>
+                        <a:buSzPct val="100000"/>
+                        <a:buFont typeface="Courier New" panose="02070309020205020404" pitchFamily="49" charset="0"/>
+                        <a:buChar char="&gt;"/>
+                      </a:pPr>
+                      <a:r>
+                        <a:rPr lang="pt-BR" sz="1800" b="1" baseline="0" dirty="0">
+                          <a:solidFill>
+                            <a:srgbClr val="C00000"/>
+                          </a:solidFill>
+                          <a:latin typeface="Courier New" panose="02070309020205020404" pitchFamily="49" charset="0"/>
+                          <a:cs typeface="Courier New" panose="02070309020205020404" pitchFamily="49" charset="0"/>
+                        </a:rPr>
+                        <a:t>sum</a:t>
+                      </a:r>
+                      <a:r>
+                        <a:rPr lang="pt-BR" sz="1800" b="1" baseline="0" dirty="0">
+                          <a:latin typeface="Courier New" panose="02070309020205020404" pitchFamily="49" charset="0"/>
+                          <a:cs typeface="Courier New" panose="02070309020205020404" pitchFamily="49" charset="0"/>
+                        </a:rPr>
+                        <a:t>([1, -1/3, -1, 1/3])</a:t>
+                      </a:r>
+                    </a:p>
+                    <a:p>
+                      <a:pPr marL="266700" indent="-266700">
+                        <a:buClr>
+                          <a:schemeClr val="accent1">
+                            <a:lumMod val="50000"/>
+                          </a:schemeClr>
+                        </a:buClr>
+                        <a:buSzPct val="120000"/>
+                        <a:buFont typeface="Courier New" panose="02070309020205020404" pitchFamily="49" charset="0"/>
+                        <a:buChar char="|"/>
+                      </a:pPr>
+                      <a:r>
+                        <a:rPr lang="pt-BR" sz="1800" b="1" baseline="0" dirty="0">
+                          <a:latin typeface="Courier New" panose="02070309020205020404" pitchFamily="49" charset="0"/>
+                          <a:cs typeface="Courier New" panose="02070309020205020404" pitchFamily="49" charset="0"/>
+                        </a:rPr>
+                        <a:t>5.551115123125783e-17  </a:t>
+                      </a:r>
+                      <a:r>
+                        <a:rPr lang="pt-BR" sz="1800" b="1" baseline="0" dirty="0">
+                          <a:solidFill>
+                            <a:schemeClr val="bg1">
+                              <a:lumMod val="50000"/>
+                            </a:schemeClr>
+                          </a:solidFill>
+                          <a:latin typeface="Courier New" panose="02070309020205020404" pitchFamily="49" charset="0"/>
+                          <a:cs typeface="Courier New" panose="02070309020205020404" pitchFamily="49" charset="0"/>
+                        </a:rPr>
+                        <a:t># </a:t>
+                      </a:r>
+                      <a:r>
+                        <a:rPr lang="pt-BR" sz="1800" b="1" baseline="0" dirty="0">
+                          <a:solidFill>
+                            <a:srgbClr val="0070C0"/>
+                          </a:solidFill>
+                          <a:latin typeface="Courier New" panose="02070309020205020404" pitchFamily="49" charset="0"/>
+                          <a:cs typeface="Courier New" panose="02070309020205020404" pitchFamily="49" charset="0"/>
+                        </a:rPr>
+                        <a:t>Python 3.12</a:t>
+                      </a:r>
+                      <a:r>
+                        <a:rPr lang="pt-BR" sz="1800" b="1" baseline="0" dirty="0">
+                          <a:solidFill>
+                            <a:schemeClr val="bg1">
+                              <a:lumMod val="50000"/>
+                            </a:schemeClr>
+                          </a:solidFill>
+                          <a:latin typeface="Courier New" panose="02070309020205020404" pitchFamily="49" charset="0"/>
+                          <a:cs typeface="Courier New" panose="02070309020205020404" pitchFamily="49" charset="0"/>
+                        </a:rPr>
+                        <a:t> looses accuracy when mixing int and float</a:t>
+                      </a:r>
+                    </a:p>
+                    <a:p>
+                      <a:pPr marL="266700" indent="-266700">
+                        <a:buClr>
+                          <a:srgbClr val="C00000"/>
+                        </a:buClr>
+                        <a:buSzPct val="100000"/>
+                        <a:buFont typeface="Courier New" panose="02070309020205020404" pitchFamily="49" charset="0"/>
+                        <a:buChar char="&gt;"/>
+                      </a:pPr>
+                      <a:r>
+                        <a:rPr lang="pt-BR" sz="1800" b="1" baseline="0" dirty="0">
+                          <a:latin typeface="Courier New" panose="02070309020205020404" pitchFamily="49" charset="0"/>
+                          <a:cs typeface="Courier New" panose="02070309020205020404" pitchFamily="49" charset="0"/>
+                        </a:rPr>
+                        <a:t>import math</a:t>
+                      </a:r>
+                    </a:p>
+                    <a:p>
+                      <a:pPr marL="266700" marR="0" lvl="0" indent="-266700" algn="l" defTabSz="914400" rtl="0" eaLnBrk="1" fontAlgn="auto" latinLnBrk="0" hangingPunct="1">
+                        <a:lnSpc>
+                          <a:spcPct val="100000"/>
+                        </a:lnSpc>
+                        <a:spcBef>
+                          <a:spcPts val="0"/>
+                        </a:spcBef>
+                        <a:spcAft>
+                          <a:spcPts val="0"/>
+                        </a:spcAft>
+                        <a:buClr>
+                          <a:srgbClr val="C00000"/>
+                        </a:buClr>
+                        <a:buSzPct val="100000"/>
+                        <a:buFont typeface="Courier New" panose="02070309020205020404" pitchFamily="49" charset="0"/>
+                        <a:buChar char="&gt;"/>
+                        <a:tabLst/>
+                        <a:defRPr/>
+                      </a:pPr>
+                      <a:r>
+                        <a:rPr lang="pt-BR" sz="1800" b="1" baseline="0" dirty="0">
+                          <a:solidFill>
+                            <a:srgbClr val="C00000"/>
+                          </a:solidFill>
+                          <a:latin typeface="Courier New" panose="02070309020205020404" pitchFamily="49" charset="0"/>
+                          <a:cs typeface="Courier New" panose="02070309020205020404" pitchFamily="49" charset="0"/>
+                        </a:rPr>
+                        <a:t>math.fsum</a:t>
+                      </a:r>
+                      <a:r>
+                        <a:rPr lang="pt-BR" sz="1800" b="1" baseline="0" dirty="0">
+                          <a:latin typeface="Courier New" panose="02070309020205020404" pitchFamily="49" charset="0"/>
+                          <a:cs typeface="Courier New" panose="02070309020205020404" pitchFamily="49" charset="0"/>
+                        </a:rPr>
+                        <a:t>([1, -1/3, -1, 1/3])</a:t>
+                      </a:r>
+                      <a:r>
+                        <a:rPr lang="pt-BR" sz="1800" b="1" baseline="0" dirty="0">
+                          <a:solidFill>
+                            <a:schemeClr val="bg1">
+                              <a:lumMod val="50000"/>
+                            </a:schemeClr>
+                          </a:solidFill>
+                          <a:latin typeface="Courier New" panose="02070309020205020404" pitchFamily="49" charset="0"/>
+                          <a:cs typeface="Courier New" panose="02070309020205020404" pitchFamily="49" charset="0"/>
+                        </a:rPr>
+                        <a:t>  # math.fsum more accurate float sums</a:t>
+                      </a:r>
+                      <a:endParaRPr lang="pt-BR" sz="1800" b="1" baseline="0" dirty="0">
+                        <a:latin typeface="Courier New" panose="02070309020205020404" pitchFamily="49" charset="0"/>
+                        <a:cs typeface="Courier New" panose="02070309020205020404" pitchFamily="49" charset="0"/>
+                      </a:endParaRPr>
+                    </a:p>
+                    <a:p>
+                      <a:pPr marL="266700" indent="-266700">
+                        <a:buClr>
+                          <a:schemeClr val="accent1">
+                            <a:lumMod val="50000"/>
+                          </a:schemeClr>
+                        </a:buClr>
+                        <a:buSzPct val="120000"/>
+                        <a:buFont typeface="Courier New" panose="02070309020205020404" pitchFamily="49" charset="0"/>
+                        <a:buChar char="|"/>
+                      </a:pPr>
+                      <a:r>
+                        <a:rPr lang="pt-BR" sz="1800" b="1" baseline="0" dirty="0">
+                          <a:latin typeface="Courier New" panose="02070309020205020404" pitchFamily="49" charset="0"/>
+                          <a:cs typeface="Courier New" panose="02070309020205020404" pitchFamily="49" charset="0"/>
+                        </a:rPr>
+                        <a:t>0.0</a:t>
+                      </a:r>
+                      <a:endParaRPr lang="pt-BR" sz="1800" b="1" baseline="0" dirty="0">
+                        <a:solidFill>
+                          <a:schemeClr val="bg1">
+                            <a:lumMod val="50000"/>
+                          </a:schemeClr>
+                        </a:solidFill>
+                        <a:latin typeface="Courier New" panose="02070309020205020404" pitchFamily="49" charset="0"/>
+                        <a:cs typeface="Courier New" panose="02070309020205020404" pitchFamily="49" charset="0"/>
+                      </a:endParaRPr>
+                    </a:p>
+                  </a:txBody>
+                  <a:tcPr>
+                    <a:lnL w="6350" cap="flat" cmpd="sng" algn="ctr">
+                      <a:solidFill>
+                        <a:schemeClr val="tx1"/>
+                      </a:solidFill>
+                      <a:prstDash val="solid"/>
+                      <a:round/>
+                      <a:headEnd type="none" w="med" len="med"/>
+                      <a:tailEnd type="none" w="med" len="med"/>
+                    </a:lnL>
+                    <a:lnR w="6350" cap="flat" cmpd="sng" algn="ctr">
+                      <a:solidFill>
+                        <a:schemeClr val="tx1"/>
+                      </a:solidFill>
+                      <a:prstDash val="solid"/>
+                      <a:round/>
+                      <a:headEnd type="none" w="med" len="med"/>
+                      <a:tailEnd type="none" w="med" len="med"/>
+                    </a:lnR>
+                    <a:lnT w="6350" cap="flat" cmpd="sng" algn="ctr">
+                      <a:solidFill>
+                        <a:schemeClr val="tx1"/>
+                      </a:solidFill>
+                      <a:prstDash val="solid"/>
+                      <a:round/>
+                      <a:headEnd type="none" w="med" len="med"/>
+                      <a:tailEnd type="none" w="med" len="med"/>
+                    </a:lnT>
+                    <a:lnB w="6350" cap="flat" cmpd="sng" algn="ctr">
+                      <a:solidFill>
+                        <a:schemeClr val="tx1"/>
+                      </a:solidFill>
+                      <a:prstDash val="solid"/>
+                      <a:round/>
+                      <a:headEnd type="none" w="med" len="med"/>
+                      <a:tailEnd type="none" w="med" len="med"/>
+                    </a:lnB>
+                    <a:lnTlToBr w="12700" cmpd="sng">
+                      <a:noFill/>
+                      <a:prstDash val="solid"/>
+                    </a:lnTlToBr>
+                    <a:lnBlToTr w="12700" cmpd="sng">
+                      <a:noFill/>
+                      <a:prstDash val="solid"/>
+                    </a:lnBlToTr>
+                    <a:solidFill>
+                      <a:schemeClr val="accent5">
+                        <a:lumMod val="20000"/>
+                        <a:lumOff val="80000"/>
+                      </a:schemeClr>
+                    </a:solidFill>
+                  </a:tcPr>
+                </a:tc>
+                <a:extLst>
+                  <a:ext uri="{0D108BD9-81ED-4DB2-BD59-A6C34878D82A}">
+                    <a16:rowId xmlns:a16="http://schemas.microsoft.com/office/drawing/2014/main" val="4112970457"/>
+                  </a:ext>
+                </a:extLst>
+              </a:tr>
+            </a:tbl>
+          </a:graphicData>
+        </a:graphic>
+      </p:graphicFrame>
+      <p:pic>
+        <p:nvPicPr>
+          <p:cNvPr id="5" name="Picture 4">
+            <a:extLst>
+              <a:ext uri="{FF2B5EF4-FFF2-40B4-BE49-F238E27FC236}">
+                <a16:creationId xmlns:a16="http://schemas.microsoft.com/office/drawing/2014/main" id="{7DF8A1D1-4174-CABE-7ABE-225B90743252}"/>
+              </a:ext>
+            </a:extLst>
+          </p:cNvPr>
+          <p:cNvPicPr>
+            <a:picLocks noChangeAspect="1"/>
+          </p:cNvPicPr>
+          <p:nvPr/>
+        </p:nvPicPr>
+        <p:blipFill>
+          <a:blip r:embed="rId4" cstate="print">
+            <a:extLst>
+              <a:ext uri="{28A0092B-C50C-407E-A947-70E740481C1C}">
+                <a14:useLocalDpi xmlns:a14="http://schemas.microsoft.com/office/drawing/2010/main" val="0"/>
+              </a:ext>
+            </a:extLst>
+          </a:blip>
+          <a:stretch>
+            <a:fillRect/>
+          </a:stretch>
+        </p:blipFill>
+        <p:spPr>
+          <a:xfrm>
+            <a:off x="77887" y="4324050"/>
+            <a:ext cx="487666" cy="405904"/>
+          </a:xfrm>
+          <a:prstGeom prst="rect">
+            <a:avLst/>
+          </a:prstGeom>
+        </p:spPr>
+      </p:pic>
+      <p:pic>
+        <p:nvPicPr>
+          <p:cNvPr id="6" name="Picture 5">
+            <a:extLst>
+              <a:ext uri="{FF2B5EF4-FFF2-40B4-BE49-F238E27FC236}">
+                <a16:creationId xmlns:a16="http://schemas.microsoft.com/office/drawing/2014/main" id="{EA09DE5D-49B3-95A8-0758-03AE97249DBA}"/>
+              </a:ext>
+            </a:extLst>
+          </p:cNvPr>
+          <p:cNvPicPr>
+            <a:picLocks noChangeAspect="1"/>
+          </p:cNvPicPr>
+          <p:nvPr/>
+        </p:nvPicPr>
+        <p:blipFill>
+          <a:blip r:embed="rId4" cstate="print">
+            <a:extLst>
+              <a:ext uri="{28A0092B-C50C-407E-A947-70E740481C1C}">
+                <a14:useLocalDpi xmlns:a14="http://schemas.microsoft.com/office/drawing/2010/main" val="0"/>
+              </a:ext>
+            </a:extLst>
+          </a:blip>
+          <a:stretch>
+            <a:fillRect/>
+          </a:stretch>
+        </p:blipFill>
+        <p:spPr>
+          <a:xfrm>
+            <a:off x="77887" y="4868341"/>
+            <a:ext cx="487666" cy="405904"/>
+          </a:xfrm>
+          <a:prstGeom prst="rect">
+            <a:avLst/>
+          </a:prstGeom>
+        </p:spPr>
+      </p:pic>
+      <p:pic>
+        <p:nvPicPr>
+          <p:cNvPr id="7" name="Picture 6">
+            <a:extLst>
+              <a:ext uri="{FF2B5EF4-FFF2-40B4-BE49-F238E27FC236}">
+                <a16:creationId xmlns:a16="http://schemas.microsoft.com/office/drawing/2014/main" id="{7FF79C85-DF1B-098F-0B68-2D13BFB33089}"/>
+              </a:ext>
+            </a:extLst>
+          </p:cNvPr>
+          <p:cNvPicPr>
+            <a:picLocks noChangeAspect="1"/>
+          </p:cNvPicPr>
+          <p:nvPr/>
+        </p:nvPicPr>
+        <p:blipFill>
+          <a:blip r:embed="rId4" cstate="print">
+            <a:extLst>
+              <a:ext uri="{28A0092B-C50C-407E-A947-70E740481C1C}">
+                <a14:useLocalDpi xmlns:a14="http://schemas.microsoft.com/office/drawing/2010/main" val="0"/>
+              </a:ext>
+            </a:extLst>
+          </a:blip>
+          <a:stretch>
+            <a:fillRect/>
+          </a:stretch>
+        </p:blipFill>
+        <p:spPr>
+          <a:xfrm>
+            <a:off x="82227" y="5412632"/>
+            <a:ext cx="487666" cy="405904"/>
+          </a:xfrm>
+          <a:prstGeom prst="rect">
+            <a:avLst/>
+          </a:prstGeom>
+        </p:spPr>
+      </p:pic>
+      <p:sp>
+        <p:nvSpPr>
+          <p:cNvPr id="3" name="Star: 16 Points 2">
+            <a:extLst>
+              <a:ext uri="{FF2B5EF4-FFF2-40B4-BE49-F238E27FC236}">
+                <a16:creationId xmlns:a16="http://schemas.microsoft.com/office/drawing/2014/main" id="{B64D2BE1-6836-D0C7-61BF-2C574E33EDC7}"/>
+              </a:ext>
+            </a:extLst>
+          </p:cNvPr>
+          <p:cNvSpPr/>
+          <p:nvPr/>
+        </p:nvSpPr>
+        <p:spPr>
+          <a:xfrm rot="1022386">
+            <a:off x="9220663" y="165845"/>
+            <a:ext cx="2834641" cy="1325564"/>
+          </a:xfrm>
+          <a:prstGeom prst="star16">
+            <a:avLst/>
+          </a:prstGeom>
+          <a:solidFill>
+            <a:srgbClr val="FFFF00"/>
+          </a:solidFill>
+        </p:spPr>
+        <p:style>
+          <a:lnRef idx="2">
+            <a:schemeClr val="accent1">
+              <a:shade val="15000"/>
+            </a:schemeClr>
+          </a:lnRef>
+          <a:fillRef idx="1">
+            <a:schemeClr val="accent1"/>
+          </a:fillRef>
+          <a:effectRef idx="0">
+            <a:schemeClr val="accent1"/>
+          </a:effectRef>
+          <a:fontRef idx="minor">
+            <a:schemeClr val="lt1"/>
+          </a:fontRef>
+        </p:style>
+        <p:txBody>
+          <a:bodyPr lIns="0" rIns="0" rtlCol="0" anchor="ctr"/>
+          <a:lstStyle/>
+          <a:p>
+            <a:pPr algn="ctr"/>
+            <a:r>
+              <a:rPr lang="da-DK" sz="2400" dirty="0">
+                <a:solidFill>
+                  <a:schemeClr val="tx1"/>
+                </a:solidFill>
+              </a:rPr>
+              <a:t>Python 3.12 </a:t>
+            </a:r>
+            <a:r>
+              <a:rPr lang="da-DK" sz="2400" dirty="0" err="1">
+                <a:solidFill>
+                  <a:schemeClr val="tx1"/>
+                </a:solidFill>
+              </a:rPr>
+              <a:t>change</a:t>
+            </a:r>
+            <a:endParaRPr lang="da-DK" sz="2400" dirty="0">
+              <a:solidFill>
+                <a:schemeClr val="tx1"/>
+              </a:solidFill>
+            </a:endParaRPr>
+          </a:p>
+        </p:txBody>
+      </p:sp>
+    </p:spTree>
+    <p:extLst>
+      <p:ext uri="{BB962C8B-B14F-4D97-AF65-F5344CB8AC3E}">
+        <p14:creationId xmlns:p14="http://schemas.microsoft.com/office/powerpoint/2010/main" val="1292498751"/>
+      </p:ext>
+    </p:extLst>
+  </p:cSld>
+  <p:clrMapOvr>
+    <a:masterClrMapping/>
+  </p:clrMapOvr>
+</p:sld>
+</file>
+
+<file path=ppt/slides/slide30.xml><?xml version="1.0" encoding="utf-8"?>
 <p:sld xmlns:a="http://schemas.openxmlformats.org/drawingml/2006/main" xmlns:r="http://schemas.openxmlformats.org/officeDocument/2006/relationships" xmlns:p="http://schemas.openxmlformats.org/presentationml/2006/main">
   <p:cSld>
     <p:spTree>
@@ -26884,7 +31261,7 @@
 </p:sld>
 </file>
 
-<file path=ppt/slides/slide3.xml><?xml version="1.0" encoding="utf-8"?>
+<file path=ppt/slides/slide4.xml><?xml version="1.0" encoding="utf-8"?>
 <p:sld xmlns:a="http://schemas.openxmlformats.org/drawingml/2006/main" xmlns:r="http://schemas.openxmlformats.org/officeDocument/2006/relationships" xmlns:p="http://schemas.openxmlformats.org/presentationml/2006/main">
   <p:cSld>
     <p:spTree>
@@ -27608,7 +31985,7 @@
 </p:sld>
 </file>
 
-<file path=ppt/slides/slide4.xml><?xml version="1.0" encoding="utf-8"?>
+<file path=ppt/slides/slide5.xml><?xml version="1.0" encoding="utf-8"?>
 <p:sld xmlns:a="http://schemas.openxmlformats.org/drawingml/2006/main" xmlns:r="http://schemas.openxmlformats.org/officeDocument/2006/relationships" xmlns:p="http://schemas.openxmlformats.org/presentationml/2006/main">
   <p:cSld>
     <p:bg>
@@ -28150,7 +32527,7 @@
 </p:sld>
 </file>
 
-<file path=ppt/slides/slide5.xml><?xml version="1.0" encoding="utf-8"?>
+<file path=ppt/slides/slide6.xml><?xml version="1.0" encoding="utf-8"?>
 <p:sld xmlns:a="http://schemas.openxmlformats.org/drawingml/2006/main" xmlns:r="http://schemas.openxmlformats.org/officeDocument/2006/relationships" xmlns:p="http://schemas.openxmlformats.org/presentationml/2006/main">
   <p:cSld>
     <p:bg>
@@ -28692,7 +33069,7 @@
 </p:sld>
 </file>
 
-<file path=ppt/slides/slide6.xml><?xml version="1.0" encoding="utf-8"?>
+<file path=ppt/slides/slide7.xml><?xml version="1.0" encoding="utf-8"?>
 <p:sld xmlns:a="http://schemas.openxmlformats.org/drawingml/2006/main" xmlns:r="http://schemas.openxmlformats.org/officeDocument/2006/relationships" xmlns:p="http://schemas.openxmlformats.org/presentationml/2006/main">
   <p:cSld>
     <p:spTree>
@@ -29423,7 +33800,7 @@
 </p:sld>
 </file>
 
-<file path=ppt/slides/slide7.xml><?xml version="1.0" encoding="utf-8"?>
+<file path=ppt/slides/slide8.xml><?xml version="1.0" encoding="utf-8"?>
 <p:sld xmlns:a="http://schemas.openxmlformats.org/drawingml/2006/main" xmlns:r="http://schemas.openxmlformats.org/officeDocument/2006/relationships" xmlns:p="http://schemas.openxmlformats.org/presentationml/2006/main">
   <p:cSld>
     <p:spTree>
@@ -30725,7 +35102,7 @@
 </p:sld>
 </file>
 
-<file path=ppt/slides/slide8.xml><?xml version="1.0" encoding="utf-8"?>
+<file path=ppt/slides/slide9.xml><?xml version="1.0" encoding="utf-8"?>
 <p:sld xmlns:a="http://schemas.openxmlformats.org/drawingml/2006/main" xmlns:r="http://schemas.openxmlformats.org/officeDocument/2006/relationships" xmlns:p="http://schemas.openxmlformats.org/presentationml/2006/main">
   <p:cSld>
     <p:spTree>
@@ -33765,3195 +38142,6 @@
       <p:bldP spid="9" grpId="0"/>
       <p:bldP spid="17" grpId="0"/>
       <p:bldP spid="18" grpId="0"/>
-    </p:bldLst>
-  </p:timing>
-</p:sld>
-</file>
-
-<file path=ppt/slides/slide9.xml><?xml version="1.0" encoding="utf-8"?>
-<p:sld xmlns:a="http://schemas.openxmlformats.org/drawingml/2006/main" xmlns:r="http://schemas.openxmlformats.org/officeDocument/2006/relationships" xmlns:p="http://schemas.openxmlformats.org/presentationml/2006/main">
-  <p:cSld>
-    <p:spTree>
-      <p:nvGrpSpPr>
-        <p:cNvPr id="1" name=""/>
-        <p:cNvGrpSpPr/>
-        <p:nvPr/>
-      </p:nvGrpSpPr>
-      <p:grpSpPr>
-        <a:xfrm>
-          <a:off x="0" y="0"/>
-          <a:ext cx="0" cy="0"/>
-          <a:chOff x="0" y="0"/>
-          <a:chExt cx="0" cy="0"/>
-        </a:xfrm>
-      </p:grpSpPr>
-      <p:sp>
-        <p:nvSpPr>
-          <p:cNvPr id="2" name="Title 1"/>
-          <p:cNvSpPr>
-            <a:spLocks noGrp="1"/>
-          </p:cNvSpPr>
-          <p:nvPr>
-            <p:ph type="title"/>
-          </p:nvPr>
-        </p:nvSpPr>
-        <p:spPr/>
-        <p:txBody>
-          <a:bodyPr/>
-          <a:lstStyle/>
-          <a:p>
-            <a:r>
-              <a:rPr lang="en-US" b="0" dirty="0">
-                <a:latin typeface="Courier"/>
-              </a:rPr>
-              <a:t>x[:]</a:t>
-            </a:r>
-            <a:r>
-              <a:rPr lang="en-US" b="0" dirty="0">
-                <a:latin typeface="+mn-lt"/>
-              </a:rPr>
-              <a:t> vs nested structures</a:t>
-            </a:r>
-          </a:p>
-        </p:txBody>
-      </p:sp>
-      <p:sp>
-        <p:nvSpPr>
-          <p:cNvPr id="6" name="Content Placeholder 5"/>
-          <p:cNvSpPr>
-            <a:spLocks noGrp="1"/>
-          </p:cNvSpPr>
-          <p:nvPr>
-            <p:ph idx="1"/>
-          </p:nvPr>
-        </p:nvSpPr>
-        <p:spPr>
-          <a:xfrm>
-            <a:off x="5714150" y="2494155"/>
-            <a:ext cx="3771506" cy="2928035"/>
-          </a:xfrm>
-        </p:spPr>
-        <p:txBody>
-          <a:bodyPr>
-            <a:normAutofit/>
-          </a:bodyPr>
-          <a:lstStyle/>
-          <a:p>
-            <a:pPr marL="0" indent="0">
-              <a:buNone/>
-            </a:pPr>
-            <a:r>
-              <a:rPr lang="en-US" sz="2400" dirty="0">
-                <a:latin typeface="Courier"/>
-              </a:rPr>
-              <a:t>a = [[3,5],[7,11]]</a:t>
-            </a:r>
-          </a:p>
-          <a:p>
-            <a:pPr marL="0" indent="0">
-              <a:buNone/>
-            </a:pPr>
-            <a:r>
-              <a:rPr lang="en-US" sz="2400" dirty="0">
-                <a:latin typeface="Courier"/>
-              </a:rPr>
-              <a:t>b = a</a:t>
-            </a:r>
-          </a:p>
-          <a:p>
-            <a:pPr marL="0" indent="0">
-              <a:buNone/>
-            </a:pPr>
-            <a:r>
-              <a:rPr lang="en-US" sz="2400" dirty="0">
-                <a:latin typeface="Courier"/>
-              </a:rPr>
-              <a:t>c = a[:]</a:t>
-            </a:r>
-          </a:p>
-          <a:p>
-            <a:pPr marL="0" indent="0">
-              <a:buNone/>
-            </a:pPr>
-            <a:r>
-              <a:rPr lang="en-US" sz="2400" dirty="0">
-                <a:solidFill>
-                  <a:srgbClr val="C00000"/>
-                </a:solidFill>
-                <a:latin typeface="Courier"/>
-              </a:rPr>
-              <a:t>a[0][1] = 4</a:t>
-            </a:r>
-            <a:br>
-              <a:rPr lang="en-US" sz="2400" dirty="0">
-                <a:solidFill>
-                  <a:srgbClr val="C00000"/>
-                </a:solidFill>
-                <a:latin typeface="Courier"/>
-              </a:rPr>
-            </a:br>
-            <a:r>
-              <a:rPr lang="en-US" sz="2400" dirty="0">
-                <a:solidFill>
-                  <a:srgbClr val="C00000"/>
-                </a:solidFill>
-                <a:latin typeface="Courier"/>
-              </a:rPr>
-              <a:t>c[1] = b[0]</a:t>
-            </a:r>
-            <a:r>
-              <a:rPr lang="en-US" sz="2400" dirty="0">
-                <a:latin typeface="Courier"/>
-              </a:rPr>
-              <a:t>  </a:t>
-            </a:r>
-          </a:p>
-          <a:p>
-            <a:pPr marL="0" indent="0">
-              <a:buNone/>
-            </a:pPr>
-            <a:endParaRPr lang="en-US" sz="2400" dirty="0"/>
-          </a:p>
-        </p:txBody>
-      </p:sp>
-      <p:graphicFrame>
-        <p:nvGraphicFramePr>
-          <p:cNvPr id="11" name="Table 10"/>
-          <p:cNvGraphicFramePr>
-            <a:graphicFrameLocks noGrp="1"/>
-          </p:cNvGraphicFramePr>
-          <p:nvPr>
-            <p:extLst>
-              <p:ext uri="{D42A27DB-BD31-4B8C-83A1-F6EECF244321}">
-                <p14:modId xmlns:p14="http://schemas.microsoft.com/office/powerpoint/2010/main" val="2682594680"/>
-              </p:ext>
-            </p:extLst>
-          </p:nvPr>
-        </p:nvGraphicFramePr>
-        <p:xfrm>
-          <a:off x="9468116" y="892504"/>
-          <a:ext cx="2327050" cy="5213237"/>
-        </p:xfrm>
-        <a:graphic>
-          <a:graphicData uri="http://schemas.openxmlformats.org/drawingml/2006/table">
-            <a:tbl>
-              <a:tblPr firstRow="1" bandRow="1">
-                <a:tableStyleId>{2D5ABB26-0587-4C30-8999-92F81FD0307C}</a:tableStyleId>
-              </a:tblPr>
-              <a:tblGrid>
-                <a:gridCol w="900000">
-                  <a:extLst>
-                    <a:ext uri="{9D8B030D-6E8A-4147-A177-3AD203B41FA5}">
-                      <a16:colId xmlns:a16="http://schemas.microsoft.com/office/drawing/2014/main" val="2667371781"/>
-                    </a:ext>
-                  </a:extLst>
-                </a:gridCol>
-                <a:gridCol w="527050">
-                  <a:extLst>
-                    <a:ext uri="{9D8B030D-6E8A-4147-A177-3AD203B41FA5}">
-                      <a16:colId xmlns:a16="http://schemas.microsoft.com/office/drawing/2014/main" val="3241505654"/>
-                    </a:ext>
-                  </a:extLst>
-                </a:gridCol>
-                <a:gridCol w="900000">
-                  <a:extLst>
-                    <a:ext uri="{9D8B030D-6E8A-4147-A177-3AD203B41FA5}">
-                      <a16:colId xmlns:a16="http://schemas.microsoft.com/office/drawing/2014/main" val="1073523339"/>
-                    </a:ext>
-                  </a:extLst>
-                </a:gridCol>
-              </a:tblGrid>
-              <a:tr h="238714">
-                <a:tc gridSpan="3">
-                  <a:txBody>
-                    <a:bodyPr/>
-                    <a:lstStyle/>
-                    <a:p>
-                      <a:pPr algn="ctr"/>
-                      <a:r>
-                        <a:rPr lang="en-US" b="1" dirty="0"/>
-                        <a:t>Memory</a:t>
-                      </a:r>
-                    </a:p>
-                  </a:txBody>
-                  <a:tcPr/>
-                </a:tc>
-                <a:tc hMerge="1">
-                  <a:txBody>
-                    <a:bodyPr/>
-                    <a:lstStyle/>
-                    <a:p>
-                      <a:endParaRPr lang="en-US" dirty="0"/>
-                    </a:p>
-                  </a:txBody>
-                  <a:tcPr/>
-                </a:tc>
-                <a:tc hMerge="1">
-                  <a:txBody>
-                    <a:bodyPr/>
-                    <a:lstStyle/>
-                    <a:p>
-                      <a:pPr algn="l"/>
-                      <a:endParaRPr lang="en-US" dirty="0"/>
-                    </a:p>
-                  </a:txBody>
-                  <a:tcPr/>
-                </a:tc>
-                <a:extLst>
-                  <a:ext uri="{0D108BD9-81ED-4DB2-BD59-A6C34878D82A}">
-                    <a16:rowId xmlns:a16="http://schemas.microsoft.com/office/drawing/2014/main" val="114003275"/>
-                  </a:ext>
-                </a:extLst>
-              </a:tr>
-              <a:tr h="443275">
-                <a:tc>
-                  <a:txBody>
-                    <a:bodyPr/>
-                    <a:lstStyle/>
-                    <a:p>
-                      <a:pPr algn="l"/>
-                      <a:endParaRPr lang="en-US" dirty="0">
-                        <a:latin typeface="Courier"/>
-                      </a:endParaRPr>
-                    </a:p>
-                  </a:txBody>
-                  <a:tcPr anchor="b">
-                    <a:lnR w="12700" cap="flat" cmpd="sng" algn="ctr">
-                      <a:solidFill>
-                        <a:schemeClr val="tx1"/>
-                      </a:solidFill>
-                      <a:prstDash val="solid"/>
-                      <a:round/>
-                      <a:headEnd type="none" w="med" len="med"/>
-                      <a:tailEnd type="none" w="med" len="med"/>
-                    </a:lnR>
-                  </a:tcPr>
-                </a:tc>
-                <a:tc>
-                  <a:txBody>
-                    <a:bodyPr/>
-                    <a:lstStyle/>
-                    <a:p>
-                      <a:pPr algn="ctr"/>
-                      <a:endParaRPr lang="en-US" dirty="0"/>
-                    </a:p>
-                  </a:txBody>
-                  <a:tcPr>
-                    <a:lnL w="12700" cap="flat" cmpd="sng" algn="ctr">
-                      <a:solidFill>
-                        <a:schemeClr val="tx1"/>
-                      </a:solidFill>
-                      <a:prstDash val="solid"/>
-                      <a:round/>
-                      <a:headEnd type="none" w="med" len="med"/>
-                      <a:tailEnd type="none" w="med" len="med"/>
-                    </a:lnL>
-                    <a:lnR w="12700" cap="flat" cmpd="sng" algn="ctr">
-                      <a:solidFill>
-                        <a:schemeClr val="tx1"/>
-                      </a:solidFill>
-                      <a:prstDash val="solid"/>
-                      <a:round/>
-                      <a:headEnd type="none" w="med" len="med"/>
-                      <a:tailEnd type="none" w="med" len="med"/>
-                    </a:lnR>
-                    <a:lnT w="12700" cap="flat" cmpd="sng" algn="ctr">
-                      <a:solidFill>
-                        <a:schemeClr val="tx1"/>
-                      </a:solidFill>
-                      <a:prstDash val="solid"/>
-                      <a:round/>
-                      <a:headEnd type="none" w="med" len="med"/>
-                      <a:tailEnd type="none" w="med" len="med"/>
-                    </a:lnT>
-                    <a:lnB w="12700" cap="flat" cmpd="sng" algn="ctr">
-                      <a:solidFill>
-                        <a:schemeClr val="tx1"/>
-                      </a:solidFill>
-                      <a:prstDash val="solid"/>
-                      <a:round/>
-                      <a:headEnd type="none" w="med" len="med"/>
-                      <a:tailEnd type="none" w="med" len="med"/>
-                    </a:lnB>
-                    <a:solidFill>
-                      <a:schemeClr val="accent6">
-                        <a:lumMod val="60000"/>
-                        <a:lumOff val="40000"/>
-                      </a:schemeClr>
-                    </a:solidFill>
-                  </a:tcPr>
-                </a:tc>
-                <a:tc>
-                  <a:txBody>
-                    <a:bodyPr/>
-                    <a:lstStyle/>
-                    <a:p>
-                      <a:pPr algn="l"/>
-                      <a:endParaRPr lang="en-US" dirty="0"/>
-                    </a:p>
-                  </a:txBody>
-                  <a:tcPr>
-                    <a:lnL w="12700" cap="flat" cmpd="sng" algn="ctr">
-                      <a:solidFill>
-                        <a:schemeClr val="tx1"/>
-                      </a:solidFill>
-                      <a:prstDash val="solid"/>
-                      <a:round/>
-                      <a:headEnd type="none" w="med" len="med"/>
-                      <a:tailEnd type="none" w="med" len="med"/>
-                    </a:lnL>
-                  </a:tcPr>
-                </a:tc>
-                <a:extLst>
-                  <a:ext uri="{0D108BD9-81ED-4DB2-BD59-A6C34878D82A}">
-                    <a16:rowId xmlns:a16="http://schemas.microsoft.com/office/drawing/2014/main" val="2501294450"/>
-                  </a:ext>
-                </a:extLst>
-              </a:tr>
-              <a:tr h="324000">
-                <a:tc>
-                  <a:txBody>
-                    <a:bodyPr/>
-                    <a:lstStyle/>
-                    <a:p>
-                      <a:pPr marL="0" marR="0" lvl="0" indent="0" algn="l" defTabSz="914400" rtl="0" eaLnBrk="1" fontAlgn="auto" latinLnBrk="0" hangingPunct="1">
-                        <a:lnSpc>
-                          <a:spcPct val="100000"/>
-                        </a:lnSpc>
-                        <a:spcBef>
-                          <a:spcPts val="0"/>
-                        </a:spcBef>
-                        <a:spcAft>
-                          <a:spcPts val="0"/>
-                        </a:spcAft>
-                        <a:buClrTx/>
-                        <a:buSzTx/>
-                        <a:buFontTx/>
-                        <a:buNone/>
-                        <a:tabLst/>
-                        <a:defRPr/>
-                      </a:pPr>
-                      <a:r>
-                        <a:rPr lang="en-US" dirty="0">
-                          <a:latin typeface="Courier New" panose="02070309020205020404" pitchFamily="49" charset="0"/>
-                          <a:cs typeface="Courier New" panose="02070309020205020404" pitchFamily="49" charset="0"/>
-                        </a:rPr>
-                        <a:t>a</a:t>
-                      </a:r>
-                    </a:p>
-                  </a:txBody>
-                  <a:tcPr anchor="b">
-                    <a:lnR w="12700" cap="flat" cmpd="sng" algn="ctr">
-                      <a:solidFill>
-                        <a:schemeClr val="tx1"/>
-                      </a:solidFill>
-                      <a:prstDash val="solid"/>
-                      <a:round/>
-                      <a:headEnd type="none" w="med" len="med"/>
-                      <a:tailEnd type="none" w="med" len="med"/>
-                    </a:lnR>
-                  </a:tcPr>
-                </a:tc>
-                <a:tc>
-                  <a:txBody>
-                    <a:bodyPr/>
-                    <a:lstStyle/>
-                    <a:p>
-                      <a:pPr algn="ctr"/>
-                      <a:endParaRPr lang="en-US" dirty="0">
-                        <a:latin typeface="Courier New" panose="02070309020205020404" pitchFamily="49" charset="0"/>
-                        <a:cs typeface="Courier New" panose="02070309020205020404" pitchFamily="49" charset="0"/>
-                      </a:endParaRPr>
-                    </a:p>
-                  </a:txBody>
-                  <a:tcPr>
-                    <a:lnL w="12700" cap="flat" cmpd="sng" algn="ctr">
-                      <a:solidFill>
-                        <a:schemeClr val="tx1"/>
-                      </a:solidFill>
-                      <a:prstDash val="solid"/>
-                      <a:round/>
-                      <a:headEnd type="none" w="med" len="med"/>
-                      <a:tailEnd type="none" w="med" len="med"/>
-                    </a:lnL>
-                    <a:lnR w="12700" cap="flat" cmpd="sng" algn="ctr">
-                      <a:solidFill>
-                        <a:schemeClr val="tx1"/>
-                      </a:solidFill>
-                      <a:prstDash val="solid"/>
-                      <a:round/>
-                      <a:headEnd type="none" w="med" len="med"/>
-                      <a:tailEnd type="none" w="med" len="med"/>
-                    </a:lnR>
-                    <a:lnT w="12700" cap="flat" cmpd="sng" algn="ctr">
-                      <a:solidFill>
-                        <a:schemeClr val="tx1"/>
-                      </a:solidFill>
-                      <a:prstDash val="solid"/>
-                      <a:round/>
-                      <a:headEnd type="none" w="med" len="med"/>
-                      <a:tailEnd type="none" w="med" len="med"/>
-                    </a:lnT>
-                    <a:lnB w="12700" cap="flat" cmpd="sng" algn="ctr">
-                      <a:solidFill>
-                        <a:schemeClr val="tx1"/>
-                      </a:solidFill>
-                      <a:prstDash val="solid"/>
-                      <a:round/>
-                      <a:headEnd type="none" w="med" len="med"/>
-                      <a:tailEnd type="none" w="med" len="med"/>
-                    </a:lnB>
-                    <a:solidFill>
-                      <a:srgbClr val="FFFF00"/>
-                    </a:solidFill>
-                  </a:tcPr>
-                </a:tc>
-                <a:tc>
-                  <a:txBody>
-                    <a:bodyPr/>
-                    <a:lstStyle/>
-                    <a:p>
-                      <a:pPr algn="l"/>
-                      <a:r>
-                        <a:rPr lang="en-US" dirty="0">
-                          <a:latin typeface="Courier New" panose="02070309020205020404" pitchFamily="49" charset="0"/>
-                          <a:cs typeface="Courier New" panose="02070309020205020404" pitchFamily="49" charset="0"/>
-                        </a:rPr>
-                        <a:t>a[0]</a:t>
-                      </a:r>
-                    </a:p>
-                  </a:txBody>
-                  <a:tcPr>
-                    <a:lnL w="12700" cap="flat" cmpd="sng" algn="ctr">
-                      <a:solidFill>
-                        <a:schemeClr val="tx1"/>
-                      </a:solidFill>
-                      <a:prstDash val="solid"/>
-                      <a:round/>
-                      <a:headEnd type="none" w="med" len="med"/>
-                      <a:tailEnd type="none" w="med" len="med"/>
-                    </a:lnL>
-                  </a:tcPr>
-                </a:tc>
-                <a:extLst>
-                  <a:ext uri="{0D108BD9-81ED-4DB2-BD59-A6C34878D82A}">
-                    <a16:rowId xmlns:a16="http://schemas.microsoft.com/office/drawing/2014/main" val="2156961668"/>
-                  </a:ext>
-                </a:extLst>
-              </a:tr>
-              <a:tr h="324000">
-                <a:tc>
-                  <a:txBody>
-                    <a:bodyPr/>
-                    <a:lstStyle/>
-                    <a:p>
-                      <a:pPr algn="l"/>
-                      <a:endParaRPr lang="en-US" dirty="0">
-                        <a:latin typeface="Courier"/>
-                      </a:endParaRPr>
-                    </a:p>
-                  </a:txBody>
-                  <a:tcPr anchor="b">
-                    <a:lnR w="12700" cap="flat" cmpd="sng" algn="ctr">
-                      <a:solidFill>
-                        <a:schemeClr val="tx1"/>
-                      </a:solidFill>
-                      <a:prstDash val="solid"/>
-                      <a:round/>
-                      <a:headEnd type="none" w="med" len="med"/>
-                      <a:tailEnd type="none" w="med" len="med"/>
-                    </a:lnR>
-                  </a:tcPr>
-                </a:tc>
-                <a:tc>
-                  <a:txBody>
-                    <a:bodyPr/>
-                    <a:lstStyle/>
-                    <a:p>
-                      <a:pPr algn="ctr"/>
-                      <a:endParaRPr lang="en-US" dirty="0">
-                        <a:latin typeface="Courier New" panose="02070309020205020404" pitchFamily="49" charset="0"/>
-                        <a:cs typeface="Courier New" panose="02070309020205020404" pitchFamily="49" charset="0"/>
-                      </a:endParaRPr>
-                    </a:p>
-                  </a:txBody>
-                  <a:tcPr>
-                    <a:lnL w="12700" cap="flat" cmpd="sng" algn="ctr">
-                      <a:solidFill>
-                        <a:schemeClr val="tx1"/>
-                      </a:solidFill>
-                      <a:prstDash val="solid"/>
-                      <a:round/>
-                      <a:headEnd type="none" w="med" len="med"/>
-                      <a:tailEnd type="none" w="med" len="med"/>
-                    </a:lnL>
-                    <a:lnR w="12700" cap="flat" cmpd="sng" algn="ctr">
-                      <a:solidFill>
-                        <a:schemeClr val="tx1"/>
-                      </a:solidFill>
-                      <a:prstDash val="solid"/>
-                      <a:round/>
-                      <a:headEnd type="none" w="med" len="med"/>
-                      <a:tailEnd type="none" w="med" len="med"/>
-                    </a:lnR>
-                    <a:lnT w="12700" cap="flat" cmpd="sng" algn="ctr">
-                      <a:solidFill>
-                        <a:schemeClr val="tx1"/>
-                      </a:solidFill>
-                      <a:prstDash val="solid"/>
-                      <a:round/>
-                      <a:headEnd type="none" w="med" len="med"/>
-                      <a:tailEnd type="none" w="med" len="med"/>
-                    </a:lnT>
-                    <a:lnB w="12700" cap="flat" cmpd="sng" algn="ctr">
-                      <a:solidFill>
-                        <a:schemeClr val="tx1"/>
-                      </a:solidFill>
-                      <a:prstDash val="solid"/>
-                      <a:round/>
-                      <a:headEnd type="none" w="med" len="med"/>
-                      <a:tailEnd type="none" w="med" len="med"/>
-                    </a:lnB>
-                    <a:solidFill>
-                      <a:srgbClr val="FFFF00"/>
-                    </a:solidFill>
-                  </a:tcPr>
-                </a:tc>
-                <a:tc>
-                  <a:txBody>
-                    <a:bodyPr/>
-                    <a:lstStyle/>
-                    <a:p>
-                      <a:pPr algn="l"/>
-                      <a:r>
-                        <a:rPr lang="en-US" dirty="0">
-                          <a:latin typeface="Courier New" panose="02070309020205020404" pitchFamily="49" charset="0"/>
-                          <a:cs typeface="Courier New" panose="02070309020205020404" pitchFamily="49" charset="0"/>
-                        </a:rPr>
-                        <a:t>a[1]</a:t>
-                      </a:r>
-                    </a:p>
-                  </a:txBody>
-                  <a:tcPr>
-                    <a:lnL w="12700" cap="flat" cmpd="sng" algn="ctr">
-                      <a:solidFill>
-                        <a:schemeClr val="tx1"/>
-                      </a:solidFill>
-                      <a:prstDash val="solid"/>
-                      <a:round/>
-                      <a:headEnd type="none" w="med" len="med"/>
-                      <a:tailEnd type="none" w="med" len="med"/>
-                    </a:lnL>
-                  </a:tcPr>
-                </a:tc>
-                <a:extLst>
-                  <a:ext uri="{0D108BD9-81ED-4DB2-BD59-A6C34878D82A}">
-                    <a16:rowId xmlns:a16="http://schemas.microsoft.com/office/drawing/2014/main" val="1645603393"/>
-                  </a:ext>
-                </a:extLst>
-              </a:tr>
-              <a:tr h="380842">
-                <a:tc>
-                  <a:txBody>
-                    <a:bodyPr/>
-                    <a:lstStyle/>
-                    <a:p>
-                      <a:pPr algn="l"/>
-                      <a:endParaRPr lang="en-US" dirty="0">
-                        <a:latin typeface="Courier"/>
-                      </a:endParaRPr>
-                    </a:p>
-                  </a:txBody>
-                  <a:tcPr anchor="b">
-                    <a:lnR w="12700" cap="flat" cmpd="sng" algn="ctr">
-                      <a:solidFill>
-                        <a:schemeClr val="tx1"/>
-                      </a:solidFill>
-                      <a:prstDash val="solid"/>
-                      <a:round/>
-                      <a:headEnd type="none" w="med" len="med"/>
-                      <a:tailEnd type="none" w="med" len="med"/>
-                    </a:lnR>
-                  </a:tcPr>
-                </a:tc>
-                <a:tc>
-                  <a:txBody>
-                    <a:bodyPr/>
-                    <a:lstStyle/>
-                    <a:p>
-                      <a:pPr algn="ctr"/>
-                      <a:endParaRPr lang="en-US" dirty="0"/>
-                    </a:p>
-                  </a:txBody>
-                  <a:tcPr>
-                    <a:lnL w="12700" cap="flat" cmpd="sng" algn="ctr">
-                      <a:solidFill>
-                        <a:schemeClr val="tx1"/>
-                      </a:solidFill>
-                      <a:prstDash val="solid"/>
-                      <a:round/>
-                      <a:headEnd type="none" w="med" len="med"/>
-                      <a:tailEnd type="none" w="med" len="med"/>
-                    </a:lnL>
-                    <a:lnR w="12700" cap="flat" cmpd="sng" algn="ctr">
-                      <a:solidFill>
-                        <a:schemeClr val="tx1"/>
-                      </a:solidFill>
-                      <a:prstDash val="solid"/>
-                      <a:round/>
-                      <a:headEnd type="none" w="med" len="med"/>
-                      <a:tailEnd type="none" w="med" len="med"/>
-                    </a:lnR>
-                    <a:lnT w="12700" cap="flat" cmpd="sng" algn="ctr">
-                      <a:solidFill>
-                        <a:schemeClr val="tx1"/>
-                      </a:solidFill>
-                      <a:prstDash val="solid"/>
-                      <a:round/>
-                      <a:headEnd type="none" w="med" len="med"/>
-                      <a:tailEnd type="none" w="med" len="med"/>
-                    </a:lnT>
-                    <a:lnB w="12700" cap="flat" cmpd="sng" algn="ctr">
-                      <a:solidFill>
-                        <a:schemeClr val="tx1"/>
-                      </a:solidFill>
-                      <a:prstDash val="solid"/>
-                      <a:round/>
-                      <a:headEnd type="none" w="med" len="med"/>
-                      <a:tailEnd type="none" w="med" len="med"/>
-                    </a:lnB>
-                    <a:solidFill>
-                      <a:schemeClr val="accent6">
-                        <a:lumMod val="60000"/>
-                        <a:lumOff val="40000"/>
-                      </a:schemeClr>
-                    </a:solidFill>
-                  </a:tcPr>
-                </a:tc>
-                <a:tc>
-                  <a:txBody>
-                    <a:bodyPr/>
-                    <a:lstStyle/>
-                    <a:p>
-                      <a:pPr algn="l"/>
-                      <a:endParaRPr lang="en-US" dirty="0"/>
-                    </a:p>
-                  </a:txBody>
-                  <a:tcPr>
-                    <a:lnL w="12700" cap="flat" cmpd="sng" algn="ctr">
-                      <a:solidFill>
-                        <a:schemeClr val="tx1"/>
-                      </a:solidFill>
-                      <a:prstDash val="solid"/>
-                      <a:round/>
-                      <a:headEnd type="none" w="med" len="med"/>
-                      <a:tailEnd type="none" w="med" len="med"/>
-                    </a:lnL>
-                  </a:tcPr>
-                </a:tc>
-                <a:extLst>
-                  <a:ext uri="{0D108BD9-81ED-4DB2-BD59-A6C34878D82A}">
-                    <a16:rowId xmlns:a16="http://schemas.microsoft.com/office/drawing/2014/main" val="3182255387"/>
-                  </a:ext>
-                </a:extLst>
-              </a:tr>
-              <a:tr h="359404">
-                <a:tc rowSpan="5">
-                  <a:txBody>
-                    <a:bodyPr/>
-                    <a:lstStyle/>
-                    <a:p>
-                      <a:pPr marL="0" marR="0" lvl="0" indent="0" algn="l" defTabSz="914400" rtl="0" eaLnBrk="1" fontAlgn="auto" latinLnBrk="0" hangingPunct="1">
-                        <a:lnSpc>
-                          <a:spcPct val="100000"/>
-                        </a:lnSpc>
-                        <a:spcBef>
-                          <a:spcPts val="0"/>
-                        </a:spcBef>
-                        <a:spcAft>
-                          <a:spcPts val="0"/>
-                        </a:spcAft>
-                        <a:buClrTx/>
-                        <a:buSzTx/>
-                        <a:buFontTx/>
-                        <a:buNone/>
-                        <a:tabLst/>
-                        <a:defRPr/>
-                      </a:pPr>
-                      <a:endParaRPr lang="en-US" dirty="0">
-                        <a:latin typeface="Courier New" panose="02070309020205020404" pitchFamily="49" charset="0"/>
-                        <a:cs typeface="Courier New" panose="02070309020205020404" pitchFamily="49" charset="0"/>
-                      </a:endParaRPr>
-                    </a:p>
-                  </a:txBody>
-                  <a:tcPr>
-                    <a:lnR w="12700" cap="flat" cmpd="sng" algn="ctr">
-                      <a:solidFill>
-                        <a:schemeClr val="tx1"/>
-                      </a:solidFill>
-                      <a:prstDash val="solid"/>
-                      <a:round/>
-                      <a:headEnd type="none" w="med" len="med"/>
-                      <a:tailEnd type="none" w="med" len="med"/>
-                    </a:lnR>
-                  </a:tcPr>
-                </a:tc>
-                <a:tc>
-                  <a:txBody>
-                    <a:bodyPr/>
-                    <a:lstStyle/>
-                    <a:p>
-                      <a:pPr algn="ctr"/>
-                      <a:r>
-                        <a:rPr lang="en-US" dirty="0">
-                          <a:latin typeface="Courier New" panose="02070309020205020404" pitchFamily="49" charset="0"/>
-                          <a:cs typeface="Courier New" panose="02070309020205020404" pitchFamily="49" charset="0"/>
-                        </a:rPr>
-                        <a:t>3</a:t>
-                      </a:r>
-                    </a:p>
-                  </a:txBody>
-                  <a:tcPr>
-                    <a:lnL w="12700" cap="flat" cmpd="sng" algn="ctr">
-                      <a:solidFill>
-                        <a:schemeClr val="tx1"/>
-                      </a:solidFill>
-                      <a:prstDash val="solid"/>
-                      <a:round/>
-                      <a:headEnd type="none" w="med" len="med"/>
-                      <a:tailEnd type="none" w="med" len="med"/>
-                    </a:lnL>
-                    <a:lnR w="12700" cap="flat" cmpd="sng" algn="ctr">
-                      <a:solidFill>
-                        <a:schemeClr val="tx1"/>
-                      </a:solidFill>
-                      <a:prstDash val="solid"/>
-                      <a:round/>
-                      <a:headEnd type="none" w="med" len="med"/>
-                      <a:tailEnd type="none" w="med" len="med"/>
-                    </a:lnR>
-                    <a:lnT w="12700" cap="flat" cmpd="sng" algn="ctr">
-                      <a:solidFill>
-                        <a:schemeClr val="tx1"/>
-                      </a:solidFill>
-                      <a:prstDash val="solid"/>
-                      <a:round/>
-                      <a:headEnd type="none" w="med" len="med"/>
-                      <a:tailEnd type="none" w="med" len="med"/>
-                    </a:lnT>
-                    <a:lnB w="12700" cap="flat" cmpd="sng" algn="ctr">
-                      <a:solidFill>
-                        <a:schemeClr val="tx1"/>
-                      </a:solidFill>
-                      <a:prstDash val="solid"/>
-                      <a:round/>
-                      <a:headEnd type="none" w="med" len="med"/>
-                      <a:tailEnd type="none" w="med" len="med"/>
-                    </a:lnB>
-                    <a:solidFill>
-                      <a:srgbClr val="FFFF00"/>
-                    </a:solidFill>
-                  </a:tcPr>
-                </a:tc>
-                <a:tc>
-                  <a:txBody>
-                    <a:bodyPr/>
-                    <a:lstStyle/>
-                    <a:p>
-                      <a:pPr algn="l"/>
-                      <a:endParaRPr lang="en-US" dirty="0">
-                        <a:latin typeface="Courier New" panose="02070309020205020404" pitchFamily="49" charset="0"/>
-                        <a:cs typeface="Courier New" panose="02070309020205020404" pitchFamily="49" charset="0"/>
-                      </a:endParaRPr>
-                    </a:p>
-                  </a:txBody>
-                  <a:tcPr>
-                    <a:lnL w="12700" cap="flat" cmpd="sng" algn="ctr">
-                      <a:solidFill>
-                        <a:schemeClr val="tx1"/>
-                      </a:solidFill>
-                      <a:prstDash val="solid"/>
-                      <a:round/>
-                      <a:headEnd type="none" w="med" len="med"/>
-                      <a:tailEnd type="none" w="med" len="med"/>
-                    </a:lnL>
-                  </a:tcPr>
-                </a:tc>
-                <a:extLst>
-                  <a:ext uri="{0D108BD9-81ED-4DB2-BD59-A6C34878D82A}">
-                    <a16:rowId xmlns:a16="http://schemas.microsoft.com/office/drawing/2014/main" val="642075908"/>
-                  </a:ext>
-                </a:extLst>
-              </a:tr>
-              <a:tr h="359404">
-                <a:tc vMerge="1">
-                  <a:txBody>
-                    <a:bodyPr/>
-                    <a:lstStyle/>
-                    <a:p>
-                      <a:pPr algn="r"/>
-                      <a:endParaRPr lang="en-US" dirty="0">
-                        <a:latin typeface="Courier New" panose="02070309020205020404" pitchFamily="49" charset="0"/>
-                        <a:cs typeface="Courier New" panose="02070309020205020404" pitchFamily="49" charset="0"/>
-                      </a:endParaRPr>
-                    </a:p>
-                  </a:txBody>
-                  <a:tcPr>
-                    <a:lnR w="12700" cap="flat" cmpd="sng" algn="ctr">
-                      <a:solidFill>
-                        <a:schemeClr val="tx1"/>
-                      </a:solidFill>
-                      <a:prstDash val="solid"/>
-                      <a:round/>
-                      <a:headEnd type="none" w="med" len="med"/>
-                      <a:tailEnd type="none" w="med" len="med"/>
-                    </a:lnR>
-                  </a:tcPr>
-                </a:tc>
-                <a:tc>
-                  <a:txBody>
-                    <a:bodyPr/>
-                    <a:lstStyle/>
-                    <a:p>
-                      <a:pPr algn="ctr"/>
-                      <a:r>
-                        <a:rPr lang="en-US" dirty="0">
-                          <a:latin typeface="Courier New" panose="02070309020205020404" pitchFamily="49" charset="0"/>
-                          <a:cs typeface="Courier New" panose="02070309020205020404" pitchFamily="49" charset="0"/>
-                        </a:rPr>
-                        <a:t>5</a:t>
-                      </a:r>
-                    </a:p>
-                  </a:txBody>
-                  <a:tcPr>
-                    <a:lnL w="12700" cap="flat" cmpd="sng" algn="ctr">
-                      <a:solidFill>
-                        <a:schemeClr val="tx1"/>
-                      </a:solidFill>
-                      <a:prstDash val="solid"/>
-                      <a:round/>
-                      <a:headEnd type="none" w="med" len="med"/>
-                      <a:tailEnd type="none" w="med" len="med"/>
-                    </a:lnL>
-                    <a:lnR w="12700" cap="flat" cmpd="sng" algn="ctr">
-                      <a:solidFill>
-                        <a:schemeClr val="tx1"/>
-                      </a:solidFill>
-                      <a:prstDash val="solid"/>
-                      <a:round/>
-                      <a:headEnd type="none" w="med" len="med"/>
-                      <a:tailEnd type="none" w="med" len="med"/>
-                    </a:lnR>
-                    <a:lnT w="12700" cap="flat" cmpd="sng" algn="ctr">
-                      <a:solidFill>
-                        <a:schemeClr val="tx1"/>
-                      </a:solidFill>
-                      <a:prstDash val="solid"/>
-                      <a:round/>
-                      <a:headEnd type="none" w="med" len="med"/>
-                      <a:tailEnd type="none" w="med" len="med"/>
-                    </a:lnT>
-                    <a:lnB w="12700" cap="flat" cmpd="sng" algn="ctr">
-                      <a:solidFill>
-                        <a:schemeClr val="tx1"/>
-                      </a:solidFill>
-                      <a:prstDash val="solid"/>
-                      <a:round/>
-                      <a:headEnd type="none" w="med" len="med"/>
-                      <a:tailEnd type="none" w="med" len="med"/>
-                    </a:lnB>
-                    <a:solidFill>
-                      <a:srgbClr val="FFFF00"/>
-                    </a:solidFill>
-                  </a:tcPr>
-                </a:tc>
-                <a:tc>
-                  <a:txBody>
-                    <a:bodyPr/>
-                    <a:lstStyle/>
-                    <a:p>
-                      <a:pPr algn="l"/>
-                      <a:endParaRPr lang="en-US" dirty="0">
-                        <a:latin typeface="Courier New" panose="02070309020205020404" pitchFamily="49" charset="0"/>
-                        <a:cs typeface="Courier New" panose="02070309020205020404" pitchFamily="49" charset="0"/>
-                      </a:endParaRPr>
-                    </a:p>
-                  </a:txBody>
-                  <a:tcPr>
-                    <a:lnL w="12700" cap="flat" cmpd="sng" algn="ctr">
-                      <a:solidFill>
-                        <a:schemeClr val="tx1"/>
-                      </a:solidFill>
-                      <a:prstDash val="solid"/>
-                      <a:round/>
-                      <a:headEnd type="none" w="med" len="med"/>
-                      <a:tailEnd type="none" w="med" len="med"/>
-                    </a:lnL>
-                  </a:tcPr>
-                </a:tc>
-                <a:extLst>
-                  <a:ext uri="{0D108BD9-81ED-4DB2-BD59-A6C34878D82A}">
-                    <a16:rowId xmlns:a16="http://schemas.microsoft.com/office/drawing/2014/main" val="1351627685"/>
-                  </a:ext>
-                </a:extLst>
-              </a:tr>
-              <a:tr h="359404">
-                <a:tc vMerge="1">
-                  <a:txBody>
-                    <a:bodyPr/>
-                    <a:lstStyle/>
-                    <a:p>
-                      <a:endParaRPr lang="en-US"/>
-                    </a:p>
-                  </a:txBody>
-                  <a:tcPr/>
-                </a:tc>
-                <a:tc>
-                  <a:txBody>
-                    <a:bodyPr/>
-                    <a:lstStyle/>
-                    <a:p>
-                      <a:pPr algn="ctr"/>
-                      <a:endParaRPr lang="en-US" dirty="0">
-                        <a:latin typeface="Courier New" panose="02070309020205020404" pitchFamily="49" charset="0"/>
-                        <a:cs typeface="Courier New" panose="02070309020205020404" pitchFamily="49" charset="0"/>
-                      </a:endParaRPr>
-                    </a:p>
-                  </a:txBody>
-                  <a:tcPr>
-                    <a:lnL w="12700" cap="flat" cmpd="sng" algn="ctr">
-                      <a:solidFill>
-                        <a:schemeClr val="tx1"/>
-                      </a:solidFill>
-                      <a:prstDash val="solid"/>
-                      <a:round/>
-                      <a:headEnd type="none" w="med" len="med"/>
-                      <a:tailEnd type="none" w="med" len="med"/>
-                    </a:lnL>
-                    <a:lnR w="12700" cap="flat" cmpd="sng" algn="ctr">
-                      <a:solidFill>
-                        <a:schemeClr val="tx1"/>
-                      </a:solidFill>
-                      <a:prstDash val="solid"/>
-                      <a:round/>
-                      <a:headEnd type="none" w="med" len="med"/>
-                      <a:tailEnd type="none" w="med" len="med"/>
-                    </a:lnR>
-                    <a:lnT w="12700" cap="flat" cmpd="sng" algn="ctr">
-                      <a:solidFill>
-                        <a:schemeClr val="tx1"/>
-                      </a:solidFill>
-                      <a:prstDash val="solid"/>
-                      <a:round/>
-                      <a:headEnd type="none" w="med" len="med"/>
-                      <a:tailEnd type="none" w="med" len="med"/>
-                    </a:lnT>
-                    <a:lnB w="12700" cap="flat" cmpd="sng" algn="ctr">
-                      <a:solidFill>
-                        <a:schemeClr val="tx1"/>
-                      </a:solidFill>
-                      <a:prstDash val="solid"/>
-                      <a:round/>
-                      <a:headEnd type="none" w="med" len="med"/>
-                      <a:tailEnd type="none" w="med" len="med"/>
-                    </a:lnB>
-                    <a:solidFill>
-                      <a:schemeClr val="accent6">
-                        <a:lumMod val="60000"/>
-                        <a:lumOff val="40000"/>
-                      </a:schemeClr>
-                    </a:solidFill>
-                  </a:tcPr>
-                </a:tc>
-                <a:tc>
-                  <a:txBody>
-                    <a:bodyPr/>
-                    <a:lstStyle/>
-                    <a:p>
-                      <a:pPr algn="l"/>
-                      <a:endParaRPr lang="en-US" dirty="0">
-                        <a:latin typeface="Courier New" panose="02070309020205020404" pitchFamily="49" charset="0"/>
-                        <a:cs typeface="Courier New" panose="02070309020205020404" pitchFamily="49" charset="0"/>
-                      </a:endParaRPr>
-                    </a:p>
-                  </a:txBody>
-                  <a:tcPr>
-                    <a:lnL w="12700" cap="flat" cmpd="sng" algn="ctr">
-                      <a:solidFill>
-                        <a:schemeClr val="tx1"/>
-                      </a:solidFill>
-                      <a:prstDash val="solid"/>
-                      <a:round/>
-                      <a:headEnd type="none" w="med" len="med"/>
-                      <a:tailEnd type="none" w="med" len="med"/>
-                    </a:lnL>
-                  </a:tcPr>
-                </a:tc>
-                <a:extLst>
-                  <a:ext uri="{0D108BD9-81ED-4DB2-BD59-A6C34878D82A}">
-                    <a16:rowId xmlns:a16="http://schemas.microsoft.com/office/drawing/2014/main" val="4254694988"/>
-                  </a:ext>
-                </a:extLst>
-              </a:tr>
-              <a:tr h="359404">
-                <a:tc vMerge="1">
-                  <a:txBody>
-                    <a:bodyPr/>
-                    <a:lstStyle/>
-                    <a:p>
-                      <a:pPr algn="r"/>
-                      <a:endParaRPr lang="en-US" dirty="0">
-                        <a:latin typeface="Courier New" panose="02070309020205020404" pitchFamily="49" charset="0"/>
-                        <a:cs typeface="Courier New" panose="02070309020205020404" pitchFamily="49" charset="0"/>
-                      </a:endParaRPr>
-                    </a:p>
-                  </a:txBody>
-                  <a:tcPr>
-                    <a:lnR w="12700" cap="flat" cmpd="sng" algn="ctr">
-                      <a:solidFill>
-                        <a:schemeClr val="tx1"/>
-                      </a:solidFill>
-                      <a:prstDash val="solid"/>
-                      <a:round/>
-                      <a:headEnd type="none" w="med" len="med"/>
-                      <a:tailEnd type="none" w="med" len="med"/>
-                    </a:lnR>
-                  </a:tcPr>
-                </a:tc>
-                <a:tc>
-                  <a:txBody>
-                    <a:bodyPr/>
-                    <a:lstStyle/>
-                    <a:p>
-                      <a:pPr algn="ctr"/>
-                      <a:r>
-                        <a:rPr lang="en-US" dirty="0">
-                          <a:latin typeface="Courier New" panose="02070309020205020404" pitchFamily="49" charset="0"/>
-                          <a:cs typeface="Courier New" panose="02070309020205020404" pitchFamily="49" charset="0"/>
-                        </a:rPr>
-                        <a:t>7</a:t>
-                      </a:r>
-                    </a:p>
-                  </a:txBody>
-                  <a:tcPr>
-                    <a:lnL w="12700" cap="flat" cmpd="sng" algn="ctr">
-                      <a:solidFill>
-                        <a:schemeClr val="tx1"/>
-                      </a:solidFill>
-                      <a:prstDash val="solid"/>
-                      <a:round/>
-                      <a:headEnd type="none" w="med" len="med"/>
-                      <a:tailEnd type="none" w="med" len="med"/>
-                    </a:lnL>
-                    <a:lnR w="12700" cap="flat" cmpd="sng" algn="ctr">
-                      <a:solidFill>
-                        <a:schemeClr val="tx1"/>
-                      </a:solidFill>
-                      <a:prstDash val="solid"/>
-                      <a:round/>
-                      <a:headEnd type="none" w="med" len="med"/>
-                      <a:tailEnd type="none" w="med" len="med"/>
-                    </a:lnR>
-                    <a:lnT w="12700" cap="flat" cmpd="sng" algn="ctr">
-                      <a:solidFill>
-                        <a:schemeClr val="tx1"/>
-                      </a:solidFill>
-                      <a:prstDash val="solid"/>
-                      <a:round/>
-                      <a:headEnd type="none" w="med" len="med"/>
-                      <a:tailEnd type="none" w="med" len="med"/>
-                    </a:lnT>
-                    <a:lnB w="12700" cap="flat" cmpd="sng" algn="ctr">
-                      <a:solidFill>
-                        <a:schemeClr val="tx1"/>
-                      </a:solidFill>
-                      <a:prstDash val="solid"/>
-                      <a:round/>
-                      <a:headEnd type="none" w="med" len="med"/>
-                      <a:tailEnd type="none" w="med" len="med"/>
-                    </a:lnB>
-                    <a:solidFill>
-                      <a:srgbClr val="FFFF00"/>
-                    </a:solidFill>
-                  </a:tcPr>
-                </a:tc>
-                <a:tc>
-                  <a:txBody>
-                    <a:bodyPr/>
-                    <a:lstStyle/>
-                    <a:p>
-                      <a:pPr algn="l"/>
-                      <a:endParaRPr lang="en-US" dirty="0">
-                        <a:latin typeface="Courier New" panose="02070309020205020404" pitchFamily="49" charset="0"/>
-                        <a:cs typeface="Courier New" panose="02070309020205020404" pitchFamily="49" charset="0"/>
-                      </a:endParaRPr>
-                    </a:p>
-                  </a:txBody>
-                  <a:tcPr>
-                    <a:lnL w="12700" cap="flat" cmpd="sng" algn="ctr">
-                      <a:solidFill>
-                        <a:schemeClr val="tx1"/>
-                      </a:solidFill>
-                      <a:prstDash val="solid"/>
-                      <a:round/>
-                      <a:headEnd type="none" w="med" len="med"/>
-                      <a:tailEnd type="none" w="med" len="med"/>
-                    </a:lnL>
-                  </a:tcPr>
-                </a:tc>
-                <a:extLst>
-                  <a:ext uri="{0D108BD9-81ED-4DB2-BD59-A6C34878D82A}">
-                    <a16:rowId xmlns:a16="http://schemas.microsoft.com/office/drawing/2014/main" val="94860847"/>
-                  </a:ext>
-                </a:extLst>
-              </a:tr>
-              <a:tr h="359404">
-                <a:tc vMerge="1">
-                  <a:txBody>
-                    <a:bodyPr/>
-                    <a:lstStyle/>
-                    <a:p>
-                      <a:pPr algn="r"/>
-                      <a:endParaRPr lang="en-US" dirty="0">
-                        <a:latin typeface="Courier New" panose="02070309020205020404" pitchFamily="49" charset="0"/>
-                        <a:cs typeface="Courier New" panose="02070309020205020404" pitchFamily="49" charset="0"/>
-                      </a:endParaRPr>
-                    </a:p>
-                  </a:txBody>
-                  <a:tcPr>
-                    <a:lnR w="12700" cap="flat" cmpd="sng" algn="ctr">
-                      <a:solidFill>
-                        <a:schemeClr val="tx1"/>
-                      </a:solidFill>
-                      <a:prstDash val="solid"/>
-                      <a:round/>
-                      <a:headEnd type="none" w="med" len="med"/>
-                      <a:tailEnd type="none" w="med" len="med"/>
-                    </a:lnR>
-                  </a:tcPr>
-                </a:tc>
-                <a:tc>
-                  <a:txBody>
-                    <a:bodyPr/>
-                    <a:lstStyle/>
-                    <a:p>
-                      <a:pPr algn="ctr"/>
-                      <a:r>
-                        <a:rPr lang="en-US" dirty="0">
-                          <a:latin typeface="Courier New" panose="02070309020205020404" pitchFamily="49" charset="0"/>
-                          <a:cs typeface="Courier New" panose="02070309020205020404" pitchFamily="49" charset="0"/>
-                        </a:rPr>
-                        <a:t>11</a:t>
-                      </a:r>
-                    </a:p>
-                  </a:txBody>
-                  <a:tcPr>
-                    <a:lnL w="12700" cap="flat" cmpd="sng" algn="ctr">
-                      <a:solidFill>
-                        <a:schemeClr val="tx1"/>
-                      </a:solidFill>
-                      <a:prstDash val="solid"/>
-                      <a:round/>
-                      <a:headEnd type="none" w="med" len="med"/>
-                      <a:tailEnd type="none" w="med" len="med"/>
-                    </a:lnL>
-                    <a:lnR w="12700" cap="flat" cmpd="sng" algn="ctr">
-                      <a:solidFill>
-                        <a:schemeClr val="tx1"/>
-                      </a:solidFill>
-                      <a:prstDash val="solid"/>
-                      <a:round/>
-                      <a:headEnd type="none" w="med" len="med"/>
-                      <a:tailEnd type="none" w="med" len="med"/>
-                    </a:lnR>
-                    <a:lnT w="12700" cap="flat" cmpd="sng" algn="ctr">
-                      <a:solidFill>
-                        <a:schemeClr val="tx1"/>
-                      </a:solidFill>
-                      <a:prstDash val="solid"/>
-                      <a:round/>
-                      <a:headEnd type="none" w="med" len="med"/>
-                      <a:tailEnd type="none" w="med" len="med"/>
-                    </a:lnT>
-                    <a:lnB w="12700" cap="flat" cmpd="sng" algn="ctr">
-                      <a:solidFill>
-                        <a:schemeClr val="tx1"/>
-                      </a:solidFill>
-                      <a:prstDash val="solid"/>
-                      <a:round/>
-                      <a:headEnd type="none" w="med" len="med"/>
-                      <a:tailEnd type="none" w="med" len="med"/>
-                    </a:lnB>
-                    <a:solidFill>
-                      <a:srgbClr val="FFFF00"/>
-                    </a:solidFill>
-                  </a:tcPr>
-                </a:tc>
-                <a:tc>
-                  <a:txBody>
-                    <a:bodyPr/>
-                    <a:lstStyle/>
-                    <a:p>
-                      <a:pPr algn="l"/>
-                      <a:endParaRPr lang="en-US" dirty="0">
-                        <a:latin typeface="Courier New" panose="02070309020205020404" pitchFamily="49" charset="0"/>
-                        <a:cs typeface="Courier New" panose="02070309020205020404" pitchFamily="49" charset="0"/>
-                      </a:endParaRPr>
-                    </a:p>
-                  </a:txBody>
-                  <a:tcPr>
-                    <a:lnL w="12700" cap="flat" cmpd="sng" algn="ctr">
-                      <a:solidFill>
-                        <a:schemeClr val="tx1"/>
-                      </a:solidFill>
-                      <a:prstDash val="solid"/>
-                      <a:round/>
-                      <a:headEnd type="none" w="med" len="med"/>
-                      <a:tailEnd type="none" w="med" len="med"/>
-                    </a:lnL>
-                  </a:tcPr>
-                </a:tc>
-                <a:extLst>
-                  <a:ext uri="{0D108BD9-81ED-4DB2-BD59-A6C34878D82A}">
-                    <a16:rowId xmlns:a16="http://schemas.microsoft.com/office/drawing/2014/main" val="3381186927"/>
-                  </a:ext>
-                </a:extLst>
-              </a:tr>
-              <a:tr h="361046">
-                <a:tc>
-                  <a:txBody>
-                    <a:bodyPr/>
-                    <a:lstStyle/>
-                    <a:p>
-                      <a:pPr algn="r"/>
-                      <a:endParaRPr lang="en-US" dirty="0"/>
-                    </a:p>
-                  </a:txBody>
-                  <a:tcPr>
-                    <a:lnR w="12700" cap="flat" cmpd="sng" algn="ctr">
-                      <a:solidFill>
-                        <a:schemeClr val="tx1"/>
-                      </a:solidFill>
-                      <a:prstDash val="solid"/>
-                      <a:round/>
-                      <a:headEnd type="none" w="med" len="med"/>
-                      <a:tailEnd type="none" w="med" len="med"/>
-                    </a:lnR>
-                  </a:tcPr>
-                </a:tc>
-                <a:tc>
-                  <a:txBody>
-                    <a:bodyPr/>
-                    <a:lstStyle/>
-                    <a:p>
-                      <a:pPr algn="ctr"/>
-                      <a:endParaRPr lang="en-US" dirty="0">
-                        <a:latin typeface="Courier New" panose="02070309020205020404" pitchFamily="49" charset="0"/>
-                        <a:cs typeface="Courier New" panose="02070309020205020404" pitchFamily="49" charset="0"/>
-                      </a:endParaRPr>
-                    </a:p>
-                  </a:txBody>
-                  <a:tcPr>
-                    <a:lnL w="12700" cap="flat" cmpd="sng" algn="ctr">
-                      <a:solidFill>
-                        <a:schemeClr val="tx1"/>
-                      </a:solidFill>
-                      <a:prstDash val="solid"/>
-                      <a:round/>
-                      <a:headEnd type="none" w="med" len="med"/>
-                      <a:tailEnd type="none" w="med" len="med"/>
-                    </a:lnL>
-                    <a:lnR w="12700" cap="flat" cmpd="sng" algn="ctr">
-                      <a:solidFill>
-                        <a:schemeClr val="tx1"/>
-                      </a:solidFill>
-                      <a:prstDash val="solid"/>
-                      <a:round/>
-                      <a:headEnd type="none" w="med" len="med"/>
-                      <a:tailEnd type="none" w="med" len="med"/>
-                    </a:lnR>
-                    <a:lnT w="12700" cap="flat" cmpd="sng" algn="ctr">
-                      <a:solidFill>
-                        <a:schemeClr val="tx1"/>
-                      </a:solidFill>
-                      <a:prstDash val="solid"/>
-                      <a:round/>
-                      <a:headEnd type="none" w="med" len="med"/>
-                      <a:tailEnd type="none" w="med" len="med"/>
-                    </a:lnT>
-                    <a:lnB w="12700" cap="flat" cmpd="sng" algn="ctr">
-                      <a:solidFill>
-                        <a:schemeClr val="tx1"/>
-                      </a:solidFill>
-                      <a:prstDash val="solid"/>
-                      <a:round/>
-                      <a:headEnd type="none" w="med" len="med"/>
-                      <a:tailEnd type="none" w="med" len="med"/>
-                    </a:lnB>
-                    <a:solidFill>
-                      <a:schemeClr val="accent6">
-                        <a:lumMod val="60000"/>
-                        <a:lumOff val="40000"/>
-                      </a:schemeClr>
-                    </a:solidFill>
-                  </a:tcPr>
-                </a:tc>
-                <a:tc>
-                  <a:txBody>
-                    <a:bodyPr/>
-                    <a:lstStyle/>
-                    <a:p>
-                      <a:pPr algn="l"/>
-                      <a:endParaRPr lang="en-US" dirty="0"/>
-                    </a:p>
-                  </a:txBody>
-                  <a:tcPr>
-                    <a:lnL w="12700" cap="flat" cmpd="sng" algn="ctr">
-                      <a:solidFill>
-                        <a:schemeClr val="tx1"/>
-                      </a:solidFill>
-                      <a:prstDash val="solid"/>
-                      <a:round/>
-                      <a:headEnd type="none" w="med" len="med"/>
-                      <a:tailEnd type="none" w="med" len="med"/>
-                    </a:lnL>
-                  </a:tcPr>
-                </a:tc>
-                <a:extLst>
-                  <a:ext uri="{0D108BD9-81ED-4DB2-BD59-A6C34878D82A}">
-                    <a16:rowId xmlns:a16="http://schemas.microsoft.com/office/drawing/2014/main" val="184451536"/>
-                  </a:ext>
-                </a:extLst>
-              </a:tr>
-              <a:tr h="359366">
-                <a:tc>
-                  <a:txBody>
-                    <a:bodyPr/>
-                    <a:lstStyle/>
-                    <a:p>
-                      <a:pPr algn="l"/>
-                      <a:r>
-                        <a:rPr lang="en-US" dirty="0">
-                          <a:latin typeface="Courier New" panose="02070309020205020404" pitchFamily="49" charset="0"/>
-                          <a:cs typeface="Courier New" panose="02070309020205020404" pitchFamily="49" charset="0"/>
-                        </a:rPr>
-                        <a:t>c</a:t>
-                      </a:r>
-                      <a:endParaRPr lang="en-US" dirty="0"/>
-                    </a:p>
-                  </a:txBody>
-                  <a:tcPr>
-                    <a:lnR w="12700" cap="flat" cmpd="sng" algn="ctr">
-                      <a:solidFill>
-                        <a:schemeClr val="tx1"/>
-                      </a:solidFill>
-                      <a:prstDash val="solid"/>
-                      <a:round/>
-                      <a:headEnd type="none" w="med" len="med"/>
-                      <a:tailEnd type="none" w="med" len="med"/>
-                    </a:lnR>
-                  </a:tcPr>
-                </a:tc>
-                <a:tc>
-                  <a:txBody>
-                    <a:bodyPr/>
-                    <a:lstStyle/>
-                    <a:p>
-                      <a:pPr algn="ctr"/>
-                      <a:endParaRPr lang="en-US" dirty="0">
-                        <a:latin typeface="Courier New" panose="02070309020205020404" pitchFamily="49" charset="0"/>
-                        <a:cs typeface="Courier New" panose="02070309020205020404" pitchFamily="49" charset="0"/>
-                      </a:endParaRPr>
-                    </a:p>
-                  </a:txBody>
-                  <a:tcPr>
-                    <a:lnL w="12700" cap="flat" cmpd="sng" algn="ctr">
-                      <a:solidFill>
-                        <a:schemeClr val="tx1"/>
-                      </a:solidFill>
-                      <a:prstDash val="solid"/>
-                      <a:round/>
-                      <a:headEnd type="none" w="med" len="med"/>
-                      <a:tailEnd type="none" w="med" len="med"/>
-                    </a:lnL>
-                    <a:lnR w="12700" cap="flat" cmpd="sng" algn="ctr">
-                      <a:solidFill>
-                        <a:schemeClr val="tx1"/>
-                      </a:solidFill>
-                      <a:prstDash val="solid"/>
-                      <a:round/>
-                      <a:headEnd type="none" w="med" len="med"/>
-                      <a:tailEnd type="none" w="med" len="med"/>
-                    </a:lnR>
-                    <a:lnT w="12700" cap="flat" cmpd="sng" algn="ctr">
-                      <a:solidFill>
-                        <a:schemeClr val="tx1"/>
-                      </a:solidFill>
-                      <a:prstDash val="solid"/>
-                      <a:round/>
-                      <a:headEnd type="none" w="med" len="med"/>
-                      <a:tailEnd type="none" w="med" len="med"/>
-                    </a:lnT>
-                    <a:lnB w="12700" cap="flat" cmpd="sng" algn="ctr">
-                      <a:solidFill>
-                        <a:schemeClr val="tx1"/>
-                      </a:solidFill>
-                      <a:prstDash val="solid"/>
-                      <a:round/>
-                      <a:headEnd type="none" w="med" len="med"/>
-                      <a:tailEnd type="none" w="med" len="med"/>
-                    </a:lnB>
-                    <a:solidFill>
-                      <a:srgbClr val="FFFF00"/>
-                    </a:solidFill>
-                  </a:tcPr>
-                </a:tc>
-                <a:tc>
-                  <a:txBody>
-                    <a:bodyPr/>
-                    <a:lstStyle/>
-                    <a:p>
-                      <a:pPr algn="l"/>
-                      <a:r>
-                        <a:rPr lang="en-US" dirty="0">
-                          <a:latin typeface="Courier New" panose="02070309020205020404" pitchFamily="49" charset="0"/>
-                          <a:cs typeface="Courier New" panose="02070309020205020404" pitchFamily="49" charset="0"/>
-                        </a:rPr>
-                        <a:t>c[0]</a:t>
-                      </a:r>
-                    </a:p>
-                  </a:txBody>
-                  <a:tcPr>
-                    <a:lnL w="12700" cap="flat" cmpd="sng" algn="ctr">
-                      <a:solidFill>
-                        <a:schemeClr val="tx1"/>
-                      </a:solidFill>
-                      <a:prstDash val="solid"/>
-                      <a:round/>
-                      <a:headEnd type="none" w="med" len="med"/>
-                      <a:tailEnd type="none" w="med" len="med"/>
-                    </a:lnL>
-                  </a:tcPr>
-                </a:tc>
-                <a:extLst>
-                  <a:ext uri="{0D108BD9-81ED-4DB2-BD59-A6C34878D82A}">
-                    <a16:rowId xmlns:a16="http://schemas.microsoft.com/office/drawing/2014/main" val="2794040525"/>
-                  </a:ext>
-                </a:extLst>
-              </a:tr>
-              <a:tr h="359366">
-                <a:tc>
-                  <a:txBody>
-                    <a:bodyPr/>
-                    <a:lstStyle/>
-                    <a:p>
-                      <a:pPr algn="r"/>
-                      <a:endParaRPr lang="en-US" dirty="0"/>
-                    </a:p>
-                  </a:txBody>
-                  <a:tcPr>
-                    <a:lnR w="12700" cap="flat" cmpd="sng" algn="ctr">
-                      <a:solidFill>
-                        <a:schemeClr val="tx1"/>
-                      </a:solidFill>
-                      <a:prstDash val="solid"/>
-                      <a:round/>
-                      <a:headEnd type="none" w="med" len="med"/>
-                      <a:tailEnd type="none" w="med" len="med"/>
-                    </a:lnR>
-                  </a:tcPr>
-                </a:tc>
-                <a:tc>
-                  <a:txBody>
-                    <a:bodyPr/>
-                    <a:lstStyle/>
-                    <a:p>
-                      <a:pPr algn="ctr"/>
-                      <a:endParaRPr lang="en-US" dirty="0">
-                        <a:latin typeface="Courier New" panose="02070309020205020404" pitchFamily="49" charset="0"/>
-                        <a:cs typeface="Courier New" panose="02070309020205020404" pitchFamily="49" charset="0"/>
-                      </a:endParaRPr>
-                    </a:p>
-                  </a:txBody>
-                  <a:tcPr>
-                    <a:lnL w="12700" cap="flat" cmpd="sng" algn="ctr">
-                      <a:solidFill>
-                        <a:schemeClr val="tx1"/>
-                      </a:solidFill>
-                      <a:prstDash val="solid"/>
-                      <a:round/>
-                      <a:headEnd type="none" w="med" len="med"/>
-                      <a:tailEnd type="none" w="med" len="med"/>
-                    </a:lnL>
-                    <a:lnR w="12700" cap="flat" cmpd="sng" algn="ctr">
-                      <a:solidFill>
-                        <a:schemeClr val="tx1"/>
-                      </a:solidFill>
-                      <a:prstDash val="solid"/>
-                      <a:round/>
-                      <a:headEnd type="none" w="med" len="med"/>
-                      <a:tailEnd type="none" w="med" len="med"/>
-                    </a:lnR>
-                    <a:lnT w="12700" cap="flat" cmpd="sng" algn="ctr">
-                      <a:solidFill>
-                        <a:schemeClr val="tx1"/>
-                      </a:solidFill>
-                      <a:prstDash val="solid"/>
-                      <a:round/>
-                      <a:headEnd type="none" w="med" len="med"/>
-                      <a:tailEnd type="none" w="med" len="med"/>
-                    </a:lnT>
-                    <a:lnB w="12700" cap="flat" cmpd="sng" algn="ctr">
-                      <a:solidFill>
-                        <a:schemeClr val="tx1"/>
-                      </a:solidFill>
-                      <a:prstDash val="solid"/>
-                      <a:round/>
-                      <a:headEnd type="none" w="med" len="med"/>
-                      <a:tailEnd type="none" w="med" len="med"/>
-                    </a:lnB>
-                    <a:solidFill>
-                      <a:srgbClr val="FFFF00"/>
-                    </a:solidFill>
-                  </a:tcPr>
-                </a:tc>
-                <a:tc>
-                  <a:txBody>
-                    <a:bodyPr/>
-                    <a:lstStyle/>
-                    <a:p>
-                      <a:pPr algn="l"/>
-                      <a:r>
-                        <a:rPr lang="en-US" dirty="0">
-                          <a:latin typeface="Courier New" panose="02070309020205020404" pitchFamily="49" charset="0"/>
-                          <a:cs typeface="Courier New" panose="02070309020205020404" pitchFamily="49" charset="0"/>
-                        </a:rPr>
-                        <a:t>c[1]</a:t>
-                      </a:r>
-                    </a:p>
-                  </a:txBody>
-                  <a:tcPr>
-                    <a:lnL w="12700" cap="flat" cmpd="sng" algn="ctr">
-                      <a:solidFill>
-                        <a:schemeClr val="tx1"/>
-                      </a:solidFill>
-                      <a:prstDash val="solid"/>
-                      <a:round/>
-                      <a:headEnd type="none" w="med" len="med"/>
-                      <a:tailEnd type="none" w="med" len="med"/>
-                    </a:lnL>
-                  </a:tcPr>
-                </a:tc>
-                <a:extLst>
-                  <a:ext uri="{0D108BD9-81ED-4DB2-BD59-A6C34878D82A}">
-                    <a16:rowId xmlns:a16="http://schemas.microsoft.com/office/drawing/2014/main" val="3226451873"/>
-                  </a:ext>
-                </a:extLst>
-              </a:tr>
-              <a:tr h="354481">
-                <a:tc>
-                  <a:txBody>
-                    <a:bodyPr/>
-                    <a:lstStyle/>
-                    <a:p>
-                      <a:pPr algn="r"/>
-                      <a:endParaRPr lang="en-US" dirty="0"/>
-                    </a:p>
-                  </a:txBody>
-                  <a:tcPr>
-                    <a:lnR w="12700" cap="flat" cmpd="sng" algn="ctr">
-                      <a:solidFill>
-                        <a:schemeClr val="tx1"/>
-                      </a:solidFill>
-                      <a:prstDash val="solid"/>
-                      <a:round/>
-                      <a:headEnd type="none" w="med" len="med"/>
-                      <a:tailEnd type="none" w="med" len="med"/>
-                    </a:lnR>
-                  </a:tcPr>
-                </a:tc>
-                <a:tc>
-                  <a:txBody>
-                    <a:bodyPr/>
-                    <a:lstStyle/>
-                    <a:p>
-                      <a:pPr algn="ctr"/>
-                      <a:endParaRPr lang="en-US" dirty="0"/>
-                    </a:p>
-                  </a:txBody>
-                  <a:tcPr>
-                    <a:lnL w="12700" cap="flat" cmpd="sng" algn="ctr">
-                      <a:solidFill>
-                        <a:schemeClr val="tx1"/>
-                      </a:solidFill>
-                      <a:prstDash val="solid"/>
-                      <a:round/>
-                      <a:headEnd type="none" w="med" len="med"/>
-                      <a:tailEnd type="none" w="med" len="med"/>
-                    </a:lnL>
-                    <a:lnR w="12700" cap="flat" cmpd="sng" algn="ctr">
-                      <a:solidFill>
-                        <a:schemeClr val="tx1"/>
-                      </a:solidFill>
-                      <a:prstDash val="solid"/>
-                      <a:round/>
-                      <a:headEnd type="none" w="med" len="med"/>
-                      <a:tailEnd type="none" w="med" len="med"/>
-                    </a:lnR>
-                    <a:lnT w="12700" cap="flat" cmpd="sng" algn="ctr">
-                      <a:solidFill>
-                        <a:schemeClr val="tx1"/>
-                      </a:solidFill>
-                      <a:prstDash val="solid"/>
-                      <a:round/>
-                      <a:headEnd type="none" w="med" len="med"/>
-                      <a:tailEnd type="none" w="med" len="med"/>
-                    </a:lnT>
-                    <a:lnB w="12700" cap="flat" cmpd="sng" algn="ctr">
-                      <a:solidFill>
-                        <a:schemeClr val="tx1"/>
-                      </a:solidFill>
-                      <a:prstDash val="solid"/>
-                      <a:round/>
-                      <a:headEnd type="none" w="med" len="med"/>
-                      <a:tailEnd type="none" w="med" len="med"/>
-                    </a:lnB>
-                    <a:solidFill>
-                      <a:schemeClr val="accent6">
-                        <a:lumMod val="60000"/>
-                        <a:lumOff val="40000"/>
-                      </a:schemeClr>
-                    </a:solidFill>
-                  </a:tcPr>
-                </a:tc>
-                <a:tc>
-                  <a:txBody>
-                    <a:bodyPr/>
-                    <a:lstStyle/>
-                    <a:p>
-                      <a:pPr algn="l"/>
-                      <a:endParaRPr lang="en-US" dirty="0"/>
-                    </a:p>
-                  </a:txBody>
-                  <a:tcPr>
-                    <a:lnL w="12700" cap="flat" cmpd="sng" algn="ctr">
-                      <a:solidFill>
-                        <a:schemeClr val="tx1"/>
-                      </a:solidFill>
-                      <a:prstDash val="solid"/>
-                      <a:round/>
-                      <a:headEnd type="none" w="med" len="med"/>
-                      <a:tailEnd type="none" w="med" len="med"/>
-                    </a:lnL>
-                  </a:tcPr>
-                </a:tc>
-                <a:extLst>
-                  <a:ext uri="{0D108BD9-81ED-4DB2-BD59-A6C34878D82A}">
-                    <a16:rowId xmlns:a16="http://schemas.microsoft.com/office/drawing/2014/main" val="2753562273"/>
-                  </a:ext>
-                </a:extLst>
-              </a:tr>
-            </a:tbl>
-          </a:graphicData>
-        </a:graphic>
-      </p:graphicFrame>
-      <p:cxnSp>
-        <p:nvCxnSpPr>
-          <p:cNvPr id="14" name="Straight Arrow Connector 13"/>
-          <p:cNvCxnSpPr/>
-          <p:nvPr/>
-        </p:nvCxnSpPr>
-        <p:spPr>
-          <a:xfrm flipV="1">
-            <a:off x="9731307" y="2011859"/>
-            <a:ext cx="574766" cy="241148"/>
-          </a:xfrm>
-          <a:prstGeom prst="straightConnector1">
-            <a:avLst/>
-          </a:prstGeom>
-          <a:ln>
-            <a:solidFill>
-              <a:schemeClr val="tx1"/>
-            </a:solidFill>
-            <a:tailEnd type="triangle"/>
-          </a:ln>
-        </p:spPr>
-        <p:style>
-          <a:lnRef idx="1">
-            <a:schemeClr val="accent1"/>
-          </a:lnRef>
-          <a:fillRef idx="0">
-            <a:schemeClr val="accent1"/>
-          </a:fillRef>
-          <a:effectRef idx="0">
-            <a:schemeClr val="accent1"/>
-          </a:effectRef>
-          <a:fontRef idx="minor">
-            <a:schemeClr val="tx1"/>
-          </a:fontRef>
-        </p:style>
-      </p:cxnSp>
-      <p:cxnSp>
-        <p:nvCxnSpPr>
-          <p:cNvPr id="15" name="Straight Arrow Connector 14"/>
-          <p:cNvCxnSpPr/>
-          <p:nvPr/>
-        </p:nvCxnSpPr>
-        <p:spPr>
-          <a:xfrm>
-            <a:off x="9731307" y="1909221"/>
-            <a:ext cx="574766" cy="0"/>
-          </a:xfrm>
-          <a:prstGeom prst="straightConnector1">
-            <a:avLst/>
-          </a:prstGeom>
-          <a:ln>
-            <a:solidFill>
-              <a:schemeClr val="tx1"/>
-            </a:solidFill>
-            <a:tailEnd type="triangle"/>
-          </a:ln>
-        </p:spPr>
-        <p:style>
-          <a:lnRef idx="1">
-            <a:schemeClr val="accent1"/>
-          </a:lnRef>
-          <a:fillRef idx="0">
-            <a:schemeClr val="accent1"/>
-          </a:fillRef>
-          <a:effectRef idx="0">
-            <a:schemeClr val="accent1"/>
-          </a:effectRef>
-          <a:fontRef idx="minor">
-            <a:schemeClr val="tx1"/>
-          </a:fontRef>
-        </p:style>
-      </p:cxnSp>
-      <p:sp>
-        <p:nvSpPr>
-          <p:cNvPr id="17" name="Rectangle 16"/>
-          <p:cNvSpPr/>
-          <p:nvPr/>
-        </p:nvSpPr>
-        <p:spPr>
-          <a:xfrm>
-            <a:off x="9468116" y="2068341"/>
-            <a:ext cx="322524" cy="369332"/>
-          </a:xfrm>
-          <a:prstGeom prst="rect">
-            <a:avLst/>
-          </a:prstGeom>
-        </p:spPr>
-        <p:txBody>
-          <a:bodyPr wrap="none">
-            <a:spAutoFit/>
-          </a:bodyPr>
-          <a:lstStyle/>
-          <a:p>
-            <a:r>
-              <a:rPr lang="en-US" dirty="0">
-                <a:latin typeface="Courier"/>
-              </a:rPr>
-              <a:t>b</a:t>
-            </a:r>
-          </a:p>
-        </p:txBody>
-      </p:sp>
-      <p:sp>
-        <p:nvSpPr>
-          <p:cNvPr id="4" name="Freeform 3"/>
-          <p:cNvSpPr/>
-          <p:nvPr/>
-        </p:nvSpPr>
-        <p:spPr>
-          <a:xfrm flipV="1">
-            <a:off x="10637570" y="1903373"/>
-            <a:ext cx="614039" cy="1084925"/>
-          </a:xfrm>
-          <a:custGeom>
-            <a:avLst/>
-            <a:gdLst>
-              <a:gd name="connsiteX0" fmla="*/ 0 w 423793"/>
-              <a:gd name="connsiteY0" fmla="*/ 0 h 678729"/>
-              <a:gd name="connsiteX1" fmla="*/ 414780 w 423793"/>
-              <a:gd name="connsiteY1" fmla="*/ 325224 h 678729"/>
-              <a:gd name="connsiteX2" fmla="*/ 245097 w 423793"/>
-              <a:gd name="connsiteY2" fmla="*/ 678729 h 678729"/>
-              <a:gd name="connsiteX0" fmla="*/ 490194 w 918425"/>
-              <a:gd name="connsiteY0" fmla="*/ 0 h 499007"/>
-              <a:gd name="connsiteX1" fmla="*/ 904974 w 918425"/>
-              <a:gd name="connsiteY1" fmla="*/ 325224 h 499007"/>
-              <a:gd name="connsiteX2" fmla="*/ 0 w 918425"/>
-              <a:gd name="connsiteY2" fmla="*/ 499007 h 499007"/>
-              <a:gd name="connsiteX0" fmla="*/ 240384 w 907175"/>
-              <a:gd name="connsiteY0" fmla="*/ 0 h 822507"/>
-              <a:gd name="connsiteX1" fmla="*/ 904974 w 907175"/>
-              <a:gd name="connsiteY1" fmla="*/ 648724 h 822507"/>
-              <a:gd name="connsiteX2" fmla="*/ 0 w 907175"/>
-              <a:gd name="connsiteY2" fmla="*/ 822507 h 822507"/>
-              <a:gd name="connsiteX0" fmla="*/ 240384 w 603541"/>
-              <a:gd name="connsiteY0" fmla="*/ 0 h 822507"/>
-              <a:gd name="connsiteX1" fmla="*/ 598603 w 603541"/>
-              <a:gd name="connsiteY1" fmla="*/ 309818 h 822507"/>
-              <a:gd name="connsiteX2" fmla="*/ 0 w 603541"/>
-              <a:gd name="connsiteY2" fmla="*/ 822507 h 822507"/>
-              <a:gd name="connsiteX0" fmla="*/ 240384 w 598611"/>
-              <a:gd name="connsiteY0" fmla="*/ 0 h 822507"/>
-              <a:gd name="connsiteX1" fmla="*/ 598603 w 598611"/>
-              <a:gd name="connsiteY1" fmla="*/ 309818 h 822507"/>
-              <a:gd name="connsiteX2" fmla="*/ 0 w 598611"/>
-              <a:gd name="connsiteY2" fmla="*/ 822507 h 822507"/>
-              <a:gd name="connsiteX0" fmla="*/ 240384 w 598626"/>
-              <a:gd name="connsiteY0" fmla="*/ 0 h 822507"/>
-              <a:gd name="connsiteX1" fmla="*/ 598603 w 598626"/>
-              <a:gd name="connsiteY1" fmla="*/ 309818 h 822507"/>
-              <a:gd name="connsiteX2" fmla="*/ 0 w 598626"/>
-              <a:gd name="connsiteY2" fmla="*/ 822507 h 822507"/>
-              <a:gd name="connsiteX0" fmla="*/ 240384 w 598626"/>
-              <a:gd name="connsiteY0" fmla="*/ 0 h 822507"/>
-              <a:gd name="connsiteX1" fmla="*/ 598603 w 598626"/>
-              <a:gd name="connsiteY1" fmla="*/ 535755 h 822507"/>
-              <a:gd name="connsiteX2" fmla="*/ 0 w 598626"/>
-              <a:gd name="connsiteY2" fmla="*/ 822507 h 822507"/>
-              <a:gd name="connsiteX0" fmla="*/ 240384 w 598626"/>
-              <a:gd name="connsiteY0" fmla="*/ 0 h 822507"/>
-              <a:gd name="connsiteX1" fmla="*/ 598603 w 598626"/>
-              <a:gd name="connsiteY1" fmla="*/ 535755 h 822507"/>
-              <a:gd name="connsiteX2" fmla="*/ 0 w 598626"/>
-              <a:gd name="connsiteY2" fmla="*/ 822507 h 822507"/>
-              <a:gd name="connsiteX0" fmla="*/ 254524 w 618185"/>
-              <a:gd name="connsiteY0" fmla="*/ 0 h 1181952"/>
-              <a:gd name="connsiteX1" fmla="*/ 612743 w 618185"/>
-              <a:gd name="connsiteY1" fmla="*/ 535755 h 1181952"/>
-              <a:gd name="connsiteX2" fmla="*/ 0 w 618185"/>
-              <a:gd name="connsiteY2" fmla="*/ 1181952 h 1181952"/>
-              <a:gd name="connsiteX0" fmla="*/ 254524 w 618185"/>
-              <a:gd name="connsiteY0" fmla="*/ 0 h 1181952"/>
-              <a:gd name="connsiteX1" fmla="*/ 612743 w 618185"/>
-              <a:gd name="connsiteY1" fmla="*/ 746288 h 1181952"/>
-              <a:gd name="connsiteX2" fmla="*/ 0 w 618185"/>
-              <a:gd name="connsiteY2" fmla="*/ 1181952 h 1181952"/>
-              <a:gd name="connsiteX0" fmla="*/ 254524 w 618185"/>
-              <a:gd name="connsiteY0" fmla="*/ 0 h 1181952"/>
-              <a:gd name="connsiteX1" fmla="*/ 612743 w 618185"/>
-              <a:gd name="connsiteY1" fmla="*/ 746288 h 1181952"/>
-              <a:gd name="connsiteX2" fmla="*/ 0 w 618185"/>
-              <a:gd name="connsiteY2" fmla="*/ 1181952 h 1181952"/>
-              <a:gd name="connsiteX0" fmla="*/ 254524 w 614039"/>
-              <a:gd name="connsiteY0" fmla="*/ 0 h 1181952"/>
-              <a:gd name="connsiteX1" fmla="*/ 612743 w 614039"/>
-              <a:gd name="connsiteY1" fmla="*/ 746288 h 1181952"/>
-              <a:gd name="connsiteX2" fmla="*/ 0 w 614039"/>
-              <a:gd name="connsiteY2" fmla="*/ 1181952 h 1181952"/>
-            </a:gdLst>
-            <a:ahLst/>
-            <a:cxnLst>
-              <a:cxn ang="0">
-                <a:pos x="connsiteX0" y="connsiteY0"/>
-              </a:cxn>
-              <a:cxn ang="0">
-                <a:pos x="connsiteX1" y="connsiteY1"/>
-              </a:cxn>
-              <a:cxn ang="0">
-                <a:pos x="connsiteX2" y="connsiteY2"/>
-              </a:cxn>
-            </a:cxnLst>
-            <a:rect l="l" t="t" r="r" b="b"/>
-            <a:pathLst>
-              <a:path w="614039" h="1181952">
-                <a:moveTo>
-                  <a:pt x="254524" y="0"/>
-                </a:moveTo>
-                <a:cubicBezTo>
-                  <a:pt x="441489" y="106051"/>
-                  <a:pt x="631597" y="426057"/>
-                  <a:pt x="612743" y="746288"/>
-                </a:cubicBezTo>
-                <a:cubicBezTo>
-                  <a:pt x="593889" y="1066519"/>
-                  <a:pt x="270235" y="1169593"/>
-                  <a:pt x="0" y="1181952"/>
-                </a:cubicBezTo>
-              </a:path>
-            </a:pathLst>
-          </a:custGeom>
-          <a:noFill/>
-          <a:ln>
-            <a:solidFill>
-              <a:schemeClr val="tx1"/>
-            </a:solidFill>
-            <a:headEnd type="triangle" w="lg" len="lg"/>
-          </a:ln>
-        </p:spPr>
-        <p:style>
-          <a:lnRef idx="2">
-            <a:schemeClr val="accent1">
-              <a:shade val="50000"/>
-            </a:schemeClr>
-          </a:lnRef>
-          <a:fillRef idx="1">
-            <a:schemeClr val="accent1"/>
-          </a:fillRef>
-          <a:effectRef idx="0">
-            <a:schemeClr val="accent1"/>
-          </a:effectRef>
-          <a:fontRef idx="minor">
-            <a:schemeClr val="lt1"/>
-          </a:fontRef>
-        </p:style>
-        <p:txBody>
-          <a:bodyPr rtlCol="0" anchor="ctr"/>
-          <a:lstStyle/>
-          <a:p>
-            <a:pPr algn="ctr"/>
-            <a:endParaRPr lang="en-US"/>
-          </a:p>
-        </p:txBody>
-      </p:sp>
-      <p:sp>
-        <p:nvSpPr>
-          <p:cNvPr id="7" name="Oval 6"/>
-          <p:cNvSpPr/>
-          <p:nvPr/>
-        </p:nvSpPr>
-        <p:spPr>
-          <a:xfrm>
-            <a:off x="10595641" y="1867373"/>
-            <a:ext cx="72000" cy="72000"/>
-          </a:xfrm>
-          <a:prstGeom prst="ellipse">
-            <a:avLst/>
-          </a:prstGeom>
-          <a:solidFill>
-            <a:schemeClr val="tx1"/>
-          </a:solidFill>
-          <a:ln>
-            <a:noFill/>
-          </a:ln>
-        </p:spPr>
-        <p:style>
-          <a:lnRef idx="2">
-            <a:schemeClr val="accent1">
-              <a:shade val="50000"/>
-            </a:schemeClr>
-          </a:lnRef>
-          <a:fillRef idx="1">
-            <a:schemeClr val="accent1"/>
-          </a:fillRef>
-          <a:effectRef idx="0">
-            <a:schemeClr val="accent1"/>
-          </a:effectRef>
-          <a:fontRef idx="minor">
-            <a:schemeClr val="lt1"/>
-          </a:fontRef>
-        </p:style>
-        <p:txBody>
-          <a:bodyPr rtlCol="0" anchor="ctr"/>
-          <a:lstStyle/>
-          <a:p>
-            <a:pPr algn="ctr"/>
-            <a:endParaRPr lang="en-US"/>
-          </a:p>
-        </p:txBody>
-      </p:sp>
-      <p:sp>
-        <p:nvSpPr>
-          <p:cNvPr id="19" name="Oval 18"/>
-          <p:cNvSpPr/>
-          <p:nvPr/>
-        </p:nvSpPr>
-        <p:spPr>
-          <a:xfrm>
-            <a:off x="10592816" y="2218067"/>
-            <a:ext cx="72000" cy="72000"/>
-          </a:xfrm>
-          <a:prstGeom prst="ellipse">
-            <a:avLst/>
-          </a:prstGeom>
-          <a:solidFill>
-            <a:schemeClr val="tx1"/>
-          </a:solidFill>
-          <a:ln>
-            <a:noFill/>
-          </a:ln>
-        </p:spPr>
-        <p:style>
-          <a:lnRef idx="2">
-            <a:schemeClr val="accent1">
-              <a:shade val="50000"/>
-            </a:schemeClr>
-          </a:lnRef>
-          <a:fillRef idx="1">
-            <a:schemeClr val="accent1"/>
-          </a:fillRef>
-          <a:effectRef idx="0">
-            <a:schemeClr val="accent1"/>
-          </a:effectRef>
-          <a:fontRef idx="minor">
-            <a:schemeClr val="lt1"/>
-          </a:fontRef>
-        </p:style>
-        <p:txBody>
-          <a:bodyPr rtlCol="0" anchor="ctr"/>
-          <a:lstStyle/>
-          <a:p>
-            <a:pPr algn="ctr"/>
-            <a:endParaRPr lang="en-US"/>
-          </a:p>
-        </p:txBody>
-      </p:sp>
-      <p:sp>
-        <p:nvSpPr>
-          <p:cNvPr id="20" name="Oval 19"/>
-          <p:cNvSpPr/>
-          <p:nvPr/>
-        </p:nvSpPr>
-        <p:spPr>
-          <a:xfrm>
-            <a:off x="10592816" y="5198509"/>
-            <a:ext cx="72000" cy="72000"/>
-          </a:xfrm>
-          <a:prstGeom prst="ellipse">
-            <a:avLst/>
-          </a:prstGeom>
-          <a:solidFill>
-            <a:schemeClr val="tx1"/>
-          </a:solidFill>
-          <a:ln>
-            <a:noFill/>
-          </a:ln>
-        </p:spPr>
-        <p:style>
-          <a:lnRef idx="2">
-            <a:schemeClr val="accent1">
-              <a:shade val="50000"/>
-            </a:schemeClr>
-          </a:lnRef>
-          <a:fillRef idx="1">
-            <a:schemeClr val="accent1"/>
-          </a:fillRef>
-          <a:effectRef idx="0">
-            <a:schemeClr val="accent1"/>
-          </a:effectRef>
-          <a:fontRef idx="minor">
-            <a:schemeClr val="lt1"/>
-          </a:fontRef>
-        </p:style>
-        <p:txBody>
-          <a:bodyPr rtlCol="0" anchor="ctr"/>
-          <a:lstStyle/>
-          <a:p>
-            <a:pPr algn="ctr"/>
-            <a:endParaRPr lang="en-US"/>
-          </a:p>
-        </p:txBody>
-      </p:sp>
-      <p:sp>
-        <p:nvSpPr>
-          <p:cNvPr id="22" name="Freeform 21"/>
-          <p:cNvSpPr/>
-          <p:nvPr/>
-        </p:nvSpPr>
-        <p:spPr>
-          <a:xfrm>
-            <a:off x="10637570" y="3066800"/>
-            <a:ext cx="614039" cy="2171249"/>
-          </a:xfrm>
-          <a:custGeom>
-            <a:avLst/>
-            <a:gdLst>
-              <a:gd name="connsiteX0" fmla="*/ 0 w 423793"/>
-              <a:gd name="connsiteY0" fmla="*/ 0 h 678729"/>
-              <a:gd name="connsiteX1" fmla="*/ 414780 w 423793"/>
-              <a:gd name="connsiteY1" fmla="*/ 325224 h 678729"/>
-              <a:gd name="connsiteX2" fmla="*/ 245097 w 423793"/>
-              <a:gd name="connsiteY2" fmla="*/ 678729 h 678729"/>
-              <a:gd name="connsiteX0" fmla="*/ 490194 w 918425"/>
-              <a:gd name="connsiteY0" fmla="*/ 0 h 499007"/>
-              <a:gd name="connsiteX1" fmla="*/ 904974 w 918425"/>
-              <a:gd name="connsiteY1" fmla="*/ 325224 h 499007"/>
-              <a:gd name="connsiteX2" fmla="*/ 0 w 918425"/>
-              <a:gd name="connsiteY2" fmla="*/ 499007 h 499007"/>
-              <a:gd name="connsiteX0" fmla="*/ 240384 w 907175"/>
-              <a:gd name="connsiteY0" fmla="*/ 0 h 822507"/>
-              <a:gd name="connsiteX1" fmla="*/ 904974 w 907175"/>
-              <a:gd name="connsiteY1" fmla="*/ 648724 h 822507"/>
-              <a:gd name="connsiteX2" fmla="*/ 0 w 907175"/>
-              <a:gd name="connsiteY2" fmla="*/ 822507 h 822507"/>
-              <a:gd name="connsiteX0" fmla="*/ 240384 w 603541"/>
-              <a:gd name="connsiteY0" fmla="*/ 0 h 822507"/>
-              <a:gd name="connsiteX1" fmla="*/ 598603 w 603541"/>
-              <a:gd name="connsiteY1" fmla="*/ 309818 h 822507"/>
-              <a:gd name="connsiteX2" fmla="*/ 0 w 603541"/>
-              <a:gd name="connsiteY2" fmla="*/ 822507 h 822507"/>
-              <a:gd name="connsiteX0" fmla="*/ 240384 w 598611"/>
-              <a:gd name="connsiteY0" fmla="*/ 0 h 822507"/>
-              <a:gd name="connsiteX1" fmla="*/ 598603 w 598611"/>
-              <a:gd name="connsiteY1" fmla="*/ 309818 h 822507"/>
-              <a:gd name="connsiteX2" fmla="*/ 0 w 598611"/>
-              <a:gd name="connsiteY2" fmla="*/ 822507 h 822507"/>
-              <a:gd name="connsiteX0" fmla="*/ 240384 w 598626"/>
-              <a:gd name="connsiteY0" fmla="*/ 0 h 822507"/>
-              <a:gd name="connsiteX1" fmla="*/ 598603 w 598626"/>
-              <a:gd name="connsiteY1" fmla="*/ 309818 h 822507"/>
-              <a:gd name="connsiteX2" fmla="*/ 0 w 598626"/>
-              <a:gd name="connsiteY2" fmla="*/ 822507 h 822507"/>
-              <a:gd name="connsiteX0" fmla="*/ 240384 w 598626"/>
-              <a:gd name="connsiteY0" fmla="*/ 0 h 822507"/>
-              <a:gd name="connsiteX1" fmla="*/ 598603 w 598626"/>
-              <a:gd name="connsiteY1" fmla="*/ 535755 h 822507"/>
-              <a:gd name="connsiteX2" fmla="*/ 0 w 598626"/>
-              <a:gd name="connsiteY2" fmla="*/ 822507 h 822507"/>
-              <a:gd name="connsiteX0" fmla="*/ 240384 w 598626"/>
-              <a:gd name="connsiteY0" fmla="*/ 0 h 822507"/>
-              <a:gd name="connsiteX1" fmla="*/ 598603 w 598626"/>
-              <a:gd name="connsiteY1" fmla="*/ 535755 h 822507"/>
-              <a:gd name="connsiteX2" fmla="*/ 0 w 598626"/>
-              <a:gd name="connsiteY2" fmla="*/ 822507 h 822507"/>
-              <a:gd name="connsiteX0" fmla="*/ 254524 w 618185"/>
-              <a:gd name="connsiteY0" fmla="*/ 0 h 1181952"/>
-              <a:gd name="connsiteX1" fmla="*/ 612743 w 618185"/>
-              <a:gd name="connsiteY1" fmla="*/ 535755 h 1181952"/>
-              <a:gd name="connsiteX2" fmla="*/ 0 w 618185"/>
-              <a:gd name="connsiteY2" fmla="*/ 1181952 h 1181952"/>
-              <a:gd name="connsiteX0" fmla="*/ 254524 w 618185"/>
-              <a:gd name="connsiteY0" fmla="*/ 0 h 1181952"/>
-              <a:gd name="connsiteX1" fmla="*/ 612743 w 618185"/>
-              <a:gd name="connsiteY1" fmla="*/ 746288 h 1181952"/>
-              <a:gd name="connsiteX2" fmla="*/ 0 w 618185"/>
-              <a:gd name="connsiteY2" fmla="*/ 1181952 h 1181952"/>
-              <a:gd name="connsiteX0" fmla="*/ 254524 w 618185"/>
-              <a:gd name="connsiteY0" fmla="*/ 0 h 1181952"/>
-              <a:gd name="connsiteX1" fmla="*/ 612743 w 618185"/>
-              <a:gd name="connsiteY1" fmla="*/ 746288 h 1181952"/>
-              <a:gd name="connsiteX2" fmla="*/ 0 w 618185"/>
-              <a:gd name="connsiteY2" fmla="*/ 1181952 h 1181952"/>
-              <a:gd name="connsiteX0" fmla="*/ 254524 w 614039"/>
-              <a:gd name="connsiteY0" fmla="*/ 0 h 1181952"/>
-              <a:gd name="connsiteX1" fmla="*/ 612743 w 614039"/>
-              <a:gd name="connsiteY1" fmla="*/ 746288 h 1181952"/>
-              <a:gd name="connsiteX2" fmla="*/ 0 w 614039"/>
-              <a:gd name="connsiteY2" fmla="*/ 1181952 h 1181952"/>
-            </a:gdLst>
-            <a:ahLst/>
-            <a:cxnLst>
-              <a:cxn ang="0">
-                <a:pos x="connsiteX0" y="connsiteY0"/>
-              </a:cxn>
-              <a:cxn ang="0">
-                <a:pos x="connsiteX1" y="connsiteY1"/>
-              </a:cxn>
-              <a:cxn ang="0">
-                <a:pos x="connsiteX2" y="connsiteY2"/>
-              </a:cxn>
-            </a:cxnLst>
-            <a:rect l="l" t="t" r="r" b="b"/>
-            <a:pathLst>
-              <a:path w="614039" h="1181952">
-                <a:moveTo>
-                  <a:pt x="254524" y="0"/>
-                </a:moveTo>
-                <a:cubicBezTo>
-                  <a:pt x="441489" y="106051"/>
-                  <a:pt x="631597" y="426057"/>
-                  <a:pt x="612743" y="746288"/>
-                </a:cubicBezTo>
-                <a:cubicBezTo>
-                  <a:pt x="593889" y="1066519"/>
-                  <a:pt x="270235" y="1169593"/>
-                  <a:pt x="0" y="1181952"/>
-                </a:cubicBezTo>
-              </a:path>
-            </a:pathLst>
-          </a:custGeom>
-          <a:noFill/>
-          <a:ln>
-            <a:solidFill>
-              <a:schemeClr val="tx1"/>
-            </a:solidFill>
-            <a:headEnd type="triangle" w="lg" len="lg"/>
-          </a:ln>
-        </p:spPr>
-        <p:style>
-          <a:lnRef idx="2">
-            <a:schemeClr val="accent1">
-              <a:shade val="50000"/>
-            </a:schemeClr>
-          </a:lnRef>
-          <a:fillRef idx="1">
-            <a:schemeClr val="accent1"/>
-          </a:fillRef>
-          <a:effectRef idx="0">
-            <a:schemeClr val="accent1"/>
-          </a:effectRef>
-          <a:fontRef idx="minor">
-            <a:schemeClr val="lt1"/>
-          </a:fontRef>
-        </p:style>
-        <p:txBody>
-          <a:bodyPr rtlCol="0" anchor="ctr"/>
-          <a:lstStyle/>
-          <a:p>
-            <a:pPr algn="ctr"/>
-            <a:endParaRPr lang="en-US"/>
-          </a:p>
-        </p:txBody>
-      </p:sp>
-      <p:sp>
-        <p:nvSpPr>
-          <p:cNvPr id="23" name="Freeform 22"/>
-          <p:cNvSpPr/>
-          <p:nvPr/>
-        </p:nvSpPr>
-        <p:spPr>
-          <a:xfrm flipH="1" flipV="1">
-            <a:off x="10006023" y="2253006"/>
-            <a:ext cx="609170" cy="1830426"/>
-          </a:xfrm>
-          <a:custGeom>
-            <a:avLst/>
-            <a:gdLst>
-              <a:gd name="connsiteX0" fmla="*/ 0 w 423793"/>
-              <a:gd name="connsiteY0" fmla="*/ 0 h 678729"/>
-              <a:gd name="connsiteX1" fmla="*/ 414780 w 423793"/>
-              <a:gd name="connsiteY1" fmla="*/ 325224 h 678729"/>
-              <a:gd name="connsiteX2" fmla="*/ 245097 w 423793"/>
-              <a:gd name="connsiteY2" fmla="*/ 678729 h 678729"/>
-              <a:gd name="connsiteX0" fmla="*/ 490194 w 918425"/>
-              <a:gd name="connsiteY0" fmla="*/ 0 h 499007"/>
-              <a:gd name="connsiteX1" fmla="*/ 904974 w 918425"/>
-              <a:gd name="connsiteY1" fmla="*/ 325224 h 499007"/>
-              <a:gd name="connsiteX2" fmla="*/ 0 w 918425"/>
-              <a:gd name="connsiteY2" fmla="*/ 499007 h 499007"/>
-              <a:gd name="connsiteX0" fmla="*/ 240384 w 907175"/>
-              <a:gd name="connsiteY0" fmla="*/ 0 h 822507"/>
-              <a:gd name="connsiteX1" fmla="*/ 904974 w 907175"/>
-              <a:gd name="connsiteY1" fmla="*/ 648724 h 822507"/>
-              <a:gd name="connsiteX2" fmla="*/ 0 w 907175"/>
-              <a:gd name="connsiteY2" fmla="*/ 822507 h 822507"/>
-              <a:gd name="connsiteX0" fmla="*/ 240384 w 603541"/>
-              <a:gd name="connsiteY0" fmla="*/ 0 h 822507"/>
-              <a:gd name="connsiteX1" fmla="*/ 598603 w 603541"/>
-              <a:gd name="connsiteY1" fmla="*/ 309818 h 822507"/>
-              <a:gd name="connsiteX2" fmla="*/ 0 w 603541"/>
-              <a:gd name="connsiteY2" fmla="*/ 822507 h 822507"/>
-              <a:gd name="connsiteX0" fmla="*/ 240384 w 598611"/>
-              <a:gd name="connsiteY0" fmla="*/ 0 h 822507"/>
-              <a:gd name="connsiteX1" fmla="*/ 598603 w 598611"/>
-              <a:gd name="connsiteY1" fmla="*/ 309818 h 822507"/>
-              <a:gd name="connsiteX2" fmla="*/ 0 w 598611"/>
-              <a:gd name="connsiteY2" fmla="*/ 822507 h 822507"/>
-              <a:gd name="connsiteX0" fmla="*/ 240384 w 598626"/>
-              <a:gd name="connsiteY0" fmla="*/ 0 h 822507"/>
-              <a:gd name="connsiteX1" fmla="*/ 598603 w 598626"/>
-              <a:gd name="connsiteY1" fmla="*/ 309818 h 822507"/>
-              <a:gd name="connsiteX2" fmla="*/ 0 w 598626"/>
-              <a:gd name="connsiteY2" fmla="*/ 822507 h 822507"/>
-              <a:gd name="connsiteX0" fmla="*/ 240384 w 598626"/>
-              <a:gd name="connsiteY0" fmla="*/ 0 h 822507"/>
-              <a:gd name="connsiteX1" fmla="*/ 598603 w 598626"/>
-              <a:gd name="connsiteY1" fmla="*/ 535755 h 822507"/>
-              <a:gd name="connsiteX2" fmla="*/ 0 w 598626"/>
-              <a:gd name="connsiteY2" fmla="*/ 822507 h 822507"/>
-              <a:gd name="connsiteX0" fmla="*/ 240384 w 598626"/>
-              <a:gd name="connsiteY0" fmla="*/ 0 h 822507"/>
-              <a:gd name="connsiteX1" fmla="*/ 598603 w 598626"/>
-              <a:gd name="connsiteY1" fmla="*/ 535755 h 822507"/>
-              <a:gd name="connsiteX2" fmla="*/ 0 w 598626"/>
-              <a:gd name="connsiteY2" fmla="*/ 822507 h 822507"/>
-              <a:gd name="connsiteX0" fmla="*/ 254524 w 618185"/>
-              <a:gd name="connsiteY0" fmla="*/ 0 h 1181952"/>
-              <a:gd name="connsiteX1" fmla="*/ 612743 w 618185"/>
-              <a:gd name="connsiteY1" fmla="*/ 535755 h 1181952"/>
-              <a:gd name="connsiteX2" fmla="*/ 0 w 618185"/>
-              <a:gd name="connsiteY2" fmla="*/ 1181952 h 1181952"/>
-              <a:gd name="connsiteX0" fmla="*/ 254524 w 618185"/>
-              <a:gd name="connsiteY0" fmla="*/ 0 h 1181952"/>
-              <a:gd name="connsiteX1" fmla="*/ 612743 w 618185"/>
-              <a:gd name="connsiteY1" fmla="*/ 746288 h 1181952"/>
-              <a:gd name="connsiteX2" fmla="*/ 0 w 618185"/>
-              <a:gd name="connsiteY2" fmla="*/ 1181952 h 1181952"/>
-              <a:gd name="connsiteX0" fmla="*/ 254524 w 618185"/>
-              <a:gd name="connsiteY0" fmla="*/ 0 h 1181952"/>
-              <a:gd name="connsiteX1" fmla="*/ 612743 w 618185"/>
-              <a:gd name="connsiteY1" fmla="*/ 746288 h 1181952"/>
-              <a:gd name="connsiteX2" fmla="*/ 0 w 618185"/>
-              <a:gd name="connsiteY2" fmla="*/ 1181952 h 1181952"/>
-              <a:gd name="connsiteX0" fmla="*/ 254524 w 614039"/>
-              <a:gd name="connsiteY0" fmla="*/ 0 h 1181952"/>
-              <a:gd name="connsiteX1" fmla="*/ 612743 w 614039"/>
-              <a:gd name="connsiteY1" fmla="*/ 746288 h 1181952"/>
-              <a:gd name="connsiteX2" fmla="*/ 0 w 614039"/>
-              <a:gd name="connsiteY2" fmla="*/ 1181952 h 1181952"/>
-            </a:gdLst>
-            <a:ahLst/>
-            <a:cxnLst>
-              <a:cxn ang="0">
-                <a:pos x="connsiteX0" y="connsiteY0"/>
-              </a:cxn>
-              <a:cxn ang="0">
-                <a:pos x="connsiteX1" y="connsiteY1"/>
-              </a:cxn>
-              <a:cxn ang="0">
-                <a:pos x="connsiteX2" y="connsiteY2"/>
-              </a:cxn>
-            </a:cxnLst>
-            <a:rect l="l" t="t" r="r" b="b"/>
-            <a:pathLst>
-              <a:path w="614039" h="1181952">
-                <a:moveTo>
-                  <a:pt x="254524" y="0"/>
-                </a:moveTo>
-                <a:cubicBezTo>
-                  <a:pt x="441489" y="106051"/>
-                  <a:pt x="631597" y="426057"/>
-                  <a:pt x="612743" y="746288"/>
-                </a:cubicBezTo>
-                <a:cubicBezTo>
-                  <a:pt x="593889" y="1066519"/>
-                  <a:pt x="270235" y="1169593"/>
-                  <a:pt x="0" y="1181952"/>
-                </a:cubicBezTo>
-              </a:path>
-            </a:pathLst>
-          </a:custGeom>
-          <a:noFill/>
-          <a:ln>
-            <a:solidFill>
-              <a:schemeClr val="tx1"/>
-            </a:solidFill>
-            <a:headEnd type="triangle" w="lg" len="lg"/>
-          </a:ln>
-        </p:spPr>
-        <p:style>
-          <a:lnRef idx="2">
-            <a:schemeClr val="accent1">
-              <a:shade val="50000"/>
-            </a:schemeClr>
-          </a:lnRef>
-          <a:fillRef idx="1">
-            <a:schemeClr val="accent1"/>
-          </a:fillRef>
-          <a:effectRef idx="0">
-            <a:schemeClr val="accent1"/>
-          </a:effectRef>
-          <a:fontRef idx="minor">
-            <a:schemeClr val="lt1"/>
-          </a:fontRef>
-        </p:style>
-        <p:txBody>
-          <a:bodyPr rtlCol="0" anchor="ctr"/>
-          <a:lstStyle/>
-          <a:p>
-            <a:pPr algn="ctr"/>
-            <a:endParaRPr lang="en-US"/>
-          </a:p>
-        </p:txBody>
-      </p:sp>
-      <p:sp>
-        <p:nvSpPr>
-          <p:cNvPr id="24" name="Freeform 23"/>
-          <p:cNvSpPr/>
-          <p:nvPr/>
-        </p:nvSpPr>
-        <p:spPr>
-          <a:xfrm flipH="1">
-            <a:off x="9959418" y="4161934"/>
-            <a:ext cx="678150" cy="1372265"/>
-          </a:xfrm>
-          <a:custGeom>
-            <a:avLst/>
-            <a:gdLst>
-              <a:gd name="connsiteX0" fmla="*/ 0 w 423793"/>
-              <a:gd name="connsiteY0" fmla="*/ 0 h 678729"/>
-              <a:gd name="connsiteX1" fmla="*/ 414780 w 423793"/>
-              <a:gd name="connsiteY1" fmla="*/ 325224 h 678729"/>
-              <a:gd name="connsiteX2" fmla="*/ 245097 w 423793"/>
-              <a:gd name="connsiteY2" fmla="*/ 678729 h 678729"/>
-              <a:gd name="connsiteX0" fmla="*/ 490194 w 918425"/>
-              <a:gd name="connsiteY0" fmla="*/ 0 h 499007"/>
-              <a:gd name="connsiteX1" fmla="*/ 904974 w 918425"/>
-              <a:gd name="connsiteY1" fmla="*/ 325224 h 499007"/>
-              <a:gd name="connsiteX2" fmla="*/ 0 w 918425"/>
-              <a:gd name="connsiteY2" fmla="*/ 499007 h 499007"/>
-              <a:gd name="connsiteX0" fmla="*/ 240384 w 907175"/>
-              <a:gd name="connsiteY0" fmla="*/ 0 h 822507"/>
-              <a:gd name="connsiteX1" fmla="*/ 904974 w 907175"/>
-              <a:gd name="connsiteY1" fmla="*/ 648724 h 822507"/>
-              <a:gd name="connsiteX2" fmla="*/ 0 w 907175"/>
-              <a:gd name="connsiteY2" fmla="*/ 822507 h 822507"/>
-              <a:gd name="connsiteX0" fmla="*/ 240384 w 603541"/>
-              <a:gd name="connsiteY0" fmla="*/ 0 h 822507"/>
-              <a:gd name="connsiteX1" fmla="*/ 598603 w 603541"/>
-              <a:gd name="connsiteY1" fmla="*/ 309818 h 822507"/>
-              <a:gd name="connsiteX2" fmla="*/ 0 w 603541"/>
-              <a:gd name="connsiteY2" fmla="*/ 822507 h 822507"/>
-              <a:gd name="connsiteX0" fmla="*/ 240384 w 598611"/>
-              <a:gd name="connsiteY0" fmla="*/ 0 h 822507"/>
-              <a:gd name="connsiteX1" fmla="*/ 598603 w 598611"/>
-              <a:gd name="connsiteY1" fmla="*/ 309818 h 822507"/>
-              <a:gd name="connsiteX2" fmla="*/ 0 w 598611"/>
-              <a:gd name="connsiteY2" fmla="*/ 822507 h 822507"/>
-              <a:gd name="connsiteX0" fmla="*/ 240384 w 598626"/>
-              <a:gd name="connsiteY0" fmla="*/ 0 h 822507"/>
-              <a:gd name="connsiteX1" fmla="*/ 598603 w 598626"/>
-              <a:gd name="connsiteY1" fmla="*/ 309818 h 822507"/>
-              <a:gd name="connsiteX2" fmla="*/ 0 w 598626"/>
-              <a:gd name="connsiteY2" fmla="*/ 822507 h 822507"/>
-              <a:gd name="connsiteX0" fmla="*/ 240384 w 598626"/>
-              <a:gd name="connsiteY0" fmla="*/ 0 h 822507"/>
-              <a:gd name="connsiteX1" fmla="*/ 598603 w 598626"/>
-              <a:gd name="connsiteY1" fmla="*/ 535755 h 822507"/>
-              <a:gd name="connsiteX2" fmla="*/ 0 w 598626"/>
-              <a:gd name="connsiteY2" fmla="*/ 822507 h 822507"/>
-              <a:gd name="connsiteX0" fmla="*/ 240384 w 598626"/>
-              <a:gd name="connsiteY0" fmla="*/ 0 h 822507"/>
-              <a:gd name="connsiteX1" fmla="*/ 598603 w 598626"/>
-              <a:gd name="connsiteY1" fmla="*/ 535755 h 822507"/>
-              <a:gd name="connsiteX2" fmla="*/ 0 w 598626"/>
-              <a:gd name="connsiteY2" fmla="*/ 822507 h 822507"/>
-              <a:gd name="connsiteX0" fmla="*/ 254524 w 618185"/>
-              <a:gd name="connsiteY0" fmla="*/ 0 h 1181952"/>
-              <a:gd name="connsiteX1" fmla="*/ 612743 w 618185"/>
-              <a:gd name="connsiteY1" fmla="*/ 535755 h 1181952"/>
-              <a:gd name="connsiteX2" fmla="*/ 0 w 618185"/>
-              <a:gd name="connsiteY2" fmla="*/ 1181952 h 1181952"/>
-              <a:gd name="connsiteX0" fmla="*/ 254524 w 618185"/>
-              <a:gd name="connsiteY0" fmla="*/ 0 h 1181952"/>
-              <a:gd name="connsiteX1" fmla="*/ 612743 w 618185"/>
-              <a:gd name="connsiteY1" fmla="*/ 746288 h 1181952"/>
-              <a:gd name="connsiteX2" fmla="*/ 0 w 618185"/>
-              <a:gd name="connsiteY2" fmla="*/ 1181952 h 1181952"/>
-              <a:gd name="connsiteX0" fmla="*/ 254524 w 618185"/>
-              <a:gd name="connsiteY0" fmla="*/ 0 h 1181952"/>
-              <a:gd name="connsiteX1" fmla="*/ 612743 w 618185"/>
-              <a:gd name="connsiteY1" fmla="*/ 746288 h 1181952"/>
-              <a:gd name="connsiteX2" fmla="*/ 0 w 618185"/>
-              <a:gd name="connsiteY2" fmla="*/ 1181952 h 1181952"/>
-              <a:gd name="connsiteX0" fmla="*/ 254524 w 614039"/>
-              <a:gd name="connsiteY0" fmla="*/ 0 h 1181952"/>
-              <a:gd name="connsiteX1" fmla="*/ 612743 w 614039"/>
-              <a:gd name="connsiteY1" fmla="*/ 746288 h 1181952"/>
-              <a:gd name="connsiteX2" fmla="*/ 0 w 614039"/>
-              <a:gd name="connsiteY2" fmla="*/ 1181952 h 1181952"/>
-            </a:gdLst>
-            <a:ahLst/>
-            <a:cxnLst>
-              <a:cxn ang="0">
-                <a:pos x="connsiteX0" y="connsiteY0"/>
-              </a:cxn>
-              <a:cxn ang="0">
-                <a:pos x="connsiteX1" y="connsiteY1"/>
-              </a:cxn>
-              <a:cxn ang="0">
-                <a:pos x="connsiteX2" y="connsiteY2"/>
-              </a:cxn>
-            </a:cxnLst>
-            <a:rect l="l" t="t" r="r" b="b"/>
-            <a:pathLst>
-              <a:path w="614039" h="1181952">
-                <a:moveTo>
-                  <a:pt x="254524" y="0"/>
-                </a:moveTo>
-                <a:cubicBezTo>
-                  <a:pt x="441489" y="106051"/>
-                  <a:pt x="631597" y="426057"/>
-                  <a:pt x="612743" y="746288"/>
-                </a:cubicBezTo>
-                <a:cubicBezTo>
-                  <a:pt x="593889" y="1066519"/>
-                  <a:pt x="270235" y="1169593"/>
-                  <a:pt x="0" y="1181952"/>
-                </a:cubicBezTo>
-              </a:path>
-            </a:pathLst>
-          </a:custGeom>
-          <a:noFill/>
-          <a:ln>
-            <a:solidFill>
-              <a:schemeClr val="tx1"/>
-            </a:solidFill>
-            <a:headEnd type="triangle" w="lg" len="lg"/>
-          </a:ln>
-        </p:spPr>
-        <p:style>
-          <a:lnRef idx="2">
-            <a:schemeClr val="accent1">
-              <a:shade val="50000"/>
-            </a:schemeClr>
-          </a:lnRef>
-          <a:fillRef idx="1">
-            <a:schemeClr val="accent1"/>
-          </a:fillRef>
-          <a:effectRef idx="0">
-            <a:schemeClr val="accent1"/>
-          </a:effectRef>
-          <a:fontRef idx="minor">
-            <a:schemeClr val="lt1"/>
-          </a:fontRef>
-        </p:style>
-        <p:txBody>
-          <a:bodyPr rtlCol="0" anchor="ctr"/>
-          <a:lstStyle/>
-          <a:p>
-            <a:pPr algn="ctr"/>
-            <a:endParaRPr lang="en-US"/>
-          </a:p>
-        </p:txBody>
-      </p:sp>
-      <p:cxnSp>
-        <p:nvCxnSpPr>
-          <p:cNvPr id="25" name="Straight Arrow Connector 24"/>
-          <p:cNvCxnSpPr/>
-          <p:nvPr/>
-        </p:nvCxnSpPr>
-        <p:spPr>
-          <a:xfrm>
-            <a:off x="9731307" y="5198509"/>
-            <a:ext cx="574766" cy="0"/>
-          </a:xfrm>
-          <a:prstGeom prst="straightConnector1">
-            <a:avLst/>
-          </a:prstGeom>
-          <a:ln>
-            <a:solidFill>
-              <a:schemeClr val="tx1"/>
-            </a:solidFill>
-            <a:tailEnd type="triangle"/>
-          </a:ln>
-        </p:spPr>
-        <p:style>
-          <a:lnRef idx="1">
-            <a:schemeClr val="accent1"/>
-          </a:lnRef>
-          <a:fillRef idx="0">
-            <a:schemeClr val="accent1"/>
-          </a:fillRef>
-          <a:effectRef idx="0">
-            <a:schemeClr val="accent1"/>
-          </a:effectRef>
-          <a:fontRef idx="minor">
-            <a:schemeClr val="tx1"/>
-          </a:fontRef>
-        </p:style>
-      </p:cxnSp>
-      <p:sp>
-        <p:nvSpPr>
-          <p:cNvPr id="26" name="Freeform 25"/>
-          <p:cNvSpPr/>
-          <p:nvPr/>
-        </p:nvSpPr>
-        <p:spPr>
-          <a:xfrm>
-            <a:off x="10628816" y="3024298"/>
-            <a:ext cx="1166350" cy="2517622"/>
-          </a:xfrm>
-          <a:custGeom>
-            <a:avLst/>
-            <a:gdLst>
-              <a:gd name="connsiteX0" fmla="*/ 0 w 423793"/>
-              <a:gd name="connsiteY0" fmla="*/ 0 h 678729"/>
-              <a:gd name="connsiteX1" fmla="*/ 414780 w 423793"/>
-              <a:gd name="connsiteY1" fmla="*/ 325224 h 678729"/>
-              <a:gd name="connsiteX2" fmla="*/ 245097 w 423793"/>
-              <a:gd name="connsiteY2" fmla="*/ 678729 h 678729"/>
-              <a:gd name="connsiteX0" fmla="*/ 490194 w 918425"/>
-              <a:gd name="connsiteY0" fmla="*/ 0 h 499007"/>
-              <a:gd name="connsiteX1" fmla="*/ 904974 w 918425"/>
-              <a:gd name="connsiteY1" fmla="*/ 325224 h 499007"/>
-              <a:gd name="connsiteX2" fmla="*/ 0 w 918425"/>
-              <a:gd name="connsiteY2" fmla="*/ 499007 h 499007"/>
-              <a:gd name="connsiteX0" fmla="*/ 240384 w 907175"/>
-              <a:gd name="connsiteY0" fmla="*/ 0 h 822507"/>
-              <a:gd name="connsiteX1" fmla="*/ 904974 w 907175"/>
-              <a:gd name="connsiteY1" fmla="*/ 648724 h 822507"/>
-              <a:gd name="connsiteX2" fmla="*/ 0 w 907175"/>
-              <a:gd name="connsiteY2" fmla="*/ 822507 h 822507"/>
-              <a:gd name="connsiteX0" fmla="*/ 240384 w 603541"/>
-              <a:gd name="connsiteY0" fmla="*/ 0 h 822507"/>
-              <a:gd name="connsiteX1" fmla="*/ 598603 w 603541"/>
-              <a:gd name="connsiteY1" fmla="*/ 309818 h 822507"/>
-              <a:gd name="connsiteX2" fmla="*/ 0 w 603541"/>
-              <a:gd name="connsiteY2" fmla="*/ 822507 h 822507"/>
-              <a:gd name="connsiteX0" fmla="*/ 240384 w 598611"/>
-              <a:gd name="connsiteY0" fmla="*/ 0 h 822507"/>
-              <a:gd name="connsiteX1" fmla="*/ 598603 w 598611"/>
-              <a:gd name="connsiteY1" fmla="*/ 309818 h 822507"/>
-              <a:gd name="connsiteX2" fmla="*/ 0 w 598611"/>
-              <a:gd name="connsiteY2" fmla="*/ 822507 h 822507"/>
-              <a:gd name="connsiteX0" fmla="*/ 240384 w 598626"/>
-              <a:gd name="connsiteY0" fmla="*/ 0 h 822507"/>
-              <a:gd name="connsiteX1" fmla="*/ 598603 w 598626"/>
-              <a:gd name="connsiteY1" fmla="*/ 309818 h 822507"/>
-              <a:gd name="connsiteX2" fmla="*/ 0 w 598626"/>
-              <a:gd name="connsiteY2" fmla="*/ 822507 h 822507"/>
-              <a:gd name="connsiteX0" fmla="*/ 240384 w 598626"/>
-              <a:gd name="connsiteY0" fmla="*/ 0 h 822507"/>
-              <a:gd name="connsiteX1" fmla="*/ 598603 w 598626"/>
-              <a:gd name="connsiteY1" fmla="*/ 535755 h 822507"/>
-              <a:gd name="connsiteX2" fmla="*/ 0 w 598626"/>
-              <a:gd name="connsiteY2" fmla="*/ 822507 h 822507"/>
-              <a:gd name="connsiteX0" fmla="*/ 240384 w 598626"/>
-              <a:gd name="connsiteY0" fmla="*/ 0 h 822507"/>
-              <a:gd name="connsiteX1" fmla="*/ 598603 w 598626"/>
-              <a:gd name="connsiteY1" fmla="*/ 535755 h 822507"/>
-              <a:gd name="connsiteX2" fmla="*/ 0 w 598626"/>
-              <a:gd name="connsiteY2" fmla="*/ 822507 h 822507"/>
-              <a:gd name="connsiteX0" fmla="*/ 254524 w 618185"/>
-              <a:gd name="connsiteY0" fmla="*/ 0 h 1181952"/>
-              <a:gd name="connsiteX1" fmla="*/ 612743 w 618185"/>
-              <a:gd name="connsiteY1" fmla="*/ 535755 h 1181952"/>
-              <a:gd name="connsiteX2" fmla="*/ 0 w 618185"/>
-              <a:gd name="connsiteY2" fmla="*/ 1181952 h 1181952"/>
-              <a:gd name="connsiteX0" fmla="*/ 254524 w 618185"/>
-              <a:gd name="connsiteY0" fmla="*/ 0 h 1181952"/>
-              <a:gd name="connsiteX1" fmla="*/ 612743 w 618185"/>
-              <a:gd name="connsiteY1" fmla="*/ 746288 h 1181952"/>
-              <a:gd name="connsiteX2" fmla="*/ 0 w 618185"/>
-              <a:gd name="connsiteY2" fmla="*/ 1181952 h 1181952"/>
-              <a:gd name="connsiteX0" fmla="*/ 254524 w 618185"/>
-              <a:gd name="connsiteY0" fmla="*/ 0 h 1181952"/>
-              <a:gd name="connsiteX1" fmla="*/ 612743 w 618185"/>
-              <a:gd name="connsiteY1" fmla="*/ 746288 h 1181952"/>
-              <a:gd name="connsiteX2" fmla="*/ 0 w 618185"/>
-              <a:gd name="connsiteY2" fmla="*/ 1181952 h 1181952"/>
-              <a:gd name="connsiteX0" fmla="*/ 254524 w 614039"/>
-              <a:gd name="connsiteY0" fmla="*/ 0 h 1181952"/>
-              <a:gd name="connsiteX1" fmla="*/ 612743 w 614039"/>
-              <a:gd name="connsiteY1" fmla="*/ 746288 h 1181952"/>
-              <a:gd name="connsiteX2" fmla="*/ 0 w 614039"/>
-              <a:gd name="connsiteY2" fmla="*/ 1181952 h 1181952"/>
-              <a:gd name="connsiteX0" fmla="*/ 164157 w 614553"/>
-              <a:gd name="connsiteY0" fmla="*/ 0 h 1168822"/>
-              <a:gd name="connsiteX1" fmla="*/ 612743 w 614553"/>
-              <a:gd name="connsiteY1" fmla="*/ 733158 h 1168822"/>
-              <a:gd name="connsiteX2" fmla="*/ 0 w 614553"/>
-              <a:gd name="connsiteY2" fmla="*/ 1168822 h 1168822"/>
-              <a:gd name="connsiteX0" fmla="*/ 164157 w 614651"/>
-              <a:gd name="connsiteY0" fmla="*/ 0 h 1168822"/>
-              <a:gd name="connsiteX1" fmla="*/ 612743 w 614651"/>
-              <a:gd name="connsiteY1" fmla="*/ 733158 h 1168822"/>
-              <a:gd name="connsiteX2" fmla="*/ 0 w 614651"/>
-              <a:gd name="connsiteY2" fmla="*/ 1168822 h 1168822"/>
-              <a:gd name="connsiteX0" fmla="*/ 142250 w 614105"/>
-              <a:gd name="connsiteY0" fmla="*/ 0 h 1155839"/>
-              <a:gd name="connsiteX1" fmla="*/ 612743 w 614105"/>
-              <a:gd name="connsiteY1" fmla="*/ 720175 h 1155839"/>
-              <a:gd name="connsiteX2" fmla="*/ 0 w 614105"/>
-              <a:gd name="connsiteY2" fmla="*/ 1155839 h 1155839"/>
-              <a:gd name="connsiteX0" fmla="*/ 142250 w 615257"/>
-              <a:gd name="connsiteY0" fmla="*/ 0 h 1155839"/>
-              <a:gd name="connsiteX1" fmla="*/ 612743 w 615257"/>
-              <a:gd name="connsiteY1" fmla="*/ 720175 h 1155839"/>
-              <a:gd name="connsiteX2" fmla="*/ 0 w 615257"/>
-              <a:gd name="connsiteY2" fmla="*/ 1155839 h 1155839"/>
-            </a:gdLst>
-            <a:ahLst/>
-            <a:cxnLst>
-              <a:cxn ang="0">
-                <a:pos x="connsiteX0" y="connsiteY0"/>
-              </a:cxn>
-              <a:cxn ang="0">
-                <a:pos x="connsiteX1" y="connsiteY1"/>
-              </a:cxn>
-              <a:cxn ang="0">
-                <a:pos x="connsiteX2" y="connsiteY2"/>
-              </a:cxn>
-            </a:cxnLst>
-            <a:rect l="l" t="t" r="r" b="b"/>
-            <a:pathLst>
-              <a:path w="615257" h="1155839">
-                <a:moveTo>
-                  <a:pt x="142250" y="0"/>
-                </a:moveTo>
-                <a:cubicBezTo>
-                  <a:pt x="493519" y="66518"/>
-                  <a:pt x="636451" y="527535"/>
-                  <a:pt x="612743" y="720175"/>
-                </a:cubicBezTo>
-                <a:cubicBezTo>
-                  <a:pt x="589035" y="912815"/>
-                  <a:pt x="270235" y="1143480"/>
-                  <a:pt x="0" y="1155839"/>
-                </a:cubicBezTo>
-              </a:path>
-            </a:pathLst>
-          </a:custGeom>
-          <a:noFill/>
-          <a:ln>
-            <a:solidFill>
-              <a:srgbClr val="C00000"/>
-            </a:solidFill>
-            <a:headEnd type="triangle" w="lg" len="lg"/>
-          </a:ln>
-        </p:spPr>
-        <p:style>
-          <a:lnRef idx="2">
-            <a:schemeClr val="accent1">
-              <a:shade val="50000"/>
-            </a:schemeClr>
-          </a:lnRef>
-          <a:fillRef idx="1">
-            <a:schemeClr val="accent1"/>
-          </a:fillRef>
-          <a:effectRef idx="0">
-            <a:schemeClr val="accent1"/>
-          </a:effectRef>
-          <a:fontRef idx="minor">
-            <a:schemeClr val="lt1"/>
-          </a:fontRef>
-        </p:style>
-        <p:txBody>
-          <a:bodyPr rtlCol="0" anchor="ctr"/>
-          <a:lstStyle/>
-          <a:p>
-            <a:pPr algn="ctr"/>
-            <a:endParaRPr lang="en-US"/>
-          </a:p>
-        </p:txBody>
-      </p:sp>
-      <p:sp>
-        <p:nvSpPr>
-          <p:cNvPr id="21" name="Oval 20"/>
-          <p:cNvSpPr/>
-          <p:nvPr/>
-        </p:nvSpPr>
-        <p:spPr>
-          <a:xfrm>
-            <a:off x="10601570" y="5501738"/>
-            <a:ext cx="72000" cy="72000"/>
-          </a:xfrm>
-          <a:prstGeom prst="ellipse">
-            <a:avLst/>
-          </a:prstGeom>
-          <a:solidFill>
-            <a:schemeClr val="tx1"/>
-          </a:solidFill>
-          <a:ln>
-            <a:noFill/>
-          </a:ln>
-        </p:spPr>
-        <p:style>
-          <a:lnRef idx="2">
-            <a:schemeClr val="accent1">
-              <a:shade val="50000"/>
-            </a:schemeClr>
-          </a:lnRef>
-          <a:fillRef idx="1">
-            <a:schemeClr val="accent1"/>
-          </a:fillRef>
-          <a:effectRef idx="0">
-            <a:schemeClr val="accent1"/>
-          </a:effectRef>
-          <a:fontRef idx="minor">
-            <a:schemeClr val="lt1"/>
-          </a:fontRef>
-        </p:style>
-        <p:txBody>
-          <a:bodyPr rtlCol="0" anchor="ctr"/>
-          <a:lstStyle/>
-          <a:p>
-            <a:pPr algn="ctr"/>
-            <a:endParaRPr lang="en-US"/>
-          </a:p>
-        </p:txBody>
-      </p:sp>
-      <p:sp>
-        <p:nvSpPr>
-          <p:cNvPr id="27" name="TextBox 26"/>
-          <p:cNvSpPr txBox="1"/>
-          <p:nvPr/>
-        </p:nvSpPr>
-        <p:spPr>
-          <a:xfrm>
-            <a:off x="10344709" y="3168219"/>
-            <a:ext cx="472202" cy="369332"/>
-          </a:xfrm>
-          <a:prstGeom prst="rect">
-            <a:avLst/>
-          </a:prstGeom>
-          <a:noFill/>
-        </p:spPr>
-        <p:txBody>
-          <a:bodyPr wrap="square" rtlCol="0">
-            <a:spAutoFit/>
-          </a:bodyPr>
-          <a:lstStyle/>
-          <a:p>
-            <a:r>
-              <a:rPr lang="en-US" dirty="0">
-                <a:solidFill>
-                  <a:srgbClr val="C00000"/>
-                </a:solidFill>
-                <a:latin typeface="Courier New" panose="02070309020205020404" pitchFamily="49" charset="0"/>
-                <a:cs typeface="Courier New" panose="02070309020205020404" pitchFamily="49" charset="0"/>
-              </a:rPr>
-              <a:t>4-</a:t>
-            </a:r>
-          </a:p>
-        </p:txBody>
-      </p:sp>
-      <p:sp>
-        <p:nvSpPr>
-          <p:cNvPr id="29" name="TextBox 28"/>
-          <p:cNvSpPr txBox="1"/>
-          <p:nvPr/>
-        </p:nvSpPr>
-        <p:spPr>
-          <a:xfrm>
-            <a:off x="9810177" y="4750154"/>
-            <a:ext cx="472202" cy="369332"/>
-          </a:xfrm>
-          <a:prstGeom prst="rect">
-            <a:avLst/>
-          </a:prstGeom>
-          <a:noFill/>
-        </p:spPr>
-        <p:txBody>
-          <a:bodyPr wrap="square" rtlCol="0">
-            <a:spAutoFit/>
-          </a:bodyPr>
-          <a:lstStyle/>
-          <a:p>
-            <a:r>
-              <a:rPr lang="en-US" dirty="0">
-                <a:solidFill>
-                  <a:srgbClr val="C00000"/>
-                </a:solidFill>
-                <a:latin typeface="Courier New" panose="02070309020205020404" pitchFamily="49" charset="0"/>
-                <a:cs typeface="Courier New" panose="02070309020205020404" pitchFamily="49" charset="0"/>
-              </a:rPr>
-              <a:t>-</a:t>
-            </a:r>
-          </a:p>
-        </p:txBody>
-      </p:sp>
-      <p:sp>
-        <p:nvSpPr>
-          <p:cNvPr id="30" name="TextBox 29"/>
-          <p:cNvSpPr txBox="1"/>
-          <p:nvPr/>
-        </p:nvSpPr>
-        <p:spPr>
-          <a:xfrm rot="1028239">
-            <a:off x="9867032" y="4463733"/>
-            <a:ext cx="472202" cy="369332"/>
-          </a:xfrm>
-          <a:prstGeom prst="rect">
-            <a:avLst/>
-          </a:prstGeom>
-          <a:noFill/>
-        </p:spPr>
-        <p:txBody>
-          <a:bodyPr wrap="square" rtlCol="0">
-            <a:spAutoFit/>
-          </a:bodyPr>
-          <a:lstStyle/>
-          <a:p>
-            <a:r>
-              <a:rPr lang="en-US" dirty="0">
-                <a:solidFill>
-                  <a:srgbClr val="C00000"/>
-                </a:solidFill>
-                <a:latin typeface="Courier New" panose="02070309020205020404" pitchFamily="49" charset="0"/>
-                <a:cs typeface="Courier New" panose="02070309020205020404" pitchFamily="49" charset="0"/>
-              </a:rPr>
-              <a:t>-</a:t>
-            </a:r>
-          </a:p>
-        </p:txBody>
-      </p:sp>
-      <p:sp>
-        <p:nvSpPr>
-          <p:cNvPr id="31" name="TextBox 30"/>
-          <p:cNvSpPr txBox="1"/>
-          <p:nvPr/>
-        </p:nvSpPr>
-        <p:spPr>
-          <a:xfrm rot="18656753">
-            <a:off x="9891707" y="5079209"/>
-            <a:ext cx="472202" cy="369332"/>
-          </a:xfrm>
-          <a:prstGeom prst="rect">
-            <a:avLst/>
-          </a:prstGeom>
-          <a:noFill/>
-        </p:spPr>
-        <p:txBody>
-          <a:bodyPr wrap="square" rtlCol="0">
-            <a:spAutoFit/>
-          </a:bodyPr>
-          <a:lstStyle/>
-          <a:p>
-            <a:r>
-              <a:rPr lang="en-US" dirty="0">
-                <a:solidFill>
-                  <a:srgbClr val="C00000"/>
-                </a:solidFill>
-                <a:latin typeface="Courier New" panose="02070309020205020404" pitchFamily="49" charset="0"/>
-                <a:cs typeface="Courier New" panose="02070309020205020404" pitchFamily="49" charset="0"/>
-              </a:rPr>
-              <a:t>-</a:t>
-            </a:r>
-          </a:p>
-        </p:txBody>
-      </p:sp>
-    </p:spTree>
-    <p:extLst>
-      <p:ext uri="{BB962C8B-B14F-4D97-AF65-F5344CB8AC3E}">
-        <p14:creationId xmlns:p14="http://schemas.microsoft.com/office/powerpoint/2010/main" val="3738210069"/>
-      </p:ext>
-    </p:extLst>
-  </p:cSld>
-  <p:clrMapOvr>
-    <a:masterClrMapping/>
-  </p:clrMapOvr>
-  <p:timing>
-    <p:tnLst>
-      <p:par>
-        <p:cTn id="1" dur="indefinite" restart="never" nodeType="tmRoot">
-          <p:childTnLst>
-            <p:seq concurrent="1" nextAc="seek">
-              <p:cTn id="2" dur="indefinite" nodeType="mainSeq">
-                <p:childTnLst>
-                  <p:par>
-                    <p:cTn id="3" fill="hold">
-                      <p:stCondLst>
-                        <p:cond delay="indefinite"/>
-                      </p:stCondLst>
-                      <p:childTnLst>
-                        <p:par>
-                          <p:cTn id="4" fill="hold">
-                            <p:stCondLst>
-                              <p:cond delay="0"/>
-                            </p:stCondLst>
-                            <p:childTnLst>
-                              <p:par>
-                                <p:cTn id="5" presetID="10" presetClass="entr" presetSubtype="0" fill="hold" grpId="0" nodeType="clickEffect">
-                                  <p:stCondLst>
-                                    <p:cond delay="0"/>
-                                  </p:stCondLst>
-                                  <p:childTnLst>
-                                    <p:set>
-                                      <p:cBhvr>
-                                        <p:cTn id="6" dur="1" fill="hold">
-                                          <p:stCondLst>
-                                            <p:cond delay="0"/>
-                                          </p:stCondLst>
-                                        </p:cTn>
-                                        <p:tgtEl>
-                                          <p:spTgt spid="27"/>
-                                        </p:tgtEl>
-                                        <p:attrNameLst>
-                                          <p:attrName>style.visibility</p:attrName>
-                                        </p:attrNameLst>
-                                      </p:cBhvr>
-                                      <p:to>
-                                        <p:strVal val="visible"/>
-                                      </p:to>
-                                    </p:set>
-                                    <p:animEffect transition="in" filter="fade">
-                                      <p:cBhvr>
-                                        <p:cTn id="7" dur="500"/>
-                                        <p:tgtEl>
-                                          <p:spTgt spid="27"/>
-                                        </p:tgtEl>
-                                      </p:cBhvr>
-                                    </p:animEffect>
-                                  </p:childTnLst>
-                                </p:cTn>
-                              </p:par>
-                            </p:childTnLst>
-                          </p:cTn>
-                        </p:par>
-                      </p:childTnLst>
-                    </p:cTn>
-                  </p:par>
-                  <p:par>
-                    <p:cTn id="8" fill="hold">
-                      <p:stCondLst>
-                        <p:cond delay="indefinite"/>
-                      </p:stCondLst>
-                      <p:childTnLst>
-                        <p:par>
-                          <p:cTn id="9" fill="hold">
-                            <p:stCondLst>
-                              <p:cond delay="0"/>
-                            </p:stCondLst>
-                            <p:childTnLst>
-                              <p:par>
-                                <p:cTn id="10" presetID="10" presetClass="entr" presetSubtype="0" fill="hold" grpId="0" nodeType="clickEffect">
-                                  <p:stCondLst>
-                                    <p:cond delay="0"/>
-                                  </p:stCondLst>
-                                  <p:childTnLst>
-                                    <p:set>
-                                      <p:cBhvr>
-                                        <p:cTn id="11" dur="1" fill="hold">
-                                          <p:stCondLst>
-                                            <p:cond delay="0"/>
-                                          </p:stCondLst>
-                                        </p:cTn>
-                                        <p:tgtEl>
-                                          <p:spTgt spid="26"/>
-                                        </p:tgtEl>
-                                        <p:attrNameLst>
-                                          <p:attrName>style.visibility</p:attrName>
-                                        </p:attrNameLst>
-                                      </p:cBhvr>
-                                      <p:to>
-                                        <p:strVal val="visible"/>
-                                      </p:to>
-                                    </p:set>
-                                    <p:animEffect transition="in" filter="fade">
-                                      <p:cBhvr>
-                                        <p:cTn id="12" dur="500"/>
-                                        <p:tgtEl>
-                                          <p:spTgt spid="26"/>
-                                        </p:tgtEl>
-                                      </p:cBhvr>
-                                    </p:animEffect>
-                                  </p:childTnLst>
-                                </p:cTn>
-                              </p:par>
-                              <p:par>
-                                <p:cTn id="13" presetID="10" presetClass="entr" presetSubtype="0" fill="hold" grpId="0" nodeType="withEffect">
-                                  <p:stCondLst>
-                                    <p:cond delay="0"/>
-                                  </p:stCondLst>
-                                  <p:childTnLst>
-                                    <p:set>
-                                      <p:cBhvr>
-                                        <p:cTn id="14" dur="1" fill="hold">
-                                          <p:stCondLst>
-                                            <p:cond delay="0"/>
-                                          </p:stCondLst>
-                                        </p:cTn>
-                                        <p:tgtEl>
-                                          <p:spTgt spid="29"/>
-                                        </p:tgtEl>
-                                        <p:attrNameLst>
-                                          <p:attrName>style.visibility</p:attrName>
-                                        </p:attrNameLst>
-                                      </p:cBhvr>
-                                      <p:to>
-                                        <p:strVal val="visible"/>
-                                      </p:to>
-                                    </p:set>
-                                    <p:animEffect transition="in" filter="fade">
-                                      <p:cBhvr>
-                                        <p:cTn id="15" dur="500"/>
-                                        <p:tgtEl>
-                                          <p:spTgt spid="29"/>
-                                        </p:tgtEl>
-                                      </p:cBhvr>
-                                    </p:animEffect>
-                                  </p:childTnLst>
-                                </p:cTn>
-                              </p:par>
-                              <p:par>
-                                <p:cTn id="16" presetID="10" presetClass="entr" presetSubtype="0" fill="hold" grpId="0" nodeType="withEffect">
-                                  <p:stCondLst>
-                                    <p:cond delay="0"/>
-                                  </p:stCondLst>
-                                  <p:childTnLst>
-                                    <p:set>
-                                      <p:cBhvr>
-                                        <p:cTn id="17" dur="1" fill="hold">
-                                          <p:stCondLst>
-                                            <p:cond delay="0"/>
-                                          </p:stCondLst>
-                                        </p:cTn>
-                                        <p:tgtEl>
-                                          <p:spTgt spid="30"/>
-                                        </p:tgtEl>
-                                        <p:attrNameLst>
-                                          <p:attrName>style.visibility</p:attrName>
-                                        </p:attrNameLst>
-                                      </p:cBhvr>
-                                      <p:to>
-                                        <p:strVal val="visible"/>
-                                      </p:to>
-                                    </p:set>
-                                    <p:animEffect transition="in" filter="fade">
-                                      <p:cBhvr>
-                                        <p:cTn id="18" dur="500"/>
-                                        <p:tgtEl>
-                                          <p:spTgt spid="30"/>
-                                        </p:tgtEl>
-                                      </p:cBhvr>
-                                    </p:animEffect>
-                                  </p:childTnLst>
-                                </p:cTn>
-                              </p:par>
-                              <p:par>
-                                <p:cTn id="19" presetID="10" presetClass="entr" presetSubtype="0" fill="hold" grpId="0" nodeType="withEffect">
-                                  <p:stCondLst>
-                                    <p:cond delay="0"/>
-                                  </p:stCondLst>
-                                  <p:childTnLst>
-                                    <p:set>
-                                      <p:cBhvr>
-                                        <p:cTn id="20" dur="1" fill="hold">
-                                          <p:stCondLst>
-                                            <p:cond delay="0"/>
-                                          </p:stCondLst>
-                                        </p:cTn>
-                                        <p:tgtEl>
-                                          <p:spTgt spid="31"/>
-                                        </p:tgtEl>
-                                        <p:attrNameLst>
-                                          <p:attrName>style.visibility</p:attrName>
-                                        </p:attrNameLst>
-                                      </p:cBhvr>
-                                      <p:to>
-                                        <p:strVal val="visible"/>
-                                      </p:to>
-                                    </p:set>
-                                    <p:animEffect transition="in" filter="fade">
-                                      <p:cBhvr>
-                                        <p:cTn id="21" dur="500"/>
-                                        <p:tgtEl>
-                                          <p:spTgt spid="31"/>
-                                        </p:tgtEl>
-                                      </p:cBhvr>
-                                    </p:animEffect>
-                                  </p:childTnLst>
-                                </p:cTn>
-                              </p:par>
-                            </p:childTnLst>
-                          </p:cTn>
-                        </p:par>
-                      </p:childTnLst>
-                    </p:cTn>
-                  </p:par>
-                </p:childTnLst>
-              </p:cTn>
-              <p:prevCondLst>
-                <p:cond evt="onPrev" delay="0">
-                  <p:tgtEl>
-                    <p:sldTgt/>
-                  </p:tgtEl>
-                </p:cond>
-              </p:prevCondLst>
-              <p:nextCondLst>
-                <p:cond evt="onNext" delay="0">
-                  <p:tgtEl>
-                    <p:sldTgt/>
-                  </p:tgtEl>
-                </p:cond>
-              </p:nextCondLst>
-            </p:seq>
-          </p:childTnLst>
-        </p:cTn>
-      </p:par>
-    </p:tnLst>
-    <p:bldLst>
-      <p:bldP spid="26" grpId="0" animBg="1"/>
-      <p:bldP spid="27" grpId="0"/>
-      <p:bldP spid="29" grpId="0"/>
-      <p:bldP spid="30" grpId="0"/>
-      <p:bldP spid="31" grpId="0"/>
     </p:bldLst>
   </p:timing>
 </p:sld>

--- a/ipsa/slides/lists.pptx
+++ b/ipsa/slides/lists.pptx
@@ -147,7 +147,7 @@
 <file path=ppt/revisionInfo.xml><?xml version="1.0" encoding="utf-8"?>
 <p1510:revInfo xmlns:a="http://schemas.openxmlformats.org/drawingml/2006/main" xmlns:r="http://schemas.openxmlformats.org/officeDocument/2006/relationships" xmlns:p1510="http://schemas.microsoft.com/office/powerpoint/2015/10/main">
   <p1510:revLst>
-    <p1510:client id="{CF9158FC-193B-4602-9DF7-E8D8B4ED0BA3}" v="29" dt="2023-10-23T20:22:35.272"/>
+    <p1510:client id="{155CD946-55B5-49F4-A11E-1EF807E1FDB7}" v="6" dt="2024-02-07T07:31:08.862"/>
   </p1510:revLst>
 </p1510:revInfo>
 </file>
@@ -393,6 +393,130 @@
     </pc:docChg>
   </pc:docChgLst>
   <pc:docChgLst>
+    <pc:chgData name="Gerth Stølting Brodal" userId="04ef4784-6591-4f86-a140-f5c3b108582a" providerId="ADAL" clId="{155CD946-55B5-49F4-A11E-1EF807E1FDB7}"/>
+    <pc:docChg chg="undo custSel modSld">
+      <pc:chgData name="Gerth Stølting Brodal" userId="04ef4784-6591-4f86-a140-f5c3b108582a" providerId="ADAL" clId="{155CD946-55B5-49F4-A11E-1EF807E1FDB7}" dt="2024-02-07T07:34:04.180" v="375" actId="1035"/>
+      <pc:docMkLst>
+        <pc:docMk/>
+      </pc:docMkLst>
+      <pc:sldChg chg="addSp delSp modSp mod">
+        <pc:chgData name="Gerth Stølting Brodal" userId="04ef4784-6591-4f86-a140-f5c3b108582a" providerId="ADAL" clId="{155CD946-55B5-49F4-A11E-1EF807E1FDB7}" dt="2024-02-07T07:34:04.180" v="375" actId="1035"/>
+        <pc:sldMkLst>
+          <pc:docMk/>
+          <pc:sldMk cId="1841815763" sldId="485"/>
+        </pc:sldMkLst>
+        <pc:spChg chg="mod">
+          <ac:chgData name="Gerth Stølting Brodal" userId="04ef4784-6591-4f86-a140-f5c3b108582a" providerId="ADAL" clId="{155CD946-55B5-49F4-A11E-1EF807E1FDB7}" dt="2024-02-07T07:34:00.129" v="373" actId="20577"/>
+          <ac:spMkLst>
+            <pc:docMk/>
+            <pc:sldMk cId="1841815763" sldId="485"/>
+            <ac:spMk id="3" creationId="{00000000-0000-0000-0000-000000000000}"/>
+          </ac:spMkLst>
+        </pc:spChg>
+        <pc:spChg chg="add del mod">
+          <ac:chgData name="Gerth Stølting Brodal" userId="04ef4784-6591-4f86-a140-f5c3b108582a" providerId="ADAL" clId="{155CD946-55B5-49F4-A11E-1EF807E1FDB7}" dt="2024-02-07T07:26:03.544" v="183"/>
+          <ac:spMkLst>
+            <pc:docMk/>
+            <pc:sldMk cId="1841815763" sldId="485"/>
+            <ac:spMk id="5" creationId="{2A3F1C72-DB62-A812-7B11-5453337BBD7D}"/>
+          </ac:spMkLst>
+        </pc:spChg>
+        <pc:spChg chg="add del mod">
+          <ac:chgData name="Gerth Stølting Brodal" userId="04ef4784-6591-4f86-a140-f5c3b108582a" providerId="ADAL" clId="{155CD946-55B5-49F4-A11E-1EF807E1FDB7}" dt="2024-02-07T07:28:55.233" v="187" actId="478"/>
+          <ac:spMkLst>
+            <pc:docMk/>
+            <pc:sldMk cId="1841815763" sldId="485"/>
+            <ac:spMk id="6" creationId="{394C6370-8A23-FEE3-D083-5A176F0AFF9B}"/>
+          </ac:spMkLst>
+        </pc:spChg>
+        <pc:spChg chg="add mod">
+          <ac:chgData name="Gerth Stølting Brodal" userId="04ef4784-6591-4f86-a140-f5c3b108582a" providerId="ADAL" clId="{155CD946-55B5-49F4-A11E-1EF807E1FDB7}" dt="2024-02-07T07:33:25.733" v="336" actId="1035"/>
+          <ac:spMkLst>
+            <pc:docMk/>
+            <pc:sldMk cId="1841815763" sldId="485"/>
+            <ac:spMk id="7" creationId="{8D20C749-0EA4-EE08-310F-908C6D123DF7}"/>
+          </ac:spMkLst>
+        </pc:spChg>
+        <pc:spChg chg="add mod">
+          <ac:chgData name="Gerth Stølting Brodal" userId="04ef4784-6591-4f86-a140-f5c3b108582a" providerId="ADAL" clId="{155CD946-55B5-49F4-A11E-1EF807E1FDB7}" dt="2024-02-07T07:33:42.303" v="342" actId="465"/>
+          <ac:spMkLst>
+            <pc:docMk/>
+            <pc:sldMk cId="1841815763" sldId="485"/>
+            <ac:spMk id="8" creationId="{B3655F76-172D-B724-498C-B3612ED83B27}"/>
+          </ac:spMkLst>
+        </pc:spChg>
+        <pc:spChg chg="add mod">
+          <ac:chgData name="Gerth Stølting Brodal" userId="04ef4784-6591-4f86-a140-f5c3b108582a" providerId="ADAL" clId="{155CD946-55B5-49F4-A11E-1EF807E1FDB7}" dt="2024-02-07T07:33:42.303" v="342" actId="465"/>
+          <ac:spMkLst>
+            <pc:docMk/>
+            <pc:sldMk cId="1841815763" sldId="485"/>
+            <ac:spMk id="9" creationId="{AD338455-2C15-3FC5-ABA3-C069BDEE3EF5}"/>
+          </ac:spMkLst>
+        </pc:spChg>
+        <pc:spChg chg="add mod">
+          <ac:chgData name="Gerth Stølting Brodal" userId="04ef4784-6591-4f86-a140-f5c3b108582a" providerId="ADAL" clId="{155CD946-55B5-49F4-A11E-1EF807E1FDB7}" dt="2024-02-07T07:33:33.342" v="341" actId="1036"/>
+          <ac:spMkLst>
+            <pc:docMk/>
+            <pc:sldMk cId="1841815763" sldId="485"/>
+            <ac:spMk id="10" creationId="{162A923A-346C-3E8F-9319-CE1FD66BB7A6}"/>
+          </ac:spMkLst>
+        </pc:spChg>
+        <pc:spChg chg="add mod">
+          <ac:chgData name="Gerth Stølting Brodal" userId="04ef4784-6591-4f86-a140-f5c3b108582a" providerId="ADAL" clId="{155CD946-55B5-49F4-A11E-1EF807E1FDB7}" dt="2024-02-07T07:34:04.180" v="375" actId="1035"/>
+          <ac:spMkLst>
+            <pc:docMk/>
+            <pc:sldMk cId="1841815763" sldId="485"/>
+            <ac:spMk id="11" creationId="{5347D277-0D30-4EBC-3D30-334A0CD87C84}"/>
+          </ac:spMkLst>
+        </pc:spChg>
+      </pc:sldChg>
+      <pc:sldChg chg="modSp mod">
+        <pc:chgData name="Gerth Stølting Brodal" userId="04ef4784-6591-4f86-a140-f5c3b108582a" providerId="ADAL" clId="{155CD946-55B5-49F4-A11E-1EF807E1FDB7}" dt="2024-02-06T20:42:27.314" v="43" actId="14100"/>
+        <pc:sldMkLst>
+          <pc:docMk/>
+          <pc:sldMk cId="488977922" sldId="486"/>
+        </pc:sldMkLst>
+        <pc:spChg chg="mod">
+          <ac:chgData name="Gerth Stølting Brodal" userId="04ef4784-6591-4f86-a140-f5c3b108582a" providerId="ADAL" clId="{155CD946-55B5-49F4-A11E-1EF807E1FDB7}" dt="2024-02-06T20:42:27.314" v="43" actId="14100"/>
+          <ac:spMkLst>
+            <pc:docMk/>
+            <pc:sldMk cId="488977922" sldId="486"/>
+            <ac:spMk id="3" creationId="{00000000-0000-0000-0000-000000000000}"/>
+          </ac:spMkLst>
+        </pc:spChg>
+      </pc:sldChg>
+      <pc:sldChg chg="modSp mod">
+        <pc:chgData name="Gerth Stølting Brodal" userId="04ef4784-6591-4f86-a140-f5c3b108582a" providerId="ADAL" clId="{155CD946-55B5-49F4-A11E-1EF807E1FDB7}" dt="2024-02-06T20:40:04.493" v="32" actId="14100"/>
+        <pc:sldMkLst>
+          <pc:docMk/>
+          <pc:sldMk cId="3289563800" sldId="495"/>
+        </pc:sldMkLst>
+        <pc:graphicFrameChg chg="modGraphic">
+          <ac:chgData name="Gerth Stølting Brodal" userId="04ef4784-6591-4f86-a140-f5c3b108582a" providerId="ADAL" clId="{155CD946-55B5-49F4-A11E-1EF807E1FDB7}" dt="2024-02-06T20:40:04.493" v="32" actId="14100"/>
+          <ac:graphicFrameMkLst>
+            <pc:docMk/>
+            <pc:sldMk cId="3289563800" sldId="495"/>
+            <ac:graphicFrameMk id="5" creationId="{00000000-0000-0000-0000-000000000000}"/>
+          </ac:graphicFrameMkLst>
+        </pc:graphicFrameChg>
+      </pc:sldChg>
+      <pc:sldChg chg="modNotesTx">
+        <pc:chgData name="Gerth Stølting Brodal" userId="04ef4784-6591-4f86-a140-f5c3b108582a" providerId="ADAL" clId="{155CD946-55B5-49F4-A11E-1EF807E1FDB7}" dt="2024-02-06T20:37:39.381" v="31" actId="20577"/>
+        <pc:sldMkLst>
+          <pc:docMk/>
+          <pc:sldMk cId="574681208" sldId="503"/>
+        </pc:sldMkLst>
+      </pc:sldChg>
+      <pc:sldChg chg="modNotesTx">
+        <pc:chgData name="Gerth Stølting Brodal" userId="04ef4784-6591-4f86-a140-f5c3b108582a" providerId="ADAL" clId="{155CD946-55B5-49F4-A11E-1EF807E1FDB7}" dt="2024-02-06T21:05:30.034" v="103" actId="6549"/>
+        <pc:sldMkLst>
+          <pc:docMk/>
+          <pc:sldMk cId="2254085997" sldId="511"/>
+        </pc:sldMkLst>
+      </pc:sldChg>
+    </pc:docChg>
+  </pc:docChgLst>
+  <pc:docChgLst>
     <pc:chgData name="Gerth Stølting Brodal" userId="04ef4784-6591-4f86-a140-f5c3b108582a" providerId="ADAL" clId="{DBC7B104-988F-491C-9F36-B33E053AAD93}"/>
     <pc:docChg chg="custSel modSld">
       <pc:chgData name="Gerth Stølting Brodal" userId="04ef4784-6591-4f86-a140-f5c3b108582a" providerId="ADAL" clId="{DBC7B104-988F-491C-9F36-B33E053AAD93}" dt="2022-02-09T11:25:47.588" v="10" actId="20577"/>
@@ -596,7 +720,7 @@
           <a:p>
             <a:fld id="{FB1A172F-81D4-4DC4-9113-1DBD56EC3646}" type="datetimeFigureOut">
               <a:rPr lang="en-US" smtClean="0"/>
-              <a:t>10/31/2023</a:t>
+              <a:t>2/6/2024</a:t>
             </a:fld>
             <a:endParaRPr lang="en-US"/>
           </a:p>
@@ -907,46 +1031,6 @@
           <a:bodyPr/>
           <a:lstStyle/>
           <a:p>
-            <a:r>
-              <a:rPr lang="da-DK" dirty="0"/>
-              <a:t>Python 3.12 </a:t>
-            </a:r>
-            <a:r>
-              <a:rPr lang="da-DK" dirty="0" err="1"/>
-              <a:t>gets</a:t>
-            </a:r>
-            <a:r>
-              <a:rPr lang="da-DK" dirty="0"/>
-              <a:t> </a:t>
-            </a:r>
-            <a:r>
-              <a:rPr lang="da-DK" dirty="0" err="1"/>
-              <a:t>confused</a:t>
-            </a:r>
-            <a:r>
-              <a:rPr lang="da-DK" dirty="0"/>
-              <a:t> </a:t>
-            </a:r>
-            <a:r>
-              <a:rPr lang="da-DK" dirty="0" err="1"/>
-              <a:t>when</a:t>
-            </a:r>
-            <a:r>
-              <a:rPr lang="da-DK" dirty="0"/>
-              <a:t> the </a:t>
-            </a:r>
-            <a:r>
-              <a:rPr lang="da-DK" dirty="0" err="1"/>
-              <a:t>first</a:t>
-            </a:r>
-            <a:r>
-              <a:rPr lang="da-DK" dirty="0"/>
-              <a:t> element in the list is an </a:t>
-            </a:r>
-            <a:r>
-              <a:rPr lang="da-DK" dirty="0" err="1"/>
-              <a:t>integer</a:t>
-            </a:r>
             <a:endParaRPr lang="da-DK" dirty="0"/>
           </a:p>
         </p:txBody>
@@ -968,7 +1052,7 @@
           <a:p>
             <a:fld id="{CD563DD8-32AB-41BE-B1C6-8EAC45222ACE}" type="slidenum">
               <a:rPr lang="en-US" smtClean="0"/>
-              <a:t>3</a:t>
+              <a:t>2</a:t>
             </a:fld>
             <a:endParaRPr lang="en-US"/>
           </a:p>
@@ -977,7 +1061,7 @@
     </p:spTree>
     <p:extLst>
       <p:ext uri="{BB962C8B-B14F-4D97-AF65-F5344CB8AC3E}">
-        <p14:creationId xmlns:p14="http://schemas.microsoft.com/office/powerpoint/2010/main" val="279335196"/>
+        <p14:creationId xmlns:p14="http://schemas.microsoft.com/office/powerpoint/2010/main" val="3259057207"/>
       </p:ext>
     </p:extLst>
   </p:cSld>
@@ -1031,24 +1115,6 @@
           <a:bodyPr/>
           <a:lstStyle/>
           <a:p>
-            <a:r>
-              <a:rPr lang="en-US" dirty="0"/>
-              <a:t>example</a:t>
-            </a:r>
-            <a:r>
-              <a:rPr lang="en-US" baseline="0" dirty="0"/>
-              <a:t> of tested loops</a:t>
-            </a:r>
-          </a:p>
-          <a:p>
-            <a:r>
-              <a:rPr lang="en-US" baseline="0" dirty="0" err="1"/>
-              <a:t>Handin</a:t>
-            </a:r>
-            <a:r>
-              <a:rPr lang="en-US" baseline="0" dirty="0"/>
-              <a:t>: make a more efficient algorithm</a:t>
-            </a:r>
             <a:endParaRPr lang="en-US" dirty="0"/>
           </a:p>
         </p:txBody>
@@ -1070,7 +1136,7 @@
           <a:p>
             <a:fld id="{CD563DD8-32AB-41BE-B1C6-8EAC45222ACE}" type="slidenum">
               <a:rPr lang="en-US" smtClean="0"/>
-              <a:t>21</a:t>
+              <a:t>20</a:t>
             </a:fld>
             <a:endParaRPr lang="en-US"/>
           </a:p>
@@ -1079,7 +1145,7 @@
     </p:spTree>
     <p:extLst>
       <p:ext uri="{BB962C8B-B14F-4D97-AF65-F5344CB8AC3E}">
-        <p14:creationId xmlns:p14="http://schemas.microsoft.com/office/powerpoint/2010/main" val="1218980682"/>
+        <p14:creationId xmlns:p14="http://schemas.microsoft.com/office/powerpoint/2010/main" val="2911469987"/>
       </p:ext>
     </p:extLst>
   </p:cSld>
@@ -1134,100 +1200,22 @@
           <a:lstStyle/>
           <a:p>
             <a:r>
-              <a:rPr lang="en-US" dirty="0" err="1"/>
-              <a:t>Mulige</a:t>
+              <a:rPr lang="en-US" dirty="0"/>
+              <a:t>example</a:t>
             </a:r>
             <a:r>
               <a:rPr lang="en-US" baseline="0" dirty="0"/>
-              <a:t> </a:t>
-            </a:r>
+              <a:t> of tested loops</a:t>
+            </a:r>
+          </a:p>
+          <a:p>
             <a:r>
               <a:rPr lang="en-US" baseline="0" dirty="0" err="1"/>
-              <a:t>optimeringer</a:t>
+              <a:t>Handin</a:t>
             </a:r>
             <a:r>
               <a:rPr lang="en-US" baseline="0" dirty="0"/>
-              <a:t>:</a:t>
-            </a:r>
-          </a:p>
-          <a:p>
-            <a:pPr marL="228600" indent="-228600">
-              <a:buAutoNum type="arabicParenR"/>
-            </a:pPr>
-            <a:r>
-              <a:rPr lang="en-US" baseline="0" dirty="0"/>
-              <a:t>Spring j over </a:t>
-            </a:r>
-            <a:r>
-              <a:rPr lang="en-US" baseline="0" dirty="0" err="1"/>
-              <a:t>hvis</a:t>
-            </a:r>
-            <a:r>
-              <a:rPr lang="en-US" baseline="0" dirty="0"/>
-              <a:t> </a:t>
-            </a:r>
-            <a:r>
-              <a:rPr lang="en-US" b="1" baseline="0" dirty="0"/>
-              <a:t>prime[j] == False</a:t>
-            </a:r>
-          </a:p>
-          <a:p>
-            <a:pPr marL="228600" indent="-228600">
-              <a:buAutoNum type="arabicParenR"/>
-            </a:pPr>
-            <a:r>
-              <a:rPr lang="en-US" baseline="0" dirty="0"/>
-              <a:t>for i in range(2, </a:t>
-            </a:r>
-            <a:r>
-              <a:rPr lang="en-US" b="1" baseline="0" dirty="0" err="1"/>
-              <a:t>sqrt</a:t>
-            </a:r>
-            <a:r>
-              <a:rPr lang="en-US" b="1" baseline="0" dirty="0"/>
-              <a:t>(n)</a:t>
-            </a:r>
-            <a:r>
-              <a:rPr lang="en-US" baseline="0" dirty="0"/>
-              <a:t>)</a:t>
-            </a:r>
-          </a:p>
-          <a:p>
-            <a:pPr marL="228600" indent="-228600">
-              <a:buAutoNum type="arabicParenR"/>
-            </a:pPr>
-            <a:r>
-              <a:rPr lang="en-US" dirty="0"/>
-              <a:t>for</a:t>
-            </a:r>
-            <a:r>
-              <a:rPr lang="en-US" baseline="0" dirty="0"/>
-              <a:t> j in range(</a:t>
-            </a:r>
-            <a:r>
-              <a:rPr lang="en-US" b="1" baseline="0" dirty="0"/>
-              <a:t>i * i</a:t>
-            </a:r>
-            <a:r>
-              <a:rPr lang="en-US" baseline="0" dirty="0"/>
-              <a:t>, n + 1, </a:t>
-            </a:r>
-            <a:r>
-              <a:rPr lang="en-US" baseline="0" dirty="0" err="1"/>
-              <a:t>i</a:t>
-            </a:r>
-            <a:r>
-              <a:rPr lang="en-US" baseline="0" dirty="0"/>
-              <a:t>)</a:t>
-            </a:r>
-          </a:p>
-          <a:p>
-            <a:pPr marL="0" indent="0">
-              <a:buNone/>
-            </a:pPr>
-            <a:r>
-              <a:rPr lang="en-US" baseline="0"/>
-              <a:t>Run code</a:t>
+              <a:t>: make a more efficient algorithm</a:t>
             </a:r>
             <a:endParaRPr lang="en-US" dirty="0"/>
           </a:p>
@@ -1250,7 +1238,7 @@
           <a:p>
             <a:fld id="{CD563DD8-32AB-41BE-B1C6-8EAC45222ACE}" type="slidenum">
               <a:rPr lang="en-US" smtClean="0"/>
-              <a:t>22</a:t>
+              <a:t>21</a:t>
             </a:fld>
             <a:endParaRPr lang="en-US"/>
           </a:p>
@@ -1259,7 +1247,7 @@
     </p:spTree>
     <p:extLst>
       <p:ext uri="{BB962C8B-B14F-4D97-AF65-F5344CB8AC3E}">
-        <p14:creationId xmlns:p14="http://schemas.microsoft.com/office/powerpoint/2010/main" val="817983497"/>
+        <p14:creationId xmlns:p14="http://schemas.microsoft.com/office/powerpoint/2010/main" val="1218980682"/>
       </p:ext>
     </p:extLst>
   </p:cSld>
@@ -1315,12 +1303,101 @@
           <a:p>
             <a:r>
               <a:rPr lang="en-US" dirty="0" err="1"/>
-              <a:t>L.index</a:t>
-            </a:r>
+              <a:t>Mulige</a:t>
+            </a:r>
+            <a:r>
+              <a:rPr lang="en-US" baseline="0" dirty="0"/>
+              <a:t> </a:t>
+            </a:r>
+            <a:r>
+              <a:rPr lang="en-US" baseline="0" dirty="0" err="1"/>
+              <a:t>optimeringer</a:t>
+            </a:r>
+            <a:r>
+              <a:rPr lang="en-US" baseline="0" dirty="0"/>
+              <a:t>:</a:t>
+            </a:r>
+          </a:p>
+          <a:p>
+            <a:pPr marL="228600" indent="-228600">
+              <a:buAutoNum type="arabicParenR"/>
+            </a:pPr>
+            <a:r>
+              <a:rPr lang="en-US" baseline="0" dirty="0"/>
+              <a:t>Spring j over </a:t>
+            </a:r>
+            <a:r>
+              <a:rPr lang="en-US" baseline="0" dirty="0" err="1"/>
+              <a:t>hvis</a:t>
+            </a:r>
+            <a:r>
+              <a:rPr lang="en-US" baseline="0" dirty="0"/>
+              <a:t> </a:t>
+            </a:r>
+            <a:r>
+              <a:rPr lang="en-US" b="1" baseline="0" dirty="0"/>
+              <a:t>prime[j] == False</a:t>
+            </a:r>
+          </a:p>
+          <a:p>
+            <a:pPr marL="228600" indent="-228600">
+              <a:buAutoNum type="arabicParenR"/>
+            </a:pPr>
+            <a:r>
+              <a:rPr lang="en-US" baseline="0" dirty="0"/>
+              <a:t>for i in range(2, </a:t>
+            </a:r>
+            <a:r>
+              <a:rPr lang="en-US" b="1" baseline="0" dirty="0" err="1"/>
+              <a:t>sqrt</a:t>
+            </a:r>
+            <a:r>
+              <a:rPr lang="en-US" b="1" baseline="0" dirty="0"/>
+              <a:t>(n)</a:t>
+            </a:r>
+            <a:r>
+              <a:rPr lang="en-US" baseline="0" dirty="0"/>
+              <a:t>)</a:t>
+            </a:r>
+          </a:p>
+          <a:p>
+            <a:pPr marL="228600" indent="-228600">
+              <a:buAutoNum type="arabicParenR"/>
+            </a:pPr>
             <a:r>
               <a:rPr lang="en-US" dirty="0"/>
-              <a:t>(x) can only be called if x in L, otherwise an exception is raised</a:t>
-            </a:r>
+              <a:t>for</a:t>
+            </a:r>
+            <a:r>
+              <a:rPr lang="en-US" baseline="0" dirty="0"/>
+              <a:t> j in range(</a:t>
+            </a:r>
+            <a:r>
+              <a:rPr lang="en-US" b="1" baseline="0" dirty="0"/>
+              <a:t>i * i</a:t>
+            </a:r>
+            <a:r>
+              <a:rPr lang="en-US" baseline="0" dirty="0"/>
+              <a:t>, n + 1, </a:t>
+            </a:r>
+            <a:r>
+              <a:rPr lang="en-US" baseline="0" dirty="0" err="1"/>
+              <a:t>i</a:t>
+            </a:r>
+            <a:r>
+              <a:rPr lang="en-US" baseline="0" dirty="0"/>
+              <a:t>)</a:t>
+            </a:r>
+          </a:p>
+          <a:p>
+            <a:pPr marL="0" indent="0">
+              <a:buNone/>
+            </a:pPr>
+            <a:r>
+              <a:rPr lang="en-US" baseline="0"/>
+              <a:t>Run code</a:t>
+            </a:r>
+            <a:endParaRPr lang="en-US" dirty="0"/>
           </a:p>
         </p:txBody>
       </p:sp>
@@ -1341,7 +1418,7 @@
           <a:p>
             <a:fld id="{CD563DD8-32AB-41BE-B1C6-8EAC45222ACE}" type="slidenum">
               <a:rPr lang="en-US" smtClean="0"/>
-              <a:t>24</a:t>
+              <a:t>22</a:t>
             </a:fld>
             <a:endParaRPr lang="en-US"/>
           </a:p>
@@ -1350,7 +1427,7 @@
     </p:spTree>
     <p:extLst>
       <p:ext uri="{BB962C8B-B14F-4D97-AF65-F5344CB8AC3E}">
-        <p14:creationId xmlns:p14="http://schemas.microsoft.com/office/powerpoint/2010/main" val="160988225"/>
+        <p14:creationId xmlns:p14="http://schemas.microsoft.com/office/powerpoint/2010/main" val="817983497"/>
       </p:ext>
     </p:extLst>
   </p:cSld>
@@ -1405,8 +1482,12 @@
           <a:lstStyle/>
           <a:p>
             <a:r>
+              <a:rPr lang="en-US" dirty="0" err="1"/>
+              <a:t>L.index</a:t>
+            </a:r>
+            <a:r>
               <a:rPr lang="en-US" dirty="0"/>
-              <a:t>Recall strings are immutable</a:t>
+              <a:t>(x) can only be called if x in L, otherwise an exception is raised</a:t>
             </a:r>
           </a:p>
         </p:txBody>
@@ -1428,7 +1509,7 @@
           <a:p>
             <a:fld id="{CD563DD8-32AB-41BE-B1C6-8EAC45222ACE}" type="slidenum">
               <a:rPr lang="en-US" smtClean="0"/>
-              <a:t>26</a:t>
+              <a:t>24</a:t>
             </a:fld>
             <a:endParaRPr lang="en-US"/>
           </a:p>
@@ -1437,7 +1518,7 @@
     </p:spTree>
     <p:extLst>
       <p:ext uri="{BB962C8B-B14F-4D97-AF65-F5344CB8AC3E}">
-        <p14:creationId xmlns:p14="http://schemas.microsoft.com/office/powerpoint/2010/main" val="1129669421"/>
+        <p14:creationId xmlns:p14="http://schemas.microsoft.com/office/powerpoint/2010/main" val="160988225"/>
       </p:ext>
     </p:extLst>
   </p:cSld>
@@ -1493,13 +1574,8 @@
           <a:p>
             <a:r>
               <a:rPr lang="en-US" dirty="0"/>
-              <a:t>In source code</a:t>
-            </a:r>
-            <a:r>
-              <a:rPr lang="en-US" baseline="0" dirty="0"/>
-              <a:t> search for “&gt;&gt; 3”</a:t>
-            </a:r>
-            <a:endParaRPr lang="en-US" dirty="0"/>
+              <a:t>Recall strings are immutable</a:t>
+            </a:r>
           </a:p>
         </p:txBody>
       </p:sp>
@@ -1520,6 +1596,222 @@
           <a:p>
             <a:fld id="{CD563DD8-32AB-41BE-B1C6-8EAC45222ACE}" type="slidenum">
               <a:rPr lang="en-US" smtClean="0"/>
+              <a:t>26</a:t>
+            </a:fld>
+            <a:endParaRPr lang="en-US"/>
+          </a:p>
+        </p:txBody>
+      </p:sp>
+    </p:spTree>
+    <p:extLst>
+      <p:ext uri="{BB962C8B-B14F-4D97-AF65-F5344CB8AC3E}">
+        <p14:creationId xmlns:p14="http://schemas.microsoft.com/office/powerpoint/2010/main" val="1129669421"/>
+      </p:ext>
+    </p:extLst>
+  </p:cSld>
+  <p:clrMapOvr>
+    <a:masterClrMapping/>
+  </p:clrMapOvr>
+</p:notes>
+</file>
+
+<file path=ppt/notesSlides/notesSlide15.xml><?xml version="1.0" encoding="utf-8"?>
+<p:notes xmlns:a="http://schemas.openxmlformats.org/drawingml/2006/main" xmlns:r="http://schemas.openxmlformats.org/officeDocument/2006/relationships" xmlns:p="http://schemas.openxmlformats.org/presentationml/2006/main">
+  <p:cSld>
+    <p:spTree>
+      <p:nvGrpSpPr>
+        <p:cNvPr id="1" name=""/>
+        <p:cNvGrpSpPr/>
+        <p:nvPr/>
+      </p:nvGrpSpPr>
+      <p:grpSpPr>
+        <a:xfrm>
+          <a:off x="0" y="0"/>
+          <a:ext cx="0" cy="0"/>
+          <a:chOff x="0" y="0"/>
+          <a:chExt cx="0" cy="0"/>
+        </a:xfrm>
+      </p:grpSpPr>
+      <p:sp>
+        <p:nvSpPr>
+          <p:cNvPr id="2" name="Slide Image Placeholder 1"/>
+          <p:cNvSpPr>
+            <a:spLocks noGrp="1" noRot="1" noChangeAspect="1"/>
+          </p:cNvSpPr>
+          <p:nvPr>
+            <p:ph type="sldImg"/>
+          </p:nvPr>
+        </p:nvSpPr>
+        <p:spPr/>
+      </p:sp>
+      <p:sp>
+        <p:nvSpPr>
+          <p:cNvPr id="3" name="Notes Placeholder 2"/>
+          <p:cNvSpPr>
+            <a:spLocks noGrp="1"/>
+          </p:cNvSpPr>
+          <p:nvPr>
+            <p:ph type="body" idx="1"/>
+          </p:nvPr>
+        </p:nvSpPr>
+        <p:spPr/>
+        <p:txBody>
+          <a:bodyPr/>
+          <a:lstStyle/>
+          <a:p>
+            <a:r>
+              <a:rPr lang="da-DK" dirty="0" err="1"/>
+              <a:t>time.time</a:t>
+            </a:r>
+            <a:r>
+              <a:rPr lang="da-DK" dirty="0"/>
+              <a:t>() returns the </a:t>
+            </a:r>
+            <a:r>
+              <a:rPr lang="da-DK" dirty="0" err="1"/>
+              <a:t>number</a:t>
+            </a:r>
+            <a:r>
+              <a:rPr lang="da-DK" dirty="0"/>
+              <a:t> of </a:t>
+            </a:r>
+            <a:r>
+              <a:rPr lang="da-DK" dirty="0" err="1"/>
+              <a:t>seconds</a:t>
+            </a:r>
+            <a:r>
+              <a:rPr lang="da-DK" dirty="0"/>
+              <a:t> </a:t>
+            </a:r>
+            <a:r>
+              <a:rPr lang="da-DK" dirty="0" err="1"/>
+              <a:t>since</a:t>
+            </a:r>
+            <a:r>
+              <a:rPr lang="da-DK" dirty="0"/>
+              <a:t> J</a:t>
+            </a:r>
+            <a:r>
+              <a:rPr lang="en-US" dirty="0" err="1"/>
+              <a:t>anuary</a:t>
+            </a:r>
+            <a:r>
+              <a:rPr lang="en-US" dirty="0"/>
+              <a:t> 1, 1970, 00:00:00 (UTC)</a:t>
+            </a:r>
+            <a:endParaRPr lang="da-DK" dirty="0"/>
+          </a:p>
+        </p:txBody>
+      </p:sp>
+      <p:sp>
+        <p:nvSpPr>
+          <p:cNvPr id="4" name="Slide Number Placeholder 3"/>
+          <p:cNvSpPr>
+            <a:spLocks noGrp="1"/>
+          </p:cNvSpPr>
+          <p:nvPr>
+            <p:ph type="sldNum" sz="quarter" idx="5"/>
+          </p:nvPr>
+        </p:nvSpPr>
+        <p:spPr/>
+        <p:txBody>
+          <a:bodyPr/>
+          <a:lstStyle/>
+          <a:p>
+            <a:fld id="{CD563DD8-32AB-41BE-B1C6-8EAC45222ACE}" type="slidenum">
+              <a:rPr lang="en-US" smtClean="0"/>
+              <a:t>27</a:t>
+            </a:fld>
+            <a:endParaRPr lang="en-US"/>
+          </a:p>
+        </p:txBody>
+      </p:sp>
+    </p:spTree>
+    <p:extLst>
+      <p:ext uri="{BB962C8B-B14F-4D97-AF65-F5344CB8AC3E}">
+        <p14:creationId xmlns:p14="http://schemas.microsoft.com/office/powerpoint/2010/main" val="2233545429"/>
+      </p:ext>
+    </p:extLst>
+  </p:cSld>
+  <p:clrMapOvr>
+    <a:masterClrMapping/>
+  </p:clrMapOvr>
+</p:notes>
+</file>
+
+<file path=ppt/notesSlides/notesSlide16.xml><?xml version="1.0" encoding="utf-8"?>
+<p:notes xmlns:a="http://schemas.openxmlformats.org/drawingml/2006/main" xmlns:r="http://schemas.openxmlformats.org/officeDocument/2006/relationships" xmlns:p="http://schemas.openxmlformats.org/presentationml/2006/main">
+  <p:cSld>
+    <p:spTree>
+      <p:nvGrpSpPr>
+        <p:cNvPr id="1" name=""/>
+        <p:cNvGrpSpPr/>
+        <p:nvPr/>
+      </p:nvGrpSpPr>
+      <p:grpSpPr>
+        <a:xfrm>
+          <a:off x="0" y="0"/>
+          <a:ext cx="0" cy="0"/>
+          <a:chOff x="0" y="0"/>
+          <a:chExt cx="0" cy="0"/>
+        </a:xfrm>
+      </p:grpSpPr>
+      <p:sp>
+        <p:nvSpPr>
+          <p:cNvPr id="2" name="Slide Image Placeholder 1"/>
+          <p:cNvSpPr>
+            <a:spLocks noGrp="1" noRot="1" noChangeAspect="1"/>
+          </p:cNvSpPr>
+          <p:nvPr>
+            <p:ph type="sldImg"/>
+          </p:nvPr>
+        </p:nvSpPr>
+        <p:spPr/>
+      </p:sp>
+      <p:sp>
+        <p:nvSpPr>
+          <p:cNvPr id="3" name="Notes Placeholder 2"/>
+          <p:cNvSpPr>
+            <a:spLocks noGrp="1"/>
+          </p:cNvSpPr>
+          <p:nvPr>
+            <p:ph type="body" idx="1"/>
+          </p:nvPr>
+        </p:nvSpPr>
+        <p:spPr/>
+        <p:txBody>
+          <a:bodyPr/>
+          <a:lstStyle/>
+          <a:p>
+            <a:r>
+              <a:rPr lang="en-US" dirty="0"/>
+              <a:t>In source code</a:t>
+            </a:r>
+            <a:r>
+              <a:rPr lang="en-US" baseline="0" dirty="0"/>
+              <a:t> search for “&gt;&gt; 3”</a:t>
+            </a:r>
+            <a:endParaRPr lang="en-US" dirty="0"/>
+          </a:p>
+        </p:txBody>
+      </p:sp>
+      <p:sp>
+        <p:nvSpPr>
+          <p:cNvPr id="4" name="Slide Number Placeholder 3"/>
+          <p:cNvSpPr>
+            <a:spLocks noGrp="1"/>
+          </p:cNvSpPr>
+          <p:nvPr>
+            <p:ph type="sldNum" sz="quarter" idx="10"/>
+          </p:nvPr>
+        </p:nvSpPr>
+        <p:spPr/>
+        <p:txBody>
+          <a:bodyPr/>
+          <a:lstStyle/>
+          <a:p>
+            <a:fld id="{CD563DD8-32AB-41BE-B1C6-8EAC45222ACE}" type="slidenum">
+              <a:rPr lang="en-US" smtClean="0"/>
               <a:t>28</a:t>
             </a:fld>
             <a:endParaRPr lang="en-US"/>
@@ -1539,7 +1831,7 @@
 </p:notes>
 </file>
 
-<file path=ppt/notesSlides/notesSlide15.xml><?xml version="1.0" encoding="utf-8"?>
+<file path=ppt/notesSlides/notesSlide17.xml><?xml version="1.0" encoding="utf-8"?>
 <p:notes xmlns:a="http://schemas.openxmlformats.org/drawingml/2006/main" xmlns:r="http://schemas.openxmlformats.org/officeDocument/2006/relationships" xmlns:p="http://schemas.openxmlformats.org/presentationml/2006/main">
   <p:cSld>
     <p:spTree>
@@ -1676,21 +1968,46 @@
           <a:lstStyle/>
           <a:p>
             <a:r>
-              <a:rPr lang="en-US" dirty="0" err="1"/>
-              <a:t>L.pop</a:t>
-            </a:r>
-            <a:r>
-              <a:rPr lang="en-US" dirty="0"/>
-              <a:t>() = </a:t>
-            </a:r>
-            <a:r>
-              <a:rPr lang="en-US" dirty="0" err="1"/>
-              <a:t>L.pop</a:t>
-            </a:r>
-            <a:r>
-              <a:rPr lang="en-US" dirty="0"/>
-              <a:t>(-1), i.e. removes the last element from the list</a:t>
-            </a:r>
+              <a:rPr lang="da-DK" dirty="0"/>
+              <a:t>Python 3.12 </a:t>
+            </a:r>
+            <a:r>
+              <a:rPr lang="da-DK" dirty="0" err="1"/>
+              <a:t>gets</a:t>
+            </a:r>
+            <a:r>
+              <a:rPr lang="da-DK" dirty="0"/>
+              <a:t> </a:t>
+            </a:r>
+            <a:r>
+              <a:rPr lang="da-DK" dirty="0" err="1"/>
+              <a:t>confused</a:t>
+            </a:r>
+            <a:r>
+              <a:rPr lang="da-DK" dirty="0"/>
+              <a:t> </a:t>
+            </a:r>
+            <a:r>
+              <a:rPr lang="da-DK" dirty="0" err="1"/>
+              <a:t>when</a:t>
+            </a:r>
+            <a:r>
+              <a:rPr lang="da-DK" dirty="0"/>
+              <a:t> the </a:t>
+            </a:r>
+            <a:r>
+              <a:rPr lang="da-DK" dirty="0" err="1"/>
+              <a:t>first</a:t>
+            </a:r>
+            <a:r>
+              <a:rPr lang="da-DK" dirty="0"/>
+              <a:t> element in the list is an </a:t>
+            </a:r>
+            <a:r>
+              <a:rPr lang="da-DK" dirty="0" err="1"/>
+              <a:t>integer</a:t>
+            </a:r>
+            <a:endParaRPr lang="da-DK" dirty="0"/>
           </a:p>
         </p:txBody>
       </p:sp>
@@ -1701,7 +2018,7 @@
             <a:spLocks noGrp="1"/>
           </p:cNvSpPr>
           <p:nvPr>
-            <p:ph type="sldNum" sz="quarter" idx="10"/>
+            <p:ph type="sldNum" sz="quarter" idx="5"/>
           </p:nvPr>
         </p:nvSpPr>
         <p:spPr/>
@@ -1711,7 +2028,7 @@
           <a:p>
             <a:fld id="{CD563DD8-32AB-41BE-B1C6-8EAC45222ACE}" type="slidenum">
               <a:rPr lang="en-US" smtClean="0"/>
-              <a:t>4</a:t>
+              <a:t>3</a:t>
             </a:fld>
             <a:endParaRPr lang="en-US"/>
           </a:p>
@@ -1720,7 +2037,7 @@
     </p:spTree>
     <p:extLst>
       <p:ext uri="{BB962C8B-B14F-4D97-AF65-F5344CB8AC3E}">
-        <p14:creationId xmlns:p14="http://schemas.microsoft.com/office/powerpoint/2010/main" val="721539255"/>
+        <p14:creationId xmlns:p14="http://schemas.microsoft.com/office/powerpoint/2010/main" val="279335196"/>
       </p:ext>
     </p:extLst>
   </p:cSld>
@@ -1774,7 +2091,22 @@
           <a:bodyPr/>
           <a:lstStyle/>
           <a:p>
-            <a:endParaRPr lang="en-US" dirty="0"/>
+            <a:r>
+              <a:rPr lang="en-US" dirty="0" err="1"/>
+              <a:t>L.pop</a:t>
+            </a:r>
+            <a:r>
+              <a:rPr lang="en-US" dirty="0"/>
+              <a:t>() = </a:t>
+            </a:r>
+            <a:r>
+              <a:rPr lang="en-US" dirty="0" err="1"/>
+              <a:t>L.pop</a:t>
+            </a:r>
+            <a:r>
+              <a:rPr lang="en-US" dirty="0"/>
+              <a:t>(-1), i.e. removes the last element from the list</a:t>
+            </a:r>
           </a:p>
         </p:txBody>
       </p:sp>
@@ -1795,7 +2127,7 @@
           <a:p>
             <a:fld id="{CD563DD8-32AB-41BE-B1C6-8EAC45222ACE}" type="slidenum">
               <a:rPr lang="en-US" smtClean="0"/>
-              <a:t>9</a:t>
+              <a:t>4</a:t>
             </a:fld>
             <a:endParaRPr lang="en-US"/>
           </a:p>
@@ -1804,7 +2136,7 @@
     </p:spTree>
     <p:extLst>
       <p:ext uri="{BB962C8B-B14F-4D97-AF65-F5344CB8AC3E}">
-        <p14:creationId xmlns:p14="http://schemas.microsoft.com/office/powerpoint/2010/main" val="2840038013"/>
+        <p14:creationId xmlns:p14="http://schemas.microsoft.com/office/powerpoint/2010/main" val="721539255"/>
       </p:ext>
     </p:extLst>
   </p:cSld>
@@ -1858,7 +2190,10 @@
           <a:bodyPr/>
           <a:lstStyle/>
           <a:p>
-            <a:endParaRPr lang="en-US" dirty="0"/>
+            <a:r>
+              <a:rPr lang="en-US" dirty="0"/>
+              <a:t>Slicing creates a new list</a:t>
+            </a:r>
           </a:p>
         </p:txBody>
       </p:sp>
@@ -1879,7 +2214,7 @@
           <a:p>
             <a:fld id="{CD563DD8-32AB-41BE-B1C6-8EAC45222ACE}" type="slidenum">
               <a:rPr lang="en-US" smtClean="0"/>
-              <a:t>10</a:t>
+              <a:t>9</a:t>
             </a:fld>
             <a:endParaRPr lang="en-US"/>
           </a:p>
@@ -1888,7 +2223,7 @@
     </p:spTree>
     <p:extLst>
       <p:ext uri="{BB962C8B-B14F-4D97-AF65-F5344CB8AC3E}">
-        <p14:creationId xmlns:p14="http://schemas.microsoft.com/office/powerpoint/2010/main" val="558361570"/>
+        <p14:creationId xmlns:p14="http://schemas.microsoft.com/office/powerpoint/2010/main" val="2840038013"/>
       </p:ext>
     </p:extLst>
   </p:cSld>
@@ -1942,10 +2277,7 @@
           <a:bodyPr/>
           <a:lstStyle/>
           <a:p>
-            <a:r>
-              <a:rPr lang="en-US" dirty="0"/>
-              <a:t>Pythontutor.com only uses Python 3.6</a:t>
-            </a:r>
+            <a:endParaRPr lang="en-US" dirty="0"/>
           </a:p>
         </p:txBody>
       </p:sp>
@@ -1966,7 +2298,7 @@
           <a:p>
             <a:fld id="{CD563DD8-32AB-41BE-B1C6-8EAC45222ACE}" type="slidenum">
               <a:rPr lang="en-US" smtClean="0"/>
-              <a:t>11</a:t>
+              <a:t>10</a:t>
             </a:fld>
             <a:endParaRPr lang="en-US"/>
           </a:p>
@@ -1975,7 +2307,7 @@
     </p:spTree>
     <p:extLst>
       <p:ext uri="{BB962C8B-B14F-4D97-AF65-F5344CB8AC3E}">
-        <p14:creationId xmlns:p14="http://schemas.microsoft.com/office/powerpoint/2010/main" val="3499136583"/>
+        <p14:creationId xmlns:p14="http://schemas.microsoft.com/office/powerpoint/2010/main" val="558361570"/>
       </p:ext>
     </p:extLst>
   </p:cSld>
@@ -2031,21 +2363,8 @@
           <a:p>
             <a:r>
               <a:rPr lang="en-US" dirty="0"/>
-              <a:t>NOTE i in </a:t>
-            </a:r>
-            <a:r>
-              <a:rPr lang="en-US"/>
-              <a:t>2</a:t>
-            </a:r>
-            <a:r>
-              <a:rPr lang="en-US" baseline="30000"/>
-              <a:t>nd</a:t>
-            </a:r>
-            <a:r>
-              <a:rPr lang="en-US"/>
-              <a:t> for-loop</a:t>
-            </a:r>
-            <a:endParaRPr lang="en-US" dirty="0"/>
+              <a:t>Pythontutor.com only uses Python 3.6</a:t>
+            </a:r>
           </a:p>
         </p:txBody>
       </p:sp>
@@ -2066,7 +2385,7 @@
           <a:p>
             <a:fld id="{CD563DD8-32AB-41BE-B1C6-8EAC45222ACE}" type="slidenum">
               <a:rPr lang="en-US" smtClean="0"/>
-              <a:t>17</a:t>
+              <a:t>11</a:t>
             </a:fld>
             <a:endParaRPr lang="en-US"/>
           </a:p>
@@ -2075,7 +2394,7 @@
     </p:spTree>
     <p:extLst>
       <p:ext uri="{BB962C8B-B14F-4D97-AF65-F5344CB8AC3E}">
-        <p14:creationId xmlns:p14="http://schemas.microsoft.com/office/powerpoint/2010/main" val="4184457804"/>
+        <p14:creationId xmlns:p14="http://schemas.microsoft.com/office/powerpoint/2010/main" val="3499136583"/>
       </p:ext>
     </p:extLst>
   </p:cSld>
@@ -2166,7 +2485,7 @@
           <a:p>
             <a:fld id="{CD563DD8-32AB-41BE-B1C6-8EAC45222ACE}" type="slidenum">
               <a:rPr lang="en-US" smtClean="0"/>
-              <a:t>18</a:t>
+              <a:t>17</a:t>
             </a:fld>
             <a:endParaRPr lang="en-US"/>
           </a:p>
@@ -2175,7 +2494,7 @@
     </p:spTree>
     <p:extLst>
       <p:ext uri="{BB962C8B-B14F-4D97-AF65-F5344CB8AC3E}">
-        <p14:creationId xmlns:p14="http://schemas.microsoft.com/office/powerpoint/2010/main" val="3366940037"/>
+        <p14:creationId xmlns:p14="http://schemas.microsoft.com/office/powerpoint/2010/main" val="4184457804"/>
       </p:ext>
     </p:extLst>
   </p:cSld>
@@ -2231,51 +2550,19 @@
           <a:p>
             <a:r>
               <a:rPr lang="en-US" dirty="0"/>
-              <a:t>Note BASIC</a:t>
-            </a:r>
-            <a:r>
-              <a:rPr lang="en-US" baseline="0" dirty="0"/>
-              <a:t> includes the last index in the range for the for-loop</a:t>
-            </a:r>
-          </a:p>
-          <a:p>
-            <a:r>
-              <a:rPr lang="en-US" baseline="0" dirty="0"/>
-              <a:t>Needs keyword NEXT to indicate where the FOR loop ends</a:t>
-            </a:r>
-          </a:p>
-          <a:p>
-            <a:r>
-              <a:rPr lang="en-US" dirty="0"/>
-              <a:t>https://vice.pokefinder.org/ run x64.exe</a:t>
-            </a:r>
-          </a:p>
-          <a:p>
-            <a:r>
-              <a:rPr lang="en-US" dirty="0"/>
-              <a:t>Alt-D toggle full</a:t>
-            </a:r>
-            <a:r>
-              <a:rPr lang="en-US" baseline="0" dirty="0"/>
-              <a:t> screen</a:t>
-            </a:r>
-          </a:p>
-          <a:p>
-            <a:r>
-              <a:rPr lang="en-US" baseline="0" dirty="0"/>
-              <a:t>LIST : show program</a:t>
-            </a:r>
-          </a:p>
-          <a:p>
-            <a:r>
-              <a:rPr lang="en-US" baseline="0" dirty="0"/>
-              <a:t>RUN : run program</a:t>
-            </a:r>
-          </a:p>
-          <a:p>
-            <a:r>
-              <a:rPr lang="en-US" baseline="0" dirty="0"/>
-              <a:t>Alt-F12 : Hardware reset</a:t>
+              <a:t>NOTE i in </a:t>
+            </a:r>
+            <a:r>
+              <a:rPr lang="en-US"/>
+              <a:t>2</a:t>
+            </a:r>
+            <a:r>
+              <a:rPr lang="en-US" baseline="30000"/>
+              <a:t>nd</a:t>
+            </a:r>
+            <a:r>
+              <a:rPr lang="en-US"/>
+              <a:t> for-loop</a:t>
             </a:r>
             <a:endParaRPr lang="en-US" dirty="0"/>
           </a:p>
@@ -2298,7 +2585,7 @@
           <a:p>
             <a:fld id="{CD563DD8-32AB-41BE-B1C6-8EAC45222ACE}" type="slidenum">
               <a:rPr lang="en-US" smtClean="0"/>
-              <a:t>19</a:t>
+              <a:t>18</a:t>
             </a:fld>
             <a:endParaRPr lang="en-US"/>
           </a:p>
@@ -2307,7 +2594,7 @@
     </p:spTree>
     <p:extLst>
       <p:ext uri="{BB962C8B-B14F-4D97-AF65-F5344CB8AC3E}">
-        <p14:creationId xmlns:p14="http://schemas.microsoft.com/office/powerpoint/2010/main" val="3621744206"/>
+        <p14:creationId xmlns:p14="http://schemas.microsoft.com/office/powerpoint/2010/main" val="3366940037"/>
       </p:ext>
     </p:extLst>
   </p:cSld>
@@ -2361,6 +2648,54 @@
           <a:bodyPr/>
           <a:lstStyle/>
           <a:p>
+            <a:r>
+              <a:rPr lang="en-US" dirty="0"/>
+              <a:t>Note BASIC</a:t>
+            </a:r>
+            <a:r>
+              <a:rPr lang="en-US" baseline="0" dirty="0"/>
+              <a:t> includes the last index in the range for the for-loop</a:t>
+            </a:r>
+          </a:p>
+          <a:p>
+            <a:r>
+              <a:rPr lang="en-US" baseline="0" dirty="0"/>
+              <a:t>Needs keyword NEXT to indicate where the FOR loop ends</a:t>
+            </a:r>
+          </a:p>
+          <a:p>
+            <a:r>
+              <a:rPr lang="en-US" dirty="0"/>
+              <a:t>https://vice.pokefinder.org/ run x64.exe</a:t>
+            </a:r>
+          </a:p>
+          <a:p>
+            <a:r>
+              <a:rPr lang="en-US" dirty="0"/>
+              <a:t>Alt-D toggle full</a:t>
+            </a:r>
+            <a:r>
+              <a:rPr lang="en-US" baseline="0" dirty="0"/>
+              <a:t> screen</a:t>
+            </a:r>
+          </a:p>
+          <a:p>
+            <a:r>
+              <a:rPr lang="en-US" baseline="0" dirty="0"/>
+              <a:t>LIST : show program</a:t>
+            </a:r>
+          </a:p>
+          <a:p>
+            <a:r>
+              <a:rPr lang="en-US" baseline="0" dirty="0"/>
+              <a:t>RUN : run program</a:t>
+            </a:r>
+          </a:p>
+          <a:p>
+            <a:r>
+              <a:rPr lang="en-US" baseline="0" dirty="0"/>
+              <a:t>Alt-F12 : Hardware reset</a:t>
+            </a:r>
             <a:endParaRPr lang="en-US" dirty="0"/>
           </a:p>
         </p:txBody>
@@ -2382,7 +2717,7 @@
           <a:p>
             <a:fld id="{CD563DD8-32AB-41BE-B1C6-8EAC45222ACE}" type="slidenum">
               <a:rPr lang="en-US" smtClean="0"/>
-              <a:t>20</a:t>
+              <a:t>19</a:t>
             </a:fld>
             <a:endParaRPr lang="en-US"/>
           </a:p>
@@ -2391,7 +2726,7 @@
     </p:spTree>
     <p:extLst>
       <p:ext uri="{BB962C8B-B14F-4D97-AF65-F5344CB8AC3E}">
-        <p14:creationId xmlns:p14="http://schemas.microsoft.com/office/powerpoint/2010/main" val="2911469987"/>
+        <p14:creationId xmlns:p14="http://schemas.microsoft.com/office/powerpoint/2010/main" val="3621744206"/>
       </p:ext>
     </p:extLst>
   </p:cSld>
@@ -2538,7 +2873,7 @@
           <a:p>
             <a:fld id="{0560A9CD-0304-4E0B-9E82-E7E0115DE05B}" type="datetimeFigureOut">
               <a:rPr lang="en-US" smtClean="0"/>
-              <a:t>10/31/2023</a:t>
+              <a:t>2/6/2024</a:t>
             </a:fld>
             <a:endParaRPr lang="en-US"/>
           </a:p>
@@ -2706,7 +3041,7 @@
           <a:p>
             <a:fld id="{0560A9CD-0304-4E0B-9E82-E7E0115DE05B}" type="datetimeFigureOut">
               <a:rPr lang="en-US" smtClean="0"/>
-              <a:t>10/31/2023</a:t>
+              <a:t>2/6/2024</a:t>
             </a:fld>
             <a:endParaRPr lang="en-US"/>
           </a:p>
@@ -2884,7 +3219,7 @@
           <a:p>
             <a:fld id="{0560A9CD-0304-4E0B-9E82-E7E0115DE05B}" type="datetimeFigureOut">
               <a:rPr lang="en-US" smtClean="0"/>
-              <a:t>10/31/2023</a:t>
+              <a:t>2/6/2024</a:t>
             </a:fld>
             <a:endParaRPr lang="en-US"/>
           </a:p>
@@ -3061,7 +3396,7 @@
           <a:p>
             <a:fld id="{0560A9CD-0304-4E0B-9E82-E7E0115DE05B}" type="datetimeFigureOut">
               <a:rPr lang="en-US" smtClean="0"/>
-              <a:t>10/31/2023</a:t>
+              <a:t>2/6/2024</a:t>
             </a:fld>
             <a:endParaRPr lang="en-US"/>
           </a:p>
@@ -3306,7 +3641,7 @@
           <a:p>
             <a:fld id="{0560A9CD-0304-4E0B-9E82-E7E0115DE05B}" type="datetimeFigureOut">
               <a:rPr lang="en-US" smtClean="0"/>
-              <a:t>10/31/2023</a:t>
+              <a:t>2/6/2024</a:t>
             </a:fld>
             <a:endParaRPr lang="en-US"/>
           </a:p>
@@ -3535,7 +3870,7 @@
           <a:p>
             <a:fld id="{0560A9CD-0304-4E0B-9E82-E7E0115DE05B}" type="datetimeFigureOut">
               <a:rPr lang="en-US" smtClean="0"/>
-              <a:t>10/31/2023</a:t>
+              <a:t>2/6/2024</a:t>
             </a:fld>
             <a:endParaRPr lang="en-US"/>
           </a:p>
@@ -3899,7 +4234,7 @@
           <a:p>
             <a:fld id="{0560A9CD-0304-4E0B-9E82-E7E0115DE05B}" type="datetimeFigureOut">
               <a:rPr lang="en-US" smtClean="0"/>
-              <a:t>10/31/2023</a:t>
+              <a:t>2/6/2024</a:t>
             </a:fld>
             <a:endParaRPr lang="en-US"/>
           </a:p>
@@ -4016,7 +4351,7 @@
           <a:p>
             <a:fld id="{0560A9CD-0304-4E0B-9E82-E7E0115DE05B}" type="datetimeFigureOut">
               <a:rPr lang="en-US" smtClean="0"/>
-              <a:t>10/31/2023</a:t>
+              <a:t>2/6/2024</a:t>
             </a:fld>
             <a:endParaRPr lang="en-US"/>
           </a:p>
@@ -4111,7 +4446,7 @@
           <a:p>
             <a:fld id="{0560A9CD-0304-4E0B-9E82-E7E0115DE05B}" type="datetimeFigureOut">
               <a:rPr lang="en-US" smtClean="0"/>
-              <a:t>10/31/2023</a:t>
+              <a:t>2/6/2024</a:t>
             </a:fld>
             <a:endParaRPr lang="en-US"/>
           </a:p>
@@ -4386,7 +4721,7 @@
           <a:p>
             <a:fld id="{0560A9CD-0304-4E0B-9E82-E7E0115DE05B}" type="datetimeFigureOut">
               <a:rPr lang="en-US" smtClean="0"/>
-              <a:t>10/31/2023</a:t>
+              <a:t>2/6/2024</a:t>
             </a:fld>
             <a:endParaRPr lang="en-US"/>
           </a:p>
@@ -4638,7 +4973,7 @@
           <a:p>
             <a:fld id="{0560A9CD-0304-4E0B-9E82-E7E0115DE05B}" type="datetimeFigureOut">
               <a:rPr lang="en-US" smtClean="0"/>
-              <a:t>10/31/2023</a:t>
+              <a:t>2/6/2024</a:t>
             </a:fld>
             <a:endParaRPr lang="en-US"/>
           </a:p>
@@ -4849,7 +5184,7 @@
           <a:p>
             <a:fld id="{0560A9CD-0304-4E0B-9E82-E7E0115DE05B}" type="datetimeFigureOut">
               <a:rPr lang="en-US" smtClean="0"/>
-              <a:t>10/31/2023</a:t>
+              <a:t>2/6/2024</a:t>
             </a:fld>
             <a:endParaRPr lang="en-US"/>
           </a:p>
@@ -15035,14 +15370,14 @@
           <p:nvPr>
             <p:extLst>
               <p:ext uri="{D42A27DB-BD31-4B8C-83A1-F6EECF244321}">
-                <p14:modId xmlns:p14="http://schemas.microsoft.com/office/powerpoint/2010/main" val="1948784079"/>
+                <p14:modId xmlns:p14="http://schemas.microsoft.com/office/powerpoint/2010/main" val="4213532887"/>
               </p:ext>
             </p:extLst>
           </p:nvPr>
         </p:nvGraphicFramePr>
         <p:xfrm>
           <a:off x="2612796" y="4609855"/>
-          <a:ext cx="6966408" cy="2088564"/>
+          <a:ext cx="6966408" cy="1919016"/>
         </p:xfrm>
         <a:graphic>
           <a:graphicData uri="http://schemas.openxmlformats.org/drawingml/2006/table">
@@ -15059,7 +15394,7 @@
                   </a:extLst>
                 </a:gridCol>
               </a:tblGrid>
-              <a:tr h="313238">
+              <a:tr h="329764">
                 <a:tc>
                   <a:txBody>
                     <a:bodyPr/>
@@ -15148,7 +15483,7 @@
                   </a:ext>
                 </a:extLst>
               </a:tr>
-              <a:tr h="1722804">
+              <a:tr h="1553256">
                 <a:tc>
                   <a:txBody>
                     <a:bodyPr/>
@@ -15556,7 +15891,7 @@
         <p:spPr>
           <a:xfrm>
             <a:off x="838200" y="1953527"/>
-            <a:ext cx="10571480" cy="4126639"/>
+            <a:ext cx="10892246" cy="4126639"/>
           </a:xfrm>
         </p:spPr>
         <p:txBody>
@@ -15607,7 +15942,7 @@
             </a:r>
             <a:r>
               <a:rPr lang="en-US" sz="2400" dirty="0"/>
-              <a:t> generates the </a:t>
+              <a:t> represents the </a:t>
             </a:r>
             <a:r>
               <a:rPr lang="en-US" sz="2400" dirty="0">
@@ -19507,13 +19842,13 @@
         </p:nvSpPr>
         <p:spPr>
           <a:xfrm>
-            <a:off x="838200" y="1825625"/>
-            <a:ext cx="10515600" cy="4830464"/>
+            <a:off x="825137" y="1491471"/>
+            <a:ext cx="10515600" cy="5379592"/>
           </a:xfrm>
         </p:spPr>
         <p:txBody>
           <a:bodyPr>
-            <a:normAutofit fontScale="85000" lnSpcReduction="20000"/>
+            <a:normAutofit fontScale="92500" lnSpcReduction="20000"/>
           </a:bodyPr>
           <a:lstStyle/>
           <a:p>
@@ -19793,7 +20128,11 @@
               </a:rPr>
               <a:t>)]</a:t>
             </a:r>
-            <a:endParaRPr lang="en-US" dirty="0"/>
+            <a:endParaRPr lang="en-US" baseline="30000" dirty="0">
+              <a:solidFill>
+                <a:srgbClr val="C00000"/>
+              </a:solidFill>
+            </a:endParaRPr>
           </a:p>
           <a:p>
             <a:r>
@@ -19928,6 +20267,38 @@
           <a:p>
             <a:r>
               <a:rPr lang="en-US" dirty="0"/>
+              <a:t>Check if element is not in list</a:t>
+            </a:r>
+            <a:r>
+              <a:rPr lang="en-US" dirty="0">
+                <a:latin typeface="Courier New" panose="02070309020205020404" pitchFamily="49" charset="0"/>
+                <a:cs typeface="Courier New" panose="02070309020205020404" pitchFamily="49" charset="0"/>
+              </a:rPr>
+              <a:t> e not in L </a:t>
+            </a:r>
+            <a:r>
+              <a:rPr lang="en-US" dirty="0"/>
+              <a:t>(same as</a:t>
+            </a:r>
+            <a:r>
+              <a:rPr lang="en-US" dirty="0">
+                <a:latin typeface="Courier New" panose="02070309020205020404" pitchFamily="49" charset="0"/>
+                <a:cs typeface="Courier New" panose="02070309020205020404" pitchFamily="49" charset="0"/>
+              </a:rPr>
+              <a:t> not e in L</a:t>
+            </a:r>
+            <a:r>
+              <a:rPr lang="en-US" dirty="0"/>
+              <a:t>)</a:t>
+            </a:r>
+            <a:endParaRPr lang="en-US" dirty="0">
+              <a:latin typeface="Courier New" panose="02070309020205020404" pitchFamily="49" charset="0"/>
+              <a:cs typeface="Courier New" panose="02070309020205020404" pitchFamily="49" charset="0"/>
+            </a:endParaRPr>
+          </a:p>
+          <a:p>
+            <a:r>
+              <a:rPr lang="en-US" dirty="0"/>
               <a:t>Index of first occurrence of element in list </a:t>
             </a:r>
             <a:r>
@@ -19968,43 +20339,22 @@
           </a:p>
           <a:p>
             <a:r>
-              <a:rPr lang="en-US" dirty="0"/>
-              <a:t>Check if element is not in list</a:t>
-            </a:r>
-            <a:r>
-              <a:rPr lang="en-US" dirty="0">
-                <a:latin typeface="Courier New" panose="02070309020205020404" pitchFamily="49" charset="0"/>
-                <a:cs typeface="Courier New" panose="02070309020205020404" pitchFamily="49" charset="0"/>
-              </a:rPr>
-              <a:t> e not in L </a:t>
-            </a:r>
-            <a:r>
-              <a:rPr lang="en-US" dirty="0"/>
-              <a:t>(same as</a:t>
-            </a:r>
-            <a:r>
-              <a:rPr lang="en-US" dirty="0">
-                <a:latin typeface="Courier New" panose="02070309020205020404" pitchFamily="49" charset="0"/>
-                <a:cs typeface="Courier New" panose="02070309020205020404" pitchFamily="49" charset="0"/>
-              </a:rPr>
-              <a:t> not e in L</a:t>
-            </a:r>
-            <a:r>
-              <a:rPr lang="en-US" dirty="0"/>
-              <a:t>)</a:t>
-            </a:r>
-            <a:endParaRPr lang="en-US" dirty="0">
-              <a:latin typeface="Courier New" panose="02070309020205020404" pitchFamily="49" charset="0"/>
-              <a:cs typeface="Courier New" panose="02070309020205020404" pitchFamily="49" charset="0"/>
-            </a:endParaRPr>
-          </a:p>
-          <a:p>
-            <a:r>
               <a:rPr lang="en-US" dirty="0">
                 <a:latin typeface="Courier New" panose="02070309020205020404" pitchFamily="49" charset="0"/>
                 <a:cs typeface="Courier New" panose="02070309020205020404" pitchFamily="49" charset="0"/>
               </a:rPr>
               <a:t>sum(L)  min(L)  max(L)</a:t>
+            </a:r>
+          </a:p>
+          <a:p>
+            <a:pPr marL="0" indent="0">
+              <a:buNone/>
+            </a:pPr>
+            <a:r>
+              <a:rPr lang="en-US" dirty="0">
+                <a:cs typeface="Courier New" panose="02070309020205020404" pitchFamily="49" charset="0"/>
+              </a:rPr>
+              <a:t>          = creates new list</a:t>
             </a:r>
           </a:p>
         </p:txBody>
@@ -20038,7 +20388,7 @@
                     <a:lumMod val="50000"/>
                   </a:schemeClr>
                 </a:solidFill>
-                <a:hlinkClick r:id="rId2"/>
+                <a:hlinkClick r:id="rId3"/>
               </a:rPr>
               <a:t>docs.python.org/3/library/</a:t>
             </a:r>
@@ -20049,7 +20399,7 @@
                     <a:lumMod val="50000"/>
                   </a:schemeClr>
                 </a:solidFill>
-                <a:hlinkClick r:id="rId2"/>
+                <a:hlinkClick r:id="rId3"/>
               </a:rPr>
               <a:t>stdtypes.html#sequence-types-list-tuple-range</a:t>
             </a:r>
@@ -20060,6 +20410,266 @@
                 </a:schemeClr>
               </a:solidFill>
             </a:endParaRPr>
+          </a:p>
+        </p:txBody>
+      </p:sp>
+      <p:sp>
+        <p:nvSpPr>
+          <p:cNvPr id="7" name="Star: 5 Points 6">
+            <a:extLst>
+              <a:ext uri="{FF2B5EF4-FFF2-40B4-BE49-F238E27FC236}">
+                <a16:creationId xmlns:a16="http://schemas.microsoft.com/office/drawing/2014/main" id="{8D20C749-0EA4-EE08-310F-908C6D123DF7}"/>
+              </a:ext>
+            </a:extLst>
+          </p:cNvPr>
+          <p:cNvSpPr/>
+          <p:nvPr/>
+        </p:nvSpPr>
+        <p:spPr>
+          <a:xfrm>
+            <a:off x="568418" y="2304480"/>
+            <a:ext cx="252000" cy="252000"/>
+          </a:xfrm>
+          <a:prstGeom prst="star5">
+            <a:avLst/>
+          </a:prstGeom>
+          <a:solidFill>
+            <a:srgbClr val="C00000"/>
+          </a:solidFill>
+          <a:ln>
+            <a:noFill/>
+          </a:ln>
+        </p:spPr>
+        <p:style>
+          <a:lnRef idx="2">
+            <a:schemeClr val="accent1">
+              <a:shade val="15000"/>
+            </a:schemeClr>
+          </a:lnRef>
+          <a:fillRef idx="1">
+            <a:schemeClr val="accent1"/>
+          </a:fillRef>
+          <a:effectRef idx="0">
+            <a:schemeClr val="accent1"/>
+          </a:effectRef>
+          <a:fontRef idx="minor">
+            <a:schemeClr val="lt1"/>
+          </a:fontRef>
+        </p:style>
+        <p:txBody>
+          <a:bodyPr rtlCol="0" anchor="ctr"/>
+          <a:lstStyle/>
+          <a:p>
+            <a:pPr algn="ctr"/>
+            <a:endParaRPr lang="da-DK"/>
+          </a:p>
+        </p:txBody>
+      </p:sp>
+      <p:sp>
+        <p:nvSpPr>
+          <p:cNvPr id="8" name="Star: 5 Points 7">
+            <a:extLst>
+              <a:ext uri="{FF2B5EF4-FFF2-40B4-BE49-F238E27FC236}">
+                <a16:creationId xmlns:a16="http://schemas.microsoft.com/office/drawing/2014/main" id="{B3655F76-172D-B724-498C-B3612ED83B27}"/>
+              </a:ext>
+            </a:extLst>
+          </p:cNvPr>
+          <p:cNvSpPr/>
+          <p:nvPr/>
+        </p:nvSpPr>
+        <p:spPr>
+          <a:xfrm>
+            <a:off x="568418" y="2706170"/>
+            <a:ext cx="252000" cy="252000"/>
+          </a:xfrm>
+          <a:prstGeom prst="star5">
+            <a:avLst/>
+          </a:prstGeom>
+          <a:solidFill>
+            <a:srgbClr val="C00000"/>
+          </a:solidFill>
+          <a:ln>
+            <a:noFill/>
+          </a:ln>
+        </p:spPr>
+        <p:style>
+          <a:lnRef idx="2">
+            <a:schemeClr val="accent1">
+              <a:shade val="15000"/>
+            </a:schemeClr>
+          </a:lnRef>
+          <a:fillRef idx="1">
+            <a:schemeClr val="accent1"/>
+          </a:fillRef>
+          <a:effectRef idx="0">
+            <a:schemeClr val="accent1"/>
+          </a:effectRef>
+          <a:fontRef idx="minor">
+            <a:schemeClr val="lt1"/>
+          </a:fontRef>
+        </p:style>
+        <p:txBody>
+          <a:bodyPr rtlCol="0" anchor="ctr"/>
+          <a:lstStyle/>
+          <a:p>
+            <a:pPr algn="ctr"/>
+            <a:endParaRPr lang="da-DK"/>
+          </a:p>
+        </p:txBody>
+      </p:sp>
+      <p:sp>
+        <p:nvSpPr>
+          <p:cNvPr id="9" name="Star: 5 Points 8">
+            <a:extLst>
+              <a:ext uri="{FF2B5EF4-FFF2-40B4-BE49-F238E27FC236}">
+                <a16:creationId xmlns:a16="http://schemas.microsoft.com/office/drawing/2014/main" id="{AD338455-2C15-3FC5-ABA3-C069BDEE3EF5}"/>
+              </a:ext>
+            </a:extLst>
+          </p:cNvPr>
+          <p:cNvSpPr/>
+          <p:nvPr/>
+        </p:nvSpPr>
+        <p:spPr>
+          <a:xfrm>
+            <a:off x="568418" y="3107860"/>
+            <a:ext cx="252000" cy="252000"/>
+          </a:xfrm>
+          <a:prstGeom prst="star5">
+            <a:avLst/>
+          </a:prstGeom>
+          <a:solidFill>
+            <a:srgbClr val="C00000"/>
+          </a:solidFill>
+          <a:ln>
+            <a:noFill/>
+          </a:ln>
+        </p:spPr>
+        <p:style>
+          <a:lnRef idx="2">
+            <a:schemeClr val="accent1">
+              <a:shade val="15000"/>
+            </a:schemeClr>
+          </a:lnRef>
+          <a:fillRef idx="1">
+            <a:schemeClr val="accent1"/>
+          </a:fillRef>
+          <a:effectRef idx="0">
+            <a:schemeClr val="accent1"/>
+          </a:effectRef>
+          <a:fontRef idx="minor">
+            <a:schemeClr val="lt1"/>
+          </a:fontRef>
+        </p:style>
+        <p:txBody>
+          <a:bodyPr rtlCol="0" anchor="ctr"/>
+          <a:lstStyle/>
+          <a:p>
+            <a:pPr algn="ctr"/>
+            <a:endParaRPr lang="da-DK"/>
+          </a:p>
+        </p:txBody>
+      </p:sp>
+      <p:sp>
+        <p:nvSpPr>
+          <p:cNvPr id="10" name="Star: 5 Points 9">
+            <a:extLst>
+              <a:ext uri="{FF2B5EF4-FFF2-40B4-BE49-F238E27FC236}">
+                <a16:creationId xmlns:a16="http://schemas.microsoft.com/office/drawing/2014/main" id="{162A923A-346C-3E8F-9319-CE1FD66BB7A6}"/>
+              </a:ext>
+            </a:extLst>
+          </p:cNvPr>
+          <p:cNvSpPr/>
+          <p:nvPr/>
+        </p:nvSpPr>
+        <p:spPr>
+          <a:xfrm>
+            <a:off x="568418" y="3509551"/>
+            <a:ext cx="252000" cy="252000"/>
+          </a:xfrm>
+          <a:prstGeom prst="star5">
+            <a:avLst/>
+          </a:prstGeom>
+          <a:solidFill>
+            <a:srgbClr val="C00000"/>
+          </a:solidFill>
+          <a:ln>
+            <a:noFill/>
+          </a:ln>
+        </p:spPr>
+        <p:style>
+          <a:lnRef idx="2">
+            <a:schemeClr val="accent1">
+              <a:shade val="15000"/>
+            </a:schemeClr>
+          </a:lnRef>
+          <a:fillRef idx="1">
+            <a:schemeClr val="accent1"/>
+          </a:fillRef>
+          <a:effectRef idx="0">
+            <a:schemeClr val="accent1"/>
+          </a:effectRef>
+          <a:fontRef idx="minor">
+            <a:schemeClr val="lt1"/>
+          </a:fontRef>
+        </p:style>
+        <p:txBody>
+          <a:bodyPr rtlCol="0" anchor="ctr"/>
+          <a:lstStyle/>
+          <a:p>
+            <a:pPr algn="ctr"/>
+            <a:endParaRPr lang="da-DK" dirty="0"/>
+          </a:p>
+        </p:txBody>
+      </p:sp>
+      <p:sp>
+        <p:nvSpPr>
+          <p:cNvPr id="11" name="Star: 5 Points 10">
+            <a:extLst>
+              <a:ext uri="{FF2B5EF4-FFF2-40B4-BE49-F238E27FC236}">
+                <a16:creationId xmlns:a16="http://schemas.microsoft.com/office/drawing/2014/main" id="{5347D277-0D30-4EBC-3D30-334A0CD87C84}"/>
+              </a:ext>
+            </a:extLst>
+          </p:cNvPr>
+          <p:cNvSpPr/>
+          <p:nvPr/>
+        </p:nvSpPr>
+        <p:spPr>
+          <a:xfrm>
+            <a:off x="1300399" y="6362187"/>
+            <a:ext cx="252000" cy="252000"/>
+          </a:xfrm>
+          <a:prstGeom prst="star5">
+            <a:avLst/>
+          </a:prstGeom>
+          <a:solidFill>
+            <a:srgbClr val="C00000"/>
+          </a:solidFill>
+          <a:ln>
+            <a:noFill/>
+          </a:ln>
+        </p:spPr>
+        <p:style>
+          <a:lnRef idx="2">
+            <a:schemeClr val="accent1">
+              <a:shade val="15000"/>
+            </a:schemeClr>
+          </a:lnRef>
+          <a:fillRef idx="1">
+            <a:schemeClr val="accent1"/>
+          </a:fillRef>
+          <a:effectRef idx="0">
+            <a:schemeClr val="accent1"/>
+          </a:effectRef>
+          <a:fontRef idx="minor">
+            <a:schemeClr val="lt1"/>
+          </a:fontRef>
+        </p:style>
+        <p:txBody>
+          <a:bodyPr rtlCol="0" anchor="ctr"/>
+          <a:lstStyle/>
+          <a:p>
+            <a:pPr algn="ctr"/>
+            <a:endParaRPr lang="da-DK" dirty="0"/>
           </a:p>
         </p:txBody>
       </p:sp>
@@ -25586,7 +26196,7 @@
           <p:nvPr/>
         </p:nvPicPr>
         <p:blipFill>
-          <a:blip r:embed="rId2"/>
+          <a:blip r:embed="rId3"/>
           <a:stretch>
             <a:fillRect/>
           </a:stretch>
@@ -26440,7 +27050,7 @@
           <p:nvPr/>
         </p:nvPicPr>
         <p:blipFill>
-          <a:blip r:embed="rId3" cstate="print">
+          <a:blip r:embed="rId4" cstate="print">
             <a:extLst>
               <a:ext uri="{28A0092B-C50C-407E-A947-70E740481C1C}">
                 <a14:useLocalDpi xmlns:a14="http://schemas.microsoft.com/office/drawing/2010/main" val="0"/>

--- a/ipsa/slides/lists.pptx
+++ b/ipsa/slides/lists.pptx
@@ -144,14 +144,6 @@
 </p:presentation>
 </file>
 
-<file path=ppt/revisionInfo.xml><?xml version="1.0" encoding="utf-8"?>
-<p1510:revInfo xmlns:a="http://schemas.openxmlformats.org/drawingml/2006/main" xmlns:r="http://schemas.openxmlformats.org/officeDocument/2006/relationships" xmlns:p1510="http://schemas.microsoft.com/office/powerpoint/2015/10/main">
-  <p1510:revLst>
-    <p1510:client id="{155CD946-55B5-49F4-A11E-1EF807E1FDB7}" v="6" dt="2024-02-07T07:31:08.862"/>
-  </p1510:revLst>
-</p1510:revInfo>
-</file>
-
 <file path=ppt/changesInfos/changesInfo1.xml><?xml version="1.0" encoding="utf-8"?>
 <pc:chgInfo xmlns:a="http://schemas.openxmlformats.org/drawingml/2006/main" xmlns:r="http://schemas.openxmlformats.org/officeDocument/2006/relationships" xmlns:ac="http://schemas.microsoft.com/office/drawing/2013/main/command" xmlns:pc="http://schemas.microsoft.com/office/powerpoint/2013/main/command">
   <pc:docChgLst>
@@ -174,14 +166,6 @@
           <pc:docMk/>
           <pc:sldMk cId="1841815763" sldId="485"/>
         </pc:sldMkLst>
-        <pc:spChg chg="mod">
-          <ac:chgData name="Gerth Stølting Brodal" userId="04ef4784-6591-4f86-a140-f5c3b108582a" providerId="ADAL" clId="{DB78D39E-575E-45E5-B6C0-876F5A9D7068}" dt="2023-02-08T10:43:16.881" v="103" actId="20577"/>
-          <ac:spMkLst>
-            <pc:docMk/>
-            <pc:sldMk cId="1841815763" sldId="485"/>
-            <ac:spMk id="3" creationId="{00000000-0000-0000-0000-000000000000}"/>
-          </ac:spMkLst>
-        </pc:spChg>
       </pc:sldChg>
       <pc:sldChg chg="modSp mod">
         <pc:chgData name="Gerth Stølting Brodal" userId="04ef4784-6591-4f86-a140-f5c3b108582a" providerId="ADAL" clId="{DB78D39E-575E-45E5-B6C0-876F5A9D7068}" dt="2023-02-08T08:47:52.638" v="10" actId="20577"/>
@@ -189,14 +173,6 @@
           <pc:docMk/>
           <pc:sldMk cId="3580155105" sldId="487"/>
         </pc:sldMkLst>
-        <pc:spChg chg="mod">
-          <ac:chgData name="Gerth Stølting Brodal" userId="04ef4784-6591-4f86-a140-f5c3b108582a" providerId="ADAL" clId="{DB78D39E-575E-45E5-B6C0-876F5A9D7068}" dt="2023-02-08T08:47:52.638" v="10" actId="20577"/>
-          <ac:spMkLst>
-            <pc:docMk/>
-            <pc:sldMk cId="3580155105" sldId="487"/>
-            <ac:spMk id="3" creationId="{00000000-0000-0000-0000-000000000000}"/>
-          </ac:spMkLst>
-        </pc:spChg>
       </pc:sldChg>
       <pc:sldChg chg="addSp modSp mod modAnim modNotesTx">
         <pc:chgData name="Gerth Stølting Brodal" userId="04ef4784-6591-4f86-a140-f5c3b108582a" providerId="ADAL" clId="{DB78D39E-575E-45E5-B6C0-876F5A9D7068}" dt="2023-02-08T10:57:01.602" v="208" actId="20577"/>
@@ -204,14 +180,6 @@
           <pc:docMk/>
           <pc:sldMk cId="2231878254" sldId="505"/>
         </pc:sldMkLst>
-        <pc:spChg chg="add mod">
-          <ac:chgData name="Gerth Stølting Brodal" userId="04ef4784-6591-4f86-a140-f5c3b108582a" providerId="ADAL" clId="{DB78D39E-575E-45E5-B6C0-876F5A9D7068}" dt="2023-02-08T10:55:57.028" v="167" actId="14100"/>
-          <ac:spMkLst>
-            <pc:docMk/>
-            <pc:sldMk cId="2231878254" sldId="505"/>
-            <ac:spMk id="5" creationId="{7CADA278-923D-143B-3BB6-1FEE8AB4BB03}"/>
-          </ac:spMkLst>
-        </pc:spChg>
       </pc:sldChg>
       <pc:sldChg chg="modNotesTx">
         <pc:chgData name="Gerth Stølting Brodal" userId="04ef4784-6591-4f86-a140-f5c3b108582a" providerId="ADAL" clId="{DB78D39E-575E-45E5-B6C0-876F5A9D7068}" dt="2023-02-08T11:17:10.610" v="316" actId="20577"/>
@@ -226,14 +194,6 @@
           <pc:docMk/>
           <pc:sldMk cId="637895129" sldId="513"/>
         </pc:sldMkLst>
-        <pc:spChg chg="mod">
-          <ac:chgData name="Gerth Stølting Brodal" userId="04ef4784-6591-4f86-a140-f5c3b108582a" providerId="ADAL" clId="{DB78D39E-575E-45E5-B6C0-876F5A9D7068}" dt="2023-02-12T11:41:36.212" v="328" actId="20577"/>
-          <ac:spMkLst>
-            <pc:docMk/>
-            <pc:sldMk cId="637895129" sldId="513"/>
-            <ac:spMk id="6" creationId="{00000000-0000-0000-0000-000000000000}"/>
-          </ac:spMkLst>
-        </pc:spChg>
       </pc:sldChg>
       <pc:sldChg chg="modSp mod">
         <pc:chgData name="Gerth Stølting Brodal" userId="04ef4784-6591-4f86-a140-f5c3b108582a" providerId="ADAL" clId="{DB78D39E-575E-45E5-B6C0-876F5A9D7068}" dt="2023-02-12T10:52:44.938" v="323" actId="20577"/>
@@ -241,14 +201,6 @@
           <pc:docMk/>
           <pc:sldMk cId="2400466622" sldId="514"/>
         </pc:sldMkLst>
-        <pc:spChg chg="mod">
-          <ac:chgData name="Gerth Stølting Brodal" userId="04ef4784-6591-4f86-a140-f5c3b108582a" providerId="ADAL" clId="{DB78D39E-575E-45E5-B6C0-876F5A9D7068}" dt="2023-02-12T10:52:44.938" v="323" actId="20577"/>
-          <ac:spMkLst>
-            <pc:docMk/>
-            <pc:sldMk cId="2400466622" sldId="514"/>
-            <ac:spMk id="3" creationId="{00000000-0000-0000-0000-000000000000}"/>
-          </ac:spMkLst>
-        </pc:spChg>
       </pc:sldChg>
       <pc:sldChg chg="modSp mod">
         <pc:chgData name="Gerth Stølting Brodal" userId="04ef4784-6591-4f86-a140-f5c3b108582a" providerId="ADAL" clId="{DB78D39E-575E-45E5-B6C0-876F5A9D7068}" dt="2023-02-08T11:31:38.112" v="321" actId="20577"/>
@@ -256,14 +208,22 @@
           <pc:docMk/>
           <pc:sldMk cId="3794473685" sldId="515"/>
         </pc:sldMkLst>
-        <pc:graphicFrameChg chg="modGraphic">
-          <ac:chgData name="Gerth Stølting Brodal" userId="04ef4784-6591-4f86-a140-f5c3b108582a" providerId="ADAL" clId="{DB78D39E-575E-45E5-B6C0-876F5A9D7068}" dt="2023-02-08T11:31:38.112" v="321" actId="20577"/>
-          <ac:graphicFrameMkLst>
-            <pc:docMk/>
-            <pc:sldMk cId="3794473685" sldId="515"/>
-            <ac:graphicFrameMk id="4" creationId="{00000000-0000-0000-0000-000000000000}"/>
-          </ac:graphicFrameMkLst>
-        </pc:graphicFrameChg>
+      </pc:sldChg>
+    </pc:docChg>
+  </pc:docChgLst>
+  <pc:docChgLst>
+    <pc:chgData name="Gerth Stølting Brodal" userId="04ef4784-6591-4f86-a140-f5c3b108582a" providerId="ADAL" clId="{3163245C-AF54-4A4B-B6A7-9AF5B5C006F1}"/>
+    <pc:docChg chg="modSld">
+      <pc:chgData name="Gerth Stølting Brodal" userId="04ef4784-6591-4f86-a140-f5c3b108582a" providerId="ADAL" clId="{3163245C-AF54-4A4B-B6A7-9AF5B5C006F1}" dt="2025-02-05T08:56:04.507" v="7" actId="20577"/>
+      <pc:docMkLst>
+        <pc:docMk/>
+      </pc:docMkLst>
+      <pc:sldChg chg="modNotesTx">
+        <pc:chgData name="Gerth Stølting Brodal" userId="04ef4784-6591-4f86-a140-f5c3b108582a" providerId="ADAL" clId="{3163245C-AF54-4A4B-B6A7-9AF5B5C006F1}" dt="2025-02-05T08:56:04.507" v="7" actId="20577"/>
+        <pc:sldMkLst>
+          <pc:docMk/>
+          <pc:sldMk cId="1292498751" sldId="517"/>
+        </pc:sldMkLst>
       </pc:sldChg>
     </pc:docChg>
   </pc:docChgLst>
@@ -280,46 +240,6 @@
           <pc:docMk/>
           <pc:sldMk cId="317541545" sldId="490"/>
         </pc:sldMkLst>
-        <pc:graphicFrameChg chg="modGraphic">
-          <ac:chgData name="Gerth Stølting Brodal" userId="04ef4784-6591-4f86-a140-f5c3b108582a" providerId="ADAL" clId="{48BD50EB-D70C-4B82-BF38-DF8E8FD7B8E8}" dt="2023-07-15T11:38:49.443" v="32" actId="313"/>
-          <ac:graphicFrameMkLst>
-            <pc:docMk/>
-            <pc:sldMk cId="317541545" sldId="490"/>
-            <ac:graphicFrameMk id="4" creationId="{00000000-0000-0000-0000-000000000000}"/>
-          </ac:graphicFrameMkLst>
-        </pc:graphicFrameChg>
-        <pc:graphicFrameChg chg="modGraphic">
-          <ac:chgData name="Gerth Stølting Brodal" userId="04ef4784-6591-4f86-a140-f5c3b108582a" providerId="ADAL" clId="{48BD50EB-D70C-4B82-BF38-DF8E8FD7B8E8}" dt="2023-07-15T11:38:53.104" v="38" actId="313"/>
-          <ac:graphicFrameMkLst>
-            <pc:docMk/>
-            <pc:sldMk cId="317541545" sldId="490"/>
-            <ac:graphicFrameMk id="5" creationId="{00000000-0000-0000-0000-000000000000}"/>
-          </ac:graphicFrameMkLst>
-        </pc:graphicFrameChg>
-        <pc:graphicFrameChg chg="modGraphic">
-          <ac:chgData name="Gerth Stølting Brodal" userId="04ef4784-6591-4f86-a140-f5c3b108582a" providerId="ADAL" clId="{48BD50EB-D70C-4B82-BF38-DF8E8FD7B8E8}" dt="2023-07-15T11:39:00.475" v="44" actId="313"/>
-          <ac:graphicFrameMkLst>
-            <pc:docMk/>
-            <pc:sldMk cId="317541545" sldId="490"/>
-            <ac:graphicFrameMk id="6" creationId="{00000000-0000-0000-0000-000000000000}"/>
-          </ac:graphicFrameMkLst>
-        </pc:graphicFrameChg>
-        <pc:graphicFrameChg chg="modGraphic">
-          <ac:chgData name="Gerth Stølting Brodal" userId="04ef4784-6591-4f86-a140-f5c3b108582a" providerId="ADAL" clId="{48BD50EB-D70C-4B82-BF38-DF8E8FD7B8E8}" dt="2023-07-15T11:39:04.230" v="50" actId="313"/>
-          <ac:graphicFrameMkLst>
-            <pc:docMk/>
-            <pc:sldMk cId="317541545" sldId="490"/>
-            <ac:graphicFrameMk id="7" creationId="{00000000-0000-0000-0000-000000000000}"/>
-          </ac:graphicFrameMkLst>
-        </pc:graphicFrameChg>
-        <pc:graphicFrameChg chg="modGraphic">
-          <ac:chgData name="Gerth Stølting Brodal" userId="04ef4784-6591-4f86-a140-f5c3b108582a" providerId="ADAL" clId="{48BD50EB-D70C-4B82-BF38-DF8E8FD7B8E8}" dt="2023-07-15T11:46:31.435" v="61" actId="313"/>
-          <ac:graphicFrameMkLst>
-            <pc:docMk/>
-            <pc:sldMk cId="317541545" sldId="490"/>
-            <ac:graphicFrameMk id="8" creationId="{00000000-0000-0000-0000-000000000000}"/>
-          </ac:graphicFrameMkLst>
-        </pc:graphicFrameChg>
       </pc:sldChg>
       <pc:sldChg chg="modSp mod addAnim delAnim">
         <pc:chgData name="Gerth Stølting Brodal" userId="04ef4784-6591-4f86-a140-f5c3b108582a" providerId="ADAL" clId="{48BD50EB-D70C-4B82-BF38-DF8E8FD7B8E8}" dt="2023-07-15T11:37:48.770" v="14" actId="313"/>
@@ -327,14 +247,6 @@
           <pc:docMk/>
           <pc:sldMk cId="3433855882" sldId="491"/>
         </pc:sldMkLst>
-        <pc:graphicFrameChg chg="modGraphic">
-          <ac:chgData name="Gerth Stølting Brodal" userId="04ef4784-6591-4f86-a140-f5c3b108582a" providerId="ADAL" clId="{48BD50EB-D70C-4B82-BF38-DF8E8FD7B8E8}" dt="2023-07-15T11:37:48.770" v="14" actId="313"/>
-          <ac:graphicFrameMkLst>
-            <pc:docMk/>
-            <pc:sldMk cId="3433855882" sldId="491"/>
-            <ac:graphicFrameMk id="4" creationId="{00000000-0000-0000-0000-000000000000}"/>
-          </ac:graphicFrameMkLst>
-        </pc:graphicFrameChg>
       </pc:sldChg>
       <pc:sldChg chg="modSp mod">
         <pc:chgData name="Gerth Stølting Brodal" userId="04ef4784-6591-4f86-a140-f5c3b108582a" providerId="ADAL" clId="{48BD50EB-D70C-4B82-BF38-DF8E8FD7B8E8}" dt="2023-07-15T11:38:03.015" v="21" actId="313"/>
@@ -342,14 +254,6 @@
           <pc:docMk/>
           <pc:sldMk cId="144530098" sldId="507"/>
         </pc:sldMkLst>
-        <pc:graphicFrameChg chg="modGraphic">
-          <ac:chgData name="Gerth Stølting Brodal" userId="04ef4784-6591-4f86-a140-f5c3b108582a" providerId="ADAL" clId="{48BD50EB-D70C-4B82-BF38-DF8E8FD7B8E8}" dt="2023-07-15T11:38:03.015" v="21" actId="313"/>
-          <ac:graphicFrameMkLst>
-            <pc:docMk/>
-            <pc:sldMk cId="144530098" sldId="507"/>
-            <ac:graphicFrameMk id="4" creationId="{00000000-0000-0000-0000-000000000000}"/>
-          </ac:graphicFrameMkLst>
-        </pc:graphicFrameChg>
       </pc:sldChg>
       <pc:sldChg chg="addSp delSp modSp mod">
         <pc:chgData name="Gerth Stølting Brodal" userId="04ef4784-6591-4f86-a140-f5c3b108582a" providerId="ADAL" clId="{48BD50EB-D70C-4B82-BF38-DF8E8FD7B8E8}" dt="2023-07-15T11:46:25.812" v="59" actId="478"/>
@@ -357,38 +261,6 @@
           <pc:docMk/>
           <pc:sldMk cId="637895129" sldId="513"/>
         </pc:sldMkLst>
-        <pc:grpChg chg="add del">
-          <ac:chgData name="Gerth Stølting Brodal" userId="04ef4784-6591-4f86-a140-f5c3b108582a" providerId="ADAL" clId="{48BD50EB-D70C-4B82-BF38-DF8E8FD7B8E8}" dt="2023-07-15T11:46:25.812" v="59" actId="478"/>
-          <ac:grpSpMkLst>
-            <pc:docMk/>
-            <pc:sldMk cId="637895129" sldId="513"/>
-            <ac:grpSpMk id="14" creationId="{00000000-0000-0000-0000-000000000000}"/>
-          </ac:grpSpMkLst>
-        </pc:grpChg>
-        <pc:grpChg chg="add del">
-          <ac:chgData name="Gerth Stølting Brodal" userId="04ef4784-6591-4f86-a140-f5c3b108582a" providerId="ADAL" clId="{48BD50EB-D70C-4B82-BF38-DF8E8FD7B8E8}" dt="2023-07-15T11:46:25.812" v="59" actId="478"/>
-          <ac:grpSpMkLst>
-            <pc:docMk/>
-            <pc:sldMk cId="637895129" sldId="513"/>
-            <ac:grpSpMk id="18" creationId="{00000000-0000-0000-0000-000000000000}"/>
-          </ac:grpSpMkLst>
-        </pc:grpChg>
-        <pc:grpChg chg="add del">
-          <ac:chgData name="Gerth Stølting Brodal" userId="04ef4784-6591-4f86-a140-f5c3b108582a" providerId="ADAL" clId="{48BD50EB-D70C-4B82-BF38-DF8E8FD7B8E8}" dt="2023-07-15T11:46:25.812" v="59" actId="478"/>
-          <ac:grpSpMkLst>
-            <pc:docMk/>
-            <pc:sldMk cId="637895129" sldId="513"/>
-            <ac:grpSpMk id="22" creationId="{00000000-0000-0000-0000-000000000000}"/>
-          </ac:grpSpMkLst>
-        </pc:grpChg>
-        <pc:graphicFrameChg chg="mod">
-          <ac:chgData name="Gerth Stølting Brodal" userId="04ef4784-6591-4f86-a140-f5c3b108582a" providerId="ADAL" clId="{48BD50EB-D70C-4B82-BF38-DF8E8FD7B8E8}" dt="2023-07-15T11:45:37.172" v="57"/>
-          <ac:graphicFrameMkLst>
-            <pc:docMk/>
-            <pc:sldMk cId="637895129" sldId="513"/>
-            <ac:graphicFrameMk id="4" creationId="{00000000-0000-0000-0000-000000000000}"/>
-          </ac:graphicFrameMkLst>
-        </pc:graphicFrameChg>
       </pc:sldChg>
     </pc:docChg>
   </pc:docChgLst>
@@ -405,70 +277,6 @@
           <pc:docMk/>
           <pc:sldMk cId="1841815763" sldId="485"/>
         </pc:sldMkLst>
-        <pc:spChg chg="mod">
-          <ac:chgData name="Gerth Stølting Brodal" userId="04ef4784-6591-4f86-a140-f5c3b108582a" providerId="ADAL" clId="{155CD946-55B5-49F4-A11E-1EF807E1FDB7}" dt="2024-02-07T07:34:00.129" v="373" actId="20577"/>
-          <ac:spMkLst>
-            <pc:docMk/>
-            <pc:sldMk cId="1841815763" sldId="485"/>
-            <ac:spMk id="3" creationId="{00000000-0000-0000-0000-000000000000}"/>
-          </ac:spMkLst>
-        </pc:spChg>
-        <pc:spChg chg="add del mod">
-          <ac:chgData name="Gerth Stølting Brodal" userId="04ef4784-6591-4f86-a140-f5c3b108582a" providerId="ADAL" clId="{155CD946-55B5-49F4-A11E-1EF807E1FDB7}" dt="2024-02-07T07:26:03.544" v="183"/>
-          <ac:spMkLst>
-            <pc:docMk/>
-            <pc:sldMk cId="1841815763" sldId="485"/>
-            <ac:spMk id="5" creationId="{2A3F1C72-DB62-A812-7B11-5453337BBD7D}"/>
-          </ac:spMkLst>
-        </pc:spChg>
-        <pc:spChg chg="add del mod">
-          <ac:chgData name="Gerth Stølting Brodal" userId="04ef4784-6591-4f86-a140-f5c3b108582a" providerId="ADAL" clId="{155CD946-55B5-49F4-A11E-1EF807E1FDB7}" dt="2024-02-07T07:28:55.233" v="187" actId="478"/>
-          <ac:spMkLst>
-            <pc:docMk/>
-            <pc:sldMk cId="1841815763" sldId="485"/>
-            <ac:spMk id="6" creationId="{394C6370-8A23-FEE3-D083-5A176F0AFF9B}"/>
-          </ac:spMkLst>
-        </pc:spChg>
-        <pc:spChg chg="add mod">
-          <ac:chgData name="Gerth Stølting Brodal" userId="04ef4784-6591-4f86-a140-f5c3b108582a" providerId="ADAL" clId="{155CD946-55B5-49F4-A11E-1EF807E1FDB7}" dt="2024-02-07T07:33:25.733" v="336" actId="1035"/>
-          <ac:spMkLst>
-            <pc:docMk/>
-            <pc:sldMk cId="1841815763" sldId="485"/>
-            <ac:spMk id="7" creationId="{8D20C749-0EA4-EE08-310F-908C6D123DF7}"/>
-          </ac:spMkLst>
-        </pc:spChg>
-        <pc:spChg chg="add mod">
-          <ac:chgData name="Gerth Stølting Brodal" userId="04ef4784-6591-4f86-a140-f5c3b108582a" providerId="ADAL" clId="{155CD946-55B5-49F4-A11E-1EF807E1FDB7}" dt="2024-02-07T07:33:42.303" v="342" actId="465"/>
-          <ac:spMkLst>
-            <pc:docMk/>
-            <pc:sldMk cId="1841815763" sldId="485"/>
-            <ac:spMk id="8" creationId="{B3655F76-172D-B724-498C-B3612ED83B27}"/>
-          </ac:spMkLst>
-        </pc:spChg>
-        <pc:spChg chg="add mod">
-          <ac:chgData name="Gerth Stølting Brodal" userId="04ef4784-6591-4f86-a140-f5c3b108582a" providerId="ADAL" clId="{155CD946-55B5-49F4-A11E-1EF807E1FDB7}" dt="2024-02-07T07:33:42.303" v="342" actId="465"/>
-          <ac:spMkLst>
-            <pc:docMk/>
-            <pc:sldMk cId="1841815763" sldId="485"/>
-            <ac:spMk id="9" creationId="{AD338455-2C15-3FC5-ABA3-C069BDEE3EF5}"/>
-          </ac:spMkLst>
-        </pc:spChg>
-        <pc:spChg chg="add mod">
-          <ac:chgData name="Gerth Stølting Brodal" userId="04ef4784-6591-4f86-a140-f5c3b108582a" providerId="ADAL" clId="{155CD946-55B5-49F4-A11E-1EF807E1FDB7}" dt="2024-02-07T07:33:33.342" v="341" actId="1036"/>
-          <ac:spMkLst>
-            <pc:docMk/>
-            <pc:sldMk cId="1841815763" sldId="485"/>
-            <ac:spMk id="10" creationId="{162A923A-346C-3E8F-9319-CE1FD66BB7A6}"/>
-          </ac:spMkLst>
-        </pc:spChg>
-        <pc:spChg chg="add mod">
-          <ac:chgData name="Gerth Stølting Brodal" userId="04ef4784-6591-4f86-a140-f5c3b108582a" providerId="ADAL" clId="{155CD946-55B5-49F4-A11E-1EF807E1FDB7}" dt="2024-02-07T07:34:04.180" v="375" actId="1035"/>
-          <ac:spMkLst>
-            <pc:docMk/>
-            <pc:sldMk cId="1841815763" sldId="485"/>
-            <ac:spMk id="11" creationId="{5347D277-0D30-4EBC-3D30-334A0CD87C84}"/>
-          </ac:spMkLst>
-        </pc:spChg>
       </pc:sldChg>
       <pc:sldChg chg="modSp mod">
         <pc:chgData name="Gerth Stølting Brodal" userId="04ef4784-6591-4f86-a140-f5c3b108582a" providerId="ADAL" clId="{155CD946-55B5-49F4-A11E-1EF807E1FDB7}" dt="2024-02-06T20:42:27.314" v="43" actId="14100"/>
@@ -476,14 +284,6 @@
           <pc:docMk/>
           <pc:sldMk cId="488977922" sldId="486"/>
         </pc:sldMkLst>
-        <pc:spChg chg="mod">
-          <ac:chgData name="Gerth Stølting Brodal" userId="04ef4784-6591-4f86-a140-f5c3b108582a" providerId="ADAL" clId="{155CD946-55B5-49F4-A11E-1EF807E1FDB7}" dt="2024-02-06T20:42:27.314" v="43" actId="14100"/>
-          <ac:spMkLst>
-            <pc:docMk/>
-            <pc:sldMk cId="488977922" sldId="486"/>
-            <ac:spMk id="3" creationId="{00000000-0000-0000-0000-000000000000}"/>
-          </ac:spMkLst>
-        </pc:spChg>
       </pc:sldChg>
       <pc:sldChg chg="modSp mod">
         <pc:chgData name="Gerth Stølting Brodal" userId="04ef4784-6591-4f86-a140-f5c3b108582a" providerId="ADAL" clId="{155CD946-55B5-49F4-A11E-1EF807E1FDB7}" dt="2024-02-06T20:40:04.493" v="32" actId="14100"/>
@@ -491,14 +291,6 @@
           <pc:docMk/>
           <pc:sldMk cId="3289563800" sldId="495"/>
         </pc:sldMkLst>
-        <pc:graphicFrameChg chg="modGraphic">
-          <ac:chgData name="Gerth Stølting Brodal" userId="04ef4784-6591-4f86-a140-f5c3b108582a" providerId="ADAL" clId="{155CD946-55B5-49F4-A11E-1EF807E1FDB7}" dt="2024-02-06T20:40:04.493" v="32" actId="14100"/>
-          <ac:graphicFrameMkLst>
-            <pc:docMk/>
-            <pc:sldMk cId="3289563800" sldId="495"/>
-            <ac:graphicFrameMk id="5" creationId="{00000000-0000-0000-0000-000000000000}"/>
-          </ac:graphicFrameMkLst>
-        </pc:graphicFrameChg>
       </pc:sldChg>
       <pc:sldChg chg="modNotesTx">
         <pc:chgData name="Gerth Stølting Brodal" userId="04ef4784-6591-4f86-a140-f5c3b108582a" providerId="ADAL" clId="{155CD946-55B5-49F4-A11E-1EF807E1FDB7}" dt="2024-02-06T20:37:39.381" v="31" actId="20577"/>
@@ -545,14 +337,6 @@
           <pc:docMk/>
           <pc:sldMk cId="1841815763" sldId="485"/>
         </pc:sldMkLst>
-        <pc:spChg chg="mod">
-          <ac:chgData name="Gerth Stølting Brodal" userId="04ef4784-6591-4f86-a140-f5c3b108582a" providerId="ADAL" clId="{7DE2B4C3-C34C-4130-8A96-9CF827B1134B}" dt="2021-02-11T21:41:03.692" v="94" actId="114"/>
-          <ac:spMkLst>
-            <pc:docMk/>
-            <pc:sldMk cId="1841815763" sldId="485"/>
-            <ac:spMk id="3" creationId="{00000000-0000-0000-0000-000000000000}"/>
-          </ac:spMkLst>
-        </pc:spChg>
       </pc:sldChg>
       <pc:sldChg chg="modNotesTx">
         <pc:chgData name="Gerth Stølting Brodal" userId="04ef4784-6591-4f86-a140-f5c3b108582a" providerId="ADAL" clId="{7DE2B4C3-C34C-4130-8A96-9CF827B1134B}" dt="2021-02-11T20:05:05.680" v="86" actId="20577"/>
@@ -576,62 +360,6 @@
           <pc:docMk/>
           <pc:sldMk cId="1292498751" sldId="517"/>
         </pc:sldMkLst>
-        <pc:spChg chg="mod">
-          <ac:chgData name="Gerth Stølting Brodal" userId="04ef4784-6591-4f86-a140-f5c3b108582a" providerId="ADAL" clId="{CF9158FC-193B-4602-9DF7-E8D8B4ED0BA3}" dt="2023-10-23T19:10:33.198" v="16" actId="20577"/>
-          <ac:spMkLst>
-            <pc:docMk/>
-            <pc:sldMk cId="1292498751" sldId="517"/>
-            <ac:spMk id="2" creationId="{AFA20F19-C8FD-DDEA-BCA6-8C1F8460F61E}"/>
-          </ac:spMkLst>
-        </pc:spChg>
-        <pc:spChg chg="del">
-          <ac:chgData name="Gerth Stølting Brodal" userId="04ef4784-6591-4f86-a140-f5c3b108582a" providerId="ADAL" clId="{CF9158FC-193B-4602-9DF7-E8D8B4ED0BA3}" dt="2023-10-23T19:10:46.927" v="17" actId="478"/>
-          <ac:spMkLst>
-            <pc:docMk/>
-            <pc:sldMk cId="1292498751" sldId="517"/>
-            <ac:spMk id="3" creationId="{80F0C41F-636B-152A-F3E8-5A876B76FC2A}"/>
-          </ac:spMkLst>
-        </pc:spChg>
-        <pc:spChg chg="add mod">
-          <ac:chgData name="Gerth Stølting Brodal" userId="04ef4784-6591-4f86-a140-f5c3b108582a" providerId="ADAL" clId="{CF9158FC-193B-4602-9DF7-E8D8B4ED0BA3}" dt="2023-10-31T11:50:02.173" v="713" actId="1076"/>
-          <ac:spMkLst>
-            <pc:docMk/>
-            <pc:sldMk cId="1292498751" sldId="517"/>
-            <ac:spMk id="3" creationId="{B64D2BE1-6836-D0C7-61BF-2C574E33EDC7}"/>
-          </ac:spMkLst>
-        </pc:spChg>
-        <pc:graphicFrameChg chg="add mod modGraphic">
-          <ac:chgData name="Gerth Stølting Brodal" userId="04ef4784-6591-4f86-a140-f5c3b108582a" providerId="ADAL" clId="{CF9158FC-193B-4602-9DF7-E8D8B4ED0BA3}" dt="2023-10-23T19:36:04.141" v="539" actId="1076"/>
-          <ac:graphicFrameMkLst>
-            <pc:docMk/>
-            <pc:sldMk cId="1292498751" sldId="517"/>
-            <ac:graphicFrameMk id="4" creationId="{BB38F82D-7DDE-BF97-A17E-6B6FF8E2C388}"/>
-          </ac:graphicFrameMkLst>
-        </pc:graphicFrameChg>
-        <pc:picChg chg="add mod">
-          <ac:chgData name="Gerth Stølting Brodal" userId="04ef4784-6591-4f86-a140-f5c3b108582a" providerId="ADAL" clId="{CF9158FC-193B-4602-9DF7-E8D8B4ED0BA3}" dt="2023-10-23T19:36:27.625" v="543" actId="1038"/>
-          <ac:picMkLst>
-            <pc:docMk/>
-            <pc:sldMk cId="1292498751" sldId="517"/>
-            <ac:picMk id="5" creationId="{7DF8A1D1-4174-CABE-7ABE-225B90743252}"/>
-          </ac:picMkLst>
-        </pc:picChg>
-        <pc:picChg chg="add mod">
-          <ac:chgData name="Gerth Stølting Brodal" userId="04ef4784-6591-4f86-a140-f5c3b108582a" providerId="ADAL" clId="{CF9158FC-193B-4602-9DF7-E8D8B4ED0BA3}" dt="2023-10-23T19:36:42.938" v="584" actId="1076"/>
-          <ac:picMkLst>
-            <pc:docMk/>
-            <pc:sldMk cId="1292498751" sldId="517"/>
-            <ac:picMk id="6" creationId="{EA09DE5D-49B3-95A8-0758-03AE97249DBA}"/>
-          </ac:picMkLst>
-        </pc:picChg>
-        <pc:picChg chg="add mod">
-          <ac:chgData name="Gerth Stølting Brodal" userId="04ef4784-6591-4f86-a140-f5c3b108582a" providerId="ADAL" clId="{CF9158FC-193B-4602-9DF7-E8D8B4ED0BA3}" dt="2023-10-23T19:37:02.479" v="586" actId="1076"/>
-          <ac:picMkLst>
-            <pc:docMk/>
-            <pc:sldMk cId="1292498751" sldId="517"/>
-            <ac:picMk id="7" creationId="{7FF79C85-DF1B-098F-0B68-2D13BFB33089}"/>
-          </ac:picMkLst>
-        </pc:picChg>
       </pc:sldChg>
     </pc:docChg>
   </pc:docChgLst>
@@ -720,7 +448,7 @@
           <a:p>
             <a:fld id="{FB1A172F-81D4-4DC4-9113-1DBD56EC3646}" type="datetimeFigureOut">
               <a:rPr lang="en-US" smtClean="0"/>
-              <a:t>2/6/2024</a:t>
+              <a:t>2/5/2025</a:t>
             </a:fld>
             <a:endParaRPr lang="en-US"/>
           </a:p>
@@ -1969,11 +1697,11 @@
           <a:p>
             <a:r>
               <a:rPr lang="da-DK" dirty="0"/>
-              <a:t>Python 3.12 </a:t>
+              <a:t>Python 3.12 &amp; 3.13 </a:t>
             </a:r>
             <a:r>
               <a:rPr lang="da-DK" dirty="0" err="1"/>
-              <a:t>gets</a:t>
+              <a:t>get</a:t>
             </a:r>
             <a:r>
               <a:rPr lang="da-DK" dirty="0"/>
@@ -2873,7 +2601,7 @@
           <a:p>
             <a:fld id="{0560A9CD-0304-4E0B-9E82-E7E0115DE05B}" type="datetimeFigureOut">
               <a:rPr lang="en-US" smtClean="0"/>
-              <a:t>2/6/2024</a:t>
+              <a:t>2/5/2025</a:t>
             </a:fld>
             <a:endParaRPr lang="en-US"/>
           </a:p>
@@ -3041,7 +2769,7 @@
           <a:p>
             <a:fld id="{0560A9CD-0304-4E0B-9E82-E7E0115DE05B}" type="datetimeFigureOut">
               <a:rPr lang="en-US" smtClean="0"/>
-              <a:t>2/6/2024</a:t>
+              <a:t>2/5/2025</a:t>
             </a:fld>
             <a:endParaRPr lang="en-US"/>
           </a:p>
@@ -3219,7 +2947,7 @@
           <a:p>
             <a:fld id="{0560A9CD-0304-4E0B-9E82-E7E0115DE05B}" type="datetimeFigureOut">
               <a:rPr lang="en-US" smtClean="0"/>
-              <a:t>2/6/2024</a:t>
+              <a:t>2/5/2025</a:t>
             </a:fld>
             <a:endParaRPr lang="en-US"/>
           </a:p>
@@ -3396,7 +3124,7 @@
           <a:p>
             <a:fld id="{0560A9CD-0304-4E0B-9E82-E7E0115DE05B}" type="datetimeFigureOut">
               <a:rPr lang="en-US" smtClean="0"/>
-              <a:t>2/6/2024</a:t>
+              <a:t>2/5/2025</a:t>
             </a:fld>
             <a:endParaRPr lang="en-US"/>
           </a:p>
@@ -3641,7 +3369,7 @@
           <a:p>
             <a:fld id="{0560A9CD-0304-4E0B-9E82-E7E0115DE05B}" type="datetimeFigureOut">
               <a:rPr lang="en-US" smtClean="0"/>
-              <a:t>2/6/2024</a:t>
+              <a:t>2/5/2025</a:t>
             </a:fld>
             <a:endParaRPr lang="en-US"/>
           </a:p>
@@ -3870,7 +3598,7 @@
           <a:p>
             <a:fld id="{0560A9CD-0304-4E0B-9E82-E7E0115DE05B}" type="datetimeFigureOut">
               <a:rPr lang="en-US" smtClean="0"/>
-              <a:t>2/6/2024</a:t>
+              <a:t>2/5/2025</a:t>
             </a:fld>
             <a:endParaRPr lang="en-US"/>
           </a:p>
@@ -4234,7 +3962,7 @@
           <a:p>
             <a:fld id="{0560A9CD-0304-4E0B-9E82-E7E0115DE05B}" type="datetimeFigureOut">
               <a:rPr lang="en-US" smtClean="0"/>
-              <a:t>2/6/2024</a:t>
+              <a:t>2/5/2025</a:t>
             </a:fld>
             <a:endParaRPr lang="en-US"/>
           </a:p>
@@ -4351,7 +4079,7 @@
           <a:p>
             <a:fld id="{0560A9CD-0304-4E0B-9E82-E7E0115DE05B}" type="datetimeFigureOut">
               <a:rPr lang="en-US" smtClean="0"/>
-              <a:t>2/6/2024</a:t>
+              <a:t>2/5/2025</a:t>
             </a:fld>
             <a:endParaRPr lang="en-US"/>
           </a:p>
@@ -4446,7 +4174,7 @@
           <a:p>
             <a:fld id="{0560A9CD-0304-4E0B-9E82-E7E0115DE05B}" type="datetimeFigureOut">
               <a:rPr lang="en-US" smtClean="0"/>
-              <a:t>2/6/2024</a:t>
+              <a:t>2/5/2025</a:t>
             </a:fld>
             <a:endParaRPr lang="en-US"/>
           </a:p>
@@ -4721,7 +4449,7 @@
           <a:p>
             <a:fld id="{0560A9CD-0304-4E0B-9E82-E7E0115DE05B}" type="datetimeFigureOut">
               <a:rPr lang="en-US" smtClean="0"/>
-              <a:t>2/6/2024</a:t>
+              <a:t>2/5/2025</a:t>
             </a:fld>
             <a:endParaRPr lang="en-US"/>
           </a:p>
@@ -4973,7 +4701,7 @@
           <a:p>
             <a:fld id="{0560A9CD-0304-4E0B-9E82-E7E0115DE05B}" type="datetimeFigureOut">
               <a:rPr lang="en-US" smtClean="0"/>
-              <a:t>2/6/2024</a:t>
+              <a:t>2/5/2025</a:t>
             </a:fld>
             <a:endParaRPr lang="en-US"/>
           </a:p>
@@ -5184,7 +4912,7 @@
           <a:p>
             <a:fld id="{0560A9CD-0304-4E0B-9E82-E7E0115DE05B}" type="datetimeFigureOut">
               <a:rPr lang="en-US" smtClean="0"/>
-              <a:t>2/6/2024</a:t>
+              <a:t>2/5/2025</a:t>
             </a:fld>
             <a:endParaRPr lang="en-US"/>
           </a:p>

--- a/ipsa/slides/lists.pptx
+++ b/ipsa/slides/lists.pptx
@@ -144,8 +144,156 @@
 </p:presentation>
 </file>
 
+<file path=ppt/revisionInfo.xml><?xml version="1.0" encoding="utf-8"?>
+<p1510:revInfo xmlns:a="http://schemas.openxmlformats.org/drawingml/2006/main" xmlns:r="http://schemas.openxmlformats.org/officeDocument/2006/relationships" xmlns:p1510="http://schemas.microsoft.com/office/powerpoint/2015/10/main">
+  <p1510:revLst>
+    <p1510:client id="{9DADA4EC-0B2F-48A6-AAA2-B687273D3C4F}" v="8" dt="2025-05-13T12:55:51.491"/>
+  </p1510:revLst>
+</p1510:revInfo>
+</file>
+
 <file path=ppt/changesInfos/changesInfo1.xml><?xml version="1.0" encoding="utf-8"?>
 <pc:chgInfo xmlns:a="http://schemas.openxmlformats.org/drawingml/2006/main" xmlns:r="http://schemas.openxmlformats.org/officeDocument/2006/relationships" xmlns:ac="http://schemas.microsoft.com/office/drawing/2013/main/command" xmlns:pc="http://schemas.microsoft.com/office/powerpoint/2013/main/command">
+  <pc:docChgLst>
+    <pc:chgData name="Gerth Stølting Brodal" userId="04ef4784-6591-4f86-a140-f5c3b108582a" providerId="ADAL" clId="{7DE2B4C3-C34C-4130-8A96-9CF827B1134B}"/>
+    <pc:docChg chg="custSel modSld">
+      <pc:chgData name="Gerth Stølting Brodal" userId="04ef4784-6591-4f86-a140-f5c3b108582a" providerId="ADAL" clId="{7DE2B4C3-C34C-4130-8A96-9CF827B1134B}" dt="2021-02-11T21:41:03.692" v="94" actId="114"/>
+      <pc:docMkLst>
+        <pc:docMk/>
+      </pc:docMkLst>
+      <pc:sldChg chg="modSp mod">
+        <pc:chgData name="Gerth Stølting Brodal" userId="04ef4784-6591-4f86-a140-f5c3b108582a" providerId="ADAL" clId="{7DE2B4C3-C34C-4130-8A96-9CF827B1134B}" dt="2021-02-11T21:41:03.692" v="94" actId="114"/>
+        <pc:sldMkLst>
+          <pc:docMk/>
+          <pc:sldMk cId="1841815763" sldId="485"/>
+        </pc:sldMkLst>
+      </pc:sldChg>
+      <pc:sldChg chg="modNotesTx">
+        <pc:chgData name="Gerth Stølting Brodal" userId="04ef4784-6591-4f86-a140-f5c3b108582a" providerId="ADAL" clId="{7DE2B4C3-C34C-4130-8A96-9CF827B1134B}" dt="2021-02-11T20:05:05.680" v="86" actId="20577"/>
+        <pc:sldMkLst>
+          <pc:docMk/>
+          <pc:sldMk cId="3580155105" sldId="487"/>
+        </pc:sldMkLst>
+      </pc:sldChg>
+    </pc:docChg>
+  </pc:docChgLst>
+  <pc:docChgLst>
+    <pc:chgData name="Gerth Stølting Brodal" userId="04ef4784-6591-4f86-a140-f5c3b108582a" providerId="ADAL" clId="{48BD50EB-D70C-4B82-BF38-DF8E8FD7B8E8}"/>
+    <pc:docChg chg="undo redo custSel modSld">
+      <pc:chgData name="Gerth Stølting Brodal" userId="04ef4784-6591-4f86-a140-f5c3b108582a" providerId="ADAL" clId="{48BD50EB-D70C-4B82-BF38-DF8E8FD7B8E8}" dt="2023-07-15T11:46:31.435" v="61" actId="313"/>
+      <pc:docMkLst>
+        <pc:docMk/>
+      </pc:docMkLst>
+      <pc:sldChg chg="modSp mod addAnim delAnim">
+        <pc:chgData name="Gerth Stølting Brodal" userId="04ef4784-6591-4f86-a140-f5c3b108582a" providerId="ADAL" clId="{48BD50EB-D70C-4B82-BF38-DF8E8FD7B8E8}" dt="2023-07-15T11:46:31.435" v="61" actId="313"/>
+        <pc:sldMkLst>
+          <pc:docMk/>
+          <pc:sldMk cId="317541545" sldId="490"/>
+        </pc:sldMkLst>
+      </pc:sldChg>
+      <pc:sldChg chg="modSp mod addAnim delAnim">
+        <pc:chgData name="Gerth Stølting Brodal" userId="04ef4784-6591-4f86-a140-f5c3b108582a" providerId="ADAL" clId="{48BD50EB-D70C-4B82-BF38-DF8E8FD7B8E8}" dt="2023-07-15T11:37:48.770" v="14" actId="313"/>
+        <pc:sldMkLst>
+          <pc:docMk/>
+          <pc:sldMk cId="3433855882" sldId="491"/>
+        </pc:sldMkLst>
+      </pc:sldChg>
+      <pc:sldChg chg="modSp mod">
+        <pc:chgData name="Gerth Stølting Brodal" userId="04ef4784-6591-4f86-a140-f5c3b108582a" providerId="ADAL" clId="{48BD50EB-D70C-4B82-BF38-DF8E8FD7B8E8}" dt="2023-07-15T11:38:03.015" v="21" actId="313"/>
+        <pc:sldMkLst>
+          <pc:docMk/>
+          <pc:sldMk cId="144530098" sldId="507"/>
+        </pc:sldMkLst>
+      </pc:sldChg>
+      <pc:sldChg chg="addSp delSp modSp mod">
+        <pc:chgData name="Gerth Stølting Brodal" userId="04ef4784-6591-4f86-a140-f5c3b108582a" providerId="ADAL" clId="{48BD50EB-D70C-4B82-BF38-DF8E8FD7B8E8}" dt="2023-07-15T11:46:25.812" v="59" actId="478"/>
+        <pc:sldMkLst>
+          <pc:docMk/>
+          <pc:sldMk cId="637895129" sldId="513"/>
+        </pc:sldMkLst>
+      </pc:sldChg>
+    </pc:docChg>
+  </pc:docChgLst>
+  <pc:docChgLst>
+    <pc:chgData name="Gerth Stølting Brodal" userId="04ef4784-6591-4f86-a140-f5c3b108582a" providerId="ADAL" clId="{9DADA4EC-0B2F-48A6-AAA2-B687273D3C4F}"/>
+    <pc:docChg chg="custSel modSld">
+      <pc:chgData name="Gerth Stølting Brodal" userId="04ef4784-6591-4f86-a140-f5c3b108582a" providerId="ADAL" clId="{9DADA4EC-0B2F-48A6-AAA2-B687273D3C4F}" dt="2025-05-13T12:57:09.528" v="284" actId="1038"/>
+      <pc:docMkLst>
+        <pc:docMk/>
+      </pc:docMkLst>
+      <pc:sldChg chg="addSp modSp mod">
+        <pc:chgData name="Gerth Stølting Brodal" userId="04ef4784-6591-4f86-a140-f5c3b108582a" providerId="ADAL" clId="{9DADA4EC-0B2F-48A6-AAA2-B687273D3C4F}" dt="2025-05-13T12:57:09.528" v="284" actId="1038"/>
+        <pc:sldMkLst>
+          <pc:docMk/>
+          <pc:sldMk cId="1841815763" sldId="485"/>
+        </pc:sldMkLst>
+        <pc:spChg chg="mod">
+          <ac:chgData name="Gerth Stølting Brodal" userId="04ef4784-6591-4f86-a140-f5c3b108582a" providerId="ADAL" clId="{9DADA4EC-0B2F-48A6-AAA2-B687273D3C4F}" dt="2025-05-13T12:42:04.484" v="0" actId="14100"/>
+          <ac:spMkLst>
+            <pc:docMk/>
+            <pc:sldMk cId="1841815763" sldId="485"/>
+            <ac:spMk id="2" creationId="{00000000-0000-0000-0000-000000000000}"/>
+          </ac:spMkLst>
+        </pc:spChg>
+        <pc:spChg chg="add mod">
+          <ac:chgData name="Gerth Stølting Brodal" userId="04ef4784-6591-4f86-a140-f5c3b108582a" providerId="ADAL" clId="{9DADA4EC-0B2F-48A6-AAA2-B687273D3C4F}" dt="2025-05-13T12:57:09.528" v="284" actId="1038"/>
+          <ac:spMkLst>
+            <pc:docMk/>
+            <pc:sldMk cId="1841815763" sldId="485"/>
+            <ac:spMk id="6" creationId="{0E4A98EC-37C4-8241-363F-9C13D1E21920}"/>
+          </ac:spMkLst>
+        </pc:spChg>
+        <pc:spChg chg="add mod">
+          <ac:chgData name="Gerth Stølting Brodal" userId="04ef4784-6591-4f86-a140-f5c3b108582a" providerId="ADAL" clId="{9DADA4EC-0B2F-48A6-AAA2-B687273D3C4F}" dt="2025-05-13T12:56:31.840" v="267" actId="14100"/>
+          <ac:spMkLst>
+            <pc:docMk/>
+            <pc:sldMk cId="1841815763" sldId="485"/>
+            <ac:spMk id="12" creationId="{1A4C4B8A-3EAA-279A-8739-939276934ECA}"/>
+          </ac:spMkLst>
+        </pc:spChg>
+        <pc:picChg chg="add mod">
+          <ac:chgData name="Gerth Stølting Brodal" userId="04ef4784-6591-4f86-a140-f5c3b108582a" providerId="ADAL" clId="{9DADA4EC-0B2F-48A6-AAA2-B687273D3C4F}" dt="2025-05-13T12:52:51.228" v="179" actId="1076"/>
+          <ac:picMkLst>
+            <pc:docMk/>
+            <pc:sldMk cId="1841815763" sldId="485"/>
+            <ac:picMk id="5" creationId="{8AF81D18-9BA3-35AB-B1A7-11A30B22979D}"/>
+          </ac:picMkLst>
+        </pc:picChg>
+      </pc:sldChg>
+    </pc:docChg>
+  </pc:docChgLst>
+  <pc:docChgLst>
+    <pc:chgData name="Gerth Stølting Brodal" userId="04ef4784-6591-4f86-a140-f5c3b108582a" providerId="ADAL" clId="{DBC7B104-988F-491C-9F36-B33E053AAD93}"/>
+    <pc:docChg chg="custSel modSld">
+      <pc:chgData name="Gerth Stølting Brodal" userId="04ef4784-6591-4f86-a140-f5c3b108582a" providerId="ADAL" clId="{DBC7B104-988F-491C-9F36-B33E053AAD93}" dt="2022-02-09T11:25:47.588" v="10" actId="20577"/>
+      <pc:docMkLst>
+        <pc:docMk/>
+      </pc:docMkLst>
+      <pc:sldChg chg="modNotesTx">
+        <pc:chgData name="Gerth Stølting Brodal" userId="04ef4784-6591-4f86-a140-f5c3b108582a" providerId="ADAL" clId="{DBC7B104-988F-491C-9F36-B33E053AAD93}" dt="2022-02-09T11:25:47.588" v="10" actId="20577"/>
+        <pc:sldMkLst>
+          <pc:docMk/>
+          <pc:sldMk cId="3145035976" sldId="492"/>
+        </pc:sldMkLst>
+      </pc:sldChg>
+    </pc:docChg>
+  </pc:docChgLst>
+  <pc:docChgLst>
+    <pc:chgData name="Gerth Stølting Brodal" userId="04ef4784-6591-4f86-a140-f5c3b108582a" providerId="ADAL" clId="{CF9158FC-193B-4602-9DF7-E8D8B4ED0BA3}"/>
+    <pc:docChg chg="undo redo custSel addSld modSld">
+      <pc:chgData name="Gerth Stølting Brodal" userId="04ef4784-6591-4f86-a140-f5c3b108582a" providerId="ADAL" clId="{CF9158FC-193B-4602-9DF7-E8D8B4ED0BA3}" dt="2023-10-31T11:50:02.173" v="713" actId="1076"/>
+      <pc:docMkLst>
+        <pc:docMk/>
+      </pc:docMkLst>
+      <pc:sldChg chg="addSp delSp modSp new mod modNotesTx">
+        <pc:chgData name="Gerth Stølting Brodal" userId="04ef4784-6591-4f86-a140-f5c3b108582a" providerId="ADAL" clId="{CF9158FC-193B-4602-9DF7-E8D8B4ED0BA3}" dt="2023-10-31T11:50:02.173" v="713" actId="1076"/>
+        <pc:sldMkLst>
+          <pc:docMk/>
+          <pc:sldMk cId="1292498751" sldId="517"/>
+        </pc:sldMkLst>
+      </pc:sldChg>
+    </pc:docChg>
+  </pc:docChgLst>
   <pc:docChgLst>
     <pc:chgData name="Gerth Stølting Brodal" userId="04ef4784-6591-4f86-a140-f5c3b108582a" providerId="ADAL" clId="{DB78D39E-575E-45E5-B6C0-876F5A9D7068}"/>
     <pc:docChg chg="undo redo custSel modSld">
@@ -228,43 +376,6 @@
     </pc:docChg>
   </pc:docChgLst>
   <pc:docChgLst>
-    <pc:chgData name="Gerth Stølting Brodal" userId="04ef4784-6591-4f86-a140-f5c3b108582a" providerId="ADAL" clId="{48BD50EB-D70C-4B82-BF38-DF8E8FD7B8E8}"/>
-    <pc:docChg chg="undo redo custSel modSld">
-      <pc:chgData name="Gerth Stølting Brodal" userId="04ef4784-6591-4f86-a140-f5c3b108582a" providerId="ADAL" clId="{48BD50EB-D70C-4B82-BF38-DF8E8FD7B8E8}" dt="2023-07-15T11:46:31.435" v="61" actId="313"/>
-      <pc:docMkLst>
-        <pc:docMk/>
-      </pc:docMkLst>
-      <pc:sldChg chg="modSp mod addAnim delAnim">
-        <pc:chgData name="Gerth Stølting Brodal" userId="04ef4784-6591-4f86-a140-f5c3b108582a" providerId="ADAL" clId="{48BD50EB-D70C-4B82-BF38-DF8E8FD7B8E8}" dt="2023-07-15T11:46:31.435" v="61" actId="313"/>
-        <pc:sldMkLst>
-          <pc:docMk/>
-          <pc:sldMk cId="317541545" sldId="490"/>
-        </pc:sldMkLst>
-      </pc:sldChg>
-      <pc:sldChg chg="modSp mod addAnim delAnim">
-        <pc:chgData name="Gerth Stølting Brodal" userId="04ef4784-6591-4f86-a140-f5c3b108582a" providerId="ADAL" clId="{48BD50EB-D70C-4B82-BF38-DF8E8FD7B8E8}" dt="2023-07-15T11:37:48.770" v="14" actId="313"/>
-        <pc:sldMkLst>
-          <pc:docMk/>
-          <pc:sldMk cId="3433855882" sldId="491"/>
-        </pc:sldMkLst>
-      </pc:sldChg>
-      <pc:sldChg chg="modSp mod">
-        <pc:chgData name="Gerth Stølting Brodal" userId="04ef4784-6591-4f86-a140-f5c3b108582a" providerId="ADAL" clId="{48BD50EB-D70C-4B82-BF38-DF8E8FD7B8E8}" dt="2023-07-15T11:38:03.015" v="21" actId="313"/>
-        <pc:sldMkLst>
-          <pc:docMk/>
-          <pc:sldMk cId="144530098" sldId="507"/>
-        </pc:sldMkLst>
-      </pc:sldChg>
-      <pc:sldChg chg="addSp delSp modSp mod">
-        <pc:chgData name="Gerth Stølting Brodal" userId="04ef4784-6591-4f86-a140-f5c3b108582a" providerId="ADAL" clId="{48BD50EB-D70C-4B82-BF38-DF8E8FD7B8E8}" dt="2023-07-15T11:46:25.812" v="59" actId="478"/>
-        <pc:sldMkLst>
-          <pc:docMk/>
-          <pc:sldMk cId="637895129" sldId="513"/>
-        </pc:sldMkLst>
-      </pc:sldChg>
-    </pc:docChg>
-  </pc:docChgLst>
-  <pc:docChgLst>
     <pc:chgData name="Gerth Stølting Brodal" userId="04ef4784-6591-4f86-a140-f5c3b108582a" providerId="ADAL" clId="{155CD946-55B5-49F4-A11E-1EF807E1FDB7}"/>
     <pc:docChg chg="undo custSel modSld">
       <pc:chgData name="Gerth Stølting Brodal" userId="04ef4784-6591-4f86-a140-f5c3b108582a" providerId="ADAL" clId="{155CD946-55B5-49F4-A11E-1EF807E1FDB7}" dt="2024-02-07T07:34:04.180" v="375" actId="1035"/>
@@ -304,61 +415,6 @@
         <pc:sldMkLst>
           <pc:docMk/>
           <pc:sldMk cId="2254085997" sldId="511"/>
-        </pc:sldMkLst>
-      </pc:sldChg>
-    </pc:docChg>
-  </pc:docChgLst>
-  <pc:docChgLst>
-    <pc:chgData name="Gerth Stølting Brodal" userId="04ef4784-6591-4f86-a140-f5c3b108582a" providerId="ADAL" clId="{DBC7B104-988F-491C-9F36-B33E053AAD93}"/>
-    <pc:docChg chg="custSel modSld">
-      <pc:chgData name="Gerth Stølting Brodal" userId="04ef4784-6591-4f86-a140-f5c3b108582a" providerId="ADAL" clId="{DBC7B104-988F-491C-9F36-B33E053AAD93}" dt="2022-02-09T11:25:47.588" v="10" actId="20577"/>
-      <pc:docMkLst>
-        <pc:docMk/>
-      </pc:docMkLst>
-      <pc:sldChg chg="modNotesTx">
-        <pc:chgData name="Gerth Stølting Brodal" userId="04ef4784-6591-4f86-a140-f5c3b108582a" providerId="ADAL" clId="{DBC7B104-988F-491C-9F36-B33E053AAD93}" dt="2022-02-09T11:25:47.588" v="10" actId="20577"/>
-        <pc:sldMkLst>
-          <pc:docMk/>
-          <pc:sldMk cId="3145035976" sldId="492"/>
-        </pc:sldMkLst>
-      </pc:sldChg>
-    </pc:docChg>
-  </pc:docChgLst>
-  <pc:docChgLst>
-    <pc:chgData name="Gerth Stølting Brodal" userId="04ef4784-6591-4f86-a140-f5c3b108582a" providerId="ADAL" clId="{7DE2B4C3-C34C-4130-8A96-9CF827B1134B}"/>
-    <pc:docChg chg="custSel modSld">
-      <pc:chgData name="Gerth Stølting Brodal" userId="04ef4784-6591-4f86-a140-f5c3b108582a" providerId="ADAL" clId="{7DE2B4C3-C34C-4130-8A96-9CF827B1134B}" dt="2021-02-11T21:41:03.692" v="94" actId="114"/>
-      <pc:docMkLst>
-        <pc:docMk/>
-      </pc:docMkLst>
-      <pc:sldChg chg="modSp mod">
-        <pc:chgData name="Gerth Stølting Brodal" userId="04ef4784-6591-4f86-a140-f5c3b108582a" providerId="ADAL" clId="{7DE2B4C3-C34C-4130-8A96-9CF827B1134B}" dt="2021-02-11T21:41:03.692" v="94" actId="114"/>
-        <pc:sldMkLst>
-          <pc:docMk/>
-          <pc:sldMk cId="1841815763" sldId="485"/>
-        </pc:sldMkLst>
-      </pc:sldChg>
-      <pc:sldChg chg="modNotesTx">
-        <pc:chgData name="Gerth Stølting Brodal" userId="04ef4784-6591-4f86-a140-f5c3b108582a" providerId="ADAL" clId="{7DE2B4C3-C34C-4130-8A96-9CF827B1134B}" dt="2021-02-11T20:05:05.680" v="86" actId="20577"/>
-        <pc:sldMkLst>
-          <pc:docMk/>
-          <pc:sldMk cId="3580155105" sldId="487"/>
-        </pc:sldMkLst>
-      </pc:sldChg>
-    </pc:docChg>
-  </pc:docChgLst>
-  <pc:docChgLst>
-    <pc:chgData name="Gerth Stølting Brodal" userId="04ef4784-6591-4f86-a140-f5c3b108582a" providerId="ADAL" clId="{CF9158FC-193B-4602-9DF7-E8D8B4ED0BA3}"/>
-    <pc:docChg chg="undo redo custSel addSld modSld">
-      <pc:chgData name="Gerth Stølting Brodal" userId="04ef4784-6591-4f86-a140-f5c3b108582a" providerId="ADAL" clId="{CF9158FC-193B-4602-9DF7-E8D8B4ED0BA3}" dt="2023-10-31T11:50:02.173" v="713" actId="1076"/>
-      <pc:docMkLst>
-        <pc:docMk/>
-      </pc:docMkLst>
-      <pc:sldChg chg="addSp delSp modSp new mod modNotesTx">
-        <pc:chgData name="Gerth Stølting Brodal" userId="04ef4784-6591-4f86-a140-f5c3b108582a" providerId="ADAL" clId="{CF9158FC-193B-4602-9DF7-E8D8B4ED0BA3}" dt="2023-10-31T11:50:02.173" v="713" actId="1076"/>
-        <pc:sldMkLst>
-          <pc:docMk/>
-          <pc:sldMk cId="1292498751" sldId="517"/>
         </pc:sldMkLst>
       </pc:sldChg>
     </pc:docChg>
@@ -448,7 +504,7 @@
           <a:p>
             <a:fld id="{FB1A172F-81D4-4DC4-9113-1DBD56EC3646}" type="datetimeFigureOut">
               <a:rPr lang="en-US" smtClean="0"/>
-              <a:t>2/5/2025</a:t>
+              <a:t>5/13/2025</a:t>
             </a:fld>
             <a:endParaRPr lang="en-US"/>
           </a:p>
@@ -2601,7 +2657,7 @@
           <a:p>
             <a:fld id="{0560A9CD-0304-4E0B-9E82-E7E0115DE05B}" type="datetimeFigureOut">
               <a:rPr lang="en-US" smtClean="0"/>
-              <a:t>2/5/2025</a:t>
+              <a:t>5/13/2025</a:t>
             </a:fld>
             <a:endParaRPr lang="en-US"/>
           </a:p>
@@ -2769,7 +2825,7 @@
           <a:p>
             <a:fld id="{0560A9CD-0304-4E0B-9E82-E7E0115DE05B}" type="datetimeFigureOut">
               <a:rPr lang="en-US" smtClean="0"/>
-              <a:t>2/5/2025</a:t>
+              <a:t>5/13/2025</a:t>
             </a:fld>
             <a:endParaRPr lang="en-US"/>
           </a:p>
@@ -2947,7 +3003,7 @@
           <a:p>
             <a:fld id="{0560A9CD-0304-4E0B-9E82-E7E0115DE05B}" type="datetimeFigureOut">
               <a:rPr lang="en-US" smtClean="0"/>
-              <a:t>2/5/2025</a:t>
+              <a:t>5/13/2025</a:t>
             </a:fld>
             <a:endParaRPr lang="en-US"/>
           </a:p>
@@ -3124,7 +3180,7 @@
           <a:p>
             <a:fld id="{0560A9CD-0304-4E0B-9E82-E7E0115DE05B}" type="datetimeFigureOut">
               <a:rPr lang="en-US" smtClean="0"/>
-              <a:t>2/5/2025</a:t>
+              <a:t>5/13/2025</a:t>
             </a:fld>
             <a:endParaRPr lang="en-US"/>
           </a:p>
@@ -3369,7 +3425,7 @@
           <a:p>
             <a:fld id="{0560A9CD-0304-4E0B-9E82-E7E0115DE05B}" type="datetimeFigureOut">
               <a:rPr lang="en-US" smtClean="0"/>
-              <a:t>2/5/2025</a:t>
+              <a:t>5/13/2025</a:t>
             </a:fld>
             <a:endParaRPr lang="en-US"/>
           </a:p>
@@ -3598,7 +3654,7 @@
           <a:p>
             <a:fld id="{0560A9CD-0304-4E0B-9E82-E7E0115DE05B}" type="datetimeFigureOut">
               <a:rPr lang="en-US" smtClean="0"/>
-              <a:t>2/5/2025</a:t>
+              <a:t>5/13/2025</a:t>
             </a:fld>
             <a:endParaRPr lang="en-US"/>
           </a:p>
@@ -3962,7 +4018,7 @@
           <a:p>
             <a:fld id="{0560A9CD-0304-4E0B-9E82-E7E0115DE05B}" type="datetimeFigureOut">
               <a:rPr lang="en-US" smtClean="0"/>
-              <a:t>2/5/2025</a:t>
+              <a:t>5/13/2025</a:t>
             </a:fld>
             <a:endParaRPr lang="en-US"/>
           </a:p>
@@ -4079,7 +4135,7 @@
           <a:p>
             <a:fld id="{0560A9CD-0304-4E0B-9E82-E7E0115DE05B}" type="datetimeFigureOut">
               <a:rPr lang="en-US" smtClean="0"/>
-              <a:t>2/5/2025</a:t>
+              <a:t>5/13/2025</a:t>
             </a:fld>
             <a:endParaRPr lang="en-US"/>
           </a:p>
@@ -4174,7 +4230,7 @@
           <a:p>
             <a:fld id="{0560A9CD-0304-4E0B-9E82-E7E0115DE05B}" type="datetimeFigureOut">
               <a:rPr lang="en-US" smtClean="0"/>
-              <a:t>2/5/2025</a:t>
+              <a:t>5/13/2025</a:t>
             </a:fld>
             <a:endParaRPr lang="en-US"/>
           </a:p>
@@ -4449,7 +4505,7 @@
           <a:p>
             <a:fld id="{0560A9CD-0304-4E0B-9E82-E7E0115DE05B}" type="datetimeFigureOut">
               <a:rPr lang="en-US" smtClean="0"/>
-              <a:t>2/5/2025</a:t>
+              <a:t>5/13/2025</a:t>
             </a:fld>
             <a:endParaRPr lang="en-US"/>
           </a:p>
@@ -4701,7 +4757,7 @@
           <a:p>
             <a:fld id="{0560A9CD-0304-4E0B-9E82-E7E0115DE05B}" type="datetimeFigureOut">
               <a:rPr lang="en-US" smtClean="0"/>
-              <a:t>2/5/2025</a:t>
+              <a:t>5/13/2025</a:t>
             </a:fld>
             <a:endParaRPr lang="en-US"/>
           </a:p>
@@ -4912,7 +4968,7 @@
           <a:p>
             <a:fld id="{0560A9CD-0304-4E0B-9E82-E7E0115DE05B}" type="datetimeFigureOut">
               <a:rPr lang="en-US" smtClean="0"/>
-              <a:t>2/5/2025</a:t>
+              <a:t>5/13/2025</a:t>
             </a:fld>
             <a:endParaRPr lang="en-US"/>
           </a:p>
@@ -19546,7 +19602,12 @@
             <p:ph type="title"/>
           </p:nvPr>
         </p:nvSpPr>
-        <p:spPr/>
+        <p:spPr>
+          <a:xfrm>
+            <a:off x="838200" y="365125"/>
+            <a:ext cx="6343073" cy="1325563"/>
+          </a:xfrm>
+        </p:spPr>
         <p:txBody>
           <a:bodyPr/>
           <a:lstStyle/>
@@ -20398,6 +20459,341 @@
           <a:p>
             <a:pPr algn="ctr"/>
             <a:endParaRPr lang="da-DK" dirty="0"/>
+          </a:p>
+        </p:txBody>
+      </p:sp>
+      <p:pic>
+        <p:nvPicPr>
+          <p:cNvPr id="5" name="Picture 4">
+            <a:extLst>
+              <a:ext uri="{FF2B5EF4-FFF2-40B4-BE49-F238E27FC236}">
+                <a16:creationId xmlns:a16="http://schemas.microsoft.com/office/drawing/2014/main" id="{8AF81D18-9BA3-35AB-B1A7-11A30B22979D}"/>
+              </a:ext>
+            </a:extLst>
+          </p:cNvPr>
+          <p:cNvPicPr>
+            <a:picLocks noChangeAspect="1"/>
+          </p:cNvPicPr>
+          <p:nvPr/>
+        </p:nvPicPr>
+        <p:blipFill>
+          <a:blip r:embed="rId4" cstate="print">
+            <a:extLst>
+              <a:ext uri="{28A0092B-C50C-407E-A947-70E740481C1C}">
+                <a14:useLocalDpi xmlns:a14="http://schemas.microsoft.com/office/drawing/2010/main" val="0"/>
+              </a:ext>
+            </a:extLst>
+          </a:blip>
+          <a:stretch>
+            <a:fillRect/>
+          </a:stretch>
+        </p:blipFill>
+        <p:spPr>
+          <a:xfrm>
+            <a:off x="7933788" y="223549"/>
+            <a:ext cx="487666" cy="405904"/>
+          </a:xfrm>
+          <a:prstGeom prst="rect">
+            <a:avLst/>
+          </a:prstGeom>
+        </p:spPr>
+      </p:pic>
+      <p:sp>
+        <p:nvSpPr>
+          <p:cNvPr id="6" name="TextBox 5">
+            <a:extLst>
+              <a:ext uri="{FF2B5EF4-FFF2-40B4-BE49-F238E27FC236}">
+                <a16:creationId xmlns:a16="http://schemas.microsoft.com/office/drawing/2014/main" id="{0E4A98EC-37C4-8241-363F-9C13D1E21920}"/>
+              </a:ext>
+            </a:extLst>
+          </p:cNvPr>
+          <p:cNvSpPr txBox="1"/>
+          <p:nvPr/>
+        </p:nvSpPr>
+        <p:spPr>
+          <a:xfrm>
+            <a:off x="8418947" y="41566"/>
+            <a:ext cx="3708400" cy="954107"/>
+          </a:xfrm>
+          <a:prstGeom prst="rect">
+            <a:avLst/>
+          </a:prstGeom>
+          <a:noFill/>
+        </p:spPr>
+        <p:txBody>
+          <a:bodyPr wrap="square" rtlCol="0">
+            <a:spAutoFit/>
+          </a:bodyPr>
+          <a:lstStyle/>
+          <a:p>
+            <a:r>
+              <a:rPr lang="da-DK" sz="1400" dirty="0">
+                <a:latin typeface="Courier"/>
+              </a:rPr>
+              <a:t>L[-</a:t>
+            </a:r>
+            <a:r>
+              <a:rPr lang="da-DK" sz="1400" i="1" dirty="0" err="1">
+                <a:latin typeface="Courier"/>
+              </a:rPr>
+              <a:t>index</a:t>
+            </a:r>
+            <a:r>
+              <a:rPr lang="da-DK" sz="1400" dirty="0">
+                <a:latin typeface="Courier"/>
+              </a:rPr>
+              <a:t>] == L[len(L)-</a:t>
+            </a:r>
+            <a:r>
+              <a:rPr lang="da-DK" sz="1400" i="1" dirty="0" err="1">
+                <a:latin typeface="Courier"/>
+              </a:rPr>
+              <a:t>index</a:t>
+            </a:r>
+            <a:r>
+              <a:rPr lang="da-DK" sz="1400" dirty="0">
+                <a:latin typeface="Courier"/>
+              </a:rPr>
+              <a:t>]</a:t>
+            </a:r>
+          </a:p>
+          <a:p>
+            <a:r>
+              <a:rPr lang="da-DK" sz="1400" dirty="0"/>
+              <a:t>Negative </a:t>
+            </a:r>
+            <a:r>
+              <a:rPr lang="da-DK" sz="1400" dirty="0" err="1"/>
+              <a:t>indexing</a:t>
+            </a:r>
+            <a:r>
+              <a:rPr lang="da-DK" sz="1400" dirty="0"/>
+              <a:t> from the right is Python </a:t>
+            </a:r>
+            <a:r>
+              <a:rPr lang="da-DK" sz="1400" dirty="0" err="1"/>
+              <a:t>specific</a:t>
+            </a:r>
+            <a:r>
+              <a:rPr lang="da-DK" sz="1400" dirty="0"/>
+              <a:t>, and is </a:t>
+            </a:r>
+            <a:r>
+              <a:rPr lang="da-DK" sz="1400" dirty="0" err="1"/>
+              <a:t>e.g</a:t>
+            </a:r>
+            <a:r>
+              <a:rPr lang="da-DK" sz="1400" dirty="0"/>
+              <a:t>. not </a:t>
+            </a:r>
+            <a:r>
+              <a:rPr lang="da-DK" sz="1400" dirty="0" err="1"/>
+              <a:t>supported</a:t>
+            </a:r>
+            <a:r>
+              <a:rPr lang="da-DK" sz="1400" dirty="0"/>
+              <a:t> in Java, C, C++</a:t>
+            </a:r>
+          </a:p>
+          <a:p>
+            <a:endParaRPr lang="en-US" sz="1400" dirty="0">
+              <a:latin typeface="Courier"/>
+            </a:endParaRPr>
+          </a:p>
+        </p:txBody>
+      </p:sp>
+      <p:sp>
+        <p:nvSpPr>
+          <p:cNvPr id="12" name="Freeform 25">
+            <a:extLst>
+              <a:ext uri="{FF2B5EF4-FFF2-40B4-BE49-F238E27FC236}">
+                <a16:creationId xmlns:a16="http://schemas.microsoft.com/office/drawing/2014/main" id="{1A4C4B8A-3EAA-279A-8739-939276934ECA}"/>
+              </a:ext>
+            </a:extLst>
+          </p:cNvPr>
+          <p:cNvSpPr/>
+          <p:nvPr/>
+        </p:nvSpPr>
+        <p:spPr>
+          <a:xfrm flipV="1">
+            <a:off x="6068443" y="740287"/>
+            <a:ext cx="3976101" cy="1325009"/>
+          </a:xfrm>
+          <a:custGeom>
+            <a:avLst/>
+            <a:gdLst>
+              <a:gd name="connsiteX0" fmla="*/ 0 w 423793"/>
+              <a:gd name="connsiteY0" fmla="*/ 0 h 678729"/>
+              <a:gd name="connsiteX1" fmla="*/ 414780 w 423793"/>
+              <a:gd name="connsiteY1" fmla="*/ 325224 h 678729"/>
+              <a:gd name="connsiteX2" fmla="*/ 245097 w 423793"/>
+              <a:gd name="connsiteY2" fmla="*/ 678729 h 678729"/>
+              <a:gd name="connsiteX0" fmla="*/ 490194 w 918425"/>
+              <a:gd name="connsiteY0" fmla="*/ 0 h 499007"/>
+              <a:gd name="connsiteX1" fmla="*/ 904974 w 918425"/>
+              <a:gd name="connsiteY1" fmla="*/ 325224 h 499007"/>
+              <a:gd name="connsiteX2" fmla="*/ 0 w 918425"/>
+              <a:gd name="connsiteY2" fmla="*/ 499007 h 499007"/>
+              <a:gd name="connsiteX0" fmla="*/ 240384 w 907175"/>
+              <a:gd name="connsiteY0" fmla="*/ 0 h 822507"/>
+              <a:gd name="connsiteX1" fmla="*/ 904974 w 907175"/>
+              <a:gd name="connsiteY1" fmla="*/ 648724 h 822507"/>
+              <a:gd name="connsiteX2" fmla="*/ 0 w 907175"/>
+              <a:gd name="connsiteY2" fmla="*/ 822507 h 822507"/>
+              <a:gd name="connsiteX0" fmla="*/ 240384 w 603541"/>
+              <a:gd name="connsiteY0" fmla="*/ 0 h 822507"/>
+              <a:gd name="connsiteX1" fmla="*/ 598603 w 603541"/>
+              <a:gd name="connsiteY1" fmla="*/ 309818 h 822507"/>
+              <a:gd name="connsiteX2" fmla="*/ 0 w 603541"/>
+              <a:gd name="connsiteY2" fmla="*/ 822507 h 822507"/>
+              <a:gd name="connsiteX0" fmla="*/ 240384 w 598611"/>
+              <a:gd name="connsiteY0" fmla="*/ 0 h 822507"/>
+              <a:gd name="connsiteX1" fmla="*/ 598603 w 598611"/>
+              <a:gd name="connsiteY1" fmla="*/ 309818 h 822507"/>
+              <a:gd name="connsiteX2" fmla="*/ 0 w 598611"/>
+              <a:gd name="connsiteY2" fmla="*/ 822507 h 822507"/>
+              <a:gd name="connsiteX0" fmla="*/ 240384 w 598626"/>
+              <a:gd name="connsiteY0" fmla="*/ 0 h 822507"/>
+              <a:gd name="connsiteX1" fmla="*/ 598603 w 598626"/>
+              <a:gd name="connsiteY1" fmla="*/ 309818 h 822507"/>
+              <a:gd name="connsiteX2" fmla="*/ 0 w 598626"/>
+              <a:gd name="connsiteY2" fmla="*/ 822507 h 822507"/>
+              <a:gd name="connsiteX0" fmla="*/ 240384 w 598626"/>
+              <a:gd name="connsiteY0" fmla="*/ 0 h 822507"/>
+              <a:gd name="connsiteX1" fmla="*/ 598603 w 598626"/>
+              <a:gd name="connsiteY1" fmla="*/ 535755 h 822507"/>
+              <a:gd name="connsiteX2" fmla="*/ 0 w 598626"/>
+              <a:gd name="connsiteY2" fmla="*/ 822507 h 822507"/>
+              <a:gd name="connsiteX0" fmla="*/ 240384 w 598626"/>
+              <a:gd name="connsiteY0" fmla="*/ 0 h 822507"/>
+              <a:gd name="connsiteX1" fmla="*/ 598603 w 598626"/>
+              <a:gd name="connsiteY1" fmla="*/ 535755 h 822507"/>
+              <a:gd name="connsiteX2" fmla="*/ 0 w 598626"/>
+              <a:gd name="connsiteY2" fmla="*/ 822507 h 822507"/>
+              <a:gd name="connsiteX0" fmla="*/ 254524 w 618185"/>
+              <a:gd name="connsiteY0" fmla="*/ 0 h 1181952"/>
+              <a:gd name="connsiteX1" fmla="*/ 612743 w 618185"/>
+              <a:gd name="connsiteY1" fmla="*/ 535755 h 1181952"/>
+              <a:gd name="connsiteX2" fmla="*/ 0 w 618185"/>
+              <a:gd name="connsiteY2" fmla="*/ 1181952 h 1181952"/>
+              <a:gd name="connsiteX0" fmla="*/ 254524 w 618185"/>
+              <a:gd name="connsiteY0" fmla="*/ 0 h 1181952"/>
+              <a:gd name="connsiteX1" fmla="*/ 612743 w 618185"/>
+              <a:gd name="connsiteY1" fmla="*/ 746288 h 1181952"/>
+              <a:gd name="connsiteX2" fmla="*/ 0 w 618185"/>
+              <a:gd name="connsiteY2" fmla="*/ 1181952 h 1181952"/>
+              <a:gd name="connsiteX0" fmla="*/ 254524 w 618185"/>
+              <a:gd name="connsiteY0" fmla="*/ 0 h 1181952"/>
+              <a:gd name="connsiteX1" fmla="*/ 612743 w 618185"/>
+              <a:gd name="connsiteY1" fmla="*/ 746288 h 1181952"/>
+              <a:gd name="connsiteX2" fmla="*/ 0 w 618185"/>
+              <a:gd name="connsiteY2" fmla="*/ 1181952 h 1181952"/>
+              <a:gd name="connsiteX0" fmla="*/ 254524 w 614039"/>
+              <a:gd name="connsiteY0" fmla="*/ 0 h 1181952"/>
+              <a:gd name="connsiteX1" fmla="*/ 612743 w 614039"/>
+              <a:gd name="connsiteY1" fmla="*/ 746288 h 1181952"/>
+              <a:gd name="connsiteX2" fmla="*/ 0 w 614039"/>
+              <a:gd name="connsiteY2" fmla="*/ 1181952 h 1181952"/>
+              <a:gd name="connsiteX0" fmla="*/ 164157 w 614553"/>
+              <a:gd name="connsiteY0" fmla="*/ 0 h 1168822"/>
+              <a:gd name="connsiteX1" fmla="*/ 612743 w 614553"/>
+              <a:gd name="connsiteY1" fmla="*/ 733158 h 1168822"/>
+              <a:gd name="connsiteX2" fmla="*/ 0 w 614553"/>
+              <a:gd name="connsiteY2" fmla="*/ 1168822 h 1168822"/>
+              <a:gd name="connsiteX0" fmla="*/ 164157 w 614651"/>
+              <a:gd name="connsiteY0" fmla="*/ 0 h 1168822"/>
+              <a:gd name="connsiteX1" fmla="*/ 612743 w 614651"/>
+              <a:gd name="connsiteY1" fmla="*/ 733158 h 1168822"/>
+              <a:gd name="connsiteX2" fmla="*/ 0 w 614651"/>
+              <a:gd name="connsiteY2" fmla="*/ 1168822 h 1168822"/>
+              <a:gd name="connsiteX0" fmla="*/ 142250 w 614105"/>
+              <a:gd name="connsiteY0" fmla="*/ 0 h 1155839"/>
+              <a:gd name="connsiteX1" fmla="*/ 612743 w 614105"/>
+              <a:gd name="connsiteY1" fmla="*/ 720175 h 1155839"/>
+              <a:gd name="connsiteX2" fmla="*/ 0 w 614105"/>
+              <a:gd name="connsiteY2" fmla="*/ 1155839 h 1155839"/>
+              <a:gd name="connsiteX0" fmla="*/ 142250 w 615257"/>
+              <a:gd name="connsiteY0" fmla="*/ 0 h 1155839"/>
+              <a:gd name="connsiteX1" fmla="*/ 612743 w 615257"/>
+              <a:gd name="connsiteY1" fmla="*/ 720175 h 1155839"/>
+              <a:gd name="connsiteX2" fmla="*/ 0 w 615257"/>
+              <a:gd name="connsiteY2" fmla="*/ 1155839 h 1155839"/>
+              <a:gd name="connsiteX0" fmla="*/ 0 w 542839"/>
+              <a:gd name="connsiteY0" fmla="*/ 0 h 988686"/>
+              <a:gd name="connsiteX1" fmla="*/ 470493 w 542839"/>
+              <a:gd name="connsiteY1" fmla="*/ 720175 h 988686"/>
+              <a:gd name="connsiteX2" fmla="*/ 411738 w 542839"/>
+              <a:gd name="connsiteY2" fmla="*/ 988686 h 988686"/>
+              <a:gd name="connsiteX0" fmla="*/ 0 w 411738"/>
+              <a:gd name="connsiteY0" fmla="*/ 0 h 988686"/>
+              <a:gd name="connsiteX1" fmla="*/ 411738 w 411738"/>
+              <a:gd name="connsiteY1" fmla="*/ 988686 h 988686"/>
+              <a:gd name="connsiteX0" fmla="*/ 0 w 411738"/>
+              <a:gd name="connsiteY0" fmla="*/ 0 h 988686"/>
+              <a:gd name="connsiteX1" fmla="*/ 411738 w 411738"/>
+              <a:gd name="connsiteY1" fmla="*/ 988686 h 988686"/>
+              <a:gd name="connsiteX0" fmla="*/ 0 w 515992"/>
+              <a:gd name="connsiteY0" fmla="*/ 0 h 999133"/>
+              <a:gd name="connsiteX1" fmla="*/ 515992 w 515992"/>
+              <a:gd name="connsiteY1" fmla="*/ 999133 h 999133"/>
+              <a:gd name="connsiteX0" fmla="*/ 0 w 515992"/>
+              <a:gd name="connsiteY0" fmla="*/ 0 h 999133"/>
+              <a:gd name="connsiteX1" fmla="*/ 515992 w 515992"/>
+              <a:gd name="connsiteY1" fmla="*/ 999133 h 999133"/>
+            </a:gdLst>
+            <a:ahLst/>
+            <a:cxnLst>
+              <a:cxn ang="0">
+                <a:pos x="connsiteX0" y="connsiteY0"/>
+              </a:cxn>
+              <a:cxn ang="0">
+                <a:pos x="connsiteX1" y="connsiteY1"/>
+              </a:cxn>
+            </a:cxnLst>
+            <a:rect l="l" t="t" r="r" b="b"/>
+            <a:pathLst>
+              <a:path w="515992" h="999133">
+                <a:moveTo>
+                  <a:pt x="0" y="0"/>
+                </a:moveTo>
+                <a:cubicBezTo>
+                  <a:pt x="297509" y="23113"/>
+                  <a:pt x="503518" y="-23421"/>
+                  <a:pt x="515992" y="999133"/>
+                </a:cubicBezTo>
+              </a:path>
+            </a:pathLst>
+          </a:custGeom>
+          <a:noFill/>
+          <a:ln>
+            <a:solidFill>
+              <a:srgbClr val="C00000"/>
+            </a:solidFill>
+            <a:headEnd type="triangle" w="lg" len="lg"/>
+          </a:ln>
+        </p:spPr>
+        <p:style>
+          <a:lnRef idx="2">
+            <a:schemeClr val="accent1">
+              <a:shade val="50000"/>
+            </a:schemeClr>
+          </a:lnRef>
+          <a:fillRef idx="1">
+            <a:schemeClr val="accent1"/>
+          </a:fillRef>
+          <a:effectRef idx="0">
+            <a:schemeClr val="accent1"/>
+          </a:effectRef>
+          <a:fontRef idx="minor">
+            <a:schemeClr val="lt1"/>
+          </a:fontRef>
+        </p:style>
+        <p:txBody>
+          <a:bodyPr rtlCol="0" anchor="ctr"/>
+          <a:lstStyle/>
+          <a:p>
+            <a:pPr algn="ctr"/>
+            <a:endParaRPr lang="en-US"/>
           </a:p>
         </p:txBody>
       </p:sp>

--- a/ipsa/slides/lists.pptx
+++ b/ipsa/slides/lists.pptx
@@ -147,7 +147,7 @@
 <file path=ppt/revisionInfo.xml><?xml version="1.0" encoding="utf-8"?>
 <p1510:revInfo xmlns:a="http://schemas.openxmlformats.org/drawingml/2006/main" xmlns:r="http://schemas.openxmlformats.org/officeDocument/2006/relationships" xmlns:p1510="http://schemas.microsoft.com/office/powerpoint/2015/10/main">
   <p1510:revLst>
-    <p1510:client id="{9DADA4EC-0B2F-48A6-AAA2-B687273D3C4F}" v="8" dt="2025-05-13T12:55:51.491"/>
+    <p1510:client id="{BA064C19-D2ED-4D60-8EFA-D6CC975F9284}" v="2" dt="2025-10-27T18:16:43.278"/>
   </p1510:revLst>
 </p1510:revInfo>
 </file>
@@ -227,38 +227,6 @@
           <pc:docMk/>
           <pc:sldMk cId="1841815763" sldId="485"/>
         </pc:sldMkLst>
-        <pc:spChg chg="mod">
-          <ac:chgData name="Gerth Stølting Brodal" userId="04ef4784-6591-4f86-a140-f5c3b108582a" providerId="ADAL" clId="{9DADA4EC-0B2F-48A6-AAA2-B687273D3C4F}" dt="2025-05-13T12:42:04.484" v="0" actId="14100"/>
-          <ac:spMkLst>
-            <pc:docMk/>
-            <pc:sldMk cId="1841815763" sldId="485"/>
-            <ac:spMk id="2" creationId="{00000000-0000-0000-0000-000000000000}"/>
-          </ac:spMkLst>
-        </pc:spChg>
-        <pc:spChg chg="add mod">
-          <ac:chgData name="Gerth Stølting Brodal" userId="04ef4784-6591-4f86-a140-f5c3b108582a" providerId="ADAL" clId="{9DADA4EC-0B2F-48A6-AAA2-B687273D3C4F}" dt="2025-05-13T12:57:09.528" v="284" actId="1038"/>
-          <ac:spMkLst>
-            <pc:docMk/>
-            <pc:sldMk cId="1841815763" sldId="485"/>
-            <ac:spMk id="6" creationId="{0E4A98EC-37C4-8241-363F-9C13D1E21920}"/>
-          </ac:spMkLst>
-        </pc:spChg>
-        <pc:spChg chg="add mod">
-          <ac:chgData name="Gerth Stølting Brodal" userId="04ef4784-6591-4f86-a140-f5c3b108582a" providerId="ADAL" clId="{9DADA4EC-0B2F-48A6-AAA2-B687273D3C4F}" dt="2025-05-13T12:56:31.840" v="267" actId="14100"/>
-          <ac:spMkLst>
-            <pc:docMk/>
-            <pc:sldMk cId="1841815763" sldId="485"/>
-            <ac:spMk id="12" creationId="{1A4C4B8A-3EAA-279A-8739-939276934ECA}"/>
-          </ac:spMkLst>
-        </pc:spChg>
-        <pc:picChg chg="add mod">
-          <ac:chgData name="Gerth Stølting Brodal" userId="04ef4784-6591-4f86-a140-f5c3b108582a" providerId="ADAL" clId="{9DADA4EC-0B2F-48A6-AAA2-B687273D3C4F}" dt="2025-05-13T12:52:51.228" v="179" actId="1076"/>
-          <ac:picMkLst>
-            <pc:docMk/>
-            <pc:sldMk cId="1841815763" sldId="485"/>
-            <ac:picMk id="5" creationId="{8AF81D18-9BA3-35AB-B1A7-11A30B22979D}"/>
-          </ac:picMkLst>
-        </pc:picChg>
       </pc:sldChg>
     </pc:docChg>
   </pc:docChgLst>
@@ -376,6 +344,129 @@
     </pc:docChg>
   </pc:docChgLst>
   <pc:docChgLst>
+    <pc:chgData name="Gerth Stølting Brodal" userId="04ef4784-6591-4f86-a140-f5c3b108582a" providerId="ADAL" clId="{27124F44-A0F7-408A-AA2B-2C5136C1DC06}"/>
+    <pc:docChg chg="modSld">
+      <pc:chgData name="Gerth Stølting Brodal" userId="04ef4784-6591-4f86-a140-f5c3b108582a" providerId="ADAL" clId="{27124F44-A0F7-408A-AA2B-2C5136C1DC06}" dt="2025-10-27T18:17:09.122" v="23" actId="1036"/>
+      <pc:docMkLst>
+        <pc:docMk/>
+      </pc:docMkLst>
+      <pc:sldChg chg="modSp mod">
+        <pc:chgData name="Gerth Stølting Brodal" userId="04ef4784-6591-4f86-a140-f5c3b108582a" providerId="ADAL" clId="{27124F44-A0F7-408A-AA2B-2C5136C1DC06}" dt="2025-10-27T18:15:08.557" v="1" actId="962"/>
+        <pc:sldMkLst>
+          <pc:docMk/>
+          <pc:sldMk cId="3159351348" sldId="497"/>
+        </pc:sldMkLst>
+        <pc:spChg chg="mod">
+          <ac:chgData name="Gerth Stølting Brodal" userId="04ef4784-6591-4f86-a140-f5c3b108582a" providerId="ADAL" clId="{27124F44-A0F7-408A-AA2B-2C5136C1DC06}" dt="2025-10-27T18:15:08.557" v="1" actId="962"/>
+          <ac:spMkLst>
+            <pc:docMk/>
+            <pc:sldMk cId="3159351348" sldId="497"/>
+            <ac:spMk id="5" creationId="{00000000-0000-0000-0000-000000000000}"/>
+          </ac:spMkLst>
+        </pc:spChg>
+      </pc:sldChg>
+      <pc:sldChg chg="modSp mod">
+        <pc:chgData name="Gerth Stølting Brodal" userId="04ef4784-6591-4f86-a140-f5c3b108582a" providerId="ADAL" clId="{27124F44-A0F7-408A-AA2B-2C5136C1DC06}" dt="2025-10-27T18:15:13.910" v="3" actId="962"/>
+        <pc:sldMkLst>
+          <pc:docMk/>
+          <pc:sldMk cId="281736030" sldId="498"/>
+        </pc:sldMkLst>
+        <pc:spChg chg="mod">
+          <ac:chgData name="Gerth Stølting Brodal" userId="04ef4784-6591-4f86-a140-f5c3b108582a" providerId="ADAL" clId="{27124F44-A0F7-408A-AA2B-2C5136C1DC06}" dt="2025-10-27T18:15:13.910" v="3" actId="962"/>
+          <ac:spMkLst>
+            <pc:docMk/>
+            <pc:sldMk cId="281736030" sldId="498"/>
+            <ac:spMk id="5" creationId="{00000000-0000-0000-0000-000000000000}"/>
+          </ac:spMkLst>
+        </pc:spChg>
+      </pc:sldChg>
+      <pc:sldChg chg="modSp mod">
+        <pc:chgData name="Gerth Stølting Brodal" userId="04ef4784-6591-4f86-a140-f5c3b108582a" providerId="ADAL" clId="{27124F44-A0F7-408A-AA2B-2C5136C1DC06}" dt="2025-10-27T18:15:24.928" v="5" actId="962"/>
+        <pc:sldMkLst>
+          <pc:docMk/>
+          <pc:sldMk cId="2231878254" sldId="505"/>
+        </pc:sldMkLst>
+        <pc:spChg chg="mod">
+          <ac:chgData name="Gerth Stølting Brodal" userId="04ef4784-6591-4f86-a140-f5c3b108582a" providerId="ADAL" clId="{27124F44-A0F7-408A-AA2B-2C5136C1DC06}" dt="2025-10-27T18:15:24.928" v="5" actId="962"/>
+          <ac:spMkLst>
+            <pc:docMk/>
+            <pc:sldMk cId="2231878254" sldId="505"/>
+            <ac:spMk id="32" creationId="{00000000-0000-0000-0000-000000000000}"/>
+          </ac:spMkLst>
+        </pc:spChg>
+      </pc:sldChg>
+      <pc:sldChg chg="modSp mod">
+        <pc:chgData name="Gerth Stølting Brodal" userId="04ef4784-6591-4f86-a140-f5c3b108582a" providerId="ADAL" clId="{27124F44-A0F7-408A-AA2B-2C5136C1DC06}" dt="2025-10-27T18:16:23.408" v="7" actId="962"/>
+        <pc:sldMkLst>
+          <pc:docMk/>
+          <pc:sldMk cId="4217757132" sldId="506"/>
+        </pc:sldMkLst>
+        <pc:spChg chg="mod">
+          <ac:chgData name="Gerth Stølting Brodal" userId="04ef4784-6591-4f86-a140-f5c3b108582a" providerId="ADAL" clId="{27124F44-A0F7-408A-AA2B-2C5136C1DC06}" dt="2025-10-27T18:16:23.408" v="7" actId="962"/>
+          <ac:spMkLst>
+            <pc:docMk/>
+            <pc:sldMk cId="4217757132" sldId="506"/>
+            <ac:spMk id="4" creationId="{00000000-0000-0000-0000-000000000000}"/>
+          </ac:spMkLst>
+        </pc:spChg>
+      </pc:sldChg>
+      <pc:sldChg chg="modSp mod">
+        <pc:chgData name="Gerth Stølting Brodal" userId="04ef4784-6591-4f86-a140-f5c3b108582a" providerId="ADAL" clId="{27124F44-A0F7-408A-AA2B-2C5136C1DC06}" dt="2025-10-27T18:16:28.183" v="9" actId="962"/>
+        <pc:sldMkLst>
+          <pc:docMk/>
+          <pc:sldMk cId="841188797" sldId="508"/>
+        </pc:sldMkLst>
+        <pc:spChg chg="mod">
+          <ac:chgData name="Gerth Stølting Brodal" userId="04ef4784-6591-4f86-a140-f5c3b108582a" providerId="ADAL" clId="{27124F44-A0F7-408A-AA2B-2C5136C1DC06}" dt="2025-10-27T18:16:28.183" v="9" actId="962"/>
+          <ac:spMkLst>
+            <pc:docMk/>
+            <pc:sldMk cId="841188797" sldId="508"/>
+            <ac:spMk id="6" creationId="{00000000-0000-0000-0000-000000000000}"/>
+          </ac:spMkLst>
+        </pc:spChg>
+      </pc:sldChg>
+      <pc:sldChg chg="addSp modSp mod modAnim">
+        <pc:chgData name="Gerth Stølting Brodal" userId="04ef4784-6591-4f86-a140-f5c3b108582a" providerId="ADAL" clId="{27124F44-A0F7-408A-AA2B-2C5136C1DC06}" dt="2025-10-27T18:17:09.122" v="23" actId="1036"/>
+        <pc:sldMkLst>
+          <pc:docMk/>
+          <pc:sldMk cId="168358073" sldId="516"/>
+        </pc:sldMkLst>
+        <pc:spChg chg="mod">
+          <ac:chgData name="Gerth Stølting Brodal" userId="04ef4784-6591-4f86-a140-f5c3b108582a" providerId="ADAL" clId="{27124F44-A0F7-408A-AA2B-2C5136C1DC06}" dt="2025-10-27T18:16:33.307" v="11" actId="962"/>
+          <ac:spMkLst>
+            <pc:docMk/>
+            <pc:sldMk cId="168358073" sldId="516"/>
+            <ac:spMk id="6" creationId="{00000000-0000-0000-0000-000000000000}"/>
+          </ac:spMkLst>
+        </pc:spChg>
+        <pc:spChg chg="mod">
+          <ac:chgData name="Gerth Stølting Brodal" userId="04ef4784-6591-4f86-a140-f5c3b108582a" providerId="ADAL" clId="{27124F44-A0F7-408A-AA2B-2C5136C1DC06}" dt="2025-10-27T18:16:48.427" v="15" actId="962"/>
+          <ac:spMkLst>
+            <pc:docMk/>
+            <pc:sldMk cId="168358073" sldId="516"/>
+            <ac:spMk id="7" creationId="{00000000-0000-0000-0000-000000000000}"/>
+          </ac:spMkLst>
+        </pc:spChg>
+        <pc:grpChg chg="add mod">
+          <ac:chgData name="Gerth Stølting Brodal" userId="04ef4784-6591-4f86-a140-f5c3b108582a" providerId="ADAL" clId="{27124F44-A0F7-408A-AA2B-2C5136C1DC06}" dt="2025-10-27T18:16:38.799" v="12" actId="164"/>
+          <ac:grpSpMkLst>
+            <pc:docMk/>
+            <pc:sldMk cId="168358073" sldId="516"/>
+            <ac:grpSpMk id="3" creationId="{828F55E1-34CC-2DF8-9015-2DE2454EA1C8}"/>
+          </ac:grpSpMkLst>
+        </pc:grpChg>
+        <pc:picChg chg="mod">
+          <ac:chgData name="Gerth Stølting Brodal" userId="04ef4784-6591-4f86-a140-f5c3b108582a" providerId="ADAL" clId="{27124F44-A0F7-408A-AA2B-2C5136C1DC06}" dt="2025-10-27T18:17:09.122" v="23" actId="1036"/>
+          <ac:picMkLst>
+            <pc:docMk/>
+            <pc:sldMk cId="168358073" sldId="516"/>
+            <ac:picMk id="8" creationId="{00000000-0000-0000-0000-000000000000}"/>
+          </ac:picMkLst>
+        </pc:picChg>
+      </pc:sldChg>
+    </pc:docChg>
+  </pc:docChgLst>
+  <pc:docChgLst>
     <pc:chgData name="Gerth Stølting Brodal" userId="04ef4784-6591-4f86-a140-f5c3b108582a" providerId="ADAL" clId="{155CD946-55B5-49F4-A11E-1EF807E1FDB7}"/>
     <pc:docChg chg="undo custSel modSld">
       <pc:chgData name="Gerth Stølting Brodal" userId="04ef4784-6591-4f86-a140-f5c3b108582a" providerId="ADAL" clId="{155CD946-55B5-49F4-A11E-1EF807E1FDB7}" dt="2024-02-07T07:34:04.180" v="375" actId="1035"/>
@@ -504,7 +595,7 @@
           <a:p>
             <a:fld id="{FB1A172F-81D4-4DC4-9113-1DBD56EC3646}" type="datetimeFigureOut">
               <a:rPr lang="en-US" smtClean="0"/>
-              <a:t>5/13/2025</a:t>
+              <a:t>10/27/2025</a:t>
             </a:fld>
             <a:endParaRPr lang="en-US"/>
           </a:p>
@@ -2657,7 +2748,7 @@
           <a:p>
             <a:fld id="{0560A9CD-0304-4E0B-9E82-E7E0115DE05B}" type="datetimeFigureOut">
               <a:rPr lang="en-US" smtClean="0"/>
-              <a:t>5/13/2025</a:t>
+              <a:t>10/27/2025</a:t>
             </a:fld>
             <a:endParaRPr lang="en-US"/>
           </a:p>
@@ -2825,7 +2916,7 @@
           <a:p>
             <a:fld id="{0560A9CD-0304-4E0B-9E82-E7E0115DE05B}" type="datetimeFigureOut">
               <a:rPr lang="en-US" smtClean="0"/>
-              <a:t>5/13/2025</a:t>
+              <a:t>10/27/2025</a:t>
             </a:fld>
             <a:endParaRPr lang="en-US"/>
           </a:p>
@@ -3003,7 +3094,7 @@
           <a:p>
             <a:fld id="{0560A9CD-0304-4E0B-9E82-E7E0115DE05B}" type="datetimeFigureOut">
               <a:rPr lang="en-US" smtClean="0"/>
-              <a:t>5/13/2025</a:t>
+              <a:t>10/27/2025</a:t>
             </a:fld>
             <a:endParaRPr lang="en-US"/>
           </a:p>
@@ -3180,7 +3271,7 @@
           <a:p>
             <a:fld id="{0560A9CD-0304-4E0B-9E82-E7E0115DE05B}" type="datetimeFigureOut">
               <a:rPr lang="en-US" smtClean="0"/>
-              <a:t>5/13/2025</a:t>
+              <a:t>10/27/2025</a:t>
             </a:fld>
             <a:endParaRPr lang="en-US"/>
           </a:p>
@@ -3425,7 +3516,7 @@
           <a:p>
             <a:fld id="{0560A9CD-0304-4E0B-9E82-E7E0115DE05B}" type="datetimeFigureOut">
               <a:rPr lang="en-US" smtClean="0"/>
-              <a:t>5/13/2025</a:t>
+              <a:t>10/27/2025</a:t>
             </a:fld>
             <a:endParaRPr lang="en-US"/>
           </a:p>
@@ -3654,7 +3745,7 @@
           <a:p>
             <a:fld id="{0560A9CD-0304-4E0B-9E82-E7E0115DE05B}" type="datetimeFigureOut">
               <a:rPr lang="en-US" smtClean="0"/>
-              <a:t>5/13/2025</a:t>
+              <a:t>10/27/2025</a:t>
             </a:fld>
             <a:endParaRPr lang="en-US"/>
           </a:p>
@@ -4018,7 +4109,7 @@
           <a:p>
             <a:fld id="{0560A9CD-0304-4E0B-9E82-E7E0115DE05B}" type="datetimeFigureOut">
               <a:rPr lang="en-US" smtClean="0"/>
-              <a:t>5/13/2025</a:t>
+              <a:t>10/27/2025</a:t>
             </a:fld>
             <a:endParaRPr lang="en-US"/>
           </a:p>
@@ -4135,7 +4226,7 @@
           <a:p>
             <a:fld id="{0560A9CD-0304-4E0B-9E82-E7E0115DE05B}" type="datetimeFigureOut">
               <a:rPr lang="en-US" smtClean="0"/>
-              <a:t>5/13/2025</a:t>
+              <a:t>10/27/2025</a:t>
             </a:fld>
             <a:endParaRPr lang="en-US"/>
           </a:p>
@@ -4230,7 +4321,7 @@
           <a:p>
             <a:fld id="{0560A9CD-0304-4E0B-9E82-E7E0115DE05B}" type="datetimeFigureOut">
               <a:rPr lang="en-US" smtClean="0"/>
-              <a:t>5/13/2025</a:t>
+              <a:t>10/27/2025</a:t>
             </a:fld>
             <a:endParaRPr lang="en-US"/>
           </a:p>
@@ -4505,7 +4596,7 @@
           <a:p>
             <a:fld id="{0560A9CD-0304-4E0B-9E82-E7E0115DE05B}" type="datetimeFigureOut">
               <a:rPr lang="en-US" smtClean="0"/>
-              <a:t>5/13/2025</a:t>
+              <a:t>10/27/2025</a:t>
             </a:fld>
             <a:endParaRPr lang="en-US"/>
           </a:p>
@@ -4757,7 +4848,7 @@
           <a:p>
             <a:fld id="{0560A9CD-0304-4E0B-9E82-E7E0115DE05B}" type="datetimeFigureOut">
               <a:rPr lang="en-US" smtClean="0"/>
-              <a:t>5/13/2025</a:t>
+              <a:t>10/27/2025</a:t>
             </a:fld>
             <a:endParaRPr lang="en-US"/>
           </a:p>
@@ -4968,7 +5059,7 @@
           <a:p>
             <a:fld id="{0560A9CD-0304-4E0B-9E82-E7E0115DE05B}" type="datetimeFigureOut">
               <a:rPr lang="en-US" smtClean="0"/>
-              <a:t>5/13/2025</a:t>
+              <a:t>10/27/2025</a:t>
             </a:fld>
             <a:endParaRPr lang="en-US"/>
           </a:p>
@@ -11889,7 +11980,7 @@
       </p:sp>
       <p:sp>
         <p:nvSpPr>
-          <p:cNvPr id="32" name="Smiley Face 31"/>
+          <p:cNvPr id="32" name="Smiley Face 31" descr="QuizAnswer"/>
           <p:cNvSpPr/>
           <p:nvPr/>
         </p:nvSpPr>
@@ -16666,7 +16757,7 @@
       </p:sp>
       <p:sp>
         <p:nvSpPr>
-          <p:cNvPr id="4" name="Smiley Face 3"/>
+          <p:cNvPr id="4" name="Smiley Face 3" descr="QuizAnswer"/>
           <p:cNvSpPr/>
           <p:nvPr/>
         </p:nvSpPr>
@@ -18284,7 +18375,7 @@
       </p:sp>
       <p:sp>
         <p:nvSpPr>
-          <p:cNvPr id="6" name="Smiley Face 5"/>
+          <p:cNvPr id="6" name="Smiley Face 5" descr="QuizAnswer"/>
           <p:cNvSpPr/>
           <p:nvPr/>
         </p:nvSpPr>
@@ -19170,7 +19261,7 @@
       </p:sp>
       <p:sp>
         <p:nvSpPr>
-          <p:cNvPr id="6" name="Smiley Face 5"/>
+          <p:cNvPr id="6" name="Smiley Face 5" descr="QuizAnswer"/>
           <p:cNvSpPr/>
           <p:nvPr/>
         </p:nvSpPr>
@@ -19221,119 +19312,140 @@
           </a:p>
         </p:txBody>
       </p:sp>
-      <p:sp>
-        <p:nvSpPr>
-          <p:cNvPr id="7" name="TextBox 6"/>
-          <p:cNvSpPr txBox="1"/>
+      <p:grpSp>
+        <p:nvGrpSpPr>
+          <p:cNvPr id="3" name="Group 2">
+            <a:extLst>
+              <a:ext uri="{FF2B5EF4-FFF2-40B4-BE49-F238E27FC236}">
+                <a16:creationId xmlns:a16="http://schemas.microsoft.com/office/drawing/2014/main" id="{828F55E1-34CC-2DF8-9015-2DE2454EA1C8}"/>
+              </a:ext>
+            </a:extLst>
+          </p:cNvPr>
+          <p:cNvGrpSpPr/>
           <p:nvPr/>
-        </p:nvSpPr>
-        <p:spPr>
+        </p:nvGrpSpPr>
+        <p:grpSpPr>
           <a:xfrm>
             <a:off x="6990609" y="5864885"/>
             <a:ext cx="4860966" cy="707886"/>
+            <a:chOff x="6990609" y="5864885"/>
+            <a:chExt cx="4860966" cy="707886"/>
           </a:xfrm>
-          <a:prstGeom prst="rect">
-            <a:avLst/>
-          </a:prstGeom>
-          <a:solidFill>
-            <a:schemeClr val="accent5">
-              <a:lumMod val="20000"/>
-              <a:lumOff val="80000"/>
-            </a:schemeClr>
-          </a:solidFill>
-          <a:ln>
+        </p:grpSpPr>
+        <p:sp>
+          <p:nvSpPr>
+            <p:cNvPr id="7" name="TextBox 6" descr="QuizAnswer"/>
+            <p:cNvSpPr txBox="1"/>
+            <p:nvPr/>
+          </p:nvSpPr>
+          <p:spPr>
+            <a:xfrm>
+              <a:off x="6990609" y="5864885"/>
+              <a:ext cx="4860966" cy="707886"/>
+            </a:xfrm>
+            <a:prstGeom prst="rect">
+              <a:avLst/>
+            </a:prstGeom>
             <a:solidFill>
-              <a:schemeClr val="bg1">
-                <a:lumMod val="50000"/>
+              <a:schemeClr val="accent5">
+                <a:lumMod val="20000"/>
+                <a:lumOff val="80000"/>
               </a:schemeClr>
             </a:solidFill>
-          </a:ln>
-        </p:spPr>
-        <p:txBody>
-          <a:bodyPr wrap="square" rtlCol="0">
-            <a:spAutoFit/>
-          </a:bodyPr>
-          <a:lstStyle/>
-          <a:p>
-            <a:pPr indent="628650">
-              <a:tabLst>
-                <a:tab pos="628650" algn="l"/>
-              </a:tabLst>
-            </a:pPr>
-            <a:r>
-              <a:rPr lang="en-US" sz="2000" dirty="0"/>
-              <a:t>In nested </a:t>
-            </a:r>
-            <a:r>
-              <a:rPr lang="en-US" sz="2000" dirty="0">
-                <a:latin typeface="Courier"/>
-              </a:rPr>
-              <a:t>for</a:t>
-            </a:r>
-            <a:r>
-              <a:rPr lang="en-US" sz="2000" dirty="0"/>
-              <a:t>- and </a:t>
-            </a:r>
-            <a:r>
-              <a:rPr lang="en-US" sz="2000" dirty="0">
-                <a:latin typeface="Courier"/>
-              </a:rPr>
-              <a:t>while</a:t>
-            </a:r>
-            <a:r>
-              <a:rPr lang="en-US" sz="2000" dirty="0"/>
-              <a:t>-loops, </a:t>
-            </a:r>
-            <a:br>
-              <a:rPr lang="en-US" sz="2000" dirty="0"/>
-            </a:br>
-            <a:r>
-              <a:rPr lang="en-US" sz="2000" dirty="0"/>
-              <a:t>	</a:t>
-            </a:r>
-            <a:r>
-              <a:rPr lang="en-US" sz="2000" dirty="0">
-                <a:latin typeface="Courier"/>
-              </a:rPr>
-              <a:t>break</a:t>
-            </a:r>
-            <a:r>
-              <a:rPr lang="en-US" sz="2000" dirty="0"/>
-              <a:t> only breaks the innermost loop</a:t>
-            </a:r>
-          </a:p>
-        </p:txBody>
-      </p:sp>
-      <p:pic>
-        <p:nvPicPr>
-          <p:cNvPr id="8" name="Picture 7"/>
-          <p:cNvPicPr>
-            <a:picLocks noChangeAspect="1"/>
-          </p:cNvPicPr>
-          <p:nvPr/>
-        </p:nvPicPr>
-        <p:blipFill>
-          <a:blip r:embed="rId3" cstate="print">
-            <a:extLst>
-              <a:ext uri="{28A0092B-C50C-407E-A947-70E740481C1C}">
-                <a14:useLocalDpi xmlns:a14="http://schemas.microsoft.com/office/drawing/2010/main" val="0"/>
-              </a:ext>
-            </a:extLst>
-          </a:blip>
-          <a:stretch>
-            <a:fillRect/>
-          </a:stretch>
-        </p:blipFill>
-        <p:spPr>
-          <a:xfrm>
-            <a:off x="7147890" y="5967789"/>
-            <a:ext cx="453088" cy="405904"/>
-          </a:xfrm>
-          <a:prstGeom prst="rect">
-            <a:avLst/>
-          </a:prstGeom>
-        </p:spPr>
-      </p:pic>
+            <a:ln>
+              <a:solidFill>
+                <a:schemeClr val="bg1">
+                  <a:lumMod val="50000"/>
+                </a:schemeClr>
+              </a:solidFill>
+            </a:ln>
+          </p:spPr>
+          <p:txBody>
+            <a:bodyPr wrap="square" rtlCol="0">
+              <a:spAutoFit/>
+            </a:bodyPr>
+            <a:lstStyle/>
+            <a:p>
+              <a:pPr indent="628650">
+                <a:tabLst>
+                  <a:tab pos="628650" algn="l"/>
+                </a:tabLst>
+              </a:pPr>
+              <a:r>
+                <a:rPr lang="en-US" sz="2000" dirty="0"/>
+                <a:t>In nested </a:t>
+              </a:r>
+              <a:r>
+                <a:rPr lang="en-US" sz="2000" dirty="0">
+                  <a:latin typeface="Courier"/>
+                </a:rPr>
+                <a:t>for</a:t>
+              </a:r>
+              <a:r>
+                <a:rPr lang="en-US" sz="2000" dirty="0"/>
+                <a:t>- and </a:t>
+              </a:r>
+              <a:r>
+                <a:rPr lang="en-US" sz="2000" dirty="0">
+                  <a:latin typeface="Courier"/>
+                </a:rPr>
+                <a:t>while</a:t>
+              </a:r>
+              <a:r>
+                <a:rPr lang="en-US" sz="2000" dirty="0"/>
+                <a:t>-loops, </a:t>
+              </a:r>
+              <a:br>
+                <a:rPr lang="en-US" sz="2000" dirty="0"/>
+              </a:br>
+              <a:r>
+                <a:rPr lang="en-US" sz="2000" dirty="0"/>
+                <a:t>	</a:t>
+              </a:r>
+              <a:r>
+                <a:rPr lang="en-US" sz="2000" dirty="0">
+                  <a:latin typeface="Courier"/>
+                </a:rPr>
+                <a:t>break</a:t>
+              </a:r>
+              <a:r>
+                <a:rPr lang="en-US" sz="2000" dirty="0"/>
+                <a:t> only breaks the innermost loop</a:t>
+              </a:r>
+            </a:p>
+          </p:txBody>
+        </p:sp>
+        <p:pic>
+          <p:nvPicPr>
+            <p:cNvPr id="8" name="Picture 7"/>
+            <p:cNvPicPr>
+              <a:picLocks noChangeAspect="1"/>
+            </p:cNvPicPr>
+            <p:nvPr/>
+          </p:nvPicPr>
+          <p:blipFill>
+            <a:blip r:embed="rId3" cstate="print">
+              <a:extLst>
+                <a:ext uri="{28A0092B-C50C-407E-A947-70E740481C1C}">
+                  <a14:useLocalDpi xmlns:a14="http://schemas.microsoft.com/office/drawing/2010/main" val="0"/>
+                </a:ext>
+              </a:extLst>
+            </a:blip>
+            <a:stretch>
+              <a:fillRect/>
+            </a:stretch>
+          </p:blipFill>
+          <p:spPr>
+            <a:xfrm>
+              <a:off x="7147890" y="6027261"/>
+              <a:ext cx="453088" cy="405904"/>
+            </a:xfrm>
+            <a:prstGeom prst="rect">
+              <a:avLst/>
+            </a:prstGeom>
+          </p:spPr>
+        </p:pic>
+      </p:grpSp>
     </p:spTree>
     <p:extLst>
       <p:ext uri="{BB962C8B-B14F-4D97-AF65-F5344CB8AC3E}">
@@ -19431,7 +19543,7 @@
                                           </p:stCondLst>
                                         </p:cTn>
                                         <p:tgtEl>
-                                          <p:spTgt spid="8"/>
+                                          <p:spTgt spid="3"/>
                                         </p:tgtEl>
                                         <p:attrNameLst>
                                           <p:attrName>style.visibility</p:attrName>
@@ -19445,42 +19557,7 @@
                                       <p:cBhvr>
                                         <p:cTn id="12" dur="500"/>
                                         <p:tgtEl>
-                                          <p:spTgt spid="8"/>
-                                        </p:tgtEl>
-                                      </p:cBhvr>
-                                    </p:animEffect>
-                                  </p:childTnLst>
-                                </p:cTn>
-                              </p:par>
-                              <p:par>
-                                <p:cTn id="13" presetID="10" presetClass="entr" presetSubtype="0" fill="hold" grpId="0" nodeType="withEffect">
-                                  <p:stCondLst>
-                                    <p:cond delay="0"/>
-                                  </p:stCondLst>
-                                  <p:childTnLst>
-                                    <p:set>
-                                      <p:cBhvr>
-                                        <p:cTn id="14" dur="1" fill="hold">
-                                          <p:stCondLst>
-                                            <p:cond delay="0"/>
-                                          </p:stCondLst>
-                                        </p:cTn>
-                                        <p:tgtEl>
-                                          <p:spTgt spid="7"/>
-                                        </p:tgtEl>
-                                        <p:attrNameLst>
-                                          <p:attrName>style.visibility</p:attrName>
-                                        </p:attrNameLst>
-                                      </p:cBhvr>
-                                      <p:to>
-                                        <p:strVal val="visible"/>
-                                      </p:to>
-                                    </p:set>
-                                    <p:animEffect transition="in" filter="fade">
-                                      <p:cBhvr>
-                                        <p:cTn id="15" dur="500"/>
-                                        <p:tgtEl>
-                                          <p:spTgt spid="7"/>
+                                          <p:spTgt spid="3"/>
                                         </p:tgtEl>
                                       </p:cBhvr>
                                     </p:animEffect>
@@ -19516,7 +19593,6 @@
     </p:tnLst>
     <p:bldLst>
       <p:bldP spid="6" grpId="0" animBg="1"/>
-      <p:bldP spid="7" grpId="0" animBg="1"/>
     </p:bldLst>
   </p:timing>
 </p:sld>
@@ -33073,7 +33149,7 @@
       </p:sp>
       <p:sp>
         <p:nvSpPr>
-          <p:cNvPr id="5" name="Smiley Face 4"/>
+          <p:cNvPr id="5" name="Smiley Face 4" descr="QuizAnswer"/>
           <p:cNvSpPr/>
           <p:nvPr/>
         </p:nvSpPr>
@@ -33615,7 +33691,7 @@
       </p:sp>
       <p:sp>
         <p:nvSpPr>
-          <p:cNvPr id="5" name="Smiley Face 4"/>
+          <p:cNvPr id="5" name="Smiley Face 4" descr="QuizAnswer"/>
           <p:cNvSpPr/>
           <p:nvPr/>
         </p:nvSpPr>

--- a/ipsa/slides/lists.pptx
+++ b/ipsa/slides/lists.pptx
@@ -147,7 +147,7 @@
 <file path=ppt/revisionInfo.xml><?xml version="1.0" encoding="utf-8"?>
 <p1510:revInfo xmlns:a="http://schemas.openxmlformats.org/drawingml/2006/main" xmlns:r="http://schemas.openxmlformats.org/officeDocument/2006/relationships" xmlns:p1510="http://schemas.microsoft.com/office/powerpoint/2015/10/main">
   <p1510:revLst>
-    <p1510:client id="{5569C976-1ADA-4DA8-9761-4E88C2A5DB41}" v="12" dt="2026-02-03T18:48:17.011"/>
+    <p1510:client id="{5569C976-1ADA-4DA8-9761-4E88C2A5DB41}" v="15" dt="2026-02-09T06:11:52.293"/>
   </p1510:revLst>
 </p1510:revInfo>
 </file>
@@ -157,7 +157,7 @@
   <pc:docChgLst>
     <pc:chgData name="Gerth Stølting Brodal" userId="04ef4784-6591-4f86-a140-f5c3b108582a" providerId="ADAL" clId="{73BAC7D6-516A-44B5-B4B0-C7B08CA8B392}"/>
     <pc:docChg chg="undo custSel modSld">
-      <pc:chgData name="Gerth Stølting Brodal" userId="04ef4784-6591-4f86-a140-f5c3b108582a" providerId="ADAL" clId="{73BAC7D6-516A-44B5-B4B0-C7B08CA8B392}" dt="2026-02-03T19:03:02.829" v="602" actId="20577"/>
+      <pc:chgData name="Gerth Stølting Brodal" userId="04ef4784-6591-4f86-a140-f5c3b108582a" providerId="ADAL" clId="{73BAC7D6-516A-44B5-B4B0-C7B08CA8B392}" dt="2026-02-09T06:39:03.480" v="745" actId="1038"/>
       <pc:docMkLst>
         <pc:docMk/>
       </pc:docMkLst>
@@ -584,8 +584,8 @@
           </ac:graphicFrameMkLst>
         </pc:graphicFrameChg>
       </pc:sldChg>
-      <pc:sldChg chg="modSp mod">
-        <pc:chgData name="Gerth Stølting Brodal" userId="04ef4784-6591-4f86-a140-f5c3b108582a" providerId="ADAL" clId="{73BAC7D6-516A-44B5-B4B0-C7B08CA8B392}" dt="2026-02-03T18:55:01.667" v="530" actId="790"/>
+      <pc:sldChg chg="modSp mod modNotesTx">
+        <pc:chgData name="Gerth Stølting Brodal" userId="04ef4784-6591-4f86-a140-f5c3b108582a" providerId="ADAL" clId="{73BAC7D6-516A-44B5-B4B0-C7B08CA8B392}" dt="2026-02-09T05:28:51.656" v="627" actId="20577"/>
         <pc:sldMkLst>
           <pc:docMk/>
           <pc:sldMk cId="3289563800" sldId="495"/>
@@ -1206,7 +1206,7 @@
         </pc:graphicFrameChg>
       </pc:sldChg>
       <pc:sldChg chg="modSp mod modNotesTx">
-        <pc:chgData name="Gerth Stølting Brodal" userId="04ef4784-6591-4f86-a140-f5c3b108582a" providerId="ADAL" clId="{73BAC7D6-516A-44B5-B4B0-C7B08CA8B392}" dt="2026-02-03T18:55:01.667" v="530" actId="790"/>
+        <pc:chgData name="Gerth Stølting Brodal" userId="04ef4784-6591-4f86-a140-f5c3b108582a" providerId="ADAL" clId="{73BAC7D6-516A-44B5-B4B0-C7B08CA8B392}" dt="2026-02-09T05:58:19.048" v="642" actId="20577"/>
         <pc:sldMkLst>
           <pc:docMk/>
           <pc:sldMk cId="1553393585" sldId="509"/>
@@ -1228,8 +1228,8 @@
           </ac:spMkLst>
         </pc:spChg>
       </pc:sldChg>
-      <pc:sldChg chg="modSp mod">
-        <pc:chgData name="Gerth Stølting Brodal" userId="04ef4784-6591-4f86-a140-f5c3b108582a" providerId="ADAL" clId="{73BAC7D6-516A-44B5-B4B0-C7B08CA8B392}" dt="2026-02-03T18:55:01.667" v="530" actId="790"/>
+      <pc:sldChg chg="modSp mod modNotesTx">
+        <pc:chgData name="Gerth Stølting Brodal" userId="04ef4784-6591-4f86-a140-f5c3b108582a" providerId="ADAL" clId="{73BAC7D6-516A-44B5-B4B0-C7B08CA8B392}" dt="2026-02-09T06:12:15.290" v="699" actId="20577"/>
         <pc:sldMkLst>
           <pc:docMk/>
           <pc:sldMk cId="3648550906" sldId="510"/>
@@ -1353,7 +1353,7 @@
         </pc:graphicFrameChg>
       </pc:sldChg>
       <pc:sldChg chg="modSp mod">
-        <pc:chgData name="Gerth Stølting Brodal" userId="04ef4784-6591-4f86-a140-f5c3b108582a" providerId="ADAL" clId="{73BAC7D6-516A-44B5-B4B0-C7B08CA8B392}" dt="2026-02-03T18:55:01.667" v="530" actId="790"/>
+        <pc:chgData name="Gerth Stølting Brodal" userId="04ef4784-6591-4f86-a140-f5c3b108582a" providerId="ADAL" clId="{73BAC7D6-516A-44B5-B4B0-C7B08CA8B392}" dt="2026-02-09T06:39:03.480" v="745" actId="1038"/>
         <pc:sldMkLst>
           <pc:docMk/>
           <pc:sldMk cId="2400466622" sldId="514"/>
@@ -1391,7 +1391,7 @@
           </ac:spMkLst>
         </pc:spChg>
         <pc:spChg chg="mod">
-          <ac:chgData name="Gerth Stølting Brodal" userId="04ef4784-6591-4f86-a140-f5c3b108582a" providerId="ADAL" clId="{73BAC7D6-516A-44B5-B4B0-C7B08CA8B392}" dt="2026-02-03T18:55:01.667" v="530" actId="790"/>
+          <ac:chgData name="Gerth Stølting Brodal" userId="04ef4784-6591-4f86-a140-f5c3b108582a" providerId="ADAL" clId="{73BAC7D6-516A-44B5-B4B0-C7B08CA8B392}" dt="2026-02-09T06:39:03.480" v="745" actId="1038"/>
           <ac:spMkLst>
             <pc:docMk/>
             <pc:sldMk cId="2400466622" sldId="514"/>
@@ -1643,7 +1643,7 @@
           <a:p>
             <a:fld id="{FB1A172F-81D4-4DC4-9113-1DBD56EC3646}" type="datetimeFigureOut">
               <a:rPr lang="en-US" smtClean="0"/>
-              <a:t>2/3/2026</a:t>
+              <a:t>2/9/2026</a:t>
             </a:fld>
             <a:endParaRPr lang="en-US"/>
           </a:p>
@@ -2053,64 +2053,23 @@
           <a:bodyPr/>
           <a:lstStyle/>
           <a:p>
-            <a:pPr marL="0" marR="0" lvl="0" indent="0" algn="l" defTabSz="914400" rtl="0" eaLnBrk="1" fontAlgn="auto" latinLnBrk="0" hangingPunct="1">
-              <a:lnSpc>
-                <a:spcPct val="100000"/>
-              </a:lnSpc>
-              <a:spcBef>
-                <a:spcPts val="0"/>
-              </a:spcBef>
-              <a:spcAft>
-                <a:spcPts val="0"/>
-              </a:spcAft>
-              <a:buClrTx/>
-              <a:buSzTx/>
-              <a:buFontTx/>
-              <a:buNone/>
-              <a:tabLst/>
-              <a:defRPr/>
-            </a:pPr>
-            <a:r>
-              <a:rPr lang="en-US" b="1" dirty="0"/>
-              <a:t>Microsoft BASIC for 6502 [1978]</a:t>
-            </a:r>
-          </a:p>
-          <a:p>
-            <a:r>
-              <a:rPr lang="en-US" sz="1200" b="1" kern="1200" dirty="0">
-                <a:solidFill>
-                  <a:schemeClr val="tx1"/>
-                </a:solidFill>
-                <a:latin typeface="+mn-lt"/>
-                <a:ea typeface="+mn-ea"/>
-                <a:cs typeface="+mn-cs"/>
-              </a:rPr>
-              <a:t>Bill Gates</a:t>
-            </a:r>
-            <a:r>
-              <a:rPr lang="en-US" sz="1200" kern="1200" dirty="0">
-                <a:solidFill>
-                  <a:schemeClr val="tx1"/>
-                </a:solidFill>
-                <a:latin typeface="+mn-lt"/>
-                <a:ea typeface="+mn-ea"/>
-                <a:cs typeface="+mn-cs"/>
-              </a:rPr>
-              <a:t>, Paul Allen, Monte Davidoff</a:t>
+            <a:r>
+              <a:rPr lang="en-US" dirty="0"/>
+              <a:t>NOTE i in </a:t>
+            </a:r>
+            <a:r>
+              <a:rPr lang="en-US"/>
+              <a:t>2</a:t>
+            </a:r>
+            <a:r>
+              <a:rPr lang="en-US" baseline="30000"/>
+              <a:t>nd</a:t>
+            </a:r>
+            <a:r>
+              <a:rPr lang="en-US"/>
+              <a:t> for-loop</a:t>
             </a:r>
             <a:endParaRPr lang="en-US" dirty="0"/>
-          </a:p>
-          <a:p>
-            <a:r>
-              <a:rPr lang="en-US" dirty="0"/>
-              <a:t>https://www.pagetable.com/?p=774</a:t>
-            </a:r>
-          </a:p>
-          <a:p>
-            <a:r>
-              <a:rPr lang="en-US" dirty="0"/>
-              <a:t>(licensed by Commodore for the Commodore C64)</a:t>
-            </a:r>
           </a:p>
         </p:txBody>
       </p:sp>
@@ -2131,7 +2090,7 @@
           <a:p>
             <a:fld id="{CD563DD8-32AB-41BE-B1C6-8EAC45222ACE}" type="slidenum">
               <a:rPr lang="en-US" smtClean="0"/>
-              <a:t>20</a:t>
+              <a:t>18</a:t>
             </a:fld>
             <a:endParaRPr lang="en-US"/>
           </a:p>
@@ -2140,7 +2099,7 @@
     </p:spTree>
     <p:extLst>
       <p:ext uri="{BB962C8B-B14F-4D97-AF65-F5344CB8AC3E}">
-        <p14:creationId xmlns:p14="http://schemas.microsoft.com/office/powerpoint/2010/main" val="2911469987"/>
+        <p14:creationId xmlns:p14="http://schemas.microsoft.com/office/powerpoint/2010/main" val="3366940037"/>
       </p:ext>
     </p:extLst>
   </p:cSld>
@@ -2196,21 +2155,51 @@
           <a:p>
             <a:r>
               <a:rPr lang="en-US" dirty="0"/>
-              <a:t>example</a:t>
+              <a:t>Note BASIC</a:t>
             </a:r>
             <a:r>
               <a:rPr lang="en-US" baseline="0" dirty="0"/>
-              <a:t> of tested loops</a:t>
-            </a:r>
-          </a:p>
-          <a:p>
-            <a:r>
-              <a:rPr lang="en-US" baseline="0" dirty="0" err="1"/>
-              <a:t>Handin</a:t>
-            </a:r>
+              <a:t> includes the last index in the range for the for-loop</a:t>
+            </a:r>
+          </a:p>
+          <a:p>
             <a:r>
               <a:rPr lang="en-US" baseline="0" dirty="0"/>
-              <a:t>: make a more efficient algorithm</a:t>
+              <a:t>Needs keyword NEXT to indicate where the FOR loop ends</a:t>
+            </a:r>
+          </a:p>
+          <a:p>
+            <a:r>
+              <a:rPr lang="en-US" dirty="0"/>
+              <a:t>https://vice.pokefinder.org/ run x64.exe</a:t>
+            </a:r>
+          </a:p>
+          <a:p>
+            <a:r>
+              <a:rPr lang="en-US" dirty="0"/>
+              <a:t>Alt-D toggle full</a:t>
+            </a:r>
+            <a:r>
+              <a:rPr lang="en-US" baseline="0" dirty="0"/>
+              <a:t> screen</a:t>
+            </a:r>
+          </a:p>
+          <a:p>
+            <a:r>
+              <a:rPr lang="en-US" baseline="0" dirty="0"/>
+              <a:t>LIST : show program</a:t>
+            </a:r>
+          </a:p>
+          <a:p>
+            <a:r>
+              <a:rPr lang="en-US" baseline="0" dirty="0"/>
+              <a:t>RUN : run program</a:t>
+            </a:r>
+          </a:p>
+          <a:p>
+            <a:r>
+              <a:rPr lang="en-US" baseline="0" dirty="0"/>
+              <a:t>Alt-F12 : Hardware reset</a:t>
             </a:r>
             <a:endParaRPr lang="en-US" dirty="0"/>
           </a:p>
@@ -2233,7 +2222,7 @@
           <a:p>
             <a:fld id="{CD563DD8-32AB-41BE-B1C6-8EAC45222ACE}" type="slidenum">
               <a:rPr lang="en-US" smtClean="0"/>
-              <a:t>21</a:t>
+              <a:t>19</a:t>
             </a:fld>
             <a:endParaRPr lang="en-US"/>
           </a:p>
@@ -2242,7 +2231,7 @@
     </p:spTree>
     <p:extLst>
       <p:ext uri="{BB962C8B-B14F-4D97-AF65-F5344CB8AC3E}">
-        <p14:creationId xmlns:p14="http://schemas.microsoft.com/office/powerpoint/2010/main" val="1218980682"/>
+        <p14:creationId xmlns:p14="http://schemas.microsoft.com/office/powerpoint/2010/main" val="3621744206"/>
       </p:ext>
     </p:extLst>
   </p:cSld>
@@ -2296,84 +2285,64 @@
           <a:bodyPr/>
           <a:lstStyle/>
           <a:p>
+            <a:pPr marL="0" marR="0" lvl="0" indent="0" algn="l" defTabSz="914400" rtl="0" eaLnBrk="1" fontAlgn="auto" latinLnBrk="0" hangingPunct="1">
+              <a:lnSpc>
+                <a:spcPct val="100000"/>
+              </a:lnSpc>
+              <a:spcBef>
+                <a:spcPts val="0"/>
+              </a:spcBef>
+              <a:spcAft>
+                <a:spcPts val="0"/>
+              </a:spcAft>
+              <a:buClrTx/>
+              <a:buSzTx/>
+              <a:buFontTx/>
+              <a:buNone/>
+              <a:tabLst/>
+              <a:defRPr/>
+            </a:pPr>
+            <a:r>
+              <a:rPr lang="en-US" b="1" dirty="0"/>
+              <a:t>Microsoft BASIC for 6502 [1978]</a:t>
+            </a:r>
+          </a:p>
+          <a:p>
+            <a:r>
+              <a:rPr lang="en-US" sz="1200" b="1" kern="1200" dirty="0">
+                <a:solidFill>
+                  <a:schemeClr val="tx1"/>
+                </a:solidFill>
+                <a:latin typeface="+mn-lt"/>
+                <a:ea typeface="+mn-ea"/>
+                <a:cs typeface="+mn-cs"/>
+              </a:rPr>
+              <a:t>Bill Gates</a:t>
+            </a:r>
+            <a:r>
+              <a:rPr lang="en-US" sz="1200" kern="1200" dirty="0">
+                <a:solidFill>
+                  <a:schemeClr val="tx1"/>
+                </a:solidFill>
+                <a:latin typeface="+mn-lt"/>
+                <a:ea typeface="+mn-ea"/>
+                <a:cs typeface="+mn-cs"/>
+              </a:rPr>
+              <a:t>, Paul Allen, Monte Davidoff</a:t>
+            </a:r>
+            <a:endParaRPr lang="en-US" dirty="0"/>
+          </a:p>
+          <a:p>
             <a:r>
               <a:rPr lang="en-US" dirty="0"/>
-              <a:t>Possible optimizations:</a:t>
-            </a:r>
-            <a:endParaRPr lang="en-US" baseline="0" dirty="0"/>
-          </a:p>
-          <a:p>
-            <a:pPr marL="228600" indent="-228600">
-              <a:buAutoNum type="arabicParenR"/>
-            </a:pPr>
-            <a:r>
-              <a:rPr lang="en-US" baseline="0" dirty="0"/>
-              <a:t>Skip j if </a:t>
-            </a:r>
-            <a:r>
-              <a:rPr lang="en-US" b="1" baseline="0" dirty="0"/>
-              <a:t>prime[j] == False</a:t>
-            </a:r>
-          </a:p>
-          <a:p>
-            <a:pPr marL="228600" indent="-228600">
-              <a:buAutoNum type="arabicParenR"/>
-            </a:pPr>
-            <a:r>
-              <a:rPr lang="en-US" baseline="0" dirty="0"/>
-              <a:t>for i in range(2, </a:t>
-            </a:r>
-            <a:r>
-              <a:rPr lang="en-US" b="1" baseline="0" dirty="0" err="1"/>
-              <a:t>sqrt</a:t>
-            </a:r>
-            <a:r>
-              <a:rPr lang="en-US" b="1" baseline="0" dirty="0"/>
-              <a:t>(n)</a:t>
-            </a:r>
-            <a:r>
-              <a:rPr lang="en-US" baseline="0" dirty="0"/>
-              <a:t>)</a:t>
-            </a:r>
-          </a:p>
-          <a:p>
-            <a:pPr marL="228600" indent="-228600">
-              <a:buAutoNum type="arabicParenR"/>
-            </a:pPr>
+              <a:t>https://www.pagetable.com/?p=774</a:t>
+            </a:r>
+          </a:p>
+          <a:p>
             <a:r>
               <a:rPr lang="en-US" dirty="0"/>
-              <a:t>for</a:t>
-            </a:r>
-            <a:r>
-              <a:rPr lang="en-US" baseline="0" dirty="0"/>
-              <a:t> j in range(</a:t>
-            </a:r>
-            <a:r>
-              <a:rPr lang="en-US" b="1" baseline="0" dirty="0"/>
-              <a:t>i * i</a:t>
-            </a:r>
-            <a:r>
-              <a:rPr lang="en-US" baseline="0" dirty="0"/>
-              <a:t>, n + 1, </a:t>
-            </a:r>
-            <a:r>
-              <a:rPr lang="en-US" baseline="0" dirty="0" err="1"/>
-              <a:t>i</a:t>
-            </a:r>
-            <a:r>
-              <a:rPr lang="en-US" baseline="0" dirty="0"/>
-              <a:t>)</a:t>
-            </a:r>
-          </a:p>
-          <a:p>
-            <a:pPr marL="0" indent="0">
-              <a:buNone/>
-            </a:pPr>
-            <a:r>
-              <a:rPr lang="en-US" baseline="0" dirty="0"/>
-              <a:t>Run code</a:t>
-            </a:r>
-            <a:endParaRPr lang="en-US" dirty="0"/>
+              <a:t>(licensed by Commodore for the Commodore C64, released 1982)</a:t>
+            </a:r>
           </a:p>
         </p:txBody>
       </p:sp>
@@ -2394,7 +2363,7 @@
           <a:p>
             <a:fld id="{CD563DD8-32AB-41BE-B1C6-8EAC45222ACE}" type="slidenum">
               <a:rPr lang="en-US" smtClean="0"/>
-              <a:t>22</a:t>
+              <a:t>20</a:t>
             </a:fld>
             <a:endParaRPr lang="en-US"/>
           </a:p>
@@ -2403,7 +2372,7 @@
     </p:spTree>
     <p:extLst>
       <p:ext uri="{BB962C8B-B14F-4D97-AF65-F5344CB8AC3E}">
-        <p14:creationId xmlns:p14="http://schemas.microsoft.com/office/powerpoint/2010/main" val="817983497"/>
+        <p14:creationId xmlns:p14="http://schemas.microsoft.com/office/powerpoint/2010/main" val="2911469987"/>
       </p:ext>
     </p:extLst>
   </p:cSld>
@@ -2458,22 +2427,22 @@
           <a:lstStyle/>
           <a:p>
             <a:r>
-              <a:rPr lang="en-US" dirty="0" err="1"/>
-              <a:t>L.index</a:t>
-            </a:r>
-            <a:r>
               <a:rPr lang="en-US" dirty="0"/>
-              <a:t>(x) can only be called if x in L, otherwise an exception is raised</a:t>
-            </a:r>
-          </a:p>
-          <a:p>
-            <a:r>
-              <a:rPr lang="en-US" dirty="0"/>
-              <a:t>Last version also scans L two times (“in” and </a:t>
-            </a:r>
-            <a:r>
-              <a:rPr lang="en-US"/>
-              <a:t>“.index”)</a:t>
+              <a:t>example</a:t>
+            </a:r>
+            <a:r>
+              <a:rPr lang="en-US" baseline="0" dirty="0"/>
+              <a:t> of tested loops</a:t>
+            </a:r>
+          </a:p>
+          <a:p>
+            <a:r>
+              <a:rPr lang="en-US" baseline="0" dirty="0" err="1"/>
+              <a:t>Handin</a:t>
+            </a:r>
+            <a:r>
+              <a:rPr lang="en-US" baseline="0" dirty="0"/>
+              <a:t>: make a more efficient algorithm</a:t>
             </a:r>
             <a:endParaRPr lang="en-US" dirty="0"/>
           </a:p>
@@ -2496,7 +2465,7 @@
           <a:p>
             <a:fld id="{CD563DD8-32AB-41BE-B1C6-8EAC45222ACE}" type="slidenum">
               <a:rPr lang="en-US" smtClean="0"/>
-              <a:t>24</a:t>
+              <a:t>21</a:t>
             </a:fld>
             <a:endParaRPr lang="en-US"/>
           </a:p>
@@ -2505,7 +2474,7 @@
     </p:spTree>
     <p:extLst>
       <p:ext uri="{BB962C8B-B14F-4D97-AF65-F5344CB8AC3E}">
-        <p14:creationId xmlns:p14="http://schemas.microsoft.com/office/powerpoint/2010/main" val="160988225"/>
+        <p14:creationId xmlns:p14="http://schemas.microsoft.com/office/powerpoint/2010/main" val="1218980682"/>
       </p:ext>
     </p:extLst>
   </p:cSld>
@@ -2561,8 +2530,82 @@
           <a:p>
             <a:r>
               <a:rPr lang="en-US" dirty="0"/>
-              <a:t>Recall strings are immutable</a:t>
-            </a:r>
+              <a:t>Possible optimizations:</a:t>
+            </a:r>
+            <a:endParaRPr lang="en-US" baseline="0" dirty="0"/>
+          </a:p>
+          <a:p>
+            <a:pPr marL="228600" indent="-228600">
+              <a:buAutoNum type="arabicParenR"/>
+            </a:pPr>
+            <a:r>
+              <a:rPr lang="en-US" baseline="0" dirty="0"/>
+              <a:t>Skip j if </a:t>
+            </a:r>
+            <a:r>
+              <a:rPr lang="en-US" b="1" baseline="0" dirty="0"/>
+              <a:t>prime[j] == False</a:t>
+            </a:r>
+          </a:p>
+          <a:p>
+            <a:pPr marL="228600" indent="-228600">
+              <a:buAutoNum type="arabicParenR"/>
+            </a:pPr>
+            <a:r>
+              <a:rPr lang="en-US" baseline="0" dirty="0"/>
+              <a:t>for i in range(2, </a:t>
+            </a:r>
+            <a:r>
+              <a:rPr lang="en-US" b="1" baseline="0" dirty="0" err="1"/>
+              <a:t>sqrt</a:t>
+            </a:r>
+            <a:r>
+              <a:rPr lang="en-US" b="1" baseline="0" dirty="0"/>
+              <a:t>(n)</a:t>
+            </a:r>
+            <a:r>
+              <a:rPr lang="en-US" baseline="0" dirty="0"/>
+              <a:t>)</a:t>
+            </a:r>
+          </a:p>
+          <a:p>
+            <a:pPr marL="228600" indent="-228600">
+              <a:buAutoNum type="arabicParenR"/>
+            </a:pPr>
+            <a:r>
+              <a:rPr lang="en-US" dirty="0"/>
+              <a:t>for</a:t>
+            </a:r>
+            <a:r>
+              <a:rPr lang="en-US" baseline="0" dirty="0"/>
+              <a:t> j in range(</a:t>
+            </a:r>
+            <a:r>
+              <a:rPr lang="en-US" b="1" baseline="0" dirty="0"/>
+              <a:t>i * i</a:t>
+            </a:r>
+            <a:r>
+              <a:rPr lang="en-US" baseline="0" dirty="0"/>
+              <a:t>, n + 1, </a:t>
+            </a:r>
+            <a:r>
+              <a:rPr lang="en-US" baseline="0" dirty="0" err="1"/>
+              <a:t>i</a:t>
+            </a:r>
+            <a:r>
+              <a:rPr lang="en-US" baseline="0" dirty="0"/>
+              <a:t>)</a:t>
+            </a:r>
+          </a:p>
+          <a:p>
+            <a:pPr marL="0" indent="0">
+              <a:buNone/>
+            </a:pPr>
+            <a:r>
+              <a:rPr lang="en-US" baseline="0" dirty="0"/>
+              <a:t>Run code</a:t>
+            </a:r>
+            <a:endParaRPr lang="en-US" dirty="0"/>
           </a:p>
         </p:txBody>
       </p:sp>
@@ -2583,7 +2626,7 @@
           <a:p>
             <a:fld id="{CD563DD8-32AB-41BE-B1C6-8EAC45222ACE}" type="slidenum">
               <a:rPr lang="en-US" smtClean="0"/>
-              <a:t>26</a:t>
+              <a:t>22</a:t>
             </a:fld>
             <a:endParaRPr lang="en-US"/>
           </a:p>
@@ -2592,7 +2635,7 @@
     </p:spTree>
     <p:extLst>
       <p:ext uri="{BB962C8B-B14F-4D97-AF65-F5344CB8AC3E}">
-        <p14:creationId xmlns:p14="http://schemas.microsoft.com/office/powerpoint/2010/main" val="1129669421"/>
+        <p14:creationId xmlns:p14="http://schemas.microsoft.com/office/powerpoint/2010/main" val="817983497"/>
       </p:ext>
     </p:extLst>
   </p:cSld>
@@ -2647,46 +2690,24 @@
           <a:lstStyle/>
           <a:p>
             <a:r>
-              <a:rPr lang="da-DK" dirty="0" err="1"/>
-              <a:t>time.time</a:t>
-            </a:r>
-            <a:r>
-              <a:rPr lang="da-DK" dirty="0"/>
-              <a:t>() returns the </a:t>
-            </a:r>
-            <a:r>
-              <a:rPr lang="da-DK" dirty="0" err="1"/>
-              <a:t>number</a:t>
-            </a:r>
-            <a:r>
-              <a:rPr lang="da-DK" dirty="0"/>
-              <a:t> of </a:t>
-            </a:r>
-            <a:r>
-              <a:rPr lang="da-DK" dirty="0" err="1"/>
-              <a:t>seconds</a:t>
-            </a:r>
-            <a:r>
-              <a:rPr lang="da-DK" dirty="0"/>
-              <a:t> </a:t>
-            </a:r>
-            <a:r>
-              <a:rPr lang="da-DK" dirty="0" err="1"/>
-              <a:t>since</a:t>
-            </a:r>
-            <a:r>
-              <a:rPr lang="da-DK" dirty="0"/>
-              <a:t> J</a:t>
-            </a:r>
-            <a:r>
               <a:rPr lang="en-US" dirty="0" err="1"/>
-              <a:t>anuary</a:t>
+              <a:t>L.index</a:t>
             </a:r>
             <a:r>
               <a:rPr lang="en-US" dirty="0"/>
-              <a:t> 1, 1970, 00:00:00 (UTC)</a:t>
-            </a:r>
-            <a:endParaRPr lang="da-DK" dirty="0"/>
+              <a:t>(x) can only be called if x in L, otherwise an exception is raised</a:t>
+            </a:r>
+          </a:p>
+          <a:p>
+            <a:r>
+              <a:rPr lang="en-US" dirty="0"/>
+              <a:t>Last version also scans L two times (“in” and </a:t>
+            </a:r>
+            <a:r>
+              <a:rPr lang="en-US"/>
+              <a:t>“.index”)</a:t>
+            </a:r>
+            <a:endParaRPr lang="en-US" dirty="0"/>
           </a:p>
         </p:txBody>
       </p:sp>
@@ -2697,7 +2718,7 @@
             <a:spLocks noGrp="1"/>
           </p:cNvSpPr>
           <p:nvPr>
-            <p:ph type="sldNum" sz="quarter" idx="5"/>
+            <p:ph type="sldNum" sz="quarter" idx="10"/>
           </p:nvPr>
         </p:nvSpPr>
         <p:spPr/>
@@ -2707,7 +2728,7 @@
           <a:p>
             <a:fld id="{CD563DD8-32AB-41BE-B1C6-8EAC45222ACE}" type="slidenum">
               <a:rPr lang="en-US" smtClean="0"/>
-              <a:t>27</a:t>
+              <a:t>24</a:t>
             </a:fld>
             <a:endParaRPr lang="en-US"/>
           </a:p>
@@ -2716,7 +2737,7 @@
     </p:spTree>
     <p:extLst>
       <p:ext uri="{BB962C8B-B14F-4D97-AF65-F5344CB8AC3E}">
-        <p14:creationId xmlns:p14="http://schemas.microsoft.com/office/powerpoint/2010/main" val="2233545429"/>
+        <p14:creationId xmlns:p14="http://schemas.microsoft.com/office/powerpoint/2010/main" val="160988225"/>
       </p:ext>
     </p:extLst>
   </p:cSld>
@@ -2772,13 +2793,35 @@
           <a:p>
             <a:r>
               <a:rPr lang="en-US" dirty="0"/>
-              <a:t>In source code</a:t>
-            </a:r>
-            <a:r>
-              <a:rPr lang="en-US" baseline="0" dirty="0"/>
-              <a:t> search for “&gt;&gt; 3”</a:t>
-            </a:r>
+              <a:t>Recall strings are immutable</a:t>
+            </a:r>
+          </a:p>
+          <a:p>
             <a:endParaRPr lang="en-US" dirty="0"/>
+          </a:p>
+          <a:p>
+            <a:r>
+              <a:rPr lang="en-US" dirty="0"/>
+              <a:t>Below allocates 1000 GB… but most garbage collected</a:t>
+            </a:r>
+          </a:p>
+          <a:p>
+            <a:r>
+              <a:rPr lang="en-US" dirty="0"/>
+              <a:t>s = ''</a:t>
+            </a:r>
+          </a:p>
+          <a:p>
+            <a:r>
+              <a:rPr lang="en-US" dirty="0"/>
+              <a:t>for x in range(1_000_000):</a:t>
+            </a:r>
+          </a:p>
+          <a:p>
+            <a:r>
+              <a:rPr lang="en-US" dirty="0"/>
+              <a:t>    s += 'x'</a:t>
+            </a:r>
           </a:p>
         </p:txBody>
       </p:sp>
@@ -2799,6 +2842,222 @@
           <a:p>
             <a:fld id="{CD563DD8-32AB-41BE-B1C6-8EAC45222ACE}" type="slidenum">
               <a:rPr lang="en-US" smtClean="0"/>
+              <a:t>26</a:t>
+            </a:fld>
+            <a:endParaRPr lang="en-US"/>
+          </a:p>
+        </p:txBody>
+      </p:sp>
+    </p:spTree>
+    <p:extLst>
+      <p:ext uri="{BB962C8B-B14F-4D97-AF65-F5344CB8AC3E}">
+        <p14:creationId xmlns:p14="http://schemas.microsoft.com/office/powerpoint/2010/main" val="1129669421"/>
+      </p:ext>
+    </p:extLst>
+  </p:cSld>
+  <p:clrMapOvr>
+    <a:masterClrMapping/>
+  </p:clrMapOvr>
+</p:notes>
+</file>
+
+<file path=ppt/notesSlides/notesSlide17.xml><?xml version="1.0" encoding="utf-8"?>
+<p:notes xmlns:a="http://schemas.openxmlformats.org/drawingml/2006/main" xmlns:r="http://schemas.openxmlformats.org/officeDocument/2006/relationships" xmlns:p="http://schemas.openxmlformats.org/presentationml/2006/main">
+  <p:cSld>
+    <p:spTree>
+      <p:nvGrpSpPr>
+        <p:cNvPr id="1" name=""/>
+        <p:cNvGrpSpPr/>
+        <p:nvPr/>
+      </p:nvGrpSpPr>
+      <p:grpSpPr>
+        <a:xfrm>
+          <a:off x="0" y="0"/>
+          <a:ext cx="0" cy="0"/>
+          <a:chOff x="0" y="0"/>
+          <a:chExt cx="0" cy="0"/>
+        </a:xfrm>
+      </p:grpSpPr>
+      <p:sp>
+        <p:nvSpPr>
+          <p:cNvPr id="2" name="Slide Image Placeholder 1"/>
+          <p:cNvSpPr>
+            <a:spLocks noGrp="1" noRot="1" noChangeAspect="1"/>
+          </p:cNvSpPr>
+          <p:nvPr>
+            <p:ph type="sldImg"/>
+          </p:nvPr>
+        </p:nvSpPr>
+        <p:spPr/>
+      </p:sp>
+      <p:sp>
+        <p:nvSpPr>
+          <p:cNvPr id="3" name="Notes Placeholder 2"/>
+          <p:cNvSpPr>
+            <a:spLocks noGrp="1"/>
+          </p:cNvSpPr>
+          <p:nvPr>
+            <p:ph type="body" idx="1"/>
+          </p:nvPr>
+        </p:nvSpPr>
+        <p:spPr/>
+        <p:txBody>
+          <a:bodyPr/>
+          <a:lstStyle/>
+          <a:p>
+            <a:r>
+              <a:rPr lang="da-DK" dirty="0" err="1"/>
+              <a:t>time.time</a:t>
+            </a:r>
+            <a:r>
+              <a:rPr lang="da-DK" dirty="0"/>
+              <a:t>() returns the </a:t>
+            </a:r>
+            <a:r>
+              <a:rPr lang="da-DK" dirty="0" err="1"/>
+              <a:t>number</a:t>
+            </a:r>
+            <a:r>
+              <a:rPr lang="da-DK" dirty="0"/>
+              <a:t> of </a:t>
+            </a:r>
+            <a:r>
+              <a:rPr lang="da-DK" dirty="0" err="1"/>
+              <a:t>seconds</a:t>
+            </a:r>
+            <a:r>
+              <a:rPr lang="da-DK" dirty="0"/>
+              <a:t> </a:t>
+            </a:r>
+            <a:r>
+              <a:rPr lang="da-DK" dirty="0" err="1"/>
+              <a:t>since</a:t>
+            </a:r>
+            <a:r>
+              <a:rPr lang="da-DK" dirty="0"/>
+              <a:t> J</a:t>
+            </a:r>
+            <a:r>
+              <a:rPr lang="en-US" dirty="0" err="1"/>
+              <a:t>anuary</a:t>
+            </a:r>
+            <a:r>
+              <a:rPr lang="en-US" dirty="0"/>
+              <a:t> 1, 1970, 00:00:00 (UTC)</a:t>
+            </a:r>
+            <a:endParaRPr lang="da-DK" dirty="0"/>
+          </a:p>
+        </p:txBody>
+      </p:sp>
+      <p:sp>
+        <p:nvSpPr>
+          <p:cNvPr id="4" name="Slide Number Placeholder 3"/>
+          <p:cNvSpPr>
+            <a:spLocks noGrp="1"/>
+          </p:cNvSpPr>
+          <p:nvPr>
+            <p:ph type="sldNum" sz="quarter" idx="5"/>
+          </p:nvPr>
+        </p:nvSpPr>
+        <p:spPr/>
+        <p:txBody>
+          <a:bodyPr/>
+          <a:lstStyle/>
+          <a:p>
+            <a:fld id="{CD563DD8-32AB-41BE-B1C6-8EAC45222ACE}" type="slidenum">
+              <a:rPr lang="en-US" smtClean="0"/>
+              <a:t>27</a:t>
+            </a:fld>
+            <a:endParaRPr lang="en-US"/>
+          </a:p>
+        </p:txBody>
+      </p:sp>
+    </p:spTree>
+    <p:extLst>
+      <p:ext uri="{BB962C8B-B14F-4D97-AF65-F5344CB8AC3E}">
+        <p14:creationId xmlns:p14="http://schemas.microsoft.com/office/powerpoint/2010/main" val="2233545429"/>
+      </p:ext>
+    </p:extLst>
+  </p:cSld>
+  <p:clrMapOvr>
+    <a:masterClrMapping/>
+  </p:clrMapOvr>
+</p:notes>
+</file>
+
+<file path=ppt/notesSlides/notesSlide18.xml><?xml version="1.0" encoding="utf-8"?>
+<p:notes xmlns:a="http://schemas.openxmlformats.org/drawingml/2006/main" xmlns:r="http://schemas.openxmlformats.org/officeDocument/2006/relationships" xmlns:p="http://schemas.openxmlformats.org/presentationml/2006/main">
+  <p:cSld>
+    <p:spTree>
+      <p:nvGrpSpPr>
+        <p:cNvPr id="1" name=""/>
+        <p:cNvGrpSpPr/>
+        <p:nvPr/>
+      </p:nvGrpSpPr>
+      <p:grpSpPr>
+        <a:xfrm>
+          <a:off x="0" y="0"/>
+          <a:ext cx="0" cy="0"/>
+          <a:chOff x="0" y="0"/>
+          <a:chExt cx="0" cy="0"/>
+        </a:xfrm>
+      </p:grpSpPr>
+      <p:sp>
+        <p:nvSpPr>
+          <p:cNvPr id="2" name="Slide Image Placeholder 1"/>
+          <p:cNvSpPr>
+            <a:spLocks noGrp="1" noRot="1" noChangeAspect="1"/>
+          </p:cNvSpPr>
+          <p:nvPr>
+            <p:ph type="sldImg"/>
+          </p:nvPr>
+        </p:nvSpPr>
+        <p:spPr/>
+      </p:sp>
+      <p:sp>
+        <p:nvSpPr>
+          <p:cNvPr id="3" name="Notes Placeholder 2"/>
+          <p:cNvSpPr>
+            <a:spLocks noGrp="1"/>
+          </p:cNvSpPr>
+          <p:nvPr>
+            <p:ph type="body" idx="1"/>
+          </p:nvPr>
+        </p:nvSpPr>
+        <p:spPr/>
+        <p:txBody>
+          <a:bodyPr/>
+          <a:lstStyle/>
+          <a:p>
+            <a:r>
+              <a:rPr lang="en-US" dirty="0"/>
+              <a:t>In source code</a:t>
+            </a:r>
+            <a:r>
+              <a:rPr lang="en-US" baseline="0" dirty="0"/>
+              <a:t> search for “&gt;&gt; 3”</a:t>
+            </a:r>
+            <a:endParaRPr lang="en-US" dirty="0"/>
+          </a:p>
+        </p:txBody>
+      </p:sp>
+      <p:sp>
+        <p:nvSpPr>
+          <p:cNvPr id="4" name="Slide Number Placeholder 3"/>
+          <p:cNvSpPr>
+            <a:spLocks noGrp="1"/>
+          </p:cNvSpPr>
+          <p:nvPr>
+            <p:ph type="sldNum" sz="quarter" idx="10"/>
+          </p:nvPr>
+        </p:nvSpPr>
+        <p:spPr/>
+        <p:txBody>
+          <a:bodyPr/>
+          <a:lstStyle/>
+          <a:p>
+            <a:fld id="{CD563DD8-32AB-41BE-B1C6-8EAC45222ACE}" type="slidenum">
+              <a:rPr lang="en-US" smtClean="0"/>
               <a:t>28</a:t>
             </a:fld>
             <a:endParaRPr lang="en-US"/>
@@ -2818,7 +3077,7 @@
 </p:notes>
 </file>
 
-<file path=ppt/notesSlides/notesSlide17.xml><?xml version="1.0" encoding="utf-8"?>
+<file path=ppt/notesSlides/notesSlide19.xml><?xml version="1.0" encoding="utf-8"?>
 <p:notes xmlns:a="http://schemas.openxmlformats.org/drawingml/2006/main" xmlns:r="http://schemas.openxmlformats.org/officeDocument/2006/relationships" xmlns:p="http://schemas.openxmlformats.org/presentationml/2006/main">
   <p:cSld>
     <p:spTree>
@@ -3400,23 +3659,46 @@
           <a:p>
             <a:r>
               <a:rPr lang="en-US" dirty="0"/>
-              <a:t>NOTE </a:t>
-            </a:r>
-            <a:r>
-              <a:rPr lang="en-US" b="1" dirty="0"/>
-              <a:t>i</a:t>
-            </a:r>
+              <a:t>In pythonturor.com</a:t>
+            </a:r>
+          </a:p>
+          <a:p>
+            <a:endParaRPr lang="en-US" dirty="0"/>
+          </a:p>
+          <a:p>
             <a:r>
               <a:rPr lang="en-US" dirty="0"/>
-              <a:t> in 2</a:t>
-            </a:r>
-            <a:r>
-              <a:rPr lang="en-US" baseline="30000" dirty="0"/>
-              <a:t>nd</a:t>
-            </a:r>
+              <a:t>a = [1]</a:t>
+            </a:r>
+          </a:p>
+          <a:p>
             <a:r>
               <a:rPr lang="en-US" dirty="0"/>
-              <a:t> for-loop</a:t>
+              <a:t>b = a * 3</a:t>
+            </a:r>
+          </a:p>
+          <a:p>
+            <a:r>
+              <a:rPr lang="en-US" dirty="0"/>
+              <a:t>c = [b]</a:t>
+            </a:r>
+          </a:p>
+          <a:p>
+            <a:r>
+              <a:rPr lang="en-US" dirty="0"/>
+              <a:t>d = c * 3</a:t>
+            </a:r>
+          </a:p>
+          <a:p>
+            <a:r>
+              <a:rPr lang="en-US" dirty="0"/>
+              <a:t>d[0][0] = 42</a:t>
+            </a:r>
+          </a:p>
+          <a:p>
+            <a:r>
+              <a:rPr lang="en-US" dirty="0"/>
+              <a:t>print(d)</a:t>
             </a:r>
           </a:p>
         </p:txBody>
@@ -3428,7 +3710,7 @@
             <a:spLocks noGrp="1"/>
           </p:cNvSpPr>
           <p:nvPr>
-            <p:ph type="sldNum" sz="quarter" idx="10"/>
+            <p:ph type="sldNum" sz="quarter" idx="5"/>
           </p:nvPr>
         </p:nvSpPr>
         <p:spPr/>
@@ -3438,7 +3720,7 @@
           <a:p>
             <a:fld id="{CD563DD8-32AB-41BE-B1C6-8EAC45222ACE}" type="slidenum">
               <a:rPr lang="en-US" smtClean="0"/>
-              <a:t>17</a:t>
+              <a:t>13</a:t>
             </a:fld>
             <a:endParaRPr lang="en-US"/>
           </a:p>
@@ -3447,7 +3729,7 @@
     </p:spTree>
     <p:extLst>
       <p:ext uri="{BB962C8B-B14F-4D97-AF65-F5344CB8AC3E}">
-        <p14:creationId xmlns:p14="http://schemas.microsoft.com/office/powerpoint/2010/main" val="4184457804"/>
+        <p14:creationId xmlns:p14="http://schemas.microsoft.com/office/powerpoint/2010/main" val="1481669888"/>
       </p:ext>
     </p:extLst>
   </p:cSld>
@@ -3503,20 +3785,40 @@
           <a:p>
             <a:r>
               <a:rPr lang="en-US" dirty="0"/>
-              <a:t>NOTE i in </a:t>
-            </a:r>
-            <a:r>
-              <a:rPr lang="en-US"/>
-              <a:t>2</a:t>
-            </a:r>
-            <a:r>
-              <a:rPr lang="en-US" baseline="30000"/>
-              <a:t>nd</a:t>
-            </a:r>
-            <a:r>
-              <a:rPr lang="en-US"/>
-              <a:t> for-loop</a:t>
-            </a:r>
+              <a:t>for x in range(20):</a:t>
+            </a:r>
+          </a:p>
+          <a:p>
+            <a:r>
+              <a:rPr lang="en-US" dirty="0"/>
+              <a:t>    if x % 3 == 0:</a:t>
+            </a:r>
+          </a:p>
+          <a:p>
+            <a:r>
+              <a:rPr lang="en-US" dirty="0"/>
+              <a:t>        continue</a:t>
+            </a:r>
+          </a:p>
+          <a:p>
+            <a:r>
+              <a:rPr lang="en-US" dirty="0"/>
+              <a:t>    print(x)</a:t>
+            </a:r>
+          </a:p>
+          <a:p>
+            <a:r>
+              <a:rPr lang="en-US" dirty="0"/>
+              <a:t>    if x &gt; 12:</a:t>
+            </a:r>
+          </a:p>
+          <a:p>
+            <a:r>
+              <a:rPr lang="en-US" dirty="0"/>
+              <a:t>        break</a:t>
+            </a:r>
+          </a:p>
+          <a:p>
             <a:endParaRPr lang="en-US" dirty="0"/>
           </a:p>
         </p:txBody>
@@ -3528,7 +3830,7 @@
             <a:spLocks noGrp="1"/>
           </p:cNvSpPr>
           <p:nvPr>
-            <p:ph type="sldNum" sz="quarter" idx="10"/>
+            <p:ph type="sldNum" sz="quarter" idx="5"/>
           </p:nvPr>
         </p:nvSpPr>
         <p:spPr/>
@@ -3538,7 +3840,7 @@
           <a:p>
             <a:fld id="{CD563DD8-32AB-41BE-B1C6-8EAC45222ACE}" type="slidenum">
               <a:rPr lang="en-US" smtClean="0"/>
-              <a:t>18</a:t>
+              <a:t>16</a:t>
             </a:fld>
             <a:endParaRPr lang="en-US"/>
           </a:p>
@@ -3547,7 +3849,7 @@
     </p:spTree>
     <p:extLst>
       <p:ext uri="{BB962C8B-B14F-4D97-AF65-F5344CB8AC3E}">
-        <p14:creationId xmlns:p14="http://schemas.microsoft.com/office/powerpoint/2010/main" val="3366940037"/>
+        <p14:creationId xmlns:p14="http://schemas.microsoft.com/office/powerpoint/2010/main" val="1937481628"/>
       </p:ext>
     </p:extLst>
   </p:cSld>
@@ -3603,53 +3905,24 @@
           <a:p>
             <a:r>
               <a:rPr lang="en-US" dirty="0"/>
-              <a:t>Note BASIC</a:t>
-            </a:r>
-            <a:r>
-              <a:rPr lang="en-US" baseline="0" dirty="0"/>
-              <a:t> includes the last index in the range for the for-loop</a:t>
-            </a:r>
-          </a:p>
-          <a:p>
-            <a:r>
-              <a:rPr lang="en-US" baseline="0" dirty="0"/>
-              <a:t>Needs keyword NEXT to indicate where the FOR loop ends</a:t>
-            </a:r>
-          </a:p>
-          <a:p>
+              <a:t>NOTE </a:t>
+            </a:r>
+            <a:r>
+              <a:rPr lang="en-US" b="1" dirty="0"/>
+              <a:t>i</a:t>
+            </a:r>
             <a:r>
               <a:rPr lang="en-US" dirty="0"/>
-              <a:t>https://vice.pokefinder.org/ run x64.exe</a:t>
-            </a:r>
-          </a:p>
-          <a:p>
+              <a:t> in 2</a:t>
+            </a:r>
+            <a:r>
+              <a:rPr lang="en-US" baseline="30000" dirty="0"/>
+              <a:t>nd</a:t>
+            </a:r>
             <a:r>
               <a:rPr lang="en-US" dirty="0"/>
-              <a:t>Alt-D toggle full</a:t>
-            </a:r>
-            <a:r>
-              <a:rPr lang="en-US" baseline="0" dirty="0"/>
-              <a:t> screen</a:t>
-            </a:r>
-          </a:p>
-          <a:p>
-            <a:r>
-              <a:rPr lang="en-US" baseline="0" dirty="0"/>
-              <a:t>LIST : show program</a:t>
-            </a:r>
-          </a:p>
-          <a:p>
-            <a:r>
-              <a:rPr lang="en-US" baseline="0" dirty="0"/>
-              <a:t>RUN : run program</a:t>
-            </a:r>
-          </a:p>
-          <a:p>
-            <a:r>
-              <a:rPr lang="en-US" baseline="0" dirty="0"/>
-              <a:t>Alt-F12 : Hardware reset</a:t>
-            </a:r>
-            <a:endParaRPr lang="en-US" dirty="0"/>
+              <a:t> for-loop</a:t>
+            </a:r>
           </a:p>
         </p:txBody>
       </p:sp>
@@ -3670,7 +3943,7 @@
           <a:p>
             <a:fld id="{CD563DD8-32AB-41BE-B1C6-8EAC45222ACE}" type="slidenum">
               <a:rPr lang="en-US" smtClean="0"/>
-              <a:t>19</a:t>
+              <a:t>17</a:t>
             </a:fld>
             <a:endParaRPr lang="en-US"/>
           </a:p>
@@ -3679,7 +3952,7 @@
     </p:spTree>
     <p:extLst>
       <p:ext uri="{BB962C8B-B14F-4D97-AF65-F5344CB8AC3E}">
-        <p14:creationId xmlns:p14="http://schemas.microsoft.com/office/powerpoint/2010/main" val="3621744206"/>
+        <p14:creationId xmlns:p14="http://schemas.microsoft.com/office/powerpoint/2010/main" val="4184457804"/>
       </p:ext>
     </p:extLst>
   </p:cSld>
@@ -3826,7 +4099,7 @@
           <a:p>
             <a:fld id="{0560A9CD-0304-4E0B-9E82-E7E0115DE05B}" type="datetimeFigureOut">
               <a:rPr lang="en-US" smtClean="0"/>
-              <a:t>2/3/2026</a:t>
+              <a:t>2/9/2026</a:t>
             </a:fld>
             <a:endParaRPr lang="en-US"/>
           </a:p>
@@ -3994,7 +4267,7 @@
           <a:p>
             <a:fld id="{0560A9CD-0304-4E0B-9E82-E7E0115DE05B}" type="datetimeFigureOut">
               <a:rPr lang="en-US" smtClean="0"/>
-              <a:t>2/3/2026</a:t>
+              <a:t>2/9/2026</a:t>
             </a:fld>
             <a:endParaRPr lang="en-US"/>
           </a:p>
@@ -4172,7 +4445,7 @@
           <a:p>
             <a:fld id="{0560A9CD-0304-4E0B-9E82-E7E0115DE05B}" type="datetimeFigureOut">
               <a:rPr lang="en-US" smtClean="0"/>
-              <a:t>2/3/2026</a:t>
+              <a:t>2/9/2026</a:t>
             </a:fld>
             <a:endParaRPr lang="en-US"/>
           </a:p>
@@ -4349,7 +4622,7 @@
           <a:p>
             <a:fld id="{0560A9CD-0304-4E0B-9E82-E7E0115DE05B}" type="datetimeFigureOut">
               <a:rPr lang="en-US" smtClean="0"/>
-              <a:t>2/3/2026</a:t>
+              <a:t>2/9/2026</a:t>
             </a:fld>
             <a:endParaRPr lang="en-US"/>
           </a:p>
@@ -4594,7 +4867,7 @@
           <a:p>
             <a:fld id="{0560A9CD-0304-4E0B-9E82-E7E0115DE05B}" type="datetimeFigureOut">
               <a:rPr lang="en-US" smtClean="0"/>
-              <a:t>2/3/2026</a:t>
+              <a:t>2/9/2026</a:t>
             </a:fld>
             <a:endParaRPr lang="en-US"/>
           </a:p>
@@ -4823,7 +5096,7 @@
           <a:p>
             <a:fld id="{0560A9CD-0304-4E0B-9E82-E7E0115DE05B}" type="datetimeFigureOut">
               <a:rPr lang="en-US" smtClean="0"/>
-              <a:t>2/3/2026</a:t>
+              <a:t>2/9/2026</a:t>
             </a:fld>
             <a:endParaRPr lang="en-US"/>
           </a:p>
@@ -5187,7 +5460,7 @@
           <a:p>
             <a:fld id="{0560A9CD-0304-4E0B-9E82-E7E0115DE05B}" type="datetimeFigureOut">
               <a:rPr lang="en-US" smtClean="0"/>
-              <a:t>2/3/2026</a:t>
+              <a:t>2/9/2026</a:t>
             </a:fld>
             <a:endParaRPr lang="en-US"/>
           </a:p>
@@ -5304,7 +5577,7 @@
           <a:p>
             <a:fld id="{0560A9CD-0304-4E0B-9E82-E7E0115DE05B}" type="datetimeFigureOut">
               <a:rPr lang="en-US" smtClean="0"/>
-              <a:t>2/3/2026</a:t>
+              <a:t>2/9/2026</a:t>
             </a:fld>
             <a:endParaRPr lang="en-US"/>
           </a:p>
@@ -5399,7 +5672,7 @@
           <a:p>
             <a:fld id="{0560A9CD-0304-4E0B-9E82-E7E0115DE05B}" type="datetimeFigureOut">
               <a:rPr lang="en-US" smtClean="0"/>
-              <a:t>2/3/2026</a:t>
+              <a:t>2/9/2026</a:t>
             </a:fld>
             <a:endParaRPr lang="en-US"/>
           </a:p>
@@ -5674,7 +5947,7 @@
           <a:p>
             <a:fld id="{0560A9CD-0304-4E0B-9E82-E7E0115DE05B}" type="datetimeFigureOut">
               <a:rPr lang="en-US" smtClean="0"/>
-              <a:t>2/3/2026</a:t>
+              <a:t>2/9/2026</a:t>
             </a:fld>
             <a:endParaRPr lang="en-US"/>
           </a:p>
@@ -5926,7 +6199,7 @@
           <a:p>
             <a:fld id="{0560A9CD-0304-4E0B-9E82-E7E0115DE05B}" type="datetimeFigureOut">
               <a:rPr lang="en-US" smtClean="0"/>
-              <a:t>2/3/2026</a:t>
+              <a:t>2/9/2026</a:t>
             </a:fld>
             <a:endParaRPr lang="en-US"/>
           </a:p>
@@ -6137,7 +6410,7 @@
           <a:p>
             <a:fld id="{0560A9CD-0304-4E0B-9E82-E7E0115DE05B}" type="datetimeFigureOut">
               <a:rPr lang="en-US" smtClean="0"/>
-              <a:t>2/3/2026</a:t>
+              <a:t>2/9/2026</a:t>
             </a:fld>
             <a:endParaRPr lang="en-US"/>
           </a:p>
@@ -16588,7 +16861,7 @@
           <p:nvPr/>
         </p:nvPicPr>
         <p:blipFill>
-          <a:blip r:embed="rId2" cstate="print">
+          <a:blip r:embed="rId3" cstate="print">
             <a:extLst>
               <a:ext uri="{28A0092B-C50C-407E-A947-70E740481C1C}">
                 <a14:useLocalDpi xmlns:a14="http://schemas.microsoft.com/office/drawing/2010/main" val="0"/>
@@ -29189,8 +29462,8 @@
         </p:nvSpPr>
         <p:spPr>
           <a:xfrm>
-            <a:off x="1686048" y="5701138"/>
-            <a:ext cx="3359915" cy="646331"/>
+            <a:off x="1355768" y="5701138"/>
+            <a:ext cx="4563034" cy="646331"/>
           </a:xfrm>
           <a:prstGeom prst="rect">
             <a:avLst/>
@@ -29204,6 +29477,40 @@
           <a:lstStyle/>
           <a:p>
             <a:pPr algn="ctr"/>
+            <a:r>
+              <a:rPr lang="en-US" noProof="0" dirty="0" err="1">
+                <a:solidFill>
+                  <a:srgbClr val="C00000"/>
+                </a:solidFill>
+                <a:latin typeface="Courier"/>
+              </a:rPr>
+              <a:t>L.insert</a:t>
+            </a:r>
+            <a:r>
+              <a:rPr lang="en-US" noProof="0" dirty="0">
+                <a:solidFill>
+                  <a:srgbClr val="C00000"/>
+                </a:solidFill>
+                <a:latin typeface="Courier"/>
+              </a:rPr>
+              <a:t>(I, 42)</a:t>
+            </a:r>
+            <a:r>
+              <a:rPr lang="en-US" noProof="0" dirty="0">
+                <a:solidFill>
+                  <a:srgbClr val="C00000"/>
+                </a:solidFill>
+              </a:rPr>
+              <a:t> </a:t>
+            </a:r>
+            <a:r>
+              <a:rPr lang="en-US" dirty="0">
+                <a:solidFill>
+                  <a:srgbClr val="C00000"/>
+                </a:solidFill>
+              </a:rPr>
+              <a:t>or </a:t>
+            </a:r>
             <a:r>
               <a:rPr lang="en-US" noProof="0" dirty="0">
                 <a:solidFill>
